--- a/JS Fundamentals/9.DOM&CSS/DOM&CSS.pptx
+++ b/JS Fundamentals/9.DOM&CSS/DOM&CSS.pptx
@@ -5,10 +5,10 @@
     <p:sldMasterId id="2147484157" r:id="rId1"/>
   </p:sldMasterIdLst>
   <p:notesMasterIdLst>
-    <p:notesMasterId r:id="rId16"/>
+    <p:notesMasterId r:id="rId29"/>
   </p:notesMasterIdLst>
   <p:handoutMasterIdLst>
-    <p:handoutMasterId r:id="rId17"/>
+    <p:handoutMasterId r:id="rId30"/>
   </p:handoutMasterIdLst>
   <p:sldIdLst>
     <p:sldId id="256" r:id="rId2"/>
@@ -23,8 +23,21 @@
     <p:sldId id="348" r:id="rId11"/>
     <p:sldId id="357" r:id="rId12"/>
     <p:sldId id="358" r:id="rId13"/>
-    <p:sldId id="266" r:id="rId14"/>
-    <p:sldId id="278" r:id="rId15"/>
+    <p:sldId id="359" r:id="rId14"/>
+    <p:sldId id="360" r:id="rId15"/>
+    <p:sldId id="361" r:id="rId16"/>
+    <p:sldId id="362" r:id="rId17"/>
+    <p:sldId id="363" r:id="rId18"/>
+    <p:sldId id="364" r:id="rId19"/>
+    <p:sldId id="365" r:id="rId20"/>
+    <p:sldId id="366" r:id="rId21"/>
+    <p:sldId id="367" r:id="rId22"/>
+    <p:sldId id="368" r:id="rId23"/>
+    <p:sldId id="369" r:id="rId24"/>
+    <p:sldId id="370" r:id="rId25"/>
+    <p:sldId id="371" r:id="rId26"/>
+    <p:sldId id="266" r:id="rId27"/>
+    <p:sldId id="278" r:id="rId28"/>
   </p:sldIdLst>
   <p:sldSz cx="12192000" cy="6858000"/>
   <p:notesSz cx="6858000" cy="9144000"/>
@@ -1324,6 +1337,13 @@
         </dgm:presLayoutVars>
       </dgm:prSet>
       <dgm:spPr/>
+      <dgm:t>
+        <a:bodyPr/>
+        <a:lstStyle/>
+        <a:p>
+          <a:endParaRPr lang="en-US"/>
+        </a:p>
+      </dgm:t>
     </dgm:pt>
     <dgm:pt modelId="{7F4C5F5B-7CC2-4C67-87C1-9B3E91B7B6CA}" type="pres">
       <dgm:prSet presAssocID="{3A7C6B89-963F-4225-B02D-85F89315D201}" presName="hierRoot1" presStyleCnt="0">
@@ -1355,6 +1375,13 @@
     <dgm:pt modelId="{1E560554-775A-44FC-9525-8A765B7FC1EE}" type="pres">
       <dgm:prSet presAssocID="{3A7C6B89-963F-4225-B02D-85F89315D201}" presName="rootConnector1" presStyleLbl="node1" presStyleIdx="0" presStyleCnt="0"/>
       <dgm:spPr/>
+      <dgm:t>
+        <a:bodyPr/>
+        <a:lstStyle/>
+        <a:p>
+          <a:endParaRPr lang="en-US"/>
+        </a:p>
+      </dgm:t>
     </dgm:pt>
     <dgm:pt modelId="{C0C75BD7-E3D3-4118-AA90-DD64BFF55E0F}" type="pres">
       <dgm:prSet presAssocID="{3A7C6B89-963F-4225-B02D-85F89315D201}" presName="hierChild2" presStyleCnt="0"/>
@@ -1367,6 +1394,13 @@
     <dgm:pt modelId="{458F6228-54FF-4A4E-BF06-61B212B61E6D}" type="pres">
       <dgm:prSet presAssocID="{C04F0FCA-A3EB-43B8-A8E6-78B78E2CEAF7}" presName="Name111" presStyleLbl="parChTrans1D2" presStyleIdx="0" presStyleCnt="2"/>
       <dgm:spPr/>
+      <dgm:t>
+        <a:bodyPr/>
+        <a:lstStyle/>
+        <a:p>
+          <a:endParaRPr lang="en-US"/>
+        </a:p>
+      </dgm:t>
     </dgm:pt>
     <dgm:pt modelId="{B32FDF74-138A-422D-B66A-E82DBDAE8E48}" type="pres">
       <dgm:prSet presAssocID="{9329B56A-6AAB-4208-89D0-2DD1D4F61C91}" presName="hierRoot3" presStyleCnt="0">
@@ -1398,6 +1432,13 @@
     <dgm:pt modelId="{9B536F3F-933E-4B01-A86A-D800586C7EDD}" type="pres">
       <dgm:prSet presAssocID="{9329B56A-6AAB-4208-89D0-2DD1D4F61C91}" presName="rootConnector3" presStyleLbl="asst1" presStyleIdx="0" presStyleCnt="10"/>
       <dgm:spPr/>
+      <dgm:t>
+        <a:bodyPr/>
+        <a:lstStyle/>
+        <a:p>
+          <a:endParaRPr lang="en-US"/>
+        </a:p>
+      </dgm:t>
     </dgm:pt>
     <dgm:pt modelId="{400FBD1F-676F-4EF0-88A0-8945EC531E78}" type="pres">
       <dgm:prSet presAssocID="{9329B56A-6AAB-4208-89D0-2DD1D4F61C91}" presName="hierChild6" presStyleCnt="0"/>
@@ -1410,6 +1451,13 @@
     <dgm:pt modelId="{C9538D54-269D-4989-8BD5-071F73FD396C}" type="pres">
       <dgm:prSet presAssocID="{7407C3DA-C88D-4913-BEDC-D3FC28281921}" presName="Name111" presStyleLbl="parChTrans1D3" presStyleIdx="0" presStyleCnt="5"/>
       <dgm:spPr/>
+      <dgm:t>
+        <a:bodyPr/>
+        <a:lstStyle/>
+        <a:p>
+          <a:endParaRPr lang="en-US"/>
+        </a:p>
+      </dgm:t>
     </dgm:pt>
     <dgm:pt modelId="{C6342CC3-777A-478A-8729-D713E7CE79A6}" type="pres">
       <dgm:prSet presAssocID="{354E2CF8-21CE-4F8B-9F90-4C731F85F810}" presName="hierRoot3" presStyleCnt="0">
@@ -1441,6 +1489,13 @@
     <dgm:pt modelId="{A346B36A-2F7D-41E0-9977-404CF3B8A3E7}" type="pres">
       <dgm:prSet presAssocID="{354E2CF8-21CE-4F8B-9F90-4C731F85F810}" presName="rootConnector3" presStyleLbl="asst1" presStyleIdx="1" presStyleCnt="10"/>
       <dgm:spPr/>
+      <dgm:t>
+        <a:bodyPr/>
+        <a:lstStyle/>
+        <a:p>
+          <a:endParaRPr lang="en-US"/>
+        </a:p>
+      </dgm:t>
     </dgm:pt>
     <dgm:pt modelId="{AA0F87CA-63E0-4D2F-8680-74320A4CCBB5}" type="pres">
       <dgm:prSet presAssocID="{354E2CF8-21CE-4F8B-9F90-4C731F85F810}" presName="hierChild6" presStyleCnt="0"/>
@@ -1453,6 +1508,13 @@
     <dgm:pt modelId="{FCD05725-53A5-4BD4-A02D-20DE1CDFA140}" type="pres">
       <dgm:prSet presAssocID="{AC1ADC15-BA55-4F44-85C9-1AB6137DB681}" presName="Name111" presStyleLbl="parChTrans1D3" presStyleIdx="1" presStyleCnt="5"/>
       <dgm:spPr/>
+      <dgm:t>
+        <a:bodyPr/>
+        <a:lstStyle/>
+        <a:p>
+          <a:endParaRPr lang="en-US"/>
+        </a:p>
+      </dgm:t>
     </dgm:pt>
     <dgm:pt modelId="{000B3FC5-38D2-4AA0-9F32-8742FC382E04}" type="pres">
       <dgm:prSet presAssocID="{DE5825CA-C93F-4B5A-A134-73D9ABB55142}" presName="hierRoot3" presStyleCnt="0">
@@ -1473,10 +1535,24 @@
         </dgm:presLayoutVars>
       </dgm:prSet>
       <dgm:spPr/>
+      <dgm:t>
+        <a:bodyPr/>
+        <a:lstStyle/>
+        <a:p>
+          <a:endParaRPr lang="en-US"/>
+        </a:p>
+      </dgm:t>
     </dgm:pt>
     <dgm:pt modelId="{165653A0-C087-4927-8F29-AD161644E9F7}" type="pres">
       <dgm:prSet presAssocID="{DE5825CA-C93F-4B5A-A134-73D9ABB55142}" presName="rootConnector3" presStyleLbl="asst1" presStyleIdx="2" presStyleCnt="10"/>
       <dgm:spPr/>
+      <dgm:t>
+        <a:bodyPr/>
+        <a:lstStyle/>
+        <a:p>
+          <a:endParaRPr lang="en-US"/>
+        </a:p>
+      </dgm:t>
     </dgm:pt>
     <dgm:pt modelId="{CA9CE147-2A0B-4A0C-9A57-EA73961D79E7}" type="pres">
       <dgm:prSet presAssocID="{DE5825CA-C93F-4B5A-A134-73D9ABB55142}" presName="hierChild6" presStyleCnt="0"/>
@@ -1489,6 +1565,13 @@
     <dgm:pt modelId="{03E73AC7-FDA7-48D9-A333-51DED90D1927}" type="pres">
       <dgm:prSet presAssocID="{7E5ECBF7-7B74-4B16-AC4E-7A24231423CD}" presName="Name111" presStyleLbl="parChTrans1D2" presStyleIdx="1" presStyleCnt="2"/>
       <dgm:spPr/>
+      <dgm:t>
+        <a:bodyPr/>
+        <a:lstStyle/>
+        <a:p>
+          <a:endParaRPr lang="en-US"/>
+        </a:p>
+      </dgm:t>
     </dgm:pt>
     <dgm:pt modelId="{5944F2E3-B4DD-4CFD-8F48-B978264473F4}" type="pres">
       <dgm:prSet presAssocID="{26645ACA-48FC-4FA3-B564-931EF1293632}" presName="hierRoot3" presStyleCnt="0">
@@ -1520,6 +1603,13 @@
     <dgm:pt modelId="{6C9C347E-34EE-4E4B-8C94-1F0135BCE703}" type="pres">
       <dgm:prSet presAssocID="{26645ACA-48FC-4FA3-B564-931EF1293632}" presName="rootConnector3" presStyleLbl="asst1" presStyleIdx="3" presStyleCnt="10"/>
       <dgm:spPr/>
+      <dgm:t>
+        <a:bodyPr/>
+        <a:lstStyle/>
+        <a:p>
+          <a:endParaRPr lang="en-US"/>
+        </a:p>
+      </dgm:t>
     </dgm:pt>
     <dgm:pt modelId="{D06BC784-093F-4246-B73B-27F8E89605A3}" type="pres">
       <dgm:prSet presAssocID="{26645ACA-48FC-4FA3-B564-931EF1293632}" presName="hierChild6" presStyleCnt="0"/>
@@ -1532,6 +1622,13 @@
     <dgm:pt modelId="{880FCD53-0637-4FD6-8288-0C5595847207}" type="pres">
       <dgm:prSet presAssocID="{CE017BE9-64C4-465D-93C1-E4E127F25EDD}" presName="Name111" presStyleLbl="parChTrans1D3" presStyleIdx="2" presStyleCnt="5"/>
       <dgm:spPr/>
+      <dgm:t>
+        <a:bodyPr/>
+        <a:lstStyle/>
+        <a:p>
+          <a:endParaRPr lang="en-US"/>
+        </a:p>
+      </dgm:t>
     </dgm:pt>
     <dgm:pt modelId="{BA97C3F0-6E41-48C5-878C-4A940843B249}" type="pres">
       <dgm:prSet presAssocID="{B34CD0B4-9EC9-48A1-AF65-EAB497543CB4}" presName="hierRoot3" presStyleCnt="0">
@@ -1563,6 +1660,13 @@
     <dgm:pt modelId="{6AE81744-257D-49C1-861B-85B37042312A}" type="pres">
       <dgm:prSet presAssocID="{B34CD0B4-9EC9-48A1-AF65-EAB497543CB4}" presName="rootConnector3" presStyleLbl="asst1" presStyleIdx="4" presStyleCnt="10"/>
       <dgm:spPr/>
+      <dgm:t>
+        <a:bodyPr/>
+        <a:lstStyle/>
+        <a:p>
+          <a:endParaRPr lang="en-US"/>
+        </a:p>
+      </dgm:t>
     </dgm:pt>
     <dgm:pt modelId="{9D3420C9-E6B5-4801-AAB3-76D6C6009D78}" type="pres">
       <dgm:prSet presAssocID="{B34CD0B4-9EC9-48A1-AF65-EAB497543CB4}" presName="hierChild6" presStyleCnt="0"/>
@@ -1575,6 +1679,13 @@
     <dgm:pt modelId="{6913EDEB-049B-4293-A7E0-6ED98FF047AE}" type="pres">
       <dgm:prSet presAssocID="{C93F9A5C-5DD9-4BED-816F-30AD5979E7CF}" presName="Name111" presStyleLbl="parChTrans1D3" presStyleIdx="3" presStyleCnt="5"/>
       <dgm:spPr/>
+      <dgm:t>
+        <a:bodyPr/>
+        <a:lstStyle/>
+        <a:p>
+          <a:endParaRPr lang="en-US"/>
+        </a:p>
+      </dgm:t>
     </dgm:pt>
     <dgm:pt modelId="{F29DA1FF-D375-41D0-A78E-9B3C2E5D57E9}" type="pres">
       <dgm:prSet presAssocID="{8AEA3F8A-9DEC-46A7-BEA1-EE2D68C1A062}" presName="hierRoot3" presStyleCnt="0">
@@ -1606,6 +1717,13 @@
     <dgm:pt modelId="{AC9D9253-02B1-4FEE-AB47-33E0009DC7E5}" type="pres">
       <dgm:prSet presAssocID="{8AEA3F8A-9DEC-46A7-BEA1-EE2D68C1A062}" presName="rootConnector3" presStyleLbl="asst1" presStyleIdx="5" presStyleCnt="10"/>
       <dgm:spPr/>
+      <dgm:t>
+        <a:bodyPr/>
+        <a:lstStyle/>
+        <a:p>
+          <a:endParaRPr lang="en-US"/>
+        </a:p>
+      </dgm:t>
     </dgm:pt>
     <dgm:pt modelId="{0A2CF02F-A706-4B1B-81A0-736C5F68B8BE}" type="pres">
       <dgm:prSet presAssocID="{8AEA3F8A-9DEC-46A7-BEA1-EE2D68C1A062}" presName="hierChild6" presStyleCnt="0"/>
@@ -1618,6 +1736,13 @@
     <dgm:pt modelId="{25C02BFE-C8A8-463C-A410-DC3CF0BF2589}" type="pres">
       <dgm:prSet presAssocID="{4A3DF85F-BADC-4E55-84A6-48A7EEE1FCF6}" presName="Name111" presStyleLbl="parChTrans1D3" presStyleIdx="4" presStyleCnt="5"/>
       <dgm:spPr/>
+      <dgm:t>
+        <a:bodyPr/>
+        <a:lstStyle/>
+        <a:p>
+          <a:endParaRPr lang="en-US"/>
+        </a:p>
+      </dgm:t>
     </dgm:pt>
     <dgm:pt modelId="{674CF972-8248-4EEE-98FE-72AF98150E98}" type="pres">
       <dgm:prSet presAssocID="{365DB60D-8A54-4DDB-91C1-61E1E87CA2EC}" presName="hierRoot3" presStyleCnt="0">
@@ -1649,6 +1774,13 @@
     <dgm:pt modelId="{F7C8D90D-E22D-42E3-84E4-4E7FDC224559}" type="pres">
       <dgm:prSet presAssocID="{365DB60D-8A54-4DDB-91C1-61E1E87CA2EC}" presName="rootConnector3" presStyleLbl="asst1" presStyleIdx="6" presStyleCnt="10"/>
       <dgm:spPr/>
+      <dgm:t>
+        <a:bodyPr/>
+        <a:lstStyle/>
+        <a:p>
+          <a:endParaRPr lang="en-US"/>
+        </a:p>
+      </dgm:t>
     </dgm:pt>
     <dgm:pt modelId="{2FFC5A2C-299B-49ED-95E1-4C8093C92E55}" type="pres">
       <dgm:prSet presAssocID="{365DB60D-8A54-4DDB-91C1-61E1E87CA2EC}" presName="hierChild6" presStyleCnt="0"/>
@@ -1661,6 +1793,13 @@
     <dgm:pt modelId="{51C19663-6DE7-4844-BD20-F60DCDEDECF6}" type="pres">
       <dgm:prSet presAssocID="{FA1978DF-C1A4-4480-B926-00CA6220F321}" presName="Name111" presStyleLbl="parChTrans1D4" presStyleIdx="0" presStyleCnt="3"/>
       <dgm:spPr/>
+      <dgm:t>
+        <a:bodyPr/>
+        <a:lstStyle/>
+        <a:p>
+          <a:endParaRPr lang="en-US"/>
+        </a:p>
+      </dgm:t>
     </dgm:pt>
     <dgm:pt modelId="{B728392D-65FE-4AFE-9AC8-309B2974D87B}" type="pres">
       <dgm:prSet presAssocID="{C4CCEF94-AB3B-4ACD-A15B-A21BB716E6D0}" presName="hierRoot3" presStyleCnt="0">
@@ -1692,6 +1831,13 @@
     <dgm:pt modelId="{7D171A74-AB41-42E5-90A8-D1A6FE139A0A}" type="pres">
       <dgm:prSet presAssocID="{C4CCEF94-AB3B-4ACD-A15B-A21BB716E6D0}" presName="rootConnector3" presStyleLbl="asst1" presStyleIdx="7" presStyleCnt="10"/>
       <dgm:spPr/>
+      <dgm:t>
+        <a:bodyPr/>
+        <a:lstStyle/>
+        <a:p>
+          <a:endParaRPr lang="en-US"/>
+        </a:p>
+      </dgm:t>
     </dgm:pt>
     <dgm:pt modelId="{7F1903B5-0D08-4A41-AD4D-712896634646}" type="pres">
       <dgm:prSet presAssocID="{C4CCEF94-AB3B-4ACD-A15B-A21BB716E6D0}" presName="hierChild6" presStyleCnt="0"/>
@@ -1704,6 +1850,13 @@
     <dgm:pt modelId="{2D731E8B-3377-441E-B5C0-D91B17DFDDB1}" type="pres">
       <dgm:prSet presAssocID="{E1D8C4C9-B595-451C-AC68-D4A2F0C565F2}" presName="Name111" presStyleLbl="parChTrans1D4" presStyleIdx="1" presStyleCnt="3"/>
       <dgm:spPr/>
+      <dgm:t>
+        <a:bodyPr/>
+        <a:lstStyle/>
+        <a:p>
+          <a:endParaRPr lang="en-US"/>
+        </a:p>
+      </dgm:t>
     </dgm:pt>
     <dgm:pt modelId="{35FEDD82-82C0-4AEA-B5F3-4115D2CD9131}" type="pres">
       <dgm:prSet presAssocID="{C17DC800-1100-4029-8DF2-39D5329024F0}" presName="hierRoot3" presStyleCnt="0">
@@ -1735,6 +1888,13 @@
     <dgm:pt modelId="{11C2474F-5CC8-4E08-BF8B-93FFE198B883}" type="pres">
       <dgm:prSet presAssocID="{C17DC800-1100-4029-8DF2-39D5329024F0}" presName="rootConnector3" presStyleLbl="asst1" presStyleIdx="8" presStyleCnt="10"/>
       <dgm:spPr/>
+      <dgm:t>
+        <a:bodyPr/>
+        <a:lstStyle/>
+        <a:p>
+          <a:endParaRPr lang="en-US"/>
+        </a:p>
+      </dgm:t>
     </dgm:pt>
     <dgm:pt modelId="{6C423575-2501-49A9-8426-B88CBF3BE700}" type="pres">
       <dgm:prSet presAssocID="{C17DC800-1100-4029-8DF2-39D5329024F0}" presName="hierChild6" presStyleCnt="0"/>
@@ -1747,6 +1907,13 @@
     <dgm:pt modelId="{AEA8BC4E-A54D-4965-9AC8-09D42686A32B}" type="pres">
       <dgm:prSet presAssocID="{336D8A09-FD22-4C47-8E2A-26AAC789BCE8}" presName="Name111" presStyleLbl="parChTrans1D4" presStyleIdx="2" presStyleCnt="3"/>
       <dgm:spPr/>
+      <dgm:t>
+        <a:bodyPr/>
+        <a:lstStyle/>
+        <a:p>
+          <a:endParaRPr lang="en-US"/>
+        </a:p>
+      </dgm:t>
     </dgm:pt>
     <dgm:pt modelId="{9C341460-8F27-4AAE-8D93-A1395D31D123}" type="pres">
       <dgm:prSet presAssocID="{395230A6-D285-4F8E-945A-2C7B75A276F6}" presName="hierRoot3" presStyleCnt="0">
@@ -1767,10 +1934,24 @@
         </dgm:presLayoutVars>
       </dgm:prSet>
       <dgm:spPr/>
+      <dgm:t>
+        <a:bodyPr/>
+        <a:lstStyle/>
+        <a:p>
+          <a:endParaRPr lang="en-US"/>
+        </a:p>
+      </dgm:t>
     </dgm:pt>
     <dgm:pt modelId="{4876860D-AD8C-4ADF-98FA-77939C9533DF}" type="pres">
       <dgm:prSet presAssocID="{395230A6-D285-4F8E-945A-2C7B75A276F6}" presName="rootConnector3" presStyleLbl="asst1" presStyleIdx="9" presStyleCnt="10"/>
       <dgm:spPr/>
+      <dgm:t>
+        <a:bodyPr/>
+        <a:lstStyle/>
+        <a:p>
+          <a:endParaRPr lang="en-US"/>
+        </a:p>
+      </dgm:t>
     </dgm:pt>
     <dgm:pt modelId="{ED5F7654-441F-441C-BF4C-D0BA222D01CC}" type="pres">
       <dgm:prSet presAssocID="{395230A6-D285-4F8E-945A-2C7B75A276F6}" presName="hierChild6" presStyleCnt="0"/>
@@ -1782,50 +1963,50 @@
     </dgm:pt>
   </dgm:ptLst>
   <dgm:cxnLst>
+    <dgm:cxn modelId="{D69F41A4-33A5-435C-98D2-0FE4AB7C4DCA}" type="presOf" srcId="{365DB60D-8A54-4DDB-91C1-61E1E87CA2EC}" destId="{DB4EAC3D-F29B-4572-BF41-8758393AE846}" srcOrd="0" destOrd="0" presId="urn:microsoft.com/office/officeart/2005/8/layout/orgChart1"/>
+    <dgm:cxn modelId="{EA7325C8-9C42-4A30-8D44-E4A36CDF0FF4}" type="presOf" srcId="{C17DC800-1100-4029-8DF2-39D5329024F0}" destId="{11C2474F-5CC8-4E08-BF8B-93FFE198B883}" srcOrd="1" destOrd="0" presId="urn:microsoft.com/office/officeart/2005/8/layout/orgChart1"/>
+    <dgm:cxn modelId="{E04A17E5-342A-4C93-8A5E-714B84A8C264}" type="presOf" srcId="{365DB60D-8A54-4DDB-91C1-61E1E87CA2EC}" destId="{F7C8D90D-E22D-42E3-84E4-4E7FDC224559}" srcOrd="1" destOrd="0" presId="urn:microsoft.com/office/officeart/2005/8/layout/orgChart1"/>
+    <dgm:cxn modelId="{C0DA42B7-39B2-475F-B233-BA6399BD4698}" type="presOf" srcId="{26645ACA-48FC-4FA3-B564-931EF1293632}" destId="{571DA24D-CB8A-4E3E-92D0-BF64DFC7EA98}" srcOrd="0" destOrd="0" presId="urn:microsoft.com/office/officeart/2005/8/layout/orgChart1"/>
+    <dgm:cxn modelId="{8616ABE5-9D24-4004-B046-D874CEE50C08}" type="presOf" srcId="{DE5825CA-C93F-4B5A-A134-73D9ABB55142}" destId="{165653A0-C087-4927-8F29-AD161644E9F7}" srcOrd="1" destOrd="0" presId="urn:microsoft.com/office/officeart/2005/8/layout/orgChart1"/>
+    <dgm:cxn modelId="{10A75A9B-2128-49FB-9EDB-32FEA063B48B}" srcId="{C788CACF-3EF5-4000-98EE-D2BAD34E27A2}" destId="{3A7C6B89-963F-4225-B02D-85F89315D201}" srcOrd="0" destOrd="0" parTransId="{28BEFAB4-B763-4C1D-8D78-FBB10C6E200A}" sibTransId="{316DF930-2194-4F14-99FA-E0F53337FCBE}"/>
+    <dgm:cxn modelId="{A7D849BA-DAF9-4BFC-892E-7BB638D12BA9}" type="presOf" srcId="{DE5825CA-C93F-4B5A-A134-73D9ABB55142}" destId="{6221CD2B-9452-451D-A9D4-E1CC117A4AAC}" srcOrd="0" destOrd="0" presId="urn:microsoft.com/office/officeart/2005/8/layout/orgChart1"/>
+    <dgm:cxn modelId="{415027E8-7F67-49E2-AF8C-A2EEA40C435B}" type="presOf" srcId="{395230A6-D285-4F8E-945A-2C7B75A276F6}" destId="{916BCDFB-B60F-4D83-B52F-056320E42EEF}" srcOrd="0" destOrd="0" presId="urn:microsoft.com/office/officeart/2005/8/layout/orgChart1"/>
+    <dgm:cxn modelId="{393BAB19-0D3C-4AC0-8E04-074EF5E9E383}" type="presOf" srcId="{4A3DF85F-BADC-4E55-84A6-48A7EEE1FCF6}" destId="{25C02BFE-C8A8-463C-A410-DC3CF0BF2589}" srcOrd="0" destOrd="0" presId="urn:microsoft.com/office/officeart/2005/8/layout/orgChart1"/>
+    <dgm:cxn modelId="{3E5E976D-91CB-4E4E-8999-13F31FA0141E}" srcId="{9329B56A-6AAB-4208-89D0-2DD1D4F61C91}" destId="{DE5825CA-C93F-4B5A-A134-73D9ABB55142}" srcOrd="1" destOrd="0" parTransId="{AC1ADC15-BA55-4F44-85C9-1AB6137DB681}" sibTransId="{77209D26-287D-4262-AA0F-E227E060D6F9}"/>
+    <dgm:cxn modelId="{3B52B940-C96A-4190-A232-C085BC1494B7}" type="presOf" srcId="{354E2CF8-21CE-4F8B-9F90-4C731F85F810}" destId="{A346B36A-2F7D-41E0-9977-404CF3B8A3E7}" srcOrd="1" destOrd="0" presId="urn:microsoft.com/office/officeart/2005/8/layout/orgChart1"/>
+    <dgm:cxn modelId="{97BD9AF9-D995-4142-B92A-F18F1915627B}" srcId="{365DB60D-8A54-4DDB-91C1-61E1E87CA2EC}" destId="{C4CCEF94-AB3B-4ACD-A15B-A21BB716E6D0}" srcOrd="0" destOrd="0" parTransId="{FA1978DF-C1A4-4480-B926-00CA6220F321}" sibTransId="{D5E0C20E-2237-447E-8757-4C6508968FD1}"/>
+    <dgm:cxn modelId="{B67C5377-0C1F-4C03-827E-BD590E92404A}" srcId="{3A7C6B89-963F-4225-B02D-85F89315D201}" destId="{9329B56A-6AAB-4208-89D0-2DD1D4F61C91}" srcOrd="0" destOrd="0" parTransId="{C04F0FCA-A3EB-43B8-A8E6-78B78E2CEAF7}" sibTransId="{DC9CCE99-3E50-4900-B3C0-F1689A5DBF45}"/>
+    <dgm:cxn modelId="{097F8A0F-F966-4D85-8B21-91841AFC49B7}" srcId="{C4CCEF94-AB3B-4ACD-A15B-A21BB716E6D0}" destId="{C17DC800-1100-4029-8DF2-39D5329024F0}" srcOrd="0" destOrd="0" parTransId="{E1D8C4C9-B595-451C-AC68-D4A2F0C565F2}" sibTransId="{7C27D289-FA57-4DF8-B569-4A95C2F80FB2}"/>
+    <dgm:cxn modelId="{42224348-3BC5-4FD3-B6A0-91C25EE0BD84}" srcId="{26645ACA-48FC-4FA3-B564-931EF1293632}" destId="{365DB60D-8A54-4DDB-91C1-61E1E87CA2EC}" srcOrd="2" destOrd="0" parTransId="{4A3DF85F-BADC-4E55-84A6-48A7EEE1FCF6}" sibTransId="{6365B9DF-59CA-473C-AFD3-EB997042C0FB}"/>
+    <dgm:cxn modelId="{AD8911A8-9CD5-4FA3-9092-715A7CF6AD68}" type="presOf" srcId="{9329B56A-6AAB-4208-89D0-2DD1D4F61C91}" destId="{9B536F3F-933E-4B01-A86A-D800586C7EDD}" srcOrd="1" destOrd="0" presId="urn:microsoft.com/office/officeart/2005/8/layout/orgChart1"/>
+    <dgm:cxn modelId="{5CD7129C-1432-4728-A052-8590E6C21FDD}" srcId="{9329B56A-6AAB-4208-89D0-2DD1D4F61C91}" destId="{354E2CF8-21CE-4F8B-9F90-4C731F85F810}" srcOrd="0" destOrd="0" parTransId="{7407C3DA-C88D-4913-BEDC-D3FC28281921}" sibTransId="{49DE0647-0D2B-443A-B72A-E5FB4B02883A}"/>
+    <dgm:cxn modelId="{2DC88DA3-570A-4413-A58B-C6097E543325}" srcId="{26645ACA-48FC-4FA3-B564-931EF1293632}" destId="{B34CD0B4-9EC9-48A1-AF65-EAB497543CB4}" srcOrd="0" destOrd="0" parTransId="{CE017BE9-64C4-465D-93C1-E4E127F25EDD}" sibTransId="{026895D1-5E62-4F12-A3D2-7F7CDB7C362E}"/>
+    <dgm:cxn modelId="{80B85A35-B659-4B0C-AAA4-3ABBB0311DED}" type="presOf" srcId="{9329B56A-6AAB-4208-89D0-2DD1D4F61C91}" destId="{127A4EBF-DC88-4D79-8664-1EDAEC4750B1}" srcOrd="0" destOrd="0" presId="urn:microsoft.com/office/officeart/2005/8/layout/orgChart1"/>
+    <dgm:cxn modelId="{3BBCA2B9-840B-49F7-847D-653F07D3ED42}" type="presOf" srcId="{336D8A09-FD22-4C47-8E2A-26AAC789BCE8}" destId="{AEA8BC4E-A54D-4965-9AC8-09D42686A32B}" srcOrd="0" destOrd="0" presId="urn:microsoft.com/office/officeart/2005/8/layout/orgChart1"/>
+    <dgm:cxn modelId="{252D62BA-BB55-4505-AA6A-C7F751026247}" type="presOf" srcId="{354E2CF8-21CE-4F8B-9F90-4C731F85F810}" destId="{37F5BF35-2DF3-4FA1-BB43-3CE58A394C47}" srcOrd="0" destOrd="0" presId="urn:microsoft.com/office/officeart/2005/8/layout/orgChart1"/>
+    <dgm:cxn modelId="{9B4FEC6C-E300-4603-B37F-C85AAD83655B}" type="presOf" srcId="{3A7C6B89-963F-4225-B02D-85F89315D201}" destId="{1E560554-775A-44FC-9525-8A765B7FC1EE}" srcOrd="1" destOrd="0" presId="urn:microsoft.com/office/officeart/2005/8/layout/orgChart1"/>
+    <dgm:cxn modelId="{DCB8F5FE-267D-403B-9994-72A96B302AC7}" type="presOf" srcId="{B34CD0B4-9EC9-48A1-AF65-EAB497543CB4}" destId="{6AE81744-257D-49C1-861B-85B37042312A}" srcOrd="1" destOrd="0" presId="urn:microsoft.com/office/officeart/2005/8/layout/orgChart1"/>
+    <dgm:cxn modelId="{4A3CD8EB-771A-49A2-B0DD-D7838ACDC39B}" type="presOf" srcId="{C17DC800-1100-4029-8DF2-39D5329024F0}" destId="{60160279-E65E-4CBB-9171-63734424D5DD}" srcOrd="0" destOrd="0" presId="urn:microsoft.com/office/officeart/2005/8/layout/orgChart1"/>
+    <dgm:cxn modelId="{D0022416-203B-48DC-B450-697C6D98A843}" type="presOf" srcId="{8AEA3F8A-9DEC-46A7-BEA1-EE2D68C1A062}" destId="{AC9D9253-02B1-4FEE-AB47-33E0009DC7E5}" srcOrd="1" destOrd="0" presId="urn:microsoft.com/office/officeart/2005/8/layout/orgChart1"/>
+    <dgm:cxn modelId="{A30DEFDA-B20D-428A-B739-545724208980}" type="presOf" srcId="{C4CCEF94-AB3B-4ACD-A15B-A21BB716E6D0}" destId="{7D171A74-AB41-42E5-90A8-D1A6FE139A0A}" srcOrd="1" destOrd="0" presId="urn:microsoft.com/office/officeart/2005/8/layout/orgChart1"/>
+    <dgm:cxn modelId="{6B2AAFDE-CA5E-4CD0-85FC-C84C28F46BB9}" type="presOf" srcId="{E1D8C4C9-B595-451C-AC68-D4A2F0C565F2}" destId="{2D731E8B-3377-441E-B5C0-D91B17DFDDB1}" srcOrd="0" destOrd="0" presId="urn:microsoft.com/office/officeart/2005/8/layout/orgChart1"/>
+    <dgm:cxn modelId="{9868F2E1-3DD9-40F3-B41F-ACFD042EC715}" type="presOf" srcId="{CE017BE9-64C4-465D-93C1-E4E127F25EDD}" destId="{880FCD53-0637-4FD6-8288-0C5595847207}" srcOrd="0" destOrd="0" presId="urn:microsoft.com/office/officeart/2005/8/layout/orgChart1"/>
+    <dgm:cxn modelId="{2F3F6B8D-8023-4356-8E65-B675C313752F}" srcId="{3A7C6B89-963F-4225-B02D-85F89315D201}" destId="{26645ACA-48FC-4FA3-B564-931EF1293632}" srcOrd="1" destOrd="0" parTransId="{7E5ECBF7-7B74-4B16-AC4E-7A24231423CD}" sibTransId="{9BB12CAB-0349-452E-A135-6A7C88CC7FC8}"/>
+    <dgm:cxn modelId="{E3A4CE42-8AD1-4F11-98DE-233AA09580D2}" type="presOf" srcId="{C4CCEF94-AB3B-4ACD-A15B-A21BB716E6D0}" destId="{1FE162B0-B155-4CD8-8967-4456231A8900}" srcOrd="0" destOrd="0" presId="urn:microsoft.com/office/officeart/2005/8/layout/orgChart1"/>
+    <dgm:cxn modelId="{8D078175-9F04-4E91-BB04-BAF5AB46E040}" type="presOf" srcId="{C93F9A5C-5DD9-4BED-816F-30AD5979E7CF}" destId="{6913EDEB-049B-4293-A7E0-6ED98FF047AE}" srcOrd="0" destOrd="0" presId="urn:microsoft.com/office/officeart/2005/8/layout/orgChart1"/>
+    <dgm:cxn modelId="{93CAE78B-FE57-478C-A8FE-034384C95EF0}" type="presOf" srcId="{FA1978DF-C1A4-4480-B926-00CA6220F321}" destId="{51C19663-6DE7-4844-BD20-F60DCDEDECF6}" srcOrd="0" destOrd="0" presId="urn:microsoft.com/office/officeart/2005/8/layout/orgChart1"/>
+    <dgm:cxn modelId="{04916A48-A0D8-4AA7-B9C1-9AE23E2810D8}" type="presOf" srcId="{395230A6-D285-4F8E-945A-2C7B75A276F6}" destId="{4876860D-AD8C-4ADF-98FA-77939C9533DF}" srcOrd="1" destOrd="0" presId="urn:microsoft.com/office/officeart/2005/8/layout/orgChart1"/>
+    <dgm:cxn modelId="{E3A18EA6-7BC6-4FC8-950C-562B34A3432D}" type="presOf" srcId="{C04F0FCA-A3EB-43B8-A8E6-78B78E2CEAF7}" destId="{458F6228-54FF-4A4E-BF06-61B212B61E6D}" srcOrd="0" destOrd="0" presId="urn:microsoft.com/office/officeart/2005/8/layout/orgChart1"/>
+    <dgm:cxn modelId="{C35341B4-E56D-4EC6-ADB9-9BCFD0980BB9}" type="presOf" srcId="{C788CACF-3EF5-4000-98EE-D2BAD34E27A2}" destId="{2AEB80AD-2041-4FEC-8750-28045A209CEF}" srcOrd="0" destOrd="0" presId="urn:microsoft.com/office/officeart/2005/8/layout/orgChart1"/>
+    <dgm:cxn modelId="{A1FFF352-43FA-4005-9553-CC545C8C5AB4}" type="presOf" srcId="{26645ACA-48FC-4FA3-B564-931EF1293632}" destId="{6C9C347E-34EE-4E4B-8C94-1F0135BCE703}" srcOrd="1" destOrd="0" presId="urn:microsoft.com/office/officeart/2005/8/layout/orgChart1"/>
     <dgm:cxn modelId="{53AEF1E2-0479-4A28-92B7-2CE826775970}" srcId="{C4CCEF94-AB3B-4ACD-A15B-A21BB716E6D0}" destId="{395230A6-D285-4F8E-945A-2C7B75A276F6}" srcOrd="1" destOrd="0" parTransId="{336D8A09-FD22-4C47-8E2A-26AAC789BCE8}" sibTransId="{392A1BE1-105A-4DED-81E9-84480FECBBE3}"/>
-    <dgm:cxn modelId="{097F8A0F-F966-4D85-8B21-91841AFC49B7}" srcId="{C4CCEF94-AB3B-4ACD-A15B-A21BB716E6D0}" destId="{C17DC800-1100-4029-8DF2-39D5329024F0}" srcOrd="0" destOrd="0" parTransId="{E1D8C4C9-B595-451C-AC68-D4A2F0C565F2}" sibTransId="{7C27D289-FA57-4DF8-B569-4A95C2F80FB2}"/>
-    <dgm:cxn modelId="{3B52B940-C96A-4190-A232-C085BC1494B7}" type="presOf" srcId="{354E2CF8-21CE-4F8B-9F90-4C731F85F810}" destId="{A346B36A-2F7D-41E0-9977-404CF3B8A3E7}" srcOrd="1" destOrd="0" presId="urn:microsoft.com/office/officeart/2005/8/layout/orgChart1"/>
-    <dgm:cxn modelId="{B67C5377-0C1F-4C03-827E-BD590E92404A}" srcId="{3A7C6B89-963F-4225-B02D-85F89315D201}" destId="{9329B56A-6AAB-4208-89D0-2DD1D4F61C91}" srcOrd="0" destOrd="0" parTransId="{C04F0FCA-A3EB-43B8-A8E6-78B78E2CEAF7}" sibTransId="{DC9CCE99-3E50-4900-B3C0-F1689A5DBF45}"/>
-    <dgm:cxn modelId="{2DC88DA3-570A-4413-A58B-C6097E543325}" srcId="{26645ACA-48FC-4FA3-B564-931EF1293632}" destId="{B34CD0B4-9EC9-48A1-AF65-EAB497543CB4}" srcOrd="0" destOrd="0" parTransId="{CE017BE9-64C4-465D-93C1-E4E127F25EDD}" sibTransId="{026895D1-5E62-4F12-A3D2-7F7CDB7C362E}"/>
-    <dgm:cxn modelId="{A1FFF352-43FA-4005-9553-CC545C8C5AB4}" type="presOf" srcId="{26645ACA-48FC-4FA3-B564-931EF1293632}" destId="{6C9C347E-34EE-4E4B-8C94-1F0135BCE703}" srcOrd="1" destOrd="0" presId="urn:microsoft.com/office/officeart/2005/8/layout/orgChart1"/>
+    <dgm:cxn modelId="{4E563406-2B52-44AB-B0AC-1CD9E24ACDFB}" type="presOf" srcId="{8AEA3F8A-9DEC-46A7-BEA1-EE2D68C1A062}" destId="{3171F02D-87C0-430F-A798-D4224EDE384F}" srcOrd="0" destOrd="0" presId="urn:microsoft.com/office/officeart/2005/8/layout/orgChart1"/>
+    <dgm:cxn modelId="{77BDD85E-B043-488C-B333-B70542217C3C}" type="presOf" srcId="{3A7C6B89-963F-4225-B02D-85F89315D201}" destId="{8EE5202F-171E-4381-9471-83F0E71A7539}" srcOrd="0" destOrd="0" presId="urn:microsoft.com/office/officeart/2005/8/layout/orgChart1"/>
     <dgm:cxn modelId="{45539FB7-7531-4BB9-B2F3-3D07B0454B45}" type="presOf" srcId="{B34CD0B4-9EC9-48A1-AF65-EAB497543CB4}" destId="{E1523126-47D1-4BCB-B9E3-E15528F6043C}" srcOrd="0" destOrd="0" presId="urn:microsoft.com/office/officeart/2005/8/layout/orgChart1"/>
-    <dgm:cxn modelId="{8616ABE5-9D24-4004-B046-D874CEE50C08}" type="presOf" srcId="{DE5825CA-C93F-4B5A-A134-73D9ABB55142}" destId="{165653A0-C087-4927-8F29-AD161644E9F7}" srcOrd="1" destOrd="0" presId="urn:microsoft.com/office/officeart/2005/8/layout/orgChart1"/>
-    <dgm:cxn modelId="{393BAB19-0D3C-4AC0-8E04-074EF5E9E383}" type="presOf" srcId="{4A3DF85F-BADC-4E55-84A6-48A7EEE1FCF6}" destId="{25C02BFE-C8A8-463C-A410-DC3CF0BF2589}" srcOrd="0" destOrd="0" presId="urn:microsoft.com/office/officeart/2005/8/layout/orgChart1"/>
+    <dgm:cxn modelId="{750AAFC5-1FCF-4331-9469-5092581C3A6F}" srcId="{26645ACA-48FC-4FA3-B564-931EF1293632}" destId="{8AEA3F8A-9DEC-46A7-BEA1-EE2D68C1A062}" srcOrd="1" destOrd="0" parTransId="{C93F9A5C-5DD9-4BED-816F-30AD5979E7CF}" sibTransId="{75400FF7-CDB8-4994-9C7A-3F236751725B}"/>
+    <dgm:cxn modelId="{FA3B8169-C12F-420C-972C-53E5826E3F6C}" type="presOf" srcId="{7407C3DA-C88D-4913-BEDC-D3FC28281921}" destId="{C9538D54-269D-4989-8BD5-071F73FD396C}" srcOrd="0" destOrd="0" presId="urn:microsoft.com/office/officeart/2005/8/layout/orgChart1"/>
     <dgm:cxn modelId="{2AC520F4-E902-4CF3-B6E5-981CCCC4F56F}" type="presOf" srcId="{7E5ECBF7-7B74-4B16-AC4E-7A24231423CD}" destId="{03E73AC7-FDA7-48D9-A333-51DED90D1927}" srcOrd="0" destOrd="0" presId="urn:microsoft.com/office/officeart/2005/8/layout/orgChart1"/>
-    <dgm:cxn modelId="{E3A4CE42-8AD1-4F11-98DE-233AA09580D2}" type="presOf" srcId="{C4CCEF94-AB3B-4ACD-A15B-A21BB716E6D0}" destId="{1FE162B0-B155-4CD8-8967-4456231A8900}" srcOrd="0" destOrd="0" presId="urn:microsoft.com/office/officeart/2005/8/layout/orgChart1"/>
-    <dgm:cxn modelId="{2F3F6B8D-8023-4356-8E65-B675C313752F}" srcId="{3A7C6B89-963F-4225-B02D-85F89315D201}" destId="{26645ACA-48FC-4FA3-B564-931EF1293632}" srcOrd="1" destOrd="0" parTransId="{7E5ECBF7-7B74-4B16-AC4E-7A24231423CD}" sibTransId="{9BB12CAB-0349-452E-A135-6A7C88CC7FC8}"/>
-    <dgm:cxn modelId="{8D078175-9F04-4E91-BB04-BAF5AB46E040}" type="presOf" srcId="{C93F9A5C-5DD9-4BED-816F-30AD5979E7CF}" destId="{6913EDEB-049B-4293-A7E0-6ED98FF047AE}" srcOrd="0" destOrd="0" presId="urn:microsoft.com/office/officeart/2005/8/layout/orgChart1"/>
-    <dgm:cxn modelId="{4A3CD8EB-771A-49A2-B0DD-D7838ACDC39B}" type="presOf" srcId="{C17DC800-1100-4029-8DF2-39D5329024F0}" destId="{60160279-E65E-4CBB-9171-63734424D5DD}" srcOrd="0" destOrd="0" presId="urn:microsoft.com/office/officeart/2005/8/layout/orgChart1"/>
-    <dgm:cxn modelId="{6B2AAFDE-CA5E-4CD0-85FC-C84C28F46BB9}" type="presOf" srcId="{E1D8C4C9-B595-451C-AC68-D4A2F0C565F2}" destId="{2D731E8B-3377-441E-B5C0-D91B17DFDDB1}" srcOrd="0" destOrd="0" presId="urn:microsoft.com/office/officeart/2005/8/layout/orgChart1"/>
-    <dgm:cxn modelId="{5CD7129C-1432-4728-A052-8590E6C21FDD}" srcId="{9329B56A-6AAB-4208-89D0-2DD1D4F61C91}" destId="{354E2CF8-21CE-4F8B-9F90-4C731F85F810}" srcOrd="0" destOrd="0" parTransId="{7407C3DA-C88D-4913-BEDC-D3FC28281921}" sibTransId="{49DE0647-0D2B-443A-B72A-E5FB4B02883A}"/>
-    <dgm:cxn modelId="{3E5E976D-91CB-4E4E-8999-13F31FA0141E}" srcId="{9329B56A-6AAB-4208-89D0-2DD1D4F61C91}" destId="{DE5825CA-C93F-4B5A-A134-73D9ABB55142}" srcOrd="1" destOrd="0" parTransId="{AC1ADC15-BA55-4F44-85C9-1AB6137DB681}" sibTransId="{77209D26-287D-4262-AA0F-E227E060D6F9}"/>
-    <dgm:cxn modelId="{42224348-3BC5-4FD3-B6A0-91C25EE0BD84}" srcId="{26645ACA-48FC-4FA3-B564-931EF1293632}" destId="{365DB60D-8A54-4DDB-91C1-61E1E87CA2EC}" srcOrd="2" destOrd="0" parTransId="{4A3DF85F-BADC-4E55-84A6-48A7EEE1FCF6}" sibTransId="{6365B9DF-59CA-473C-AFD3-EB997042C0FB}"/>
-    <dgm:cxn modelId="{415027E8-7F67-49E2-AF8C-A2EEA40C435B}" type="presOf" srcId="{395230A6-D285-4F8E-945A-2C7B75A276F6}" destId="{916BCDFB-B60F-4D83-B52F-056320E42EEF}" srcOrd="0" destOrd="0" presId="urn:microsoft.com/office/officeart/2005/8/layout/orgChart1"/>
-    <dgm:cxn modelId="{D69F41A4-33A5-435C-98D2-0FE4AB7C4DCA}" type="presOf" srcId="{365DB60D-8A54-4DDB-91C1-61E1E87CA2EC}" destId="{DB4EAC3D-F29B-4572-BF41-8758393AE846}" srcOrd="0" destOrd="0" presId="urn:microsoft.com/office/officeart/2005/8/layout/orgChart1"/>
-    <dgm:cxn modelId="{C0DA42B7-39B2-475F-B233-BA6399BD4698}" type="presOf" srcId="{26645ACA-48FC-4FA3-B564-931EF1293632}" destId="{571DA24D-CB8A-4E3E-92D0-BF64DFC7EA98}" srcOrd="0" destOrd="0" presId="urn:microsoft.com/office/officeart/2005/8/layout/orgChart1"/>
-    <dgm:cxn modelId="{750AAFC5-1FCF-4331-9469-5092581C3A6F}" srcId="{26645ACA-48FC-4FA3-B564-931EF1293632}" destId="{8AEA3F8A-9DEC-46A7-BEA1-EE2D68C1A062}" srcOrd="1" destOrd="0" parTransId="{C93F9A5C-5DD9-4BED-816F-30AD5979E7CF}" sibTransId="{75400FF7-CDB8-4994-9C7A-3F236751725B}"/>
     <dgm:cxn modelId="{769CA0DD-583D-4F27-8616-9756EA25C5B3}" type="presOf" srcId="{AC1ADC15-BA55-4F44-85C9-1AB6137DB681}" destId="{FCD05725-53A5-4BD4-A02D-20DE1CDFA140}" srcOrd="0" destOrd="0" presId="urn:microsoft.com/office/officeart/2005/8/layout/orgChart1"/>
-    <dgm:cxn modelId="{C35341B4-E56D-4EC6-ADB9-9BCFD0980BB9}" type="presOf" srcId="{C788CACF-3EF5-4000-98EE-D2BAD34E27A2}" destId="{2AEB80AD-2041-4FEC-8750-28045A209CEF}" srcOrd="0" destOrd="0" presId="urn:microsoft.com/office/officeart/2005/8/layout/orgChart1"/>
-    <dgm:cxn modelId="{DCB8F5FE-267D-403B-9994-72A96B302AC7}" type="presOf" srcId="{B34CD0B4-9EC9-48A1-AF65-EAB497543CB4}" destId="{6AE81744-257D-49C1-861B-85B37042312A}" srcOrd="1" destOrd="0" presId="urn:microsoft.com/office/officeart/2005/8/layout/orgChart1"/>
-    <dgm:cxn modelId="{77BDD85E-B043-488C-B333-B70542217C3C}" type="presOf" srcId="{3A7C6B89-963F-4225-B02D-85F89315D201}" destId="{8EE5202F-171E-4381-9471-83F0E71A7539}" srcOrd="0" destOrd="0" presId="urn:microsoft.com/office/officeart/2005/8/layout/orgChart1"/>
-    <dgm:cxn modelId="{4E563406-2B52-44AB-B0AC-1CD9E24ACDFB}" type="presOf" srcId="{8AEA3F8A-9DEC-46A7-BEA1-EE2D68C1A062}" destId="{3171F02D-87C0-430F-A798-D4224EDE384F}" srcOrd="0" destOrd="0" presId="urn:microsoft.com/office/officeart/2005/8/layout/orgChart1"/>
-    <dgm:cxn modelId="{E3A18EA6-7BC6-4FC8-950C-562B34A3432D}" type="presOf" srcId="{C04F0FCA-A3EB-43B8-A8E6-78B78E2CEAF7}" destId="{458F6228-54FF-4A4E-BF06-61B212B61E6D}" srcOrd="0" destOrd="0" presId="urn:microsoft.com/office/officeart/2005/8/layout/orgChart1"/>
-    <dgm:cxn modelId="{80B85A35-B659-4B0C-AAA4-3ABBB0311DED}" type="presOf" srcId="{9329B56A-6AAB-4208-89D0-2DD1D4F61C91}" destId="{127A4EBF-DC88-4D79-8664-1EDAEC4750B1}" srcOrd="0" destOrd="0" presId="urn:microsoft.com/office/officeart/2005/8/layout/orgChart1"/>
-    <dgm:cxn modelId="{EA7325C8-9C42-4A30-8D44-E4A36CDF0FF4}" type="presOf" srcId="{C17DC800-1100-4029-8DF2-39D5329024F0}" destId="{11C2474F-5CC8-4E08-BF8B-93FFE198B883}" srcOrd="1" destOrd="0" presId="urn:microsoft.com/office/officeart/2005/8/layout/orgChart1"/>
-    <dgm:cxn modelId="{93CAE78B-FE57-478C-A8FE-034384C95EF0}" type="presOf" srcId="{FA1978DF-C1A4-4480-B926-00CA6220F321}" destId="{51C19663-6DE7-4844-BD20-F60DCDEDECF6}" srcOrd="0" destOrd="0" presId="urn:microsoft.com/office/officeart/2005/8/layout/orgChart1"/>
-    <dgm:cxn modelId="{AD8911A8-9CD5-4FA3-9092-715A7CF6AD68}" type="presOf" srcId="{9329B56A-6AAB-4208-89D0-2DD1D4F61C91}" destId="{9B536F3F-933E-4B01-A86A-D800586C7EDD}" srcOrd="1" destOrd="0" presId="urn:microsoft.com/office/officeart/2005/8/layout/orgChart1"/>
-    <dgm:cxn modelId="{A30DEFDA-B20D-428A-B739-545724208980}" type="presOf" srcId="{C4CCEF94-AB3B-4ACD-A15B-A21BB716E6D0}" destId="{7D171A74-AB41-42E5-90A8-D1A6FE139A0A}" srcOrd="1" destOrd="0" presId="urn:microsoft.com/office/officeart/2005/8/layout/orgChart1"/>
-    <dgm:cxn modelId="{04916A48-A0D8-4AA7-B9C1-9AE23E2810D8}" type="presOf" srcId="{395230A6-D285-4F8E-945A-2C7B75A276F6}" destId="{4876860D-AD8C-4ADF-98FA-77939C9533DF}" srcOrd="1" destOrd="0" presId="urn:microsoft.com/office/officeart/2005/8/layout/orgChart1"/>
-    <dgm:cxn modelId="{252D62BA-BB55-4505-AA6A-C7F751026247}" type="presOf" srcId="{354E2CF8-21CE-4F8B-9F90-4C731F85F810}" destId="{37F5BF35-2DF3-4FA1-BB43-3CE58A394C47}" srcOrd="0" destOrd="0" presId="urn:microsoft.com/office/officeart/2005/8/layout/orgChart1"/>
-    <dgm:cxn modelId="{FA3B8169-C12F-420C-972C-53E5826E3F6C}" type="presOf" srcId="{7407C3DA-C88D-4913-BEDC-D3FC28281921}" destId="{C9538D54-269D-4989-8BD5-071F73FD396C}" srcOrd="0" destOrd="0" presId="urn:microsoft.com/office/officeart/2005/8/layout/orgChart1"/>
-    <dgm:cxn modelId="{9B4FEC6C-E300-4603-B37F-C85AAD83655B}" type="presOf" srcId="{3A7C6B89-963F-4225-B02D-85F89315D201}" destId="{1E560554-775A-44FC-9525-8A765B7FC1EE}" srcOrd="1" destOrd="0" presId="urn:microsoft.com/office/officeart/2005/8/layout/orgChart1"/>
-    <dgm:cxn modelId="{9868F2E1-3DD9-40F3-B41F-ACFD042EC715}" type="presOf" srcId="{CE017BE9-64C4-465D-93C1-E4E127F25EDD}" destId="{880FCD53-0637-4FD6-8288-0C5595847207}" srcOrd="0" destOrd="0" presId="urn:microsoft.com/office/officeart/2005/8/layout/orgChart1"/>
-    <dgm:cxn modelId="{3BBCA2B9-840B-49F7-847D-653F07D3ED42}" type="presOf" srcId="{336D8A09-FD22-4C47-8E2A-26AAC789BCE8}" destId="{AEA8BC4E-A54D-4965-9AC8-09D42686A32B}" srcOrd="0" destOrd="0" presId="urn:microsoft.com/office/officeart/2005/8/layout/orgChart1"/>
-    <dgm:cxn modelId="{97BD9AF9-D995-4142-B92A-F18F1915627B}" srcId="{365DB60D-8A54-4DDB-91C1-61E1E87CA2EC}" destId="{C4CCEF94-AB3B-4ACD-A15B-A21BB716E6D0}" srcOrd="0" destOrd="0" parTransId="{FA1978DF-C1A4-4480-B926-00CA6220F321}" sibTransId="{D5E0C20E-2237-447E-8757-4C6508968FD1}"/>
-    <dgm:cxn modelId="{D0022416-203B-48DC-B450-697C6D98A843}" type="presOf" srcId="{8AEA3F8A-9DEC-46A7-BEA1-EE2D68C1A062}" destId="{AC9D9253-02B1-4FEE-AB47-33E0009DC7E5}" srcOrd="1" destOrd="0" presId="urn:microsoft.com/office/officeart/2005/8/layout/orgChart1"/>
-    <dgm:cxn modelId="{A7D849BA-DAF9-4BFC-892E-7BB638D12BA9}" type="presOf" srcId="{DE5825CA-C93F-4B5A-A134-73D9ABB55142}" destId="{6221CD2B-9452-451D-A9D4-E1CC117A4AAC}" srcOrd="0" destOrd="0" presId="urn:microsoft.com/office/officeart/2005/8/layout/orgChart1"/>
-    <dgm:cxn modelId="{E04A17E5-342A-4C93-8A5E-714B84A8C264}" type="presOf" srcId="{365DB60D-8A54-4DDB-91C1-61E1E87CA2EC}" destId="{F7C8D90D-E22D-42E3-84E4-4E7FDC224559}" srcOrd="1" destOrd="0" presId="urn:microsoft.com/office/officeart/2005/8/layout/orgChart1"/>
-    <dgm:cxn modelId="{10A75A9B-2128-49FB-9EDB-32FEA063B48B}" srcId="{C788CACF-3EF5-4000-98EE-D2BAD34E27A2}" destId="{3A7C6B89-963F-4225-B02D-85F89315D201}" srcOrd="0" destOrd="0" parTransId="{28BEFAB4-B763-4C1D-8D78-FBB10C6E200A}" sibTransId="{316DF930-2194-4F14-99FA-E0F53337FCBE}"/>
     <dgm:cxn modelId="{D8327AFA-F835-4F2D-ACA5-E7F621AC7E9E}" type="presParOf" srcId="{2AEB80AD-2041-4FEC-8750-28045A209CEF}" destId="{7F4C5F5B-7CC2-4C67-87C1-9B3E91B7B6CA}" srcOrd="0" destOrd="0" presId="urn:microsoft.com/office/officeart/2005/8/layout/orgChart1"/>
     <dgm:cxn modelId="{2380298E-53E4-40E2-AB0D-1B8C2FC0A186}" type="presParOf" srcId="{7F4C5F5B-7CC2-4C67-87C1-9B3E91B7B6CA}" destId="{FB127F09-839B-4A76-AAB3-FF7CCA19809F}" srcOrd="0" destOrd="0" presId="urn:microsoft.com/office/officeart/2005/8/layout/orgChart1"/>
     <dgm:cxn modelId="{74CCEE07-BE0C-4D20-BC1E-4C2FAFD73E7C}" type="presParOf" srcId="{FB127F09-839B-4A76-AAB3-FF7CCA19809F}" destId="{8EE5202F-171E-4381-9471-83F0E71A7539}" srcOrd="0" destOrd="0" presId="urn:microsoft.com/office/officeart/2005/8/layout/orgChart1"/>
@@ -1921,1432 +2102,6 @@
       <dsp:cNvGrpSpPr/>
     </dsp:nvGrpSpPr>
     <dsp:grpSpPr/>
-    <dsp:sp modelId="{AEA8BC4E-A54D-4965-9AC8-09D42686A32B}">
-      <dsp:nvSpPr>
-        <dsp:cNvPr id="0" name=""/>
-        <dsp:cNvSpPr/>
-      </dsp:nvSpPr>
-      <dsp:spPr>
-        <a:xfrm>
-          <a:off x="2631802" y="2560185"/>
-          <a:ext cx="91440" cy="349140"/>
-        </a:xfrm>
-        <a:custGeom>
-          <a:avLst/>
-          <a:gdLst/>
-          <a:ahLst/>
-          <a:cxnLst/>
-          <a:rect l="0" t="0" r="0" b="0"/>
-          <a:pathLst>
-            <a:path>
-              <a:moveTo>
-                <a:pt x="45720" y="0"/>
-              </a:moveTo>
-              <a:lnTo>
-                <a:pt x="45720" y="349140"/>
-              </a:lnTo>
-              <a:lnTo>
-                <a:pt x="125415" y="349140"/>
-              </a:lnTo>
-            </a:path>
-          </a:pathLst>
-        </a:custGeom>
-        <a:noFill/>
-        <a:ln w="15875" cap="rnd" cmpd="sng" algn="ctr">
-          <a:solidFill>
-            <a:schemeClr val="accent1">
-              <a:shade val="80000"/>
-              <a:hueOff val="0"/>
-              <a:satOff val="0"/>
-              <a:lumOff val="0"/>
-              <a:alphaOff val="0"/>
-            </a:schemeClr>
-          </a:solidFill>
-          <a:prstDash val="solid"/>
-        </a:ln>
-        <a:effectLst/>
-      </dsp:spPr>
-      <dsp:style>
-        <a:lnRef idx="2">
-          <a:scrgbClr r="0" g="0" b="0"/>
-        </a:lnRef>
-        <a:fillRef idx="0">
-          <a:scrgbClr r="0" g="0" b="0"/>
-        </a:fillRef>
-        <a:effectRef idx="0">
-          <a:scrgbClr r="0" g="0" b="0"/>
-        </a:effectRef>
-        <a:fontRef idx="minor"/>
-      </dsp:style>
-    </dsp:sp>
-    <dsp:sp modelId="{2D731E8B-3377-441E-B5C0-D91B17DFDDB1}">
-      <dsp:nvSpPr>
-        <dsp:cNvPr id="0" name=""/>
-        <dsp:cNvSpPr/>
-      </dsp:nvSpPr>
-      <dsp:spPr>
-        <a:xfrm>
-          <a:off x="2552107" y="2560185"/>
-          <a:ext cx="91440" cy="349140"/>
-        </a:xfrm>
-        <a:custGeom>
-          <a:avLst/>
-          <a:gdLst/>
-          <a:ahLst/>
-          <a:cxnLst/>
-          <a:rect l="0" t="0" r="0" b="0"/>
-          <a:pathLst>
-            <a:path>
-              <a:moveTo>
-                <a:pt x="125415" y="0"/>
-              </a:moveTo>
-              <a:lnTo>
-                <a:pt x="125415" y="349140"/>
-              </a:lnTo>
-              <a:lnTo>
-                <a:pt x="45720" y="349140"/>
-              </a:lnTo>
-            </a:path>
-          </a:pathLst>
-        </a:custGeom>
-        <a:noFill/>
-        <a:ln w="15875" cap="rnd" cmpd="sng" algn="ctr">
-          <a:solidFill>
-            <a:schemeClr val="accent1">
-              <a:shade val="80000"/>
-              <a:hueOff val="0"/>
-              <a:satOff val="0"/>
-              <a:lumOff val="0"/>
-              <a:alphaOff val="0"/>
-            </a:schemeClr>
-          </a:solidFill>
-          <a:prstDash val="solid"/>
-        </a:ln>
-        <a:effectLst/>
-      </dsp:spPr>
-      <dsp:style>
-        <a:lnRef idx="2">
-          <a:scrgbClr r="0" g="0" b="0"/>
-        </a:lnRef>
-        <a:fillRef idx="0">
-          <a:scrgbClr r="0" g="0" b="0"/>
-        </a:fillRef>
-        <a:effectRef idx="0">
-          <a:scrgbClr r="0" g="0" b="0"/>
-        </a:effectRef>
-        <a:fontRef idx="minor"/>
-      </dsp:style>
-    </dsp:sp>
-    <dsp:sp modelId="{51C19663-6DE7-4844-BD20-F60DCDEDECF6}">
-      <dsp:nvSpPr>
-        <dsp:cNvPr id="0" name=""/>
-        <dsp:cNvSpPr/>
-      </dsp:nvSpPr>
-      <dsp:spPr>
-        <a:xfrm>
-          <a:off x="3057022" y="2021295"/>
-          <a:ext cx="538890" cy="349140"/>
-        </a:xfrm>
-        <a:custGeom>
-          <a:avLst/>
-          <a:gdLst/>
-          <a:ahLst/>
-          <a:cxnLst/>
-          <a:rect l="0" t="0" r="0" b="0"/>
-          <a:pathLst>
-            <a:path>
-              <a:moveTo>
-                <a:pt x="538890" y="0"/>
-              </a:moveTo>
-              <a:lnTo>
-                <a:pt x="538890" y="349140"/>
-              </a:lnTo>
-              <a:lnTo>
-                <a:pt x="0" y="349140"/>
-              </a:lnTo>
-            </a:path>
-          </a:pathLst>
-        </a:custGeom>
-        <a:noFill/>
-        <a:ln w="15875" cap="rnd" cmpd="sng" algn="ctr">
-          <a:solidFill>
-            <a:schemeClr val="accent1">
-              <a:shade val="80000"/>
-              <a:hueOff val="0"/>
-              <a:satOff val="0"/>
-              <a:lumOff val="0"/>
-              <a:alphaOff val="0"/>
-            </a:schemeClr>
-          </a:solidFill>
-          <a:prstDash val="solid"/>
-        </a:ln>
-        <a:effectLst/>
-      </dsp:spPr>
-      <dsp:style>
-        <a:lnRef idx="2">
-          <a:scrgbClr r="0" g="0" b="0"/>
-        </a:lnRef>
-        <a:fillRef idx="0">
-          <a:scrgbClr r="0" g="0" b="0"/>
-        </a:fillRef>
-        <a:effectRef idx="0">
-          <a:scrgbClr r="0" g="0" b="0"/>
-        </a:effectRef>
-        <a:fontRef idx="minor"/>
-      </dsp:style>
-    </dsp:sp>
-    <dsp:sp modelId="{25C02BFE-C8A8-463C-A410-DC3CF0BF2589}">
-      <dsp:nvSpPr>
-        <dsp:cNvPr id="0" name=""/>
-        <dsp:cNvSpPr/>
-      </dsp:nvSpPr>
-      <dsp:spPr>
-        <a:xfrm>
-          <a:off x="3929692" y="943514"/>
-          <a:ext cx="91440" cy="888030"/>
-        </a:xfrm>
-        <a:custGeom>
-          <a:avLst/>
-          <a:gdLst/>
-          <a:ahLst/>
-          <a:cxnLst/>
-          <a:rect l="0" t="0" r="0" b="0"/>
-          <a:pathLst>
-            <a:path>
-              <a:moveTo>
-                <a:pt x="125415" y="0"/>
-              </a:moveTo>
-              <a:lnTo>
-                <a:pt x="125415" y="888030"/>
-              </a:lnTo>
-              <a:lnTo>
-                <a:pt x="45720" y="888030"/>
-              </a:lnTo>
-            </a:path>
-          </a:pathLst>
-        </a:custGeom>
-        <a:noFill/>
-        <a:ln w="15875" cap="rnd" cmpd="sng" algn="ctr">
-          <a:solidFill>
-            <a:schemeClr val="accent1">
-              <a:shade val="80000"/>
-              <a:hueOff val="0"/>
-              <a:satOff val="0"/>
-              <a:lumOff val="0"/>
-              <a:alphaOff val="0"/>
-            </a:schemeClr>
-          </a:solidFill>
-          <a:prstDash val="solid"/>
-        </a:ln>
-        <a:effectLst/>
-      </dsp:spPr>
-      <dsp:style>
-        <a:lnRef idx="2">
-          <a:scrgbClr r="0" g="0" b="0"/>
-        </a:lnRef>
-        <a:fillRef idx="0">
-          <a:scrgbClr r="0" g="0" b="0"/>
-        </a:fillRef>
-        <a:effectRef idx="0">
-          <a:scrgbClr r="0" g="0" b="0"/>
-        </a:effectRef>
-        <a:fontRef idx="minor"/>
-      </dsp:style>
-    </dsp:sp>
-    <dsp:sp modelId="{6913EDEB-049B-4293-A7E0-6ED98FF047AE}">
-      <dsp:nvSpPr>
-        <dsp:cNvPr id="0" name=""/>
-        <dsp:cNvSpPr/>
-      </dsp:nvSpPr>
-      <dsp:spPr>
-        <a:xfrm>
-          <a:off x="4009387" y="943514"/>
-          <a:ext cx="91440" cy="349140"/>
-        </a:xfrm>
-        <a:custGeom>
-          <a:avLst/>
-          <a:gdLst/>
-          <a:ahLst/>
-          <a:cxnLst/>
-          <a:rect l="0" t="0" r="0" b="0"/>
-          <a:pathLst>
-            <a:path>
-              <a:moveTo>
-                <a:pt x="45720" y="0"/>
-              </a:moveTo>
-              <a:lnTo>
-                <a:pt x="45720" y="349140"/>
-              </a:lnTo>
-              <a:lnTo>
-                <a:pt x="125415" y="349140"/>
-              </a:lnTo>
-            </a:path>
-          </a:pathLst>
-        </a:custGeom>
-        <a:noFill/>
-        <a:ln w="15875" cap="rnd" cmpd="sng" algn="ctr">
-          <a:solidFill>
-            <a:schemeClr val="accent1">
-              <a:shade val="80000"/>
-              <a:hueOff val="0"/>
-              <a:satOff val="0"/>
-              <a:lumOff val="0"/>
-              <a:alphaOff val="0"/>
-            </a:schemeClr>
-          </a:solidFill>
-          <a:prstDash val="solid"/>
-        </a:ln>
-        <a:effectLst/>
-      </dsp:spPr>
-      <dsp:style>
-        <a:lnRef idx="2">
-          <a:scrgbClr r="0" g="0" b="0"/>
-        </a:lnRef>
-        <a:fillRef idx="0">
-          <a:scrgbClr r="0" g="0" b="0"/>
-        </a:fillRef>
-        <a:effectRef idx="0">
-          <a:scrgbClr r="0" g="0" b="0"/>
-        </a:effectRef>
-        <a:fontRef idx="minor"/>
-      </dsp:style>
-    </dsp:sp>
-    <dsp:sp modelId="{880FCD53-0637-4FD6-8288-0C5595847207}">
-      <dsp:nvSpPr>
-        <dsp:cNvPr id="0" name=""/>
-        <dsp:cNvSpPr/>
-      </dsp:nvSpPr>
-      <dsp:spPr>
-        <a:xfrm>
-          <a:off x="2597827" y="943514"/>
-          <a:ext cx="1457280" cy="349140"/>
-        </a:xfrm>
-        <a:custGeom>
-          <a:avLst/>
-          <a:gdLst/>
-          <a:ahLst/>
-          <a:cxnLst/>
-          <a:rect l="0" t="0" r="0" b="0"/>
-          <a:pathLst>
-            <a:path>
-              <a:moveTo>
-                <a:pt x="1457280" y="0"/>
-              </a:moveTo>
-              <a:lnTo>
-                <a:pt x="1457280" y="349140"/>
-              </a:lnTo>
-              <a:lnTo>
-                <a:pt x="0" y="349140"/>
-              </a:lnTo>
-            </a:path>
-          </a:pathLst>
-        </a:custGeom>
-        <a:noFill/>
-        <a:ln w="15875" cap="rnd" cmpd="sng" algn="ctr">
-          <a:solidFill>
-            <a:schemeClr val="accent1">
-              <a:shade val="80000"/>
-              <a:hueOff val="0"/>
-              <a:satOff val="0"/>
-              <a:lumOff val="0"/>
-              <a:alphaOff val="0"/>
-            </a:schemeClr>
-          </a:solidFill>
-          <a:prstDash val="solid"/>
-        </a:ln>
-        <a:effectLst/>
-      </dsp:spPr>
-      <dsp:style>
-        <a:lnRef idx="2">
-          <a:scrgbClr r="0" g="0" b="0"/>
-        </a:lnRef>
-        <a:fillRef idx="0">
-          <a:scrgbClr r="0" g="0" b="0"/>
-        </a:fillRef>
-        <a:effectRef idx="0">
-          <a:scrgbClr r="0" g="0" b="0"/>
-        </a:effectRef>
-        <a:fontRef idx="minor"/>
-      </dsp:style>
-    </dsp:sp>
-    <dsp:sp modelId="{03E73AC7-FDA7-48D9-A333-51DED90D1927}">
-      <dsp:nvSpPr>
-        <dsp:cNvPr id="0" name=""/>
-        <dsp:cNvSpPr/>
-      </dsp:nvSpPr>
-      <dsp:spPr>
-        <a:xfrm>
-          <a:off x="1759132" y="404624"/>
-          <a:ext cx="1916475" cy="349140"/>
-        </a:xfrm>
-        <a:custGeom>
-          <a:avLst/>
-          <a:gdLst/>
-          <a:ahLst/>
-          <a:cxnLst/>
-          <a:rect l="0" t="0" r="0" b="0"/>
-          <a:pathLst>
-            <a:path>
-              <a:moveTo>
-                <a:pt x="0" y="0"/>
-              </a:moveTo>
-              <a:lnTo>
-                <a:pt x="0" y="349140"/>
-              </a:lnTo>
-              <a:lnTo>
-                <a:pt x="1916475" y="349140"/>
-              </a:lnTo>
-            </a:path>
-          </a:pathLst>
-        </a:custGeom>
-        <a:noFill/>
-        <a:ln w="15875" cap="rnd" cmpd="sng" algn="ctr">
-          <a:solidFill>
-            <a:schemeClr val="accent1">
-              <a:shade val="60000"/>
-              <a:hueOff val="0"/>
-              <a:satOff val="0"/>
-              <a:lumOff val="0"/>
-              <a:alphaOff val="0"/>
-            </a:schemeClr>
-          </a:solidFill>
-          <a:prstDash val="solid"/>
-        </a:ln>
-        <a:effectLst/>
-      </dsp:spPr>
-      <dsp:style>
-        <a:lnRef idx="2">
-          <a:scrgbClr r="0" g="0" b="0"/>
-        </a:lnRef>
-        <a:fillRef idx="0">
-          <a:scrgbClr r="0" g="0" b="0"/>
-        </a:fillRef>
-        <a:effectRef idx="0">
-          <a:scrgbClr r="0" g="0" b="0"/>
-        </a:effectRef>
-        <a:fontRef idx="minor"/>
-      </dsp:style>
-    </dsp:sp>
-    <dsp:sp modelId="{FCD05725-53A5-4BD4-A02D-20DE1CDFA140}">
-      <dsp:nvSpPr>
-        <dsp:cNvPr id="0" name=""/>
-        <dsp:cNvSpPr/>
-      </dsp:nvSpPr>
-      <dsp:spPr>
-        <a:xfrm>
-          <a:off x="795022" y="943514"/>
-          <a:ext cx="91440" cy="349140"/>
-        </a:xfrm>
-        <a:custGeom>
-          <a:avLst/>
-          <a:gdLst/>
-          <a:ahLst/>
-          <a:cxnLst/>
-          <a:rect l="0" t="0" r="0" b="0"/>
-          <a:pathLst>
-            <a:path>
-              <a:moveTo>
-                <a:pt x="45720" y="0"/>
-              </a:moveTo>
-              <a:lnTo>
-                <a:pt x="45720" y="349140"/>
-              </a:lnTo>
-              <a:lnTo>
-                <a:pt x="125415" y="349140"/>
-              </a:lnTo>
-            </a:path>
-          </a:pathLst>
-        </a:custGeom>
-        <a:noFill/>
-        <a:ln w="15875" cap="rnd" cmpd="sng" algn="ctr">
-          <a:solidFill>
-            <a:schemeClr val="accent1">
-              <a:shade val="80000"/>
-              <a:hueOff val="0"/>
-              <a:satOff val="0"/>
-              <a:lumOff val="0"/>
-              <a:alphaOff val="0"/>
-            </a:schemeClr>
-          </a:solidFill>
-          <a:prstDash val="solid"/>
-        </a:ln>
-        <a:effectLst/>
-      </dsp:spPr>
-      <dsp:style>
-        <a:lnRef idx="2">
-          <a:scrgbClr r="0" g="0" b="0"/>
-        </a:lnRef>
-        <a:fillRef idx="0">
-          <a:scrgbClr r="0" g="0" b="0"/>
-        </a:fillRef>
-        <a:effectRef idx="0">
-          <a:scrgbClr r="0" g="0" b="0"/>
-        </a:effectRef>
-        <a:fontRef idx="minor"/>
-      </dsp:style>
-    </dsp:sp>
-    <dsp:sp modelId="{C9538D54-269D-4989-8BD5-071F73FD396C}">
-      <dsp:nvSpPr>
-        <dsp:cNvPr id="0" name=""/>
-        <dsp:cNvSpPr/>
-      </dsp:nvSpPr>
-      <dsp:spPr>
-        <a:xfrm>
-          <a:off x="715327" y="943514"/>
-          <a:ext cx="91440" cy="349140"/>
-        </a:xfrm>
-        <a:custGeom>
-          <a:avLst/>
-          <a:gdLst/>
-          <a:ahLst/>
-          <a:cxnLst/>
-          <a:rect l="0" t="0" r="0" b="0"/>
-          <a:pathLst>
-            <a:path>
-              <a:moveTo>
-                <a:pt x="125415" y="0"/>
-              </a:moveTo>
-              <a:lnTo>
-                <a:pt x="125415" y="349140"/>
-              </a:lnTo>
-              <a:lnTo>
-                <a:pt x="45720" y="349140"/>
-              </a:lnTo>
-            </a:path>
-          </a:pathLst>
-        </a:custGeom>
-        <a:noFill/>
-        <a:ln w="15875" cap="rnd" cmpd="sng" algn="ctr">
-          <a:solidFill>
-            <a:schemeClr val="accent1">
-              <a:shade val="80000"/>
-              <a:hueOff val="0"/>
-              <a:satOff val="0"/>
-              <a:lumOff val="0"/>
-              <a:alphaOff val="0"/>
-            </a:schemeClr>
-          </a:solidFill>
-          <a:prstDash val="solid"/>
-        </a:ln>
-        <a:effectLst/>
-      </dsp:spPr>
-      <dsp:style>
-        <a:lnRef idx="2">
-          <a:scrgbClr r="0" g="0" b="0"/>
-        </a:lnRef>
-        <a:fillRef idx="0">
-          <a:scrgbClr r="0" g="0" b="0"/>
-        </a:fillRef>
-        <a:effectRef idx="0">
-          <a:scrgbClr r="0" g="0" b="0"/>
-        </a:effectRef>
-        <a:fontRef idx="minor"/>
-      </dsp:style>
-    </dsp:sp>
-    <dsp:sp modelId="{458F6228-54FF-4A4E-BF06-61B212B61E6D}">
-      <dsp:nvSpPr>
-        <dsp:cNvPr id="0" name=""/>
-        <dsp:cNvSpPr/>
-      </dsp:nvSpPr>
-      <dsp:spPr>
-        <a:xfrm>
-          <a:off x="1220242" y="404624"/>
-          <a:ext cx="538890" cy="349140"/>
-        </a:xfrm>
-        <a:custGeom>
-          <a:avLst/>
-          <a:gdLst/>
-          <a:ahLst/>
-          <a:cxnLst/>
-          <a:rect l="0" t="0" r="0" b="0"/>
-          <a:pathLst>
-            <a:path>
-              <a:moveTo>
-                <a:pt x="538890" y="0"/>
-              </a:moveTo>
-              <a:lnTo>
-                <a:pt x="538890" y="349140"/>
-              </a:lnTo>
-              <a:lnTo>
-                <a:pt x="0" y="349140"/>
-              </a:lnTo>
-            </a:path>
-          </a:pathLst>
-        </a:custGeom>
-        <a:noFill/>
-        <a:ln w="15875" cap="rnd" cmpd="sng" algn="ctr">
-          <a:solidFill>
-            <a:schemeClr val="accent1">
-              <a:shade val="60000"/>
-              <a:hueOff val="0"/>
-              <a:satOff val="0"/>
-              <a:lumOff val="0"/>
-              <a:alphaOff val="0"/>
-            </a:schemeClr>
-          </a:solidFill>
-          <a:prstDash val="solid"/>
-        </a:ln>
-        <a:effectLst/>
-      </dsp:spPr>
-      <dsp:style>
-        <a:lnRef idx="2">
-          <a:scrgbClr r="0" g="0" b="0"/>
-        </a:lnRef>
-        <a:fillRef idx="0">
-          <a:scrgbClr r="0" g="0" b="0"/>
-        </a:fillRef>
-        <a:effectRef idx="0">
-          <a:scrgbClr r="0" g="0" b="0"/>
-        </a:effectRef>
-        <a:fontRef idx="minor"/>
-      </dsp:style>
-    </dsp:sp>
-    <dsp:sp modelId="{8EE5202F-171E-4381-9471-83F0E71A7539}">
-      <dsp:nvSpPr>
-        <dsp:cNvPr id="0" name=""/>
-        <dsp:cNvSpPr/>
-      </dsp:nvSpPr>
-      <dsp:spPr>
-        <a:xfrm>
-          <a:off x="1379632" y="25124"/>
-          <a:ext cx="759000" cy="379500"/>
-        </a:xfrm>
-        <a:prstGeom prst="rect">
-          <a:avLst/>
-        </a:prstGeom>
-        <a:solidFill>
-          <a:schemeClr val="accent1">
-            <a:hueOff val="0"/>
-            <a:satOff val="0"/>
-            <a:lumOff val="0"/>
-            <a:alphaOff val="0"/>
-          </a:schemeClr>
-        </a:solidFill>
-        <a:ln w="15875" cap="rnd" cmpd="sng" algn="ctr">
-          <a:solidFill>
-            <a:schemeClr val="lt1">
-              <a:hueOff val="0"/>
-              <a:satOff val="0"/>
-              <a:lumOff val="0"/>
-              <a:alphaOff val="0"/>
-            </a:schemeClr>
-          </a:solidFill>
-          <a:prstDash val="solid"/>
-        </a:ln>
-        <a:effectLst/>
-      </dsp:spPr>
-      <dsp:style>
-        <a:lnRef idx="2">
-          <a:scrgbClr r="0" g="0" b="0"/>
-        </a:lnRef>
-        <a:fillRef idx="1">
-          <a:scrgbClr r="0" g="0" b="0"/>
-        </a:fillRef>
-        <a:effectRef idx="0">
-          <a:scrgbClr r="0" g="0" b="0"/>
-        </a:effectRef>
-        <a:fontRef idx="minor">
-          <a:schemeClr val="lt1"/>
-        </a:fontRef>
-      </dsp:style>
-      <dsp:txBody>
-        <a:bodyPr spcFirstLastPara="0" vert="horz" wrap="square" lIns="15240" tIns="15240" rIns="15240" bIns="15240" numCol="1" spcCol="1270" anchor="ctr" anchorCtr="0">
-          <a:noAutofit/>
-        </a:bodyPr>
-        <a:lstStyle/>
-        <a:p>
-          <a:pPr lvl="0" algn="ctr" defTabSz="1066800">
-            <a:lnSpc>
-              <a:spcPct val="90000"/>
-            </a:lnSpc>
-            <a:spcBef>
-              <a:spcPct val="0"/>
-            </a:spcBef>
-            <a:spcAft>
-              <a:spcPct val="35000"/>
-            </a:spcAft>
-          </a:pPr>
-          <a:r>
-            <a:rPr lang="en-US" sz="2400" kern="1200" dirty="0" smtClean="0"/>
-            <a:t>html</a:t>
-          </a:r>
-        </a:p>
-      </dsp:txBody>
-      <dsp:txXfrm>
-        <a:off x="1379632" y="25124"/>
-        <a:ext cx="759000" cy="379500"/>
-      </dsp:txXfrm>
-    </dsp:sp>
-    <dsp:sp modelId="{127A4EBF-DC88-4D79-8664-1EDAEC4750B1}">
-      <dsp:nvSpPr>
-        <dsp:cNvPr id="0" name=""/>
-        <dsp:cNvSpPr/>
-      </dsp:nvSpPr>
-      <dsp:spPr>
-        <a:xfrm>
-          <a:off x="461242" y="564014"/>
-          <a:ext cx="759000" cy="379500"/>
-        </a:xfrm>
-        <a:prstGeom prst="rect">
-          <a:avLst/>
-        </a:prstGeom>
-        <a:solidFill>
-          <a:schemeClr val="accent1">
-            <a:hueOff val="0"/>
-            <a:satOff val="0"/>
-            <a:lumOff val="0"/>
-            <a:alphaOff val="0"/>
-          </a:schemeClr>
-        </a:solidFill>
-        <a:ln w="15875" cap="rnd" cmpd="sng" algn="ctr">
-          <a:solidFill>
-            <a:schemeClr val="lt1">
-              <a:hueOff val="0"/>
-              <a:satOff val="0"/>
-              <a:lumOff val="0"/>
-              <a:alphaOff val="0"/>
-            </a:schemeClr>
-          </a:solidFill>
-          <a:prstDash val="solid"/>
-        </a:ln>
-        <a:effectLst/>
-      </dsp:spPr>
-      <dsp:style>
-        <a:lnRef idx="2">
-          <a:scrgbClr r="0" g="0" b="0"/>
-        </a:lnRef>
-        <a:fillRef idx="1">
-          <a:scrgbClr r="0" g="0" b="0"/>
-        </a:fillRef>
-        <a:effectRef idx="0">
-          <a:scrgbClr r="0" g="0" b="0"/>
-        </a:effectRef>
-        <a:fontRef idx="minor">
-          <a:schemeClr val="lt1"/>
-        </a:fontRef>
-      </dsp:style>
-      <dsp:txBody>
-        <a:bodyPr spcFirstLastPara="0" vert="horz" wrap="square" lIns="15240" tIns="15240" rIns="15240" bIns="15240" numCol="1" spcCol="1270" anchor="ctr" anchorCtr="0">
-          <a:noAutofit/>
-        </a:bodyPr>
-        <a:lstStyle/>
-        <a:p>
-          <a:pPr lvl="0" algn="ctr" defTabSz="1066800">
-            <a:lnSpc>
-              <a:spcPct val="90000"/>
-            </a:lnSpc>
-            <a:spcBef>
-              <a:spcPct val="0"/>
-            </a:spcBef>
-            <a:spcAft>
-              <a:spcPct val="35000"/>
-            </a:spcAft>
-          </a:pPr>
-          <a:r>
-            <a:rPr lang="en-US" sz="2400" kern="1200" dirty="0" smtClean="0"/>
-            <a:t>head</a:t>
-          </a:r>
-          <a:endParaRPr lang="en-US" sz="2400" kern="1200" dirty="0"/>
-        </a:p>
-      </dsp:txBody>
-      <dsp:txXfrm>
-        <a:off x="461242" y="564014"/>
-        <a:ext cx="759000" cy="379500"/>
-      </dsp:txXfrm>
-    </dsp:sp>
-    <dsp:sp modelId="{37F5BF35-2DF3-4FA1-BB43-3CE58A394C47}">
-      <dsp:nvSpPr>
-        <dsp:cNvPr id="0" name=""/>
-        <dsp:cNvSpPr/>
-      </dsp:nvSpPr>
-      <dsp:spPr>
-        <a:xfrm>
-          <a:off x="2046" y="1102904"/>
-          <a:ext cx="759000" cy="379500"/>
-        </a:xfrm>
-        <a:prstGeom prst="rect">
-          <a:avLst/>
-        </a:prstGeom>
-        <a:solidFill>
-          <a:schemeClr val="accent1">
-            <a:hueOff val="0"/>
-            <a:satOff val="0"/>
-            <a:lumOff val="0"/>
-            <a:alphaOff val="0"/>
-          </a:schemeClr>
-        </a:solidFill>
-        <a:ln w="15875" cap="rnd" cmpd="sng" algn="ctr">
-          <a:solidFill>
-            <a:schemeClr val="lt1">
-              <a:hueOff val="0"/>
-              <a:satOff val="0"/>
-              <a:lumOff val="0"/>
-              <a:alphaOff val="0"/>
-            </a:schemeClr>
-          </a:solidFill>
-          <a:prstDash val="solid"/>
-        </a:ln>
-        <a:effectLst/>
-      </dsp:spPr>
-      <dsp:style>
-        <a:lnRef idx="2">
-          <a:scrgbClr r="0" g="0" b="0"/>
-        </a:lnRef>
-        <a:fillRef idx="1">
-          <a:scrgbClr r="0" g="0" b="0"/>
-        </a:fillRef>
-        <a:effectRef idx="0">
-          <a:scrgbClr r="0" g="0" b="0"/>
-        </a:effectRef>
-        <a:fontRef idx="minor">
-          <a:schemeClr val="lt1"/>
-        </a:fontRef>
-      </dsp:style>
-      <dsp:txBody>
-        <a:bodyPr spcFirstLastPara="0" vert="horz" wrap="square" lIns="15240" tIns="15240" rIns="15240" bIns="15240" numCol="1" spcCol="1270" anchor="ctr" anchorCtr="0">
-          <a:noAutofit/>
-        </a:bodyPr>
-        <a:lstStyle/>
-        <a:p>
-          <a:pPr lvl="0" algn="ctr" defTabSz="1066800">
-            <a:lnSpc>
-              <a:spcPct val="90000"/>
-            </a:lnSpc>
-            <a:spcBef>
-              <a:spcPct val="0"/>
-            </a:spcBef>
-            <a:spcAft>
-              <a:spcPct val="35000"/>
-            </a:spcAft>
-          </a:pPr>
-          <a:r>
-            <a:rPr lang="en-US" sz="2400" kern="1200" dirty="0" smtClean="0"/>
-            <a:t>title</a:t>
-          </a:r>
-          <a:endParaRPr lang="en-US" sz="2400" kern="1200" dirty="0"/>
-        </a:p>
-      </dsp:txBody>
-      <dsp:txXfrm>
-        <a:off x="2046" y="1102904"/>
-        <a:ext cx="759000" cy="379500"/>
-      </dsp:txXfrm>
-    </dsp:sp>
-    <dsp:sp modelId="{6221CD2B-9452-451D-A9D4-E1CC117A4AAC}">
-      <dsp:nvSpPr>
-        <dsp:cNvPr id="0" name=""/>
-        <dsp:cNvSpPr/>
-      </dsp:nvSpPr>
-      <dsp:spPr>
-        <a:xfrm>
-          <a:off x="920437" y="1102904"/>
-          <a:ext cx="759000" cy="379500"/>
-        </a:xfrm>
-        <a:prstGeom prst="rect">
-          <a:avLst/>
-        </a:prstGeom>
-        <a:solidFill>
-          <a:schemeClr val="accent1">
-            <a:hueOff val="0"/>
-            <a:satOff val="0"/>
-            <a:lumOff val="0"/>
-            <a:alphaOff val="0"/>
-          </a:schemeClr>
-        </a:solidFill>
-        <a:ln w="15875" cap="rnd" cmpd="sng" algn="ctr">
-          <a:solidFill>
-            <a:schemeClr val="lt1">
-              <a:hueOff val="0"/>
-              <a:satOff val="0"/>
-              <a:lumOff val="0"/>
-              <a:alphaOff val="0"/>
-            </a:schemeClr>
-          </a:solidFill>
-          <a:prstDash val="solid"/>
-        </a:ln>
-        <a:effectLst/>
-      </dsp:spPr>
-      <dsp:style>
-        <a:lnRef idx="2">
-          <a:scrgbClr r="0" g="0" b="0"/>
-        </a:lnRef>
-        <a:fillRef idx="1">
-          <a:scrgbClr r="0" g="0" b="0"/>
-        </a:fillRef>
-        <a:effectRef idx="0">
-          <a:scrgbClr r="0" g="0" b="0"/>
-        </a:effectRef>
-        <a:fontRef idx="minor">
-          <a:schemeClr val="lt1"/>
-        </a:fontRef>
-      </dsp:style>
-      <dsp:txBody>
-        <a:bodyPr spcFirstLastPara="0" vert="horz" wrap="square" lIns="15240" tIns="15240" rIns="15240" bIns="15240" numCol="1" spcCol="1270" anchor="ctr" anchorCtr="0">
-          <a:noAutofit/>
-        </a:bodyPr>
-        <a:lstStyle/>
-        <a:p>
-          <a:pPr lvl="0" algn="ctr" defTabSz="1066800">
-            <a:lnSpc>
-              <a:spcPct val="90000"/>
-            </a:lnSpc>
-            <a:spcBef>
-              <a:spcPct val="0"/>
-            </a:spcBef>
-            <a:spcAft>
-              <a:spcPct val="35000"/>
-            </a:spcAft>
-          </a:pPr>
-          <a:r>
-            <a:rPr lang="en-US" sz="2400" kern="1200" dirty="0" smtClean="0"/>
-            <a:t>link</a:t>
-          </a:r>
-          <a:endParaRPr lang="en-US" sz="2400" kern="1200" dirty="0"/>
-        </a:p>
-      </dsp:txBody>
-      <dsp:txXfrm>
-        <a:off x="920437" y="1102904"/>
-        <a:ext cx="759000" cy="379500"/>
-      </dsp:txXfrm>
-    </dsp:sp>
-    <dsp:sp modelId="{571DA24D-CB8A-4E3E-92D0-BF64DFC7EA98}">
-      <dsp:nvSpPr>
-        <dsp:cNvPr id="0" name=""/>
-        <dsp:cNvSpPr/>
-      </dsp:nvSpPr>
-      <dsp:spPr>
-        <a:xfrm>
-          <a:off x="3675607" y="564014"/>
-          <a:ext cx="759000" cy="379500"/>
-        </a:xfrm>
-        <a:prstGeom prst="rect">
-          <a:avLst/>
-        </a:prstGeom>
-        <a:solidFill>
-          <a:schemeClr val="accent1">
-            <a:hueOff val="0"/>
-            <a:satOff val="0"/>
-            <a:lumOff val="0"/>
-            <a:alphaOff val="0"/>
-          </a:schemeClr>
-        </a:solidFill>
-        <a:ln w="15875" cap="rnd" cmpd="sng" algn="ctr">
-          <a:solidFill>
-            <a:schemeClr val="lt1">
-              <a:hueOff val="0"/>
-              <a:satOff val="0"/>
-              <a:lumOff val="0"/>
-              <a:alphaOff val="0"/>
-            </a:schemeClr>
-          </a:solidFill>
-          <a:prstDash val="solid"/>
-        </a:ln>
-        <a:effectLst/>
-      </dsp:spPr>
-      <dsp:style>
-        <a:lnRef idx="2">
-          <a:scrgbClr r="0" g="0" b="0"/>
-        </a:lnRef>
-        <a:fillRef idx="1">
-          <a:scrgbClr r="0" g="0" b="0"/>
-        </a:fillRef>
-        <a:effectRef idx="0">
-          <a:scrgbClr r="0" g="0" b="0"/>
-        </a:effectRef>
-        <a:fontRef idx="minor">
-          <a:schemeClr val="lt1"/>
-        </a:fontRef>
-      </dsp:style>
-      <dsp:txBody>
-        <a:bodyPr spcFirstLastPara="0" vert="horz" wrap="square" lIns="15240" tIns="15240" rIns="15240" bIns="15240" numCol="1" spcCol="1270" anchor="ctr" anchorCtr="0">
-          <a:noAutofit/>
-        </a:bodyPr>
-        <a:lstStyle/>
-        <a:p>
-          <a:pPr lvl="0" algn="ctr" defTabSz="1066800">
-            <a:lnSpc>
-              <a:spcPct val="90000"/>
-            </a:lnSpc>
-            <a:spcBef>
-              <a:spcPct val="0"/>
-            </a:spcBef>
-            <a:spcAft>
-              <a:spcPct val="35000"/>
-            </a:spcAft>
-          </a:pPr>
-          <a:r>
-            <a:rPr lang="en-US" sz="2400" kern="1200" dirty="0" smtClean="0"/>
-            <a:t>body</a:t>
-          </a:r>
-          <a:endParaRPr lang="en-US" sz="2400" kern="1200" dirty="0"/>
-        </a:p>
-      </dsp:txBody>
-      <dsp:txXfrm>
-        <a:off x="3675607" y="564014"/>
-        <a:ext cx="759000" cy="379500"/>
-      </dsp:txXfrm>
-    </dsp:sp>
-    <dsp:sp modelId="{E1523126-47D1-4BCB-B9E3-E15528F6043C}">
-      <dsp:nvSpPr>
-        <dsp:cNvPr id="0" name=""/>
-        <dsp:cNvSpPr/>
-      </dsp:nvSpPr>
-      <dsp:spPr>
-        <a:xfrm>
-          <a:off x="1838827" y="1102904"/>
-          <a:ext cx="759000" cy="379500"/>
-        </a:xfrm>
-        <a:prstGeom prst="rect">
-          <a:avLst/>
-        </a:prstGeom>
-        <a:solidFill>
-          <a:schemeClr val="accent1">
-            <a:hueOff val="0"/>
-            <a:satOff val="0"/>
-            <a:lumOff val="0"/>
-            <a:alphaOff val="0"/>
-          </a:schemeClr>
-        </a:solidFill>
-        <a:ln w="15875" cap="rnd" cmpd="sng" algn="ctr">
-          <a:solidFill>
-            <a:schemeClr val="lt1">
-              <a:hueOff val="0"/>
-              <a:satOff val="0"/>
-              <a:lumOff val="0"/>
-              <a:alphaOff val="0"/>
-            </a:schemeClr>
-          </a:solidFill>
-          <a:prstDash val="solid"/>
-        </a:ln>
-        <a:effectLst/>
-      </dsp:spPr>
-      <dsp:style>
-        <a:lnRef idx="2">
-          <a:scrgbClr r="0" g="0" b="0"/>
-        </a:lnRef>
-        <a:fillRef idx="1">
-          <a:scrgbClr r="0" g="0" b="0"/>
-        </a:fillRef>
-        <a:effectRef idx="0">
-          <a:scrgbClr r="0" g="0" b="0"/>
-        </a:effectRef>
-        <a:fontRef idx="minor">
-          <a:schemeClr val="lt1"/>
-        </a:fontRef>
-      </dsp:style>
-      <dsp:txBody>
-        <a:bodyPr spcFirstLastPara="0" vert="horz" wrap="square" lIns="15240" tIns="15240" rIns="15240" bIns="15240" numCol="1" spcCol="1270" anchor="ctr" anchorCtr="0">
-          <a:noAutofit/>
-        </a:bodyPr>
-        <a:lstStyle/>
-        <a:p>
-          <a:pPr lvl="0" algn="ctr" defTabSz="1066800">
-            <a:lnSpc>
-              <a:spcPct val="90000"/>
-            </a:lnSpc>
-            <a:spcBef>
-              <a:spcPct val="0"/>
-            </a:spcBef>
-            <a:spcAft>
-              <a:spcPct val="35000"/>
-            </a:spcAft>
-          </a:pPr>
-          <a:r>
-            <a:rPr lang="en-US" sz="2400" kern="1200" dirty="0" smtClean="0"/>
-            <a:t>div</a:t>
-          </a:r>
-          <a:endParaRPr lang="en-US" sz="2400" kern="1200" dirty="0"/>
-        </a:p>
-      </dsp:txBody>
-      <dsp:txXfrm>
-        <a:off x="1838827" y="1102904"/>
-        <a:ext cx="759000" cy="379500"/>
-      </dsp:txXfrm>
-    </dsp:sp>
-    <dsp:sp modelId="{3171F02D-87C0-430F-A798-D4224EDE384F}">
-      <dsp:nvSpPr>
-        <dsp:cNvPr id="0" name=""/>
-        <dsp:cNvSpPr/>
-      </dsp:nvSpPr>
-      <dsp:spPr>
-        <a:xfrm>
-          <a:off x="4134802" y="1102904"/>
-          <a:ext cx="759000" cy="379500"/>
-        </a:xfrm>
-        <a:prstGeom prst="rect">
-          <a:avLst/>
-        </a:prstGeom>
-        <a:solidFill>
-          <a:schemeClr val="accent1">
-            <a:hueOff val="0"/>
-            <a:satOff val="0"/>
-            <a:lumOff val="0"/>
-            <a:alphaOff val="0"/>
-          </a:schemeClr>
-        </a:solidFill>
-        <a:ln w="15875" cap="rnd" cmpd="sng" algn="ctr">
-          <a:solidFill>
-            <a:schemeClr val="lt1">
-              <a:hueOff val="0"/>
-              <a:satOff val="0"/>
-              <a:lumOff val="0"/>
-              <a:alphaOff val="0"/>
-            </a:schemeClr>
-          </a:solidFill>
-          <a:prstDash val="solid"/>
-        </a:ln>
-        <a:effectLst/>
-      </dsp:spPr>
-      <dsp:style>
-        <a:lnRef idx="2">
-          <a:scrgbClr r="0" g="0" b="0"/>
-        </a:lnRef>
-        <a:fillRef idx="1">
-          <a:scrgbClr r="0" g="0" b="0"/>
-        </a:fillRef>
-        <a:effectRef idx="0">
-          <a:scrgbClr r="0" g="0" b="0"/>
-        </a:effectRef>
-        <a:fontRef idx="minor">
-          <a:schemeClr val="lt1"/>
-        </a:fontRef>
-      </dsp:style>
-      <dsp:txBody>
-        <a:bodyPr spcFirstLastPara="0" vert="horz" wrap="square" lIns="15240" tIns="15240" rIns="15240" bIns="15240" numCol="1" spcCol="1270" anchor="ctr" anchorCtr="0">
-          <a:noAutofit/>
-        </a:bodyPr>
-        <a:lstStyle/>
-        <a:p>
-          <a:pPr lvl="0" algn="ctr" defTabSz="1066800">
-            <a:lnSpc>
-              <a:spcPct val="90000"/>
-            </a:lnSpc>
-            <a:spcBef>
-              <a:spcPct val="0"/>
-            </a:spcBef>
-            <a:spcAft>
-              <a:spcPct val="35000"/>
-            </a:spcAft>
-          </a:pPr>
-          <a:r>
-            <a:rPr lang="en-US" sz="2400" kern="1200" dirty="0" smtClean="0"/>
-            <a:t>p</a:t>
-          </a:r>
-          <a:endParaRPr lang="en-US" sz="2400" kern="1200" dirty="0"/>
-        </a:p>
-      </dsp:txBody>
-      <dsp:txXfrm>
-        <a:off x="4134802" y="1102904"/>
-        <a:ext cx="759000" cy="379500"/>
-      </dsp:txXfrm>
-    </dsp:sp>
-    <dsp:sp modelId="{DB4EAC3D-F29B-4572-BF41-8758393AE846}">
-      <dsp:nvSpPr>
-        <dsp:cNvPr id="0" name=""/>
-        <dsp:cNvSpPr/>
-      </dsp:nvSpPr>
-      <dsp:spPr>
-        <a:xfrm>
-          <a:off x="3216412" y="1641795"/>
-          <a:ext cx="759000" cy="379500"/>
-        </a:xfrm>
-        <a:prstGeom prst="rect">
-          <a:avLst/>
-        </a:prstGeom>
-        <a:solidFill>
-          <a:schemeClr val="accent1">
-            <a:hueOff val="0"/>
-            <a:satOff val="0"/>
-            <a:lumOff val="0"/>
-            <a:alphaOff val="0"/>
-          </a:schemeClr>
-        </a:solidFill>
-        <a:ln w="15875" cap="rnd" cmpd="sng" algn="ctr">
-          <a:solidFill>
-            <a:schemeClr val="lt1">
-              <a:hueOff val="0"/>
-              <a:satOff val="0"/>
-              <a:lumOff val="0"/>
-              <a:alphaOff val="0"/>
-            </a:schemeClr>
-          </a:solidFill>
-          <a:prstDash val="solid"/>
-        </a:ln>
-        <a:effectLst/>
-      </dsp:spPr>
-      <dsp:style>
-        <a:lnRef idx="2">
-          <a:scrgbClr r="0" g="0" b="0"/>
-        </a:lnRef>
-        <a:fillRef idx="1">
-          <a:scrgbClr r="0" g="0" b="0"/>
-        </a:fillRef>
-        <a:effectRef idx="0">
-          <a:scrgbClr r="0" g="0" b="0"/>
-        </a:effectRef>
-        <a:fontRef idx="minor">
-          <a:schemeClr val="lt1"/>
-        </a:fontRef>
-      </dsp:style>
-      <dsp:txBody>
-        <a:bodyPr spcFirstLastPara="0" vert="horz" wrap="square" lIns="15240" tIns="15240" rIns="15240" bIns="15240" numCol="1" spcCol="1270" anchor="ctr" anchorCtr="0">
-          <a:noAutofit/>
-        </a:bodyPr>
-        <a:lstStyle/>
-        <a:p>
-          <a:pPr lvl="0" algn="ctr" defTabSz="1066800">
-            <a:lnSpc>
-              <a:spcPct val="90000"/>
-            </a:lnSpc>
-            <a:spcBef>
-              <a:spcPct val="0"/>
-            </a:spcBef>
-            <a:spcAft>
-              <a:spcPct val="35000"/>
-            </a:spcAft>
-          </a:pPr>
-          <a:r>
-            <a:rPr lang="en-US" sz="2400" kern="1200" dirty="0" smtClean="0"/>
-            <a:t>table</a:t>
-          </a:r>
-          <a:endParaRPr lang="en-US" sz="2400" kern="1200" dirty="0"/>
-        </a:p>
-      </dsp:txBody>
-      <dsp:txXfrm>
-        <a:off x="3216412" y="1641795"/>
-        <a:ext cx="759000" cy="379500"/>
-      </dsp:txXfrm>
-    </dsp:sp>
-    <dsp:sp modelId="{1FE162B0-B155-4CD8-8967-4456231A8900}">
-      <dsp:nvSpPr>
-        <dsp:cNvPr id="0" name=""/>
-        <dsp:cNvSpPr/>
-      </dsp:nvSpPr>
-      <dsp:spPr>
-        <a:xfrm>
-          <a:off x="2298022" y="2180685"/>
-          <a:ext cx="759000" cy="379500"/>
-        </a:xfrm>
-        <a:prstGeom prst="rect">
-          <a:avLst/>
-        </a:prstGeom>
-        <a:solidFill>
-          <a:schemeClr val="accent1">
-            <a:hueOff val="0"/>
-            <a:satOff val="0"/>
-            <a:lumOff val="0"/>
-            <a:alphaOff val="0"/>
-          </a:schemeClr>
-        </a:solidFill>
-        <a:ln w="15875" cap="rnd" cmpd="sng" algn="ctr">
-          <a:solidFill>
-            <a:schemeClr val="lt1">
-              <a:hueOff val="0"/>
-              <a:satOff val="0"/>
-              <a:lumOff val="0"/>
-              <a:alphaOff val="0"/>
-            </a:schemeClr>
-          </a:solidFill>
-          <a:prstDash val="solid"/>
-        </a:ln>
-        <a:effectLst/>
-      </dsp:spPr>
-      <dsp:style>
-        <a:lnRef idx="2">
-          <a:scrgbClr r="0" g="0" b="0"/>
-        </a:lnRef>
-        <a:fillRef idx="1">
-          <a:scrgbClr r="0" g="0" b="0"/>
-        </a:fillRef>
-        <a:effectRef idx="0">
-          <a:scrgbClr r="0" g="0" b="0"/>
-        </a:effectRef>
-        <a:fontRef idx="minor">
-          <a:schemeClr val="lt1"/>
-        </a:fontRef>
-      </dsp:style>
-      <dsp:txBody>
-        <a:bodyPr spcFirstLastPara="0" vert="horz" wrap="square" lIns="15240" tIns="15240" rIns="15240" bIns="15240" numCol="1" spcCol="1270" anchor="ctr" anchorCtr="0">
-          <a:noAutofit/>
-        </a:bodyPr>
-        <a:lstStyle/>
-        <a:p>
-          <a:pPr lvl="0" algn="ctr" defTabSz="1066800">
-            <a:lnSpc>
-              <a:spcPct val="90000"/>
-            </a:lnSpc>
-            <a:spcBef>
-              <a:spcPct val="0"/>
-            </a:spcBef>
-            <a:spcAft>
-              <a:spcPct val="35000"/>
-            </a:spcAft>
-          </a:pPr>
-          <a:r>
-            <a:rPr lang="en-US" sz="2400" kern="1200" dirty="0" err="1" smtClean="0"/>
-            <a:t>tr</a:t>
-          </a:r>
-          <a:endParaRPr lang="en-US" sz="2400" kern="1200" dirty="0"/>
-        </a:p>
-      </dsp:txBody>
-      <dsp:txXfrm>
-        <a:off x="2298022" y="2180685"/>
-        <a:ext cx="759000" cy="379500"/>
-      </dsp:txXfrm>
-    </dsp:sp>
-    <dsp:sp modelId="{60160279-E65E-4CBB-9171-63734424D5DD}">
-      <dsp:nvSpPr>
-        <dsp:cNvPr id="0" name=""/>
-        <dsp:cNvSpPr/>
-      </dsp:nvSpPr>
-      <dsp:spPr>
-        <a:xfrm>
-          <a:off x="1838827" y="2719575"/>
-          <a:ext cx="759000" cy="379500"/>
-        </a:xfrm>
-        <a:prstGeom prst="rect">
-          <a:avLst/>
-        </a:prstGeom>
-        <a:solidFill>
-          <a:schemeClr val="accent1">
-            <a:hueOff val="0"/>
-            <a:satOff val="0"/>
-            <a:lumOff val="0"/>
-            <a:alphaOff val="0"/>
-          </a:schemeClr>
-        </a:solidFill>
-        <a:ln w="15875" cap="rnd" cmpd="sng" algn="ctr">
-          <a:solidFill>
-            <a:schemeClr val="lt1">
-              <a:hueOff val="0"/>
-              <a:satOff val="0"/>
-              <a:lumOff val="0"/>
-              <a:alphaOff val="0"/>
-            </a:schemeClr>
-          </a:solidFill>
-          <a:prstDash val="solid"/>
-        </a:ln>
-        <a:effectLst/>
-      </dsp:spPr>
-      <dsp:style>
-        <a:lnRef idx="2">
-          <a:scrgbClr r="0" g="0" b="0"/>
-        </a:lnRef>
-        <a:fillRef idx="1">
-          <a:scrgbClr r="0" g="0" b="0"/>
-        </a:fillRef>
-        <a:effectRef idx="0">
-          <a:scrgbClr r="0" g="0" b="0"/>
-        </a:effectRef>
-        <a:fontRef idx="minor">
-          <a:schemeClr val="lt1"/>
-        </a:fontRef>
-      </dsp:style>
-      <dsp:txBody>
-        <a:bodyPr spcFirstLastPara="0" vert="horz" wrap="square" lIns="15240" tIns="15240" rIns="15240" bIns="15240" numCol="1" spcCol="1270" anchor="ctr" anchorCtr="0">
-          <a:noAutofit/>
-        </a:bodyPr>
-        <a:lstStyle/>
-        <a:p>
-          <a:pPr lvl="0" algn="ctr" defTabSz="1066800">
-            <a:lnSpc>
-              <a:spcPct val="90000"/>
-            </a:lnSpc>
-            <a:spcBef>
-              <a:spcPct val="0"/>
-            </a:spcBef>
-            <a:spcAft>
-              <a:spcPct val="35000"/>
-            </a:spcAft>
-          </a:pPr>
-          <a:r>
-            <a:rPr lang="en-US" sz="2400" kern="1200" dirty="0" smtClean="0"/>
-            <a:t>td</a:t>
-          </a:r>
-          <a:endParaRPr lang="en-US" sz="2400" kern="1200" dirty="0"/>
-        </a:p>
-      </dsp:txBody>
-      <dsp:txXfrm>
-        <a:off x="1838827" y="2719575"/>
-        <a:ext cx="759000" cy="379500"/>
-      </dsp:txXfrm>
-    </dsp:sp>
-    <dsp:sp modelId="{916BCDFB-B60F-4D83-B52F-056320E42EEF}">
-      <dsp:nvSpPr>
-        <dsp:cNvPr id="0" name=""/>
-        <dsp:cNvSpPr/>
-      </dsp:nvSpPr>
-      <dsp:spPr>
-        <a:xfrm>
-          <a:off x="2757217" y="2719575"/>
-          <a:ext cx="759000" cy="379500"/>
-        </a:xfrm>
-        <a:prstGeom prst="rect">
-          <a:avLst/>
-        </a:prstGeom>
-        <a:solidFill>
-          <a:schemeClr val="accent1">
-            <a:hueOff val="0"/>
-            <a:satOff val="0"/>
-            <a:lumOff val="0"/>
-            <a:alphaOff val="0"/>
-          </a:schemeClr>
-        </a:solidFill>
-        <a:ln w="15875" cap="rnd" cmpd="sng" algn="ctr">
-          <a:solidFill>
-            <a:schemeClr val="lt1">
-              <a:hueOff val="0"/>
-              <a:satOff val="0"/>
-              <a:lumOff val="0"/>
-              <a:alphaOff val="0"/>
-            </a:schemeClr>
-          </a:solidFill>
-          <a:prstDash val="solid"/>
-        </a:ln>
-        <a:effectLst/>
-      </dsp:spPr>
-      <dsp:style>
-        <a:lnRef idx="2">
-          <a:scrgbClr r="0" g="0" b="0"/>
-        </a:lnRef>
-        <a:fillRef idx="1">
-          <a:scrgbClr r="0" g="0" b="0"/>
-        </a:fillRef>
-        <a:effectRef idx="0">
-          <a:scrgbClr r="0" g="0" b="0"/>
-        </a:effectRef>
-        <a:fontRef idx="minor">
-          <a:schemeClr val="lt1"/>
-        </a:fontRef>
-      </dsp:style>
-      <dsp:txBody>
-        <a:bodyPr spcFirstLastPara="0" vert="horz" wrap="square" lIns="15240" tIns="15240" rIns="15240" bIns="15240" numCol="1" spcCol="1270" anchor="ctr" anchorCtr="0">
-          <a:noAutofit/>
-        </a:bodyPr>
-        <a:lstStyle/>
-        <a:p>
-          <a:pPr lvl="0" algn="ctr" defTabSz="1066800">
-            <a:lnSpc>
-              <a:spcPct val="90000"/>
-            </a:lnSpc>
-            <a:spcBef>
-              <a:spcPct val="0"/>
-            </a:spcBef>
-            <a:spcAft>
-              <a:spcPct val="35000"/>
-            </a:spcAft>
-          </a:pPr>
-          <a:r>
-            <a:rPr lang="en-US" sz="2400" kern="1200" dirty="0" smtClean="0"/>
-            <a:t>td</a:t>
-          </a:r>
-          <a:endParaRPr lang="en-US" sz="2400" kern="1200" dirty="0"/>
-        </a:p>
-      </dsp:txBody>
-      <dsp:txXfrm>
-        <a:off x="2757217" y="2719575"/>
-        <a:ext cx="759000" cy="379500"/>
-      </dsp:txXfrm>
-    </dsp:sp>
   </dsp:spTree>
 </dsp:drawing>
 </file>
@@ -5613,7 +4368,7 @@
           <a:p>
             <a:fld id="{D10AF160-CD5A-4A77-96B0-C85B80371432}" type="datetimeFigureOut">
               <a:rPr lang="en-US" smtClean="0"/>
-              <a:t>17-May-16</a:t>
+              <a:t>18-May-16</a:t>
             </a:fld>
             <a:endParaRPr lang="en-US"/>
           </a:p>
@@ -5778,7 +4533,7 @@
           <a:p>
             <a:fld id="{F6A950C5-F15E-44EA-AF6A-22227443235C}" type="datetimeFigureOut">
               <a:rPr lang="en-US" smtClean="0"/>
-              <a:t>17-May-16</a:t>
+              <a:t>18-May-16</a:t>
             </a:fld>
             <a:endParaRPr lang="en-US"/>
           </a:p>
@@ -5813,7 +4568,11 @@
           <a:bodyPr vert="horz" lIns="91440" tIns="45720" rIns="91440" bIns="45720" rtlCol="0" anchor="ctr"/>
           <a:lstStyle/>
           <a:p>
-            <a:endParaRPr lang="en-US"/>
+            <a:r>
+              <a:rPr lang="bg-BG" dirty="0" smtClean="0"/>
+              <a:t>л</a:t>
+            </a:r>
+            <a:endParaRPr lang="en-US" dirty="0"/>
           </a:p>
         </p:txBody>
       </p:sp>
@@ -6547,7 +5306,7 @@
           <a:p>
             <a:fld id="{6F66794D-9D79-4AC5-96DA-597EA4BF2704}" type="datetimeFigureOut">
               <a:rPr lang="en-US" smtClean="0"/>
-              <a:t>17-May-16</a:t>
+              <a:t>18-May-16</a:t>
             </a:fld>
             <a:endParaRPr lang="en-US"/>
           </a:p>
@@ -6881,7 +5640,7 @@
           <a:p>
             <a:fld id="{6F66794D-9D79-4AC5-96DA-597EA4BF2704}" type="datetimeFigureOut">
               <a:rPr lang="en-US" smtClean="0"/>
-              <a:t>17-May-16</a:t>
+              <a:t>18-May-16</a:t>
             </a:fld>
             <a:endParaRPr lang="en-US"/>
           </a:p>
@@ -7137,7 +5896,7 @@
           <a:p>
             <a:fld id="{6F66794D-9D79-4AC5-96DA-597EA4BF2704}" type="datetimeFigureOut">
               <a:rPr lang="en-US" smtClean="0"/>
-              <a:t>17-May-16</a:t>
+              <a:t>18-May-16</a:t>
             </a:fld>
             <a:endParaRPr lang="en-US"/>
           </a:p>
@@ -7685,7 +6444,7 @@
           <a:p>
             <a:fld id="{6F66794D-9D79-4AC5-96DA-597EA4BF2704}" type="datetimeFigureOut">
               <a:rPr lang="en-US" smtClean="0"/>
-              <a:t>17-May-16</a:t>
+              <a:t>18-May-16</a:t>
             </a:fld>
             <a:endParaRPr lang="en-US"/>
           </a:p>
@@ -7941,7 +6700,7 @@
           <a:p>
             <a:fld id="{6F66794D-9D79-4AC5-96DA-597EA4BF2704}" type="datetimeFigureOut">
               <a:rPr lang="en-US" smtClean="0"/>
-              <a:t>17-May-16</a:t>
+              <a:t>18-May-16</a:t>
             </a:fld>
             <a:endParaRPr lang="en-US"/>
           </a:p>
@@ -8481,7 +7240,7 @@
           <a:p>
             <a:fld id="{6F66794D-9D79-4AC5-96DA-597EA4BF2704}" type="datetimeFigureOut">
               <a:rPr lang="en-US" smtClean="0"/>
-              <a:t>17-May-16</a:t>
+              <a:t>18-May-16</a:t>
             </a:fld>
             <a:endParaRPr lang="en-US"/>
           </a:p>
@@ -8786,7 +7545,7 @@
           <a:p>
             <a:fld id="{6F66794D-9D79-4AC5-96DA-597EA4BF2704}" type="datetimeFigureOut">
               <a:rPr lang="en-US" smtClean="0"/>
-              <a:t>17-May-16</a:t>
+              <a:t>18-May-16</a:t>
             </a:fld>
             <a:endParaRPr lang="en-US"/>
           </a:p>
@@ -8968,7 +7727,7 @@
           <a:p>
             <a:fld id="{6F66794D-9D79-4AC5-96DA-597EA4BF2704}" type="datetimeFigureOut">
               <a:rPr lang="en-US" smtClean="0"/>
-              <a:t>17-May-16</a:t>
+              <a:t>18-May-16</a:t>
             </a:fld>
             <a:endParaRPr lang="en-US"/>
           </a:p>
@@ -9156,7 +7915,7 @@
           <a:p>
             <a:fld id="{6F66794D-9D79-4AC5-96DA-597EA4BF2704}" type="datetimeFigureOut">
               <a:rPr lang="en-US" smtClean="0"/>
-              <a:t>17-May-16</a:t>
+              <a:t>18-May-16</a:t>
             </a:fld>
             <a:endParaRPr lang="en-US"/>
           </a:p>
@@ -9334,7 +8093,7 @@
           <a:p>
             <a:fld id="{6F66794D-9D79-4AC5-96DA-597EA4BF2704}" type="datetimeFigureOut">
               <a:rPr lang="en-US" smtClean="0"/>
-              <a:t>17-May-16</a:t>
+              <a:t>18-May-16</a:t>
             </a:fld>
             <a:endParaRPr lang="en-US"/>
           </a:p>
@@ -9623,7 +8382,7 @@
           <a:p>
             <a:fld id="{6F66794D-9D79-4AC5-96DA-597EA4BF2704}" type="datetimeFigureOut">
               <a:rPr lang="en-US" smtClean="0"/>
-              <a:t>17-May-16</a:t>
+              <a:t>18-May-16</a:t>
             </a:fld>
             <a:endParaRPr lang="en-US"/>
           </a:p>
@@ -9928,7 +8687,7 @@
           <a:p>
             <a:fld id="{6F66794D-9D79-4AC5-96DA-597EA4BF2704}" type="datetimeFigureOut">
               <a:rPr lang="en-US" smtClean="0"/>
-              <a:t>17-May-16</a:t>
+              <a:t>18-May-16</a:t>
             </a:fld>
             <a:endParaRPr lang="en-US"/>
           </a:p>
@@ -10408,7 +9167,7 @@
           <a:p>
             <a:fld id="{6F66794D-9D79-4AC5-96DA-597EA4BF2704}" type="datetimeFigureOut">
               <a:rPr lang="en-US" smtClean="0"/>
-              <a:t>17-May-16</a:t>
+              <a:t>18-May-16</a:t>
             </a:fld>
             <a:endParaRPr lang="en-US"/>
           </a:p>
@@ -10564,7 +9323,7 @@
           <a:p>
             <a:fld id="{6F66794D-9D79-4AC5-96DA-597EA4BF2704}" type="datetimeFigureOut">
               <a:rPr lang="en-US" smtClean="0"/>
-              <a:t>17-May-16</a:t>
+              <a:t>18-May-16</a:t>
             </a:fld>
             <a:endParaRPr lang="en-US"/>
           </a:p>
@@ -10667,7 +9426,7 @@
           <a:p>
             <a:fld id="{6F66794D-9D79-4AC5-96DA-597EA4BF2704}" type="datetimeFigureOut">
               <a:rPr lang="en-US" smtClean="0"/>
-              <a:t>17-May-16</a:t>
+              <a:t>18-May-16</a:t>
             </a:fld>
             <a:endParaRPr lang="en-US"/>
           </a:p>
@@ -10958,7 +9717,7 @@
           <a:p>
             <a:fld id="{6F66794D-9D79-4AC5-96DA-597EA4BF2704}" type="datetimeFigureOut">
               <a:rPr lang="en-US" smtClean="0"/>
-              <a:t>17-May-16</a:t>
+              <a:t>18-May-16</a:t>
             </a:fld>
             <a:endParaRPr lang="en-US"/>
           </a:p>
@@ -11257,7 +10016,7 @@
           <a:p>
             <a:fld id="{6F66794D-9D79-4AC5-96DA-597EA4BF2704}" type="datetimeFigureOut">
               <a:rPr lang="en-US" smtClean="0"/>
-              <a:t>17-May-16</a:t>
+              <a:t>18-May-16</a:t>
             </a:fld>
             <a:endParaRPr lang="en-US"/>
           </a:p>
@@ -11795,7 +10554,7 @@
           <a:p>
             <a:fld id="{6F66794D-9D79-4AC5-96DA-597EA4BF2704}" type="datetimeFigureOut">
               <a:rPr lang="en-US" smtClean="0"/>
-              <a:t>17-May-16</a:t>
+              <a:t>18-May-16</a:t>
             </a:fld>
             <a:endParaRPr lang="en-US"/>
           </a:p>
@@ -12388,11 +11147,7 @@
             </a:r>
             <a:r>
               <a:rPr lang="en-US" dirty="0" smtClean="0"/>
-              <a:t>CSS, </a:t>
-            </a:r>
-            <a:r>
-              <a:rPr lang="en-US" dirty="0" smtClean="0"/>
-              <a:t> DOM &amp; CSS</a:t>
+              <a:t>CSS,  DOM &amp; CSS</a:t>
             </a:r>
             <a:r>
               <a:rPr lang="bg-BG" dirty="0" smtClean="0"/>
@@ -12445,11 +11200,11 @@
   <p:clrMapOvr>
     <a:masterClrMapping/>
   </p:clrMapOvr>
-  <mc:AlternateContent xmlns:mc="http://schemas.openxmlformats.org/markup-compatibility/2006">
-    <mc:Choice xmlns:p14="http://schemas.microsoft.com/office/powerpoint/2010/main" Requires="p14">
+  <mc:AlternateContent xmlns:mc="http://schemas.openxmlformats.org/markup-compatibility/2006" xmlns:p14="http://schemas.microsoft.com/office/powerpoint/2010/main">
+    <mc:Choice Requires="p14">
       <p:transition spd="slow" p14:dur="2000" advTm="2182"/>
     </mc:Choice>
-    <mc:Fallback>
+    <mc:Fallback xmlns="">
       <p:transition spd="slow" advTm="2182"/>
     </mc:Fallback>
   </mc:AlternateContent>
@@ -12840,6 +11595,13 @@
       <p:transition spd="slow"/>
     </mc:Fallback>
   </mc:AlternateContent>
+  <p:timing>
+    <p:tnLst>
+      <p:par>
+        <p:cTn id="1" dur="indefinite" restart="never" nodeType="tmRoot"/>
+      </p:par>
+    </p:tnLst>
+  </p:timing>
 </p:sld>
 </file>
 
@@ -12989,6 +11751,4394 @@
           <a:chExt cx="0" cy="0"/>
         </a:xfrm>
       </p:grpSpPr>
+      <p:sp>
+        <p:nvSpPr>
+          <p:cNvPr id="2" name="Title 1"/>
+          <p:cNvSpPr>
+            <a:spLocks noGrp="1"/>
+          </p:cNvSpPr>
+          <p:nvPr>
+            <p:ph type="title"/>
+          </p:nvPr>
+        </p:nvSpPr>
+        <p:spPr/>
+        <p:txBody>
+          <a:bodyPr/>
+          <a:lstStyle/>
+          <a:p>
+            <a:r>
+              <a:rPr lang="bg-BG" dirty="0" smtClean="0"/>
+              <a:t>Обхождане на </a:t>
+            </a:r>
+            <a:r>
+              <a:rPr lang="en-US" dirty="0" smtClean="0"/>
+              <a:t>DOM </a:t>
+            </a:r>
+            <a:r>
+              <a:rPr lang="bg-BG" dirty="0" smtClean="0"/>
+              <a:t>дървото</a:t>
+            </a:r>
+            <a:endParaRPr lang="en-US" dirty="0"/>
+          </a:p>
+        </p:txBody>
+      </p:sp>
+      <p:sp>
+        <p:nvSpPr>
+          <p:cNvPr id="4" name="Content Placeholder 3"/>
+          <p:cNvSpPr>
+            <a:spLocks noGrp="1"/>
+          </p:cNvSpPr>
+          <p:nvPr>
+            <p:ph idx="1"/>
+          </p:nvPr>
+        </p:nvSpPr>
+        <p:spPr/>
+        <p:txBody>
+          <a:bodyPr/>
+          <a:lstStyle/>
+          <a:p>
+            <a:r>
+              <a:rPr lang="en-US" dirty="0" smtClean="0"/>
+              <a:t>DOM </a:t>
+            </a:r>
+            <a:r>
+              <a:rPr lang="bg-BG" dirty="0" smtClean="0"/>
+              <a:t> елементите имат характеристики относно това къде се намират в </a:t>
+            </a:r>
+            <a:r>
+              <a:rPr lang="en-US" dirty="0" smtClean="0"/>
+              <a:t>DOM</a:t>
+            </a:r>
+            <a:r>
+              <a:rPr lang="bg-BG" dirty="0" smtClean="0"/>
+              <a:t> дървото</a:t>
+            </a:r>
+          </a:p>
+          <a:p>
+            <a:pPr lvl="1"/>
+            <a:r>
+              <a:rPr lang="bg-BG" dirty="0" smtClean="0"/>
+              <a:t>Техния родител /</a:t>
+            </a:r>
+            <a:r>
+              <a:rPr lang="en-US" dirty="0" smtClean="0"/>
+              <a:t>parent/</a:t>
+            </a:r>
+            <a:endParaRPr lang="bg-BG" dirty="0" smtClean="0"/>
+          </a:p>
+          <a:p>
+            <a:pPr lvl="1"/>
+            <a:r>
+              <a:rPr lang="bg-BG" dirty="0" smtClean="0"/>
+              <a:t>Техните наследници</a:t>
+            </a:r>
+            <a:r>
+              <a:rPr lang="en-US" dirty="0" smtClean="0"/>
+              <a:t> /children/</a:t>
+            </a:r>
+            <a:endParaRPr lang="bg-BG" dirty="0" smtClean="0"/>
+          </a:p>
+          <a:p>
+            <a:pPr lvl="1"/>
+            <a:r>
+              <a:rPr lang="bg-BG" dirty="0" smtClean="0"/>
+              <a:t>Техните съседни </a:t>
+            </a:r>
+            <a:r>
+              <a:rPr lang="en-US" dirty="0" smtClean="0"/>
+              <a:t>/siblings/</a:t>
+            </a:r>
+            <a:endParaRPr lang="bg-BG" dirty="0" smtClean="0"/>
+          </a:p>
+          <a:p>
+            <a:pPr lvl="2"/>
+            <a:r>
+              <a:rPr lang="bg-BG" dirty="0" smtClean="0"/>
+              <a:t>Точно преди или след елемента</a:t>
+            </a:r>
+          </a:p>
+          <a:p>
+            <a:pPr lvl="1"/>
+            <a:r>
+              <a:rPr lang="bg-BG" dirty="0" smtClean="0"/>
+              <a:t>Посредством тези характеристики можем да обхождаме </a:t>
+            </a:r>
+            <a:r>
+              <a:rPr lang="en-US" dirty="0" smtClean="0"/>
+              <a:t>DOM </a:t>
+            </a:r>
+            <a:r>
+              <a:rPr lang="bg-BG" dirty="0" smtClean="0"/>
+              <a:t>дървото</a:t>
+            </a:r>
+            <a:endParaRPr lang="en-US" dirty="0"/>
+          </a:p>
+        </p:txBody>
+      </p:sp>
+    </p:spTree>
+    <p:extLst>
+      <p:ext uri="{BB962C8B-B14F-4D97-AF65-F5344CB8AC3E}">
+        <p14:creationId xmlns:p14="http://schemas.microsoft.com/office/powerpoint/2010/main" val="1925703281"/>
+      </p:ext>
+    </p:extLst>
+  </p:cSld>
+  <p:clrMapOvr>
+    <a:masterClrMapping/>
+  </p:clrMapOvr>
+  <mc:AlternateContent xmlns:mc="http://schemas.openxmlformats.org/markup-compatibility/2006" xmlns:p14="http://schemas.microsoft.com/office/powerpoint/2010/main">
+    <mc:Choice Requires="p14">
+      <p:transition spd="slow" p14:dur="2000"/>
+    </mc:Choice>
+    <mc:Fallback xmlns="">
+      <p:transition spd="slow"/>
+    </mc:Fallback>
+  </mc:AlternateContent>
+</p:sld>
+</file>
+
+<file path=ppt/slides/slide14.xml><?xml version="1.0" encoding="utf-8"?>
+<p:sld xmlns:a="http://schemas.openxmlformats.org/drawingml/2006/main" xmlns:r="http://schemas.openxmlformats.org/officeDocument/2006/relationships" xmlns:p="http://schemas.openxmlformats.org/presentationml/2006/main">
+  <p:cSld>
+    <p:spTree>
+      <p:nvGrpSpPr>
+        <p:cNvPr id="1" name=""/>
+        <p:cNvGrpSpPr/>
+        <p:nvPr/>
+      </p:nvGrpSpPr>
+      <p:grpSpPr>
+        <a:xfrm>
+          <a:off x="0" y="0"/>
+          <a:ext cx="0" cy="0"/>
+          <a:chOff x="0" y="0"/>
+          <a:chExt cx="0" cy="0"/>
+        </a:xfrm>
+      </p:grpSpPr>
+      <p:sp>
+        <p:nvSpPr>
+          <p:cNvPr id="2" name="Title 1"/>
+          <p:cNvSpPr>
+            <a:spLocks noGrp="1"/>
+          </p:cNvSpPr>
+          <p:nvPr>
+            <p:ph type="title"/>
+          </p:nvPr>
+        </p:nvSpPr>
+        <p:spPr/>
+        <p:txBody>
+          <a:bodyPr/>
+          <a:lstStyle/>
+          <a:p>
+            <a:r>
+              <a:rPr lang="bg-BG" dirty="0" smtClean="0"/>
+              <a:t>Обхождане на </a:t>
+            </a:r>
+            <a:r>
+              <a:rPr lang="en-US" dirty="0" smtClean="0"/>
+              <a:t>DOM </a:t>
+            </a:r>
+            <a:r>
+              <a:rPr lang="bg-BG" dirty="0" smtClean="0"/>
+              <a:t>дървото</a:t>
+            </a:r>
+            <a:endParaRPr lang="en-US" dirty="0"/>
+          </a:p>
+        </p:txBody>
+      </p:sp>
+      <p:sp>
+        <p:nvSpPr>
+          <p:cNvPr id="4" name="Content Placeholder 3"/>
+          <p:cNvSpPr>
+            <a:spLocks noGrp="1"/>
+          </p:cNvSpPr>
+          <p:nvPr>
+            <p:ph idx="1"/>
+          </p:nvPr>
+        </p:nvSpPr>
+        <p:spPr>
+          <a:xfrm>
+            <a:off x="1484310" y="1939637"/>
+            <a:ext cx="10018713" cy="3851564"/>
+          </a:xfrm>
+        </p:spPr>
+        <p:txBody>
+          <a:bodyPr>
+            <a:normAutofit fontScale="77500" lnSpcReduction="20000"/>
+          </a:bodyPr>
+          <a:lstStyle/>
+          <a:p>
+            <a:r>
+              <a:rPr lang="en-US" i="1" dirty="0" err="1" smtClean="0">
+                <a:solidFill>
+                  <a:schemeClr val="accent6">
+                    <a:lumMod val="75000"/>
+                  </a:schemeClr>
+                </a:solidFill>
+              </a:rPr>
+              <a:t>element.parentNode</a:t>
+            </a:r>
+            <a:endParaRPr lang="en-US" i="1" dirty="0" smtClean="0">
+              <a:solidFill>
+                <a:schemeClr val="accent6">
+                  <a:lumMod val="75000"/>
+                </a:schemeClr>
+              </a:solidFill>
+            </a:endParaRPr>
+          </a:p>
+          <a:p>
+            <a:pPr lvl="1"/>
+            <a:r>
+              <a:rPr lang="bg-BG" dirty="0" smtClean="0"/>
+              <a:t>Връща родителя на </a:t>
+            </a:r>
+            <a:r>
+              <a:rPr lang="en-US" dirty="0" smtClean="0"/>
+              <a:t>element</a:t>
+            </a:r>
+            <a:endParaRPr lang="bg-BG" dirty="0" smtClean="0"/>
+          </a:p>
+          <a:p>
+            <a:pPr lvl="1"/>
+            <a:r>
+              <a:rPr lang="bg-BG" dirty="0" smtClean="0"/>
+              <a:t>Родителя на </a:t>
+            </a:r>
+            <a:r>
+              <a:rPr lang="en-US" i="1" dirty="0" smtClean="0">
+                <a:solidFill>
+                  <a:schemeClr val="accent6">
+                    <a:lumMod val="75000"/>
+                  </a:schemeClr>
+                </a:solidFill>
+              </a:rPr>
+              <a:t>document</a:t>
+            </a:r>
+            <a:r>
+              <a:rPr lang="en-US" dirty="0" smtClean="0">
+                <a:solidFill>
+                  <a:schemeClr val="accent6">
+                    <a:lumMod val="75000"/>
+                  </a:schemeClr>
+                </a:solidFill>
+              </a:rPr>
+              <a:t> </a:t>
+            </a:r>
+            <a:r>
+              <a:rPr lang="en-US" dirty="0" smtClean="0"/>
+              <a:t>e</a:t>
+            </a:r>
+            <a:r>
+              <a:rPr lang="bg-BG" dirty="0" smtClean="0"/>
+              <a:t> </a:t>
+            </a:r>
+            <a:r>
+              <a:rPr lang="en-US" i="1" dirty="0" smtClean="0">
+                <a:solidFill>
+                  <a:schemeClr val="accent6">
+                    <a:lumMod val="75000"/>
+                  </a:schemeClr>
+                </a:solidFill>
+              </a:rPr>
+              <a:t>null</a:t>
+            </a:r>
+          </a:p>
+          <a:p>
+            <a:r>
+              <a:rPr lang="en-US" i="1" dirty="0" err="1" smtClean="0">
+                <a:solidFill>
+                  <a:schemeClr val="accent6">
+                    <a:lumMod val="75000"/>
+                  </a:schemeClr>
+                </a:solidFill>
+              </a:rPr>
+              <a:t>element.childNodes</a:t>
+            </a:r>
+            <a:endParaRPr lang="en-US" i="1" dirty="0" smtClean="0">
+              <a:solidFill>
+                <a:schemeClr val="accent6">
+                  <a:lumMod val="75000"/>
+                </a:schemeClr>
+              </a:solidFill>
+            </a:endParaRPr>
+          </a:p>
+          <a:p>
+            <a:pPr lvl="1"/>
+            <a:r>
+              <a:rPr lang="bg-BG" dirty="0" smtClean="0"/>
+              <a:t>Връща </a:t>
+            </a:r>
+            <a:r>
+              <a:rPr lang="en-US" i="1" dirty="0" err="1" smtClean="0">
+                <a:solidFill>
+                  <a:schemeClr val="accent6">
+                    <a:lumMod val="75000"/>
+                  </a:schemeClr>
+                </a:solidFill>
+              </a:rPr>
+              <a:t>LiveNodeList</a:t>
+            </a:r>
+            <a:r>
+              <a:rPr lang="bg-BG" dirty="0" smtClean="0">
+                <a:solidFill>
+                  <a:schemeClr val="accent6">
+                    <a:lumMod val="75000"/>
+                  </a:schemeClr>
+                </a:solidFill>
+              </a:rPr>
+              <a:t> </a:t>
+            </a:r>
+            <a:r>
+              <a:rPr lang="bg-BG" dirty="0" smtClean="0"/>
+              <a:t>от елементите вложени в </a:t>
+            </a:r>
+            <a:r>
+              <a:rPr lang="en-US" dirty="0" smtClean="0"/>
+              <a:t>element </a:t>
+            </a:r>
+            <a:endParaRPr lang="bg-BG" dirty="0" smtClean="0"/>
+          </a:p>
+          <a:p>
+            <a:r>
+              <a:rPr lang="en-US" i="1" dirty="0" err="1" smtClean="0">
+                <a:solidFill>
+                  <a:schemeClr val="accent6">
+                    <a:lumMod val="75000"/>
+                  </a:schemeClr>
+                </a:solidFill>
+              </a:rPr>
+              <a:t>element.firstChild</a:t>
+            </a:r>
+            <a:r>
+              <a:rPr lang="en-US" i="1" dirty="0" smtClean="0">
+                <a:solidFill>
+                  <a:schemeClr val="accent6">
+                    <a:lumMod val="75000"/>
+                  </a:schemeClr>
+                </a:solidFill>
+              </a:rPr>
+              <a:t>/</a:t>
+            </a:r>
+            <a:r>
+              <a:rPr lang="en-US" i="1" dirty="0" err="1" smtClean="0">
+                <a:solidFill>
+                  <a:schemeClr val="accent6">
+                    <a:lumMod val="75000"/>
+                  </a:schemeClr>
+                </a:solidFill>
+              </a:rPr>
+              <a:t>lastChild</a:t>
+            </a:r>
+            <a:r>
+              <a:rPr lang="bg-BG" i="1" dirty="0">
+                <a:solidFill>
+                  <a:schemeClr val="accent6">
+                    <a:lumMod val="75000"/>
+                  </a:schemeClr>
+                </a:solidFill>
+              </a:rPr>
+              <a:t> </a:t>
+            </a:r>
+            <a:r>
+              <a:rPr lang="bg-BG" i="1" dirty="0" smtClean="0">
+                <a:solidFill>
+                  <a:schemeClr val="accent6">
+                    <a:lumMod val="75000"/>
+                  </a:schemeClr>
+                </a:solidFill>
+              </a:rPr>
+              <a:t>/ </a:t>
+            </a:r>
+            <a:r>
+              <a:rPr lang="en-US" i="1" dirty="0" err="1" smtClean="0">
+                <a:solidFill>
+                  <a:schemeClr val="accent6">
+                    <a:lumMod val="75000"/>
+                  </a:schemeClr>
+                </a:solidFill>
+              </a:rPr>
+              <a:t>element.firstElementChild</a:t>
+            </a:r>
+            <a:r>
+              <a:rPr lang="en-US" i="1" dirty="0" smtClean="0">
+                <a:solidFill>
+                  <a:schemeClr val="accent6">
+                    <a:lumMod val="75000"/>
+                  </a:schemeClr>
+                </a:solidFill>
+              </a:rPr>
+              <a:t>/</a:t>
+            </a:r>
+            <a:r>
+              <a:rPr lang="en-US" i="1" dirty="0" err="1" smtClean="0">
+                <a:solidFill>
+                  <a:schemeClr val="accent6">
+                    <a:lumMod val="75000"/>
+                  </a:schemeClr>
+                </a:solidFill>
+              </a:rPr>
+              <a:t>lastElementChild</a:t>
+            </a:r>
+            <a:endParaRPr lang="en-US" i="1" dirty="0" smtClean="0">
+              <a:solidFill>
+                <a:schemeClr val="accent6">
+                  <a:lumMod val="75000"/>
+                </a:schemeClr>
+              </a:solidFill>
+            </a:endParaRPr>
+          </a:p>
+          <a:p>
+            <a:pPr lvl="1"/>
+            <a:r>
+              <a:rPr lang="bg-BG" dirty="0" smtClean="0"/>
+              <a:t>Връща първото</a:t>
+            </a:r>
+            <a:r>
+              <a:rPr lang="en-US" dirty="0" smtClean="0"/>
+              <a:t>/</a:t>
+            </a:r>
+            <a:r>
+              <a:rPr lang="bg-BG" dirty="0" smtClean="0"/>
+              <a:t>последното дете/дете-елемент на </a:t>
+            </a:r>
+            <a:r>
+              <a:rPr lang="en-US" dirty="0" smtClean="0"/>
+              <a:t>element</a:t>
+            </a:r>
+          </a:p>
+          <a:p>
+            <a:r>
+              <a:rPr lang="en-US" i="1" dirty="0" err="1" smtClean="0">
+                <a:solidFill>
+                  <a:schemeClr val="accent6">
+                    <a:lumMod val="75000"/>
+                  </a:schemeClr>
+                </a:solidFill>
+              </a:rPr>
+              <a:t>element.firstElementChild</a:t>
+            </a:r>
+            <a:r>
+              <a:rPr lang="en-US" i="1" dirty="0" smtClean="0">
+                <a:solidFill>
+                  <a:schemeClr val="accent6">
+                    <a:lumMod val="75000"/>
+                  </a:schemeClr>
+                </a:solidFill>
+              </a:rPr>
+              <a:t>/</a:t>
+            </a:r>
+            <a:r>
+              <a:rPr lang="en-US" i="1" dirty="0" err="1" smtClean="0">
+                <a:solidFill>
+                  <a:schemeClr val="accent6">
+                    <a:lumMod val="75000"/>
+                  </a:schemeClr>
+                </a:solidFill>
+              </a:rPr>
+              <a:t>lastElementChild</a:t>
+            </a:r>
+            <a:endParaRPr lang="en-US" i="1" dirty="0">
+              <a:solidFill>
+                <a:schemeClr val="accent6">
+                  <a:lumMod val="75000"/>
+                </a:schemeClr>
+              </a:solidFill>
+            </a:endParaRPr>
+          </a:p>
+          <a:p>
+            <a:pPr lvl="1"/>
+            <a:r>
+              <a:rPr lang="bg-BG" dirty="0"/>
+              <a:t>Връща първото</a:t>
+            </a:r>
+            <a:r>
+              <a:rPr lang="en-US" dirty="0"/>
+              <a:t>/</a:t>
+            </a:r>
+            <a:r>
+              <a:rPr lang="bg-BG" dirty="0"/>
+              <a:t>последното </a:t>
+            </a:r>
+            <a:r>
+              <a:rPr lang="bg-BG" dirty="0" smtClean="0"/>
+              <a:t>дете</a:t>
+            </a:r>
+            <a:r>
+              <a:rPr lang="en-US" dirty="0" smtClean="0"/>
+              <a:t>-</a:t>
+            </a:r>
+            <a:r>
+              <a:rPr lang="bg-BG" dirty="0" smtClean="0"/>
+              <a:t>елемент </a:t>
+            </a:r>
+            <a:r>
+              <a:rPr lang="bg-BG" dirty="0"/>
+              <a:t>на </a:t>
+            </a:r>
+            <a:r>
+              <a:rPr lang="en-US" dirty="0" smtClean="0"/>
+              <a:t>element</a:t>
+            </a:r>
+            <a:endParaRPr lang="bg-BG" dirty="0" smtClean="0"/>
+          </a:p>
+          <a:p>
+            <a:r>
+              <a:rPr lang="en-US" i="1" dirty="0" err="1" smtClean="0">
+                <a:solidFill>
+                  <a:schemeClr val="accent6">
+                    <a:lumMod val="75000"/>
+                  </a:schemeClr>
+                </a:solidFill>
+              </a:rPr>
+              <a:t>element.nextSibling</a:t>
+            </a:r>
+            <a:r>
+              <a:rPr lang="en-US" i="1" dirty="0" smtClean="0">
+                <a:solidFill>
+                  <a:schemeClr val="accent6">
+                    <a:lumMod val="75000"/>
+                  </a:schemeClr>
+                </a:solidFill>
+              </a:rPr>
+              <a:t>/</a:t>
+            </a:r>
+            <a:r>
+              <a:rPr lang="en-US" i="1" dirty="0" err="1" smtClean="0">
+                <a:solidFill>
+                  <a:schemeClr val="accent6">
+                    <a:lumMod val="75000"/>
+                  </a:schemeClr>
+                </a:solidFill>
+              </a:rPr>
+              <a:t>previousSibling</a:t>
+            </a:r>
+            <a:r>
+              <a:rPr lang="bg-BG" i="1" dirty="0" smtClean="0">
+                <a:solidFill>
+                  <a:schemeClr val="accent6">
+                    <a:lumMod val="75000"/>
+                  </a:schemeClr>
+                </a:solidFill>
+              </a:rPr>
+              <a:t> / </a:t>
+            </a:r>
+            <a:r>
+              <a:rPr lang="en-US" i="1" dirty="0" err="1" smtClean="0">
+                <a:solidFill>
+                  <a:schemeClr val="accent6">
+                    <a:lumMod val="75000"/>
+                  </a:schemeClr>
+                </a:solidFill>
+              </a:rPr>
+              <a:t>element.nextElementSibling</a:t>
+            </a:r>
+            <a:r>
+              <a:rPr lang="en-US" i="1" dirty="0" smtClean="0">
+                <a:solidFill>
+                  <a:schemeClr val="accent6">
+                    <a:lumMod val="75000"/>
+                  </a:schemeClr>
+                </a:solidFill>
+              </a:rPr>
+              <a:t>/</a:t>
+            </a:r>
+            <a:r>
+              <a:rPr lang="en-US" i="1" dirty="0" err="1" smtClean="0">
+                <a:solidFill>
+                  <a:schemeClr val="accent6">
+                    <a:lumMod val="75000"/>
+                  </a:schemeClr>
+                </a:solidFill>
+              </a:rPr>
+              <a:t>previousElementSibling</a:t>
+            </a:r>
+            <a:endParaRPr lang="en-US" i="1" dirty="0" smtClean="0">
+              <a:solidFill>
+                <a:schemeClr val="accent6">
+                  <a:lumMod val="75000"/>
+                </a:schemeClr>
+              </a:solidFill>
+            </a:endParaRPr>
+          </a:p>
+          <a:p>
+            <a:pPr lvl="1"/>
+            <a:r>
+              <a:rPr lang="bg-BG" dirty="0" smtClean="0"/>
+              <a:t>Връща следващия/предишния елемент</a:t>
+            </a:r>
+            <a:endParaRPr lang="en-US" dirty="0"/>
+          </a:p>
+        </p:txBody>
+      </p:sp>
+    </p:spTree>
+    <p:extLst>
+      <p:ext uri="{BB962C8B-B14F-4D97-AF65-F5344CB8AC3E}">
+        <p14:creationId xmlns:p14="http://schemas.microsoft.com/office/powerpoint/2010/main" val="572271735"/>
+      </p:ext>
+    </p:extLst>
+  </p:cSld>
+  <p:clrMapOvr>
+    <a:masterClrMapping/>
+  </p:clrMapOvr>
+  <mc:AlternateContent xmlns:mc="http://schemas.openxmlformats.org/markup-compatibility/2006" xmlns:p14="http://schemas.microsoft.com/office/powerpoint/2010/main">
+    <mc:Choice Requires="p14">
+      <p:transition spd="slow" p14:dur="2000"/>
+    </mc:Choice>
+    <mc:Fallback xmlns="">
+      <p:transition spd="slow"/>
+    </mc:Fallback>
+  </mc:AlternateContent>
+  <p:timing>
+    <p:tnLst>
+      <p:par>
+        <p:cTn id="1" dur="indefinite" restart="never" nodeType="tmRoot"/>
+      </p:par>
+    </p:tnLst>
+  </p:timing>
+</p:sld>
+</file>
+
+<file path=ppt/slides/slide15.xml><?xml version="1.0" encoding="utf-8"?>
+<p:sld xmlns:a="http://schemas.openxmlformats.org/drawingml/2006/main" xmlns:r="http://schemas.openxmlformats.org/officeDocument/2006/relationships" xmlns:p="http://schemas.openxmlformats.org/presentationml/2006/main">
+  <p:cSld>
+    <p:spTree>
+      <p:nvGrpSpPr>
+        <p:cNvPr id="1" name=""/>
+        <p:cNvGrpSpPr/>
+        <p:nvPr/>
+      </p:nvGrpSpPr>
+      <p:grpSpPr>
+        <a:xfrm>
+          <a:off x="0" y="0"/>
+          <a:ext cx="0" cy="0"/>
+          <a:chOff x="0" y="0"/>
+          <a:chExt cx="0" cy="0"/>
+        </a:xfrm>
+      </p:grpSpPr>
+      <p:sp>
+        <p:nvSpPr>
+          <p:cNvPr id="6" name="Title 5"/>
+          <p:cNvSpPr>
+            <a:spLocks noGrp="1"/>
+          </p:cNvSpPr>
+          <p:nvPr>
+            <p:ph type="title"/>
+          </p:nvPr>
+        </p:nvSpPr>
+        <p:spPr>
+          <a:xfrm>
+            <a:off x="1484311" y="166256"/>
+            <a:ext cx="10018713" cy="2272144"/>
+          </a:xfrm>
+        </p:spPr>
+        <p:txBody>
+          <a:bodyPr/>
+          <a:lstStyle/>
+          <a:p>
+            <a:r>
+              <a:rPr lang="bg-BG" dirty="0"/>
+              <a:t>Обхождане на </a:t>
+            </a:r>
+            <a:r>
+              <a:rPr lang="en-US" dirty="0"/>
+              <a:t>DOM </a:t>
+            </a:r>
+            <a:r>
+              <a:rPr lang="bg-BG" dirty="0"/>
+              <a:t>дървото</a:t>
+            </a:r>
+            <a:endParaRPr lang="en-US" i="1" dirty="0">
+              <a:solidFill>
+                <a:schemeClr val="accent6">
+                  <a:lumMod val="75000"/>
+                </a:schemeClr>
+              </a:solidFill>
+            </a:endParaRPr>
+          </a:p>
+        </p:txBody>
+      </p:sp>
+      <p:pic>
+        <p:nvPicPr>
+          <p:cNvPr id="7" name="Picture 6"/>
+          <p:cNvPicPr>
+            <a:picLocks noChangeAspect="1"/>
+          </p:cNvPicPr>
+          <p:nvPr/>
+        </p:nvPicPr>
+        <p:blipFill>
+          <a:blip r:embed="rId2">
+            <a:extLst>
+              <a:ext uri="{28A0092B-C50C-407E-A947-70E740481C1C}">
+                <a14:useLocalDpi xmlns:a14="http://schemas.microsoft.com/office/drawing/2010/main" val="0"/>
+              </a:ext>
+            </a:extLst>
+          </a:blip>
+          <a:stretch>
+            <a:fillRect/>
+          </a:stretch>
+        </p:blipFill>
+        <p:spPr>
+          <a:xfrm>
+            <a:off x="4112417" y="1943677"/>
+            <a:ext cx="4762500" cy="4762500"/>
+          </a:xfrm>
+          <a:prstGeom prst="rect">
+            <a:avLst/>
+          </a:prstGeom>
+        </p:spPr>
+      </p:pic>
+    </p:spTree>
+    <p:extLst>
+      <p:ext uri="{BB962C8B-B14F-4D97-AF65-F5344CB8AC3E}">
+        <p14:creationId xmlns:p14="http://schemas.microsoft.com/office/powerpoint/2010/main" val="4100578949"/>
+      </p:ext>
+    </p:extLst>
+  </p:cSld>
+  <p:clrMapOvr>
+    <a:masterClrMapping/>
+  </p:clrMapOvr>
+  <mc:AlternateContent xmlns:mc="http://schemas.openxmlformats.org/markup-compatibility/2006" xmlns:p14="http://schemas.microsoft.com/office/powerpoint/2010/main">
+    <mc:Choice Requires="p14">
+      <p:transition spd="slow" p14:dur="2000"/>
+    </mc:Choice>
+    <mc:Fallback xmlns="">
+      <p:transition spd="slow"/>
+    </mc:Fallback>
+  </mc:AlternateContent>
+  <p:timing>
+    <p:tnLst>
+      <p:par>
+        <p:cTn id="1" dur="indefinite" restart="never" nodeType="tmRoot"/>
+      </p:par>
+    </p:tnLst>
+  </p:timing>
+</p:sld>
+</file>
+
+<file path=ppt/slides/slide16.xml><?xml version="1.0" encoding="utf-8"?>
+<p:sld xmlns:a="http://schemas.openxmlformats.org/drawingml/2006/main" xmlns:r="http://schemas.openxmlformats.org/officeDocument/2006/relationships" xmlns:p="http://schemas.openxmlformats.org/presentationml/2006/main">
+  <p:cSld>
+    <p:spTree>
+      <p:nvGrpSpPr>
+        <p:cNvPr id="1" name=""/>
+        <p:cNvGrpSpPr/>
+        <p:nvPr/>
+      </p:nvGrpSpPr>
+      <p:grpSpPr>
+        <a:xfrm>
+          <a:off x="0" y="0"/>
+          <a:ext cx="0" cy="0"/>
+          <a:chOff x="0" y="0"/>
+          <a:chExt cx="0" cy="0"/>
+        </a:xfrm>
+      </p:grpSpPr>
+      <p:sp>
+        <p:nvSpPr>
+          <p:cNvPr id="2" name="Title 1"/>
+          <p:cNvSpPr>
+            <a:spLocks noGrp="1"/>
+          </p:cNvSpPr>
+          <p:nvPr>
+            <p:ph type="title"/>
+          </p:nvPr>
+        </p:nvSpPr>
+        <p:spPr/>
+        <p:txBody>
+          <a:bodyPr/>
+          <a:lstStyle/>
+          <a:p>
+            <a:r>
+              <a:rPr lang="bg-BG" dirty="0" smtClean="0"/>
+              <a:t>Манипулации върху </a:t>
+            </a:r>
+            <a:r>
+              <a:rPr lang="en-US" dirty="0" smtClean="0"/>
+              <a:t>DOM </a:t>
+            </a:r>
+            <a:r>
+              <a:rPr lang="bg-BG" dirty="0" smtClean="0"/>
+              <a:t>дървото</a:t>
+            </a:r>
+            <a:endParaRPr lang="en-US" dirty="0"/>
+          </a:p>
+        </p:txBody>
+      </p:sp>
+      <p:sp>
+        <p:nvSpPr>
+          <p:cNvPr id="3" name="Content Placeholder 2"/>
+          <p:cNvSpPr>
+            <a:spLocks noGrp="1"/>
+          </p:cNvSpPr>
+          <p:nvPr>
+            <p:ph idx="1"/>
+          </p:nvPr>
+        </p:nvSpPr>
+        <p:spPr/>
+        <p:txBody>
+          <a:bodyPr/>
+          <a:lstStyle/>
+          <a:p>
+            <a:r>
+              <a:rPr lang="en-US" dirty="0" smtClean="0"/>
+              <a:t>DOM</a:t>
+            </a:r>
+            <a:r>
+              <a:rPr lang="bg-BG" dirty="0" smtClean="0"/>
+              <a:t> дървото може да бъде динамично манипулирано посредсвом </a:t>
+            </a:r>
+            <a:r>
+              <a:rPr lang="en-US" dirty="0" smtClean="0"/>
+              <a:t>JS</a:t>
+            </a:r>
+          </a:p>
+          <a:p>
+            <a:pPr lvl="1"/>
+            <a:r>
+              <a:rPr lang="en-US" dirty="0" smtClean="0"/>
+              <a:t>HTML</a:t>
+            </a:r>
+            <a:r>
+              <a:rPr lang="bg-BG" dirty="0" smtClean="0"/>
+              <a:t> елементи могат да бъдат създавани</a:t>
+            </a:r>
+          </a:p>
+          <a:p>
+            <a:pPr lvl="1"/>
+            <a:r>
+              <a:rPr lang="en-US" dirty="0"/>
+              <a:t>HTML</a:t>
+            </a:r>
+            <a:r>
+              <a:rPr lang="bg-BG" dirty="0"/>
+              <a:t> елементи могат да бъдат </a:t>
+            </a:r>
+            <a:r>
+              <a:rPr lang="bg-BG" dirty="0" smtClean="0"/>
+              <a:t>изтривани</a:t>
+            </a:r>
+            <a:endParaRPr lang="en-US" dirty="0"/>
+          </a:p>
+          <a:p>
+            <a:pPr lvl="1"/>
+            <a:r>
+              <a:rPr lang="en-US" dirty="0"/>
+              <a:t>HTML</a:t>
+            </a:r>
+            <a:r>
+              <a:rPr lang="bg-BG" dirty="0"/>
+              <a:t> елементи могат да бъдат </a:t>
+            </a:r>
+            <a:r>
+              <a:rPr lang="bg-BG" dirty="0" smtClean="0"/>
+              <a:t>променяни</a:t>
+            </a:r>
+          </a:p>
+          <a:p>
+            <a:pPr lvl="2"/>
+            <a:r>
+              <a:rPr lang="bg-BG" dirty="0" smtClean="0"/>
+              <a:t>Може да се променя съдържанието им</a:t>
+            </a:r>
+          </a:p>
+          <a:p>
+            <a:pPr lvl="2"/>
+            <a:r>
+              <a:rPr lang="bg-BG" dirty="0" smtClean="0"/>
+              <a:t>Стиловете им</a:t>
+            </a:r>
+          </a:p>
+          <a:p>
+            <a:pPr lvl="2"/>
+            <a:r>
+              <a:rPr lang="bg-BG" dirty="0" smtClean="0"/>
+              <a:t>Атрибутите им</a:t>
+            </a:r>
+            <a:endParaRPr lang="en-US" dirty="0"/>
+          </a:p>
+          <a:p>
+            <a:pPr lvl="1"/>
+            <a:endParaRPr lang="en-US" dirty="0"/>
+          </a:p>
+        </p:txBody>
+      </p:sp>
+    </p:spTree>
+    <p:extLst>
+      <p:ext uri="{BB962C8B-B14F-4D97-AF65-F5344CB8AC3E}">
+        <p14:creationId xmlns:p14="http://schemas.microsoft.com/office/powerpoint/2010/main" val="1052179953"/>
+      </p:ext>
+    </p:extLst>
+  </p:cSld>
+  <p:clrMapOvr>
+    <a:masterClrMapping/>
+  </p:clrMapOvr>
+  <mc:AlternateContent xmlns:mc="http://schemas.openxmlformats.org/markup-compatibility/2006" xmlns:p14="http://schemas.microsoft.com/office/powerpoint/2010/main">
+    <mc:Choice Requires="p14">
+      <p:transition spd="slow" p14:dur="2000"/>
+    </mc:Choice>
+    <mc:Fallback xmlns="">
+      <p:transition spd="slow"/>
+    </mc:Fallback>
+  </mc:AlternateContent>
+  <p:timing>
+    <p:tnLst>
+      <p:par>
+        <p:cTn id="1" dur="indefinite" restart="never" nodeType="tmRoot"/>
+      </p:par>
+    </p:tnLst>
+  </p:timing>
+</p:sld>
+</file>
+
+<file path=ppt/slides/slide17.xml><?xml version="1.0" encoding="utf-8"?>
+<p:sld xmlns:a="http://schemas.openxmlformats.org/drawingml/2006/main" xmlns:r="http://schemas.openxmlformats.org/officeDocument/2006/relationships" xmlns:p="http://schemas.openxmlformats.org/presentationml/2006/main">
+  <p:cSld>
+    <p:spTree>
+      <p:nvGrpSpPr>
+        <p:cNvPr id="1" name=""/>
+        <p:cNvGrpSpPr/>
+        <p:nvPr/>
+      </p:nvGrpSpPr>
+      <p:grpSpPr>
+        <a:xfrm>
+          <a:off x="0" y="0"/>
+          <a:ext cx="0" cy="0"/>
+          <a:chOff x="0" y="0"/>
+          <a:chExt cx="0" cy="0"/>
+        </a:xfrm>
+      </p:grpSpPr>
+      <p:sp>
+        <p:nvSpPr>
+          <p:cNvPr id="2" name="Title 1"/>
+          <p:cNvSpPr>
+            <a:spLocks noGrp="1"/>
+          </p:cNvSpPr>
+          <p:nvPr>
+            <p:ph type="title"/>
+          </p:nvPr>
+        </p:nvSpPr>
+        <p:spPr/>
+        <p:txBody>
+          <a:bodyPr/>
+          <a:lstStyle/>
+          <a:p>
+            <a:r>
+              <a:rPr lang="bg-BG" dirty="0" smtClean="0"/>
+              <a:t>Създаване на </a:t>
+            </a:r>
+            <a:r>
+              <a:rPr lang="en-US" dirty="0" smtClean="0"/>
+              <a:t>DOM </a:t>
+            </a:r>
+            <a:r>
+              <a:rPr lang="bg-BG" dirty="0" smtClean="0"/>
+              <a:t>елементи</a:t>
+            </a:r>
+            <a:endParaRPr lang="en-US" dirty="0"/>
+          </a:p>
+        </p:txBody>
+      </p:sp>
+      <p:sp>
+        <p:nvSpPr>
+          <p:cNvPr id="3" name="Content Placeholder 2"/>
+          <p:cNvSpPr>
+            <a:spLocks noGrp="1"/>
+          </p:cNvSpPr>
+          <p:nvPr>
+            <p:ph idx="1"/>
+          </p:nvPr>
+        </p:nvSpPr>
+        <p:spPr/>
+        <p:txBody>
+          <a:bodyPr/>
+          <a:lstStyle/>
+          <a:p>
+            <a:r>
+              <a:rPr lang="bg-BG" dirty="0" smtClean="0"/>
+              <a:t>Обектът </a:t>
+            </a:r>
+            <a:r>
+              <a:rPr lang="en-US" i="1" dirty="0" smtClean="0">
+                <a:solidFill>
+                  <a:schemeClr val="accent6">
+                    <a:lumMod val="75000"/>
+                  </a:schemeClr>
+                </a:solidFill>
+              </a:rPr>
+              <a:t>document</a:t>
+            </a:r>
+            <a:r>
+              <a:rPr lang="en-US" dirty="0" smtClean="0"/>
+              <a:t> </a:t>
+            </a:r>
+            <a:r>
+              <a:rPr lang="bg-BG" dirty="0" smtClean="0"/>
+              <a:t>има предефиниран метод, чрез който може да се създават </a:t>
+            </a:r>
+            <a:r>
+              <a:rPr lang="en-US" dirty="0" smtClean="0"/>
+              <a:t>HTML </a:t>
+            </a:r>
+            <a:r>
+              <a:rPr lang="bg-BG" dirty="0" smtClean="0"/>
+              <a:t>елементи</a:t>
+            </a:r>
+          </a:p>
+          <a:p>
+            <a:pPr lvl="1"/>
+            <a:r>
+              <a:rPr lang="en-US" dirty="0" err="1" smtClean="0"/>
+              <a:t>document.createElement</a:t>
+            </a:r>
+            <a:r>
+              <a:rPr lang="en-US" dirty="0" smtClean="0"/>
+              <a:t>(</a:t>
+            </a:r>
+            <a:r>
+              <a:rPr lang="en-US" dirty="0" err="1" smtClean="0"/>
+              <a:t>elementName</a:t>
+            </a:r>
+            <a:r>
+              <a:rPr lang="en-US" dirty="0" smtClean="0"/>
+              <a:t>)</a:t>
+            </a:r>
+          </a:p>
+          <a:p>
+            <a:pPr lvl="1"/>
+            <a:r>
+              <a:rPr lang="bg-BG" dirty="0" smtClean="0"/>
+              <a:t>Връща нов обект от съответния тип на </a:t>
+            </a:r>
+            <a:r>
+              <a:rPr lang="en-US" dirty="0" smtClean="0"/>
+              <a:t>HTML </a:t>
+            </a:r>
+            <a:r>
+              <a:rPr lang="bg-BG" dirty="0" smtClean="0"/>
+              <a:t>елемент</a:t>
+            </a:r>
+            <a:endParaRPr lang="en-US" dirty="0"/>
+          </a:p>
+        </p:txBody>
+      </p:sp>
+      <p:sp>
+        <p:nvSpPr>
+          <p:cNvPr id="4" name="Text Placeholder 5"/>
+          <p:cNvSpPr txBox="1">
+            <a:spLocks/>
+          </p:cNvSpPr>
+          <p:nvPr/>
+        </p:nvSpPr>
+        <p:spPr>
+          <a:xfrm>
+            <a:off x="2789884" y="5191035"/>
+            <a:ext cx="7407564" cy="1200329"/>
+          </a:xfrm>
+          <a:prstGeom prst="rect">
+            <a:avLst/>
+          </a:prstGeom>
+          <a:ln/>
+        </p:spPr>
+        <p:style>
+          <a:lnRef idx="0">
+            <a:schemeClr val="accent1"/>
+          </a:lnRef>
+          <a:fillRef idx="3">
+            <a:schemeClr val="accent1"/>
+          </a:fillRef>
+          <a:effectRef idx="3">
+            <a:schemeClr val="accent1"/>
+          </a:effectRef>
+          <a:fontRef idx="minor">
+            <a:schemeClr val="lt1"/>
+          </a:fontRef>
+        </p:style>
+        <p:txBody>
+          <a:bodyPr wrap="square">
+            <a:spAutoFit/>
+          </a:bodyPr>
+          <a:lstStyle>
+            <a:lvl1pPr indent="0" fontAlgn="base">
+              <a:spcBef>
+                <a:spcPts val="0"/>
+              </a:spcBef>
+              <a:spcAft>
+                <a:spcPct val="0"/>
+              </a:spcAft>
+              <a:buClr>
+                <a:schemeClr val="accent5">
+                  <a:lumMod val="40000"/>
+                  <a:lumOff val="60000"/>
+                </a:schemeClr>
+              </a:buClr>
+              <a:buSzPct val="70000"/>
+              <a:buFont typeface="Wingdings 2" pitchFamily="18" charset="2"/>
+              <a:buNone/>
+              <a:defRPr lang="en-US" sz="2000" b="1" smtClean="0">
+                <a:solidFill>
+                  <a:srgbClr val="8CF4F2"/>
+                </a:solidFill>
+                <a:effectLst>
+                  <a:outerShdw blurRad="38100" dist="38100" dir="2700000" algn="tl">
+                    <a:srgbClr val="000000">
+                      <a:alpha val="43137"/>
+                    </a:srgbClr>
+                  </a:outerShdw>
+                </a:effectLst>
+                <a:latin typeface="Consolas" pitchFamily="49" charset="0"/>
+                <a:cs typeface="Consolas" pitchFamily="49" charset="0"/>
+              </a:defRPr>
+            </a:lvl1pPr>
+            <a:lvl2pPr marL="630238" indent="-273050" fontAlgn="base">
+              <a:spcBef>
+                <a:spcPct val="20000"/>
+              </a:spcBef>
+              <a:spcAft>
+                <a:spcPct val="0"/>
+              </a:spcAft>
+              <a:buClr>
+                <a:schemeClr val="accent2">
+                  <a:lumMod val="60000"/>
+                  <a:lumOff val="40000"/>
+                </a:schemeClr>
+              </a:buClr>
+              <a:buFont typeface="Wingdings 2" pitchFamily="18" charset="2"/>
+              <a:buChar char=""/>
+              <a:defRPr sz="3000" b="1">
+                <a:solidFill>
+                  <a:schemeClr val="tx1">
+                    <a:lumMod val="20000"/>
+                    <a:lumOff val="80000"/>
+                  </a:schemeClr>
+                </a:solidFill>
+                <a:effectLst>
+                  <a:outerShdw blurRad="38100" dist="38100" dir="2700000" algn="tl">
+                    <a:srgbClr val="000000">
+                      <a:alpha val="43137"/>
+                    </a:srgbClr>
+                  </a:outerShdw>
+                </a:effectLst>
+              </a:defRPr>
+            </a:lvl2pPr>
+            <a:lvl3pPr marL="922338" indent="-273050" fontAlgn="base">
+              <a:spcBef>
+                <a:spcPct val="20000"/>
+              </a:spcBef>
+              <a:spcAft>
+                <a:spcPct val="0"/>
+              </a:spcAft>
+              <a:buClr>
+                <a:schemeClr val="tx1">
+                  <a:lumMod val="50000"/>
+                </a:schemeClr>
+              </a:buClr>
+              <a:buFont typeface="Wingdings 2" pitchFamily="18" charset="2"/>
+              <a:buChar char=""/>
+              <a:defRPr sz="2800" b="1">
+                <a:solidFill>
+                  <a:schemeClr val="tx1">
+                    <a:lumMod val="20000"/>
+                    <a:lumOff val="80000"/>
+                  </a:schemeClr>
+                </a:solidFill>
+                <a:effectLst>
+                  <a:outerShdw blurRad="38100" dist="38100" dir="2700000" algn="tl">
+                    <a:srgbClr val="000000">
+                      <a:alpha val="43137"/>
+                    </a:srgbClr>
+                  </a:outerShdw>
+                </a:effectLst>
+              </a:defRPr>
+            </a:lvl3pPr>
+            <a:lvl4pPr marL="1187450" indent="-228600" fontAlgn="base">
+              <a:spcBef>
+                <a:spcPct val="20000"/>
+              </a:spcBef>
+              <a:spcAft>
+                <a:spcPct val="0"/>
+              </a:spcAft>
+              <a:buClr>
+                <a:srgbClr val="F8BD52"/>
+              </a:buClr>
+              <a:buFont typeface="Wingdings 2" pitchFamily="18" charset="2"/>
+              <a:buChar char=""/>
+              <a:defRPr sz="2600" b="1">
+                <a:solidFill>
+                  <a:schemeClr val="tx1">
+                    <a:lumMod val="20000"/>
+                    <a:lumOff val="80000"/>
+                  </a:schemeClr>
+                </a:solidFill>
+                <a:effectLst>
+                  <a:outerShdw blurRad="38100" dist="38100" dir="2700000" algn="tl">
+                    <a:srgbClr val="000000">
+                      <a:alpha val="43137"/>
+                    </a:srgbClr>
+                  </a:outerShdw>
+                </a:effectLst>
+              </a:defRPr>
+            </a:lvl4pPr>
+            <a:lvl5pPr marL="1425575" indent="-228600" fontAlgn="base">
+              <a:spcBef>
+                <a:spcPct val="20000"/>
+              </a:spcBef>
+              <a:spcAft>
+                <a:spcPct val="0"/>
+              </a:spcAft>
+              <a:buClr>
+                <a:srgbClr val="46A6BD"/>
+              </a:buClr>
+              <a:buFont typeface="Wingdings 2" pitchFamily="18" charset="2"/>
+              <a:buChar char=""/>
+              <a:defRPr sz="2400" b="1">
+                <a:solidFill>
+                  <a:schemeClr val="tx1">
+                    <a:lumMod val="20000"/>
+                    <a:lumOff val="80000"/>
+                  </a:schemeClr>
+                </a:solidFill>
+                <a:effectLst>
+                  <a:outerShdw blurRad="38100" dist="38100" dir="2700000" algn="tl">
+                    <a:srgbClr val="000000">
+                      <a:alpha val="43137"/>
+                    </a:srgbClr>
+                  </a:outerShdw>
+                </a:effectLst>
+              </a:defRPr>
+            </a:lvl5pPr>
+            <a:lvl6pPr marL="1673352" indent="-228600">
+              <a:spcBef>
+                <a:spcPct val="20000"/>
+              </a:spcBef>
+              <a:buClr>
+                <a:schemeClr val="accent6"/>
+              </a:buClr>
+              <a:buFont typeface="Wingdings 2"/>
+              <a:buChar char=""/>
+            </a:lvl6pPr>
+            <a:lvl7pPr marL="1911096" indent="-228600">
+              <a:spcBef>
+                <a:spcPct val="20000"/>
+              </a:spcBef>
+              <a:buClr>
+                <a:schemeClr val="tx2"/>
+              </a:buClr>
+              <a:buFont typeface="Wingdings 2"/>
+              <a:buChar char=""/>
+              <a:defRPr sz="1600"/>
+            </a:lvl7pPr>
+            <a:lvl8pPr marL="2121408" indent="-182880">
+              <a:spcBef>
+                <a:spcPct val="20000"/>
+              </a:spcBef>
+              <a:buClr>
+                <a:schemeClr val="tx2"/>
+              </a:buClr>
+              <a:buFont typeface="Wingdings 2"/>
+              <a:buChar char=""/>
+              <a:defRPr sz="1400"/>
+            </a:lvl8pPr>
+            <a:lvl9pPr marL="2322576" indent="-182880">
+              <a:spcBef>
+                <a:spcPct val="20000"/>
+              </a:spcBef>
+              <a:buClr>
+                <a:schemeClr val="tx2"/>
+              </a:buClr>
+              <a:buFont typeface="Wingdings 2"/>
+              <a:buChar char=""/>
+              <a:defRPr sz="1400"/>
+            </a:lvl9pPr>
+          </a:lstStyle>
+          <a:p>
+            <a:r>
+              <a:rPr lang="en-US" sz="1800" b="0" dirty="0" err="1">
+                <a:effectLst/>
+              </a:rPr>
+              <a:t>var</a:t>
+            </a:r>
+            <a:r>
+              <a:rPr lang="en-US" sz="1800" b="0" dirty="0">
+                <a:effectLst/>
+              </a:rPr>
+              <a:t> </a:t>
+            </a:r>
+            <a:r>
+              <a:rPr lang="en-US" sz="1800" b="0" dirty="0" err="1">
+                <a:effectLst/>
+              </a:rPr>
+              <a:t>liElement</a:t>
+            </a:r>
+            <a:r>
+              <a:rPr lang="en-US" sz="1800" b="0" dirty="0">
+                <a:effectLst/>
+              </a:rPr>
+              <a:t> = </a:t>
+            </a:r>
+            <a:r>
+              <a:rPr lang="en-US" sz="1800" b="0" dirty="0" err="1">
+                <a:effectLst/>
+              </a:rPr>
+              <a:t>document.createElement</a:t>
+            </a:r>
+            <a:r>
+              <a:rPr lang="en-US" sz="1800" b="0" dirty="0">
+                <a:effectLst/>
+              </a:rPr>
+              <a:t>("li"); console.log(</a:t>
+            </a:r>
+            <a:r>
+              <a:rPr lang="en-US" sz="1800" b="0" dirty="0" err="1">
+                <a:effectLst/>
+              </a:rPr>
+              <a:t>liElement</a:t>
+            </a:r>
+            <a:r>
+              <a:rPr lang="en-US" sz="1800" b="0" dirty="0">
+                <a:effectLst/>
+              </a:rPr>
+              <a:t> </a:t>
+            </a:r>
+            <a:r>
+              <a:rPr lang="en-US" sz="1800" b="0" dirty="0" err="1">
+                <a:effectLst/>
+              </a:rPr>
+              <a:t>instanceof</a:t>
+            </a:r>
+            <a:r>
+              <a:rPr lang="en-US" sz="1800" b="0" dirty="0">
+                <a:effectLst/>
+              </a:rPr>
+              <a:t> </a:t>
+            </a:r>
+            <a:r>
+              <a:rPr lang="en-US" sz="1800" b="0" dirty="0" err="1">
+                <a:effectLst/>
+              </a:rPr>
+              <a:t>HTMLLIElement</a:t>
+            </a:r>
+            <a:r>
+              <a:rPr lang="en-US" sz="1800" b="0" dirty="0">
+                <a:effectLst/>
+              </a:rPr>
+              <a:t>); //true console.log(</a:t>
+            </a:r>
+            <a:r>
+              <a:rPr lang="en-US" sz="1800" b="0" dirty="0" err="1">
+                <a:effectLst/>
+              </a:rPr>
+              <a:t>liElement</a:t>
+            </a:r>
+            <a:r>
+              <a:rPr lang="en-US" sz="1800" b="0" dirty="0">
+                <a:effectLst/>
+              </a:rPr>
+              <a:t> </a:t>
+            </a:r>
+            <a:r>
+              <a:rPr lang="en-US" sz="1800" b="0" dirty="0" err="1">
+                <a:effectLst/>
+              </a:rPr>
+              <a:t>instanceof</a:t>
+            </a:r>
+            <a:r>
+              <a:rPr lang="en-US" sz="1800" b="0" dirty="0">
+                <a:effectLst/>
+              </a:rPr>
+              <a:t> </a:t>
+            </a:r>
+            <a:r>
+              <a:rPr lang="en-US" sz="1800" b="0" dirty="0" err="1">
+                <a:effectLst/>
+              </a:rPr>
+              <a:t>HTMLElement</a:t>
+            </a:r>
+            <a:r>
+              <a:rPr lang="en-US" sz="1800" b="0" dirty="0">
+                <a:effectLst/>
+              </a:rPr>
+              <a:t>); //true console.log(</a:t>
+            </a:r>
+            <a:r>
+              <a:rPr lang="en-US" sz="1800" b="0" dirty="0" err="1">
+                <a:effectLst/>
+              </a:rPr>
+              <a:t>liElement</a:t>
+            </a:r>
+            <a:r>
+              <a:rPr lang="en-US" sz="1800" b="0" dirty="0">
+                <a:effectLst/>
+              </a:rPr>
+              <a:t> </a:t>
+            </a:r>
+            <a:r>
+              <a:rPr lang="en-US" sz="1800" b="0" dirty="0" err="1">
+                <a:effectLst/>
+              </a:rPr>
+              <a:t>instanceof</a:t>
+            </a:r>
+            <a:r>
+              <a:rPr lang="en-US" sz="1800" b="0" dirty="0">
+                <a:effectLst/>
+              </a:rPr>
+              <a:t> </a:t>
+            </a:r>
+            <a:r>
+              <a:rPr lang="en-US" sz="1800" b="0" dirty="0" err="1">
+                <a:effectLst/>
+              </a:rPr>
+              <a:t>HTMLDivElement</a:t>
+            </a:r>
+            <a:r>
+              <a:rPr lang="en-US" sz="1800" b="0" dirty="0">
+                <a:effectLst/>
+              </a:rPr>
+              <a:t>); //false</a:t>
+            </a:r>
+            <a:endParaRPr lang="en-US" sz="1800" dirty="0"/>
+          </a:p>
+        </p:txBody>
+      </p:sp>
+    </p:spTree>
+    <p:extLst>
+      <p:ext uri="{BB962C8B-B14F-4D97-AF65-F5344CB8AC3E}">
+        <p14:creationId xmlns:p14="http://schemas.microsoft.com/office/powerpoint/2010/main" val="1790827939"/>
+      </p:ext>
+    </p:extLst>
+  </p:cSld>
+  <p:clrMapOvr>
+    <a:masterClrMapping/>
+  </p:clrMapOvr>
+  <mc:AlternateContent xmlns:mc="http://schemas.openxmlformats.org/markup-compatibility/2006" xmlns:p14="http://schemas.microsoft.com/office/powerpoint/2010/main">
+    <mc:Choice Requires="p14">
+      <p:transition spd="slow" p14:dur="2000"/>
+    </mc:Choice>
+    <mc:Fallback xmlns="">
+      <p:transition spd="slow"/>
+    </mc:Fallback>
+  </mc:AlternateContent>
+  <p:timing>
+    <p:tnLst>
+      <p:par>
+        <p:cTn id="1" dur="indefinite" restart="never" nodeType="tmRoot"/>
+      </p:par>
+    </p:tnLst>
+  </p:timing>
+</p:sld>
+</file>
+
+<file path=ppt/slides/slide18.xml><?xml version="1.0" encoding="utf-8"?>
+<p:sld xmlns:a="http://schemas.openxmlformats.org/drawingml/2006/main" xmlns:r="http://schemas.openxmlformats.org/officeDocument/2006/relationships" xmlns:p="http://schemas.openxmlformats.org/presentationml/2006/main">
+  <p:cSld>
+    <p:spTree>
+      <p:nvGrpSpPr>
+        <p:cNvPr id="1" name=""/>
+        <p:cNvGrpSpPr/>
+        <p:nvPr/>
+      </p:nvGrpSpPr>
+      <p:grpSpPr>
+        <a:xfrm>
+          <a:off x="0" y="0"/>
+          <a:ext cx="0" cy="0"/>
+          <a:chOff x="0" y="0"/>
+          <a:chExt cx="0" cy="0"/>
+        </a:xfrm>
+      </p:grpSpPr>
+      <p:sp>
+        <p:nvSpPr>
+          <p:cNvPr id="2" name="Title 1"/>
+          <p:cNvSpPr>
+            <a:spLocks noGrp="1"/>
+          </p:cNvSpPr>
+          <p:nvPr>
+            <p:ph type="title"/>
+          </p:nvPr>
+        </p:nvSpPr>
+        <p:spPr/>
+        <p:txBody>
+          <a:bodyPr/>
+          <a:lstStyle/>
+          <a:p>
+            <a:r>
+              <a:rPr lang="bg-BG" dirty="0" smtClean="0"/>
+              <a:t>Създаване на </a:t>
+            </a:r>
+            <a:r>
+              <a:rPr lang="en-US" dirty="0" smtClean="0"/>
+              <a:t>HTML </a:t>
+            </a:r>
+            <a:r>
+              <a:rPr lang="bg-BG" dirty="0" smtClean="0"/>
+              <a:t>елементи</a:t>
+            </a:r>
+            <a:endParaRPr lang="en-US" dirty="0"/>
+          </a:p>
+        </p:txBody>
+      </p:sp>
+      <p:sp>
+        <p:nvSpPr>
+          <p:cNvPr id="3" name="Content Placeholder 2"/>
+          <p:cNvSpPr>
+            <a:spLocks noGrp="1"/>
+          </p:cNvSpPr>
+          <p:nvPr>
+            <p:ph idx="1"/>
+          </p:nvPr>
+        </p:nvSpPr>
+        <p:spPr>
+          <a:xfrm>
+            <a:off x="1484310" y="1847273"/>
+            <a:ext cx="10018713" cy="3943927"/>
+          </a:xfrm>
+        </p:spPr>
+        <p:txBody>
+          <a:bodyPr/>
+          <a:lstStyle/>
+          <a:p>
+            <a:r>
+              <a:rPr lang="bg-BG" dirty="0" smtClean="0"/>
+              <a:t>След създаването си </a:t>
+            </a:r>
+            <a:r>
+              <a:rPr lang="en-US" dirty="0" smtClean="0"/>
+              <a:t>HTML</a:t>
+            </a:r>
+            <a:r>
+              <a:rPr lang="bg-BG" dirty="0"/>
+              <a:t> </a:t>
+            </a:r>
+            <a:r>
+              <a:rPr lang="bg-BG" dirty="0" smtClean="0"/>
+              <a:t>елемента има същите характеристики все едно е бил селектиран от D</a:t>
+            </a:r>
+            <a:r>
+              <a:rPr lang="en-US" dirty="0" smtClean="0"/>
+              <a:t>OM </a:t>
+            </a:r>
+            <a:r>
+              <a:rPr lang="bg-BG" dirty="0" smtClean="0"/>
+              <a:t>дървото</a:t>
+            </a:r>
+          </a:p>
+          <a:p>
+            <a:r>
+              <a:rPr lang="bg-BG" dirty="0" smtClean="0"/>
+              <a:t>Когато създаваме </a:t>
+            </a:r>
+            <a:r>
+              <a:rPr lang="en-US" dirty="0" smtClean="0"/>
+              <a:t>HTML</a:t>
+            </a:r>
+            <a:r>
+              <a:rPr lang="bg-BG" dirty="0" smtClean="0"/>
+              <a:t> елементи динамично с помощта на </a:t>
+            </a:r>
+            <a:r>
+              <a:rPr lang="en-US" dirty="0" smtClean="0"/>
+              <a:t>JS</a:t>
+            </a:r>
+            <a:r>
+              <a:rPr lang="bg-BG" dirty="0" smtClean="0"/>
+              <a:t>, те са </a:t>
+            </a:r>
+            <a:r>
+              <a:rPr lang="en-US" dirty="0" smtClean="0"/>
+              <a:t>JS</a:t>
+            </a:r>
+            <a:r>
+              <a:rPr lang="bg-BG" dirty="0" smtClean="0"/>
+              <a:t> обекти</a:t>
+            </a:r>
+          </a:p>
+          <a:p>
+            <a:pPr lvl="1"/>
+            <a:r>
+              <a:rPr lang="bg-BG" dirty="0" smtClean="0"/>
+              <a:t>Новосъздадения елемент не е част от </a:t>
+            </a:r>
+            <a:r>
+              <a:rPr lang="en-US" dirty="0" smtClean="0"/>
+              <a:t>DOM </a:t>
+            </a:r>
+            <a:r>
+              <a:rPr lang="bg-BG" dirty="0" smtClean="0"/>
+              <a:t>дървото</a:t>
+            </a:r>
+          </a:p>
+          <a:p>
+            <a:pPr lvl="1"/>
+            <a:r>
+              <a:rPr lang="bg-BG" dirty="0" smtClean="0"/>
+              <a:t>Новосъздадения елемент трябва да бъде добавен към </a:t>
+            </a:r>
+            <a:r>
+              <a:rPr lang="en-US" dirty="0" smtClean="0"/>
+              <a:t>DOM </a:t>
+            </a:r>
+            <a:r>
+              <a:rPr lang="bg-BG" dirty="0" smtClean="0"/>
+              <a:t>дървото</a:t>
+            </a:r>
+            <a:endParaRPr lang="en-US" dirty="0"/>
+          </a:p>
+        </p:txBody>
+      </p:sp>
+      <p:sp>
+        <p:nvSpPr>
+          <p:cNvPr id="4" name="Text Placeholder 5"/>
+          <p:cNvSpPr txBox="1">
+            <a:spLocks/>
+          </p:cNvSpPr>
+          <p:nvPr/>
+        </p:nvSpPr>
+        <p:spPr>
+          <a:xfrm>
+            <a:off x="2789884" y="5264927"/>
+            <a:ext cx="7407564" cy="1200329"/>
+          </a:xfrm>
+          <a:prstGeom prst="rect">
+            <a:avLst/>
+          </a:prstGeom>
+          <a:ln/>
+        </p:spPr>
+        <p:style>
+          <a:lnRef idx="0">
+            <a:schemeClr val="accent1"/>
+          </a:lnRef>
+          <a:fillRef idx="3">
+            <a:schemeClr val="accent1"/>
+          </a:fillRef>
+          <a:effectRef idx="3">
+            <a:schemeClr val="accent1"/>
+          </a:effectRef>
+          <a:fontRef idx="minor">
+            <a:schemeClr val="lt1"/>
+          </a:fontRef>
+        </p:style>
+        <p:txBody>
+          <a:bodyPr wrap="square">
+            <a:spAutoFit/>
+          </a:bodyPr>
+          <a:lstStyle>
+            <a:lvl1pPr indent="0" fontAlgn="base">
+              <a:spcBef>
+                <a:spcPts val="0"/>
+              </a:spcBef>
+              <a:spcAft>
+                <a:spcPct val="0"/>
+              </a:spcAft>
+              <a:buClr>
+                <a:schemeClr val="accent5">
+                  <a:lumMod val="40000"/>
+                  <a:lumOff val="60000"/>
+                </a:schemeClr>
+              </a:buClr>
+              <a:buSzPct val="70000"/>
+              <a:buFont typeface="Wingdings 2" pitchFamily="18" charset="2"/>
+              <a:buNone/>
+              <a:defRPr lang="en-US" sz="2000" b="1" smtClean="0">
+                <a:solidFill>
+                  <a:srgbClr val="8CF4F2"/>
+                </a:solidFill>
+                <a:effectLst>
+                  <a:outerShdw blurRad="38100" dist="38100" dir="2700000" algn="tl">
+                    <a:srgbClr val="000000">
+                      <a:alpha val="43137"/>
+                    </a:srgbClr>
+                  </a:outerShdw>
+                </a:effectLst>
+                <a:latin typeface="Consolas" pitchFamily="49" charset="0"/>
+                <a:cs typeface="Consolas" pitchFamily="49" charset="0"/>
+              </a:defRPr>
+            </a:lvl1pPr>
+            <a:lvl2pPr marL="630238" indent="-273050" fontAlgn="base">
+              <a:spcBef>
+                <a:spcPct val="20000"/>
+              </a:spcBef>
+              <a:spcAft>
+                <a:spcPct val="0"/>
+              </a:spcAft>
+              <a:buClr>
+                <a:schemeClr val="accent2">
+                  <a:lumMod val="60000"/>
+                  <a:lumOff val="40000"/>
+                </a:schemeClr>
+              </a:buClr>
+              <a:buFont typeface="Wingdings 2" pitchFamily="18" charset="2"/>
+              <a:buChar char=""/>
+              <a:defRPr sz="3000" b="1">
+                <a:solidFill>
+                  <a:schemeClr val="tx1">
+                    <a:lumMod val="20000"/>
+                    <a:lumOff val="80000"/>
+                  </a:schemeClr>
+                </a:solidFill>
+                <a:effectLst>
+                  <a:outerShdw blurRad="38100" dist="38100" dir="2700000" algn="tl">
+                    <a:srgbClr val="000000">
+                      <a:alpha val="43137"/>
+                    </a:srgbClr>
+                  </a:outerShdw>
+                </a:effectLst>
+              </a:defRPr>
+            </a:lvl2pPr>
+            <a:lvl3pPr marL="922338" indent="-273050" fontAlgn="base">
+              <a:spcBef>
+                <a:spcPct val="20000"/>
+              </a:spcBef>
+              <a:spcAft>
+                <a:spcPct val="0"/>
+              </a:spcAft>
+              <a:buClr>
+                <a:schemeClr val="tx1">
+                  <a:lumMod val="50000"/>
+                </a:schemeClr>
+              </a:buClr>
+              <a:buFont typeface="Wingdings 2" pitchFamily="18" charset="2"/>
+              <a:buChar char=""/>
+              <a:defRPr sz="2800" b="1">
+                <a:solidFill>
+                  <a:schemeClr val="tx1">
+                    <a:lumMod val="20000"/>
+                    <a:lumOff val="80000"/>
+                  </a:schemeClr>
+                </a:solidFill>
+                <a:effectLst>
+                  <a:outerShdw blurRad="38100" dist="38100" dir="2700000" algn="tl">
+                    <a:srgbClr val="000000">
+                      <a:alpha val="43137"/>
+                    </a:srgbClr>
+                  </a:outerShdw>
+                </a:effectLst>
+              </a:defRPr>
+            </a:lvl3pPr>
+            <a:lvl4pPr marL="1187450" indent="-228600" fontAlgn="base">
+              <a:spcBef>
+                <a:spcPct val="20000"/>
+              </a:spcBef>
+              <a:spcAft>
+                <a:spcPct val="0"/>
+              </a:spcAft>
+              <a:buClr>
+                <a:srgbClr val="F8BD52"/>
+              </a:buClr>
+              <a:buFont typeface="Wingdings 2" pitchFamily="18" charset="2"/>
+              <a:buChar char=""/>
+              <a:defRPr sz="2600" b="1">
+                <a:solidFill>
+                  <a:schemeClr val="tx1">
+                    <a:lumMod val="20000"/>
+                    <a:lumOff val="80000"/>
+                  </a:schemeClr>
+                </a:solidFill>
+                <a:effectLst>
+                  <a:outerShdw blurRad="38100" dist="38100" dir="2700000" algn="tl">
+                    <a:srgbClr val="000000">
+                      <a:alpha val="43137"/>
+                    </a:srgbClr>
+                  </a:outerShdw>
+                </a:effectLst>
+              </a:defRPr>
+            </a:lvl4pPr>
+            <a:lvl5pPr marL="1425575" indent="-228600" fontAlgn="base">
+              <a:spcBef>
+                <a:spcPct val="20000"/>
+              </a:spcBef>
+              <a:spcAft>
+                <a:spcPct val="0"/>
+              </a:spcAft>
+              <a:buClr>
+                <a:srgbClr val="46A6BD"/>
+              </a:buClr>
+              <a:buFont typeface="Wingdings 2" pitchFamily="18" charset="2"/>
+              <a:buChar char=""/>
+              <a:defRPr sz="2400" b="1">
+                <a:solidFill>
+                  <a:schemeClr val="tx1">
+                    <a:lumMod val="20000"/>
+                    <a:lumOff val="80000"/>
+                  </a:schemeClr>
+                </a:solidFill>
+                <a:effectLst>
+                  <a:outerShdw blurRad="38100" dist="38100" dir="2700000" algn="tl">
+                    <a:srgbClr val="000000">
+                      <a:alpha val="43137"/>
+                    </a:srgbClr>
+                  </a:outerShdw>
+                </a:effectLst>
+              </a:defRPr>
+            </a:lvl5pPr>
+            <a:lvl6pPr marL="1673352" indent="-228600">
+              <a:spcBef>
+                <a:spcPct val="20000"/>
+              </a:spcBef>
+              <a:buClr>
+                <a:schemeClr val="accent6"/>
+              </a:buClr>
+              <a:buFont typeface="Wingdings 2"/>
+              <a:buChar char=""/>
+            </a:lvl6pPr>
+            <a:lvl7pPr marL="1911096" indent="-228600">
+              <a:spcBef>
+                <a:spcPct val="20000"/>
+              </a:spcBef>
+              <a:buClr>
+                <a:schemeClr val="tx2"/>
+              </a:buClr>
+              <a:buFont typeface="Wingdings 2"/>
+              <a:buChar char=""/>
+              <a:defRPr sz="1600"/>
+            </a:lvl7pPr>
+            <a:lvl8pPr marL="2121408" indent="-182880">
+              <a:spcBef>
+                <a:spcPct val="20000"/>
+              </a:spcBef>
+              <a:buClr>
+                <a:schemeClr val="tx2"/>
+              </a:buClr>
+              <a:buFont typeface="Wingdings 2"/>
+              <a:buChar char=""/>
+              <a:defRPr sz="1400"/>
+            </a:lvl8pPr>
+            <a:lvl9pPr marL="2322576" indent="-182880">
+              <a:spcBef>
+                <a:spcPct val="20000"/>
+              </a:spcBef>
+              <a:buClr>
+                <a:schemeClr val="tx2"/>
+              </a:buClr>
+              <a:buFont typeface="Wingdings 2"/>
+              <a:buChar char=""/>
+              <a:defRPr sz="1400"/>
+            </a:lvl9pPr>
+          </a:lstStyle>
+          <a:p>
+            <a:r>
+              <a:rPr lang="en-US" sz="1800" b="0" dirty="0" err="1" smtClean="0">
+                <a:effectLst/>
+              </a:rPr>
+              <a:t>var</a:t>
+            </a:r>
+            <a:r>
+              <a:rPr lang="en-US" sz="1800" b="0" dirty="0" smtClean="0">
+                <a:effectLst/>
+              </a:rPr>
+              <a:t> </a:t>
+            </a:r>
+            <a:r>
+              <a:rPr lang="en-US" sz="1800" b="0" dirty="0" err="1">
+                <a:effectLst/>
+              </a:rPr>
+              <a:t>teamsList</a:t>
+            </a:r>
+            <a:r>
+              <a:rPr lang="en-US" sz="1800" b="0" dirty="0">
+                <a:effectLst/>
+              </a:rPr>
+              <a:t> = </a:t>
+            </a:r>
+            <a:r>
+              <a:rPr lang="en-US" sz="1800" b="0" dirty="0" err="1">
+                <a:effectLst/>
+              </a:rPr>
+              <a:t>document.createElement</a:t>
+            </a:r>
+            <a:r>
+              <a:rPr lang="en-US" sz="1800" b="0" dirty="0">
+                <a:effectLst/>
+              </a:rPr>
+              <a:t>("</a:t>
+            </a:r>
+            <a:r>
+              <a:rPr lang="en-US" sz="1800" b="0" dirty="0" err="1">
+                <a:effectLst/>
+              </a:rPr>
+              <a:t>ul</a:t>
+            </a:r>
+            <a:r>
+              <a:rPr lang="en-US" sz="1800" b="0" dirty="0" smtClean="0">
+                <a:effectLst/>
+              </a:rPr>
+              <a:t>");</a:t>
+            </a:r>
+            <a:endParaRPr lang="bg-BG" sz="1800" b="0" dirty="0" smtClean="0">
+              <a:effectLst/>
+            </a:endParaRPr>
+          </a:p>
+          <a:p>
+            <a:r>
+              <a:rPr lang="en-US" sz="1800" b="0" dirty="0" err="1" smtClean="0">
+                <a:effectLst/>
+              </a:rPr>
+              <a:t>var</a:t>
+            </a:r>
+            <a:r>
+              <a:rPr lang="en-US" sz="1800" b="0" dirty="0" smtClean="0">
+                <a:effectLst/>
+              </a:rPr>
+              <a:t> </a:t>
+            </a:r>
+            <a:r>
+              <a:rPr lang="en-US" sz="1800" b="0" dirty="0" err="1">
+                <a:effectLst/>
+              </a:rPr>
+              <a:t>teamLi</a:t>
+            </a:r>
+            <a:r>
+              <a:rPr lang="en-US" sz="1800" b="0" dirty="0">
+                <a:effectLst/>
+              </a:rPr>
+              <a:t> = </a:t>
+            </a:r>
+            <a:r>
+              <a:rPr lang="en-US" sz="1800" b="0" dirty="0" err="1">
+                <a:effectLst/>
+              </a:rPr>
+              <a:t>document.createElement</a:t>
+            </a:r>
+            <a:r>
+              <a:rPr lang="en-US" sz="1800" b="0" dirty="0">
+                <a:effectLst/>
+              </a:rPr>
+              <a:t>("li");</a:t>
+            </a:r>
+          </a:p>
+          <a:p>
+            <a:r>
+              <a:rPr lang="en-US" sz="1800" b="0" dirty="0" err="1" smtClean="0">
+                <a:effectLst/>
+              </a:rPr>
+              <a:t>teamsList.appendChild</a:t>
+            </a:r>
+            <a:r>
+              <a:rPr lang="en-US" sz="1800" b="0" dirty="0" smtClean="0">
+                <a:effectLst/>
+              </a:rPr>
+              <a:t>(</a:t>
+            </a:r>
+            <a:r>
+              <a:rPr lang="en-US" sz="1800" b="0" dirty="0" err="1" smtClean="0">
+                <a:effectLst/>
+              </a:rPr>
+              <a:t>teamLi</a:t>
+            </a:r>
+            <a:r>
+              <a:rPr lang="en-US" sz="1800" b="0" dirty="0" smtClean="0">
+                <a:effectLst/>
+              </a:rPr>
+              <a:t>);</a:t>
+            </a:r>
+            <a:endParaRPr lang="bg-BG" sz="1800" b="0" dirty="0" smtClean="0">
+              <a:effectLst/>
+            </a:endParaRPr>
+          </a:p>
+          <a:p>
+            <a:r>
+              <a:rPr lang="en-US" sz="1800" b="0" dirty="0" err="1" smtClean="0">
+                <a:effectLst/>
+              </a:rPr>
+              <a:t>document.body.appendChild</a:t>
+            </a:r>
+            <a:r>
+              <a:rPr lang="en-US" sz="1800" b="0" dirty="0" smtClean="0">
+                <a:effectLst/>
+              </a:rPr>
+              <a:t>(</a:t>
+            </a:r>
+            <a:r>
+              <a:rPr lang="en-US" sz="1800" b="0" dirty="0" err="1" smtClean="0">
+                <a:effectLst/>
+              </a:rPr>
+              <a:t>teamsList</a:t>
+            </a:r>
+            <a:r>
+              <a:rPr lang="en-US" sz="1800" b="0" dirty="0">
+                <a:effectLst/>
+              </a:rPr>
+              <a:t>);</a:t>
+            </a:r>
+            <a:endParaRPr lang="en-US" sz="1800" dirty="0"/>
+          </a:p>
+        </p:txBody>
+      </p:sp>
+    </p:spTree>
+    <p:extLst>
+      <p:ext uri="{BB962C8B-B14F-4D97-AF65-F5344CB8AC3E}">
+        <p14:creationId xmlns:p14="http://schemas.microsoft.com/office/powerpoint/2010/main" val="2466304038"/>
+      </p:ext>
+    </p:extLst>
+  </p:cSld>
+  <p:clrMapOvr>
+    <a:masterClrMapping/>
+  </p:clrMapOvr>
+  <mc:AlternateContent xmlns:mc="http://schemas.openxmlformats.org/markup-compatibility/2006" xmlns:p14="http://schemas.microsoft.com/office/powerpoint/2010/main">
+    <mc:Choice Requires="p14">
+      <p:transition spd="slow" p14:dur="2000"/>
+    </mc:Choice>
+    <mc:Fallback xmlns="">
+      <p:transition spd="slow"/>
+    </mc:Fallback>
+  </mc:AlternateContent>
+  <p:timing>
+    <p:tnLst>
+      <p:par>
+        <p:cTn id="1" dur="indefinite" restart="never" nodeType="tmRoot"/>
+      </p:par>
+    </p:tnLst>
+  </p:timing>
+</p:sld>
+</file>
+
+<file path=ppt/slides/slide19.xml><?xml version="1.0" encoding="utf-8"?>
+<p:sld xmlns:a="http://schemas.openxmlformats.org/drawingml/2006/main" xmlns:r="http://schemas.openxmlformats.org/officeDocument/2006/relationships" xmlns:p="http://schemas.openxmlformats.org/presentationml/2006/main">
+  <p:cSld>
+    <p:spTree>
+      <p:nvGrpSpPr>
+        <p:cNvPr id="1" name=""/>
+        <p:cNvGrpSpPr/>
+        <p:nvPr/>
+      </p:nvGrpSpPr>
+      <p:grpSpPr>
+        <a:xfrm>
+          <a:off x="0" y="0"/>
+          <a:ext cx="0" cy="0"/>
+          <a:chOff x="0" y="0"/>
+          <a:chExt cx="0" cy="0"/>
+        </a:xfrm>
+      </p:grpSpPr>
+      <p:sp>
+        <p:nvSpPr>
+          <p:cNvPr id="6" name="Title 5"/>
+          <p:cNvSpPr>
+            <a:spLocks noGrp="1"/>
+          </p:cNvSpPr>
+          <p:nvPr>
+            <p:ph type="title"/>
+          </p:nvPr>
+        </p:nvSpPr>
+        <p:spPr>
+          <a:xfrm>
+            <a:off x="1484311" y="166256"/>
+            <a:ext cx="10018713" cy="2272144"/>
+          </a:xfrm>
+        </p:spPr>
+        <p:txBody>
+          <a:bodyPr/>
+          <a:lstStyle/>
+          <a:p>
+            <a:r>
+              <a:rPr lang="bg-BG" dirty="0" smtClean="0"/>
+              <a:t>Създаване на </a:t>
+            </a:r>
+            <a:r>
+              <a:rPr lang="en-US" dirty="0" smtClean="0"/>
+              <a:t>HTML </a:t>
+            </a:r>
+            <a:r>
+              <a:rPr lang="bg-BG" dirty="0" smtClean="0"/>
+              <a:t>елементи</a:t>
+            </a:r>
+            <a:endParaRPr lang="en-US" i="1" dirty="0">
+              <a:solidFill>
+                <a:schemeClr val="accent6">
+                  <a:lumMod val="75000"/>
+                </a:schemeClr>
+              </a:solidFill>
+            </a:endParaRPr>
+          </a:p>
+        </p:txBody>
+      </p:sp>
+      <p:pic>
+        <p:nvPicPr>
+          <p:cNvPr id="7" name="Picture 6"/>
+          <p:cNvPicPr>
+            <a:picLocks noChangeAspect="1"/>
+          </p:cNvPicPr>
+          <p:nvPr/>
+        </p:nvPicPr>
+        <p:blipFill>
+          <a:blip r:embed="rId2">
+            <a:extLst>
+              <a:ext uri="{28A0092B-C50C-407E-A947-70E740481C1C}">
+                <a14:useLocalDpi xmlns:a14="http://schemas.microsoft.com/office/drawing/2010/main" val="0"/>
+              </a:ext>
+            </a:extLst>
+          </a:blip>
+          <a:stretch>
+            <a:fillRect/>
+          </a:stretch>
+        </p:blipFill>
+        <p:spPr>
+          <a:xfrm>
+            <a:off x="4112417" y="1943677"/>
+            <a:ext cx="4762500" cy="4762500"/>
+          </a:xfrm>
+          <a:prstGeom prst="rect">
+            <a:avLst/>
+          </a:prstGeom>
+        </p:spPr>
+      </p:pic>
+    </p:spTree>
+    <p:extLst>
+      <p:ext uri="{BB962C8B-B14F-4D97-AF65-F5344CB8AC3E}">
+        <p14:creationId xmlns:p14="http://schemas.microsoft.com/office/powerpoint/2010/main" val="1154240490"/>
+      </p:ext>
+    </p:extLst>
+  </p:cSld>
+  <p:clrMapOvr>
+    <a:masterClrMapping/>
+  </p:clrMapOvr>
+  <mc:AlternateContent xmlns:mc="http://schemas.openxmlformats.org/markup-compatibility/2006" xmlns:p14="http://schemas.microsoft.com/office/powerpoint/2010/main">
+    <mc:Choice Requires="p14">
+      <p:transition spd="slow" p14:dur="2000"/>
+    </mc:Choice>
+    <mc:Fallback xmlns="">
+      <p:transition spd="slow"/>
+    </mc:Fallback>
+  </mc:AlternateContent>
+  <p:timing>
+    <p:tnLst>
+      <p:par>
+        <p:cTn id="1" dur="indefinite" restart="never" nodeType="tmRoot"/>
+      </p:par>
+    </p:tnLst>
+  </p:timing>
+</p:sld>
+</file>
+
+<file path=ppt/slides/slide2.xml><?xml version="1.0" encoding="utf-8"?>
+<p:sld xmlns:a="http://schemas.openxmlformats.org/drawingml/2006/main" xmlns:r="http://schemas.openxmlformats.org/officeDocument/2006/relationships" xmlns:p="http://schemas.openxmlformats.org/presentationml/2006/main">
+  <p:cSld>
+    <p:spTree>
+      <p:nvGrpSpPr>
+        <p:cNvPr id="1" name=""/>
+        <p:cNvGrpSpPr/>
+        <p:nvPr/>
+      </p:nvGrpSpPr>
+      <p:grpSpPr>
+        <a:xfrm>
+          <a:off x="0" y="0"/>
+          <a:ext cx="0" cy="0"/>
+          <a:chOff x="0" y="0"/>
+          <a:chExt cx="0" cy="0"/>
+        </a:xfrm>
+      </p:grpSpPr>
+      <p:sp>
+        <p:nvSpPr>
+          <p:cNvPr id="2" name="Title 1"/>
+          <p:cNvSpPr>
+            <a:spLocks noGrp="1"/>
+          </p:cNvSpPr>
+          <p:nvPr>
+            <p:ph type="title"/>
+          </p:nvPr>
+        </p:nvSpPr>
+        <p:spPr/>
+        <p:txBody>
+          <a:bodyPr/>
+          <a:lstStyle/>
+          <a:p>
+            <a:r>
+              <a:rPr lang="bg-BG" dirty="0" smtClean="0"/>
+              <a:t>Какво е </a:t>
+            </a:r>
+            <a:r>
+              <a:rPr lang="en-US" dirty="0" smtClean="0"/>
+              <a:t>DOM</a:t>
+            </a:r>
+            <a:endParaRPr lang="en-US" dirty="0"/>
+          </a:p>
+        </p:txBody>
+      </p:sp>
+      <p:sp>
+        <p:nvSpPr>
+          <p:cNvPr id="3" name="Content Placeholder 2"/>
+          <p:cNvSpPr>
+            <a:spLocks noGrp="1"/>
+          </p:cNvSpPr>
+          <p:nvPr>
+            <p:ph sz="half" idx="1"/>
+          </p:nvPr>
+        </p:nvSpPr>
+        <p:spPr/>
+        <p:txBody>
+          <a:bodyPr/>
+          <a:lstStyle/>
+          <a:p>
+            <a:pPr algn="just"/>
+            <a:r>
+              <a:rPr lang="en-US" dirty="0" smtClean="0"/>
+              <a:t>DOM </a:t>
+            </a:r>
+            <a:r>
+              <a:rPr lang="bg-BG" dirty="0" smtClean="0"/>
+              <a:t>/</a:t>
+            </a:r>
+            <a:r>
+              <a:rPr lang="en-US" dirty="0" smtClean="0"/>
+              <a:t>document object model/ </a:t>
+            </a:r>
+            <a:r>
+              <a:rPr lang="bg-BG" dirty="0" smtClean="0"/>
+              <a:t>представлява дървовидна структура от елементите, които описват нашето съдържание /</a:t>
+            </a:r>
+            <a:r>
+              <a:rPr lang="en-US" dirty="0" smtClean="0"/>
+              <a:t>markup/</a:t>
+            </a:r>
+          </a:p>
+          <a:p>
+            <a:pPr algn="just"/>
+            <a:r>
+              <a:rPr lang="bg-BG" dirty="0" smtClean="0"/>
+              <a:t>Чрез </a:t>
+            </a:r>
+            <a:r>
+              <a:rPr lang="en-US" dirty="0" smtClean="0"/>
+              <a:t>DOM</a:t>
+            </a:r>
+            <a:r>
+              <a:rPr lang="bg-BG" dirty="0" smtClean="0"/>
+              <a:t> може да бъде достъпвано и променяно както съдържанието така и </a:t>
+            </a:r>
+            <a:r>
+              <a:rPr lang="en-US" dirty="0" smtClean="0"/>
+              <a:t>UI-a</a:t>
+            </a:r>
+          </a:p>
+          <a:p>
+            <a:pPr algn="just"/>
+            <a:r>
+              <a:rPr lang="en-US" dirty="0" smtClean="0"/>
+              <a:t>DOM </a:t>
+            </a:r>
+            <a:r>
+              <a:rPr lang="bg-BG" dirty="0" smtClean="0"/>
+              <a:t>е съвкупност от обекти,с които можем да манипулираме </a:t>
+            </a:r>
+            <a:r>
+              <a:rPr lang="en-US" dirty="0" smtClean="0"/>
+              <a:t>web</a:t>
+            </a:r>
+            <a:r>
+              <a:rPr lang="bg-BG" dirty="0" smtClean="0"/>
+              <a:t> страница</a:t>
+            </a:r>
+          </a:p>
+          <a:p>
+            <a:pPr algn="just"/>
+            <a:r>
+              <a:rPr lang="bg-BG" dirty="0" smtClean="0"/>
+              <a:t>Можем да използваме </a:t>
+            </a:r>
+            <a:r>
+              <a:rPr lang="en-US" dirty="0" smtClean="0"/>
+              <a:t>JS</a:t>
+            </a:r>
+            <a:r>
+              <a:rPr lang="bg-BG" dirty="0" smtClean="0"/>
+              <a:t>, за да достъпим </a:t>
+            </a:r>
+            <a:r>
+              <a:rPr lang="en-US" dirty="0" smtClean="0"/>
+              <a:t>DOM</a:t>
+            </a:r>
+            <a:r>
+              <a:rPr lang="bg-BG" dirty="0" smtClean="0"/>
+              <a:t>  обекта и да работим с него</a:t>
+            </a:r>
+          </a:p>
+        </p:txBody>
+      </p:sp>
+      <p:graphicFrame>
+        <p:nvGraphicFramePr>
+          <p:cNvPr id="5" name="Content Placeholder 4"/>
+          <p:cNvGraphicFramePr>
+            <a:graphicFrameLocks noGrp="1"/>
+          </p:cNvGraphicFramePr>
+          <p:nvPr>
+            <p:ph sz="half" idx="2"/>
+            <p:extLst>
+              <p:ext uri="{D42A27DB-BD31-4B8C-83A1-F6EECF244321}">
+                <p14:modId xmlns:p14="http://schemas.microsoft.com/office/powerpoint/2010/main" val="936937719"/>
+              </p:ext>
+            </p:extLst>
+          </p:nvPr>
+        </p:nvGraphicFramePr>
+        <p:xfrm>
+          <a:off x="6607175" y="2667000"/>
+          <a:ext cx="4895850" cy="3124200"/>
+        </p:xfrm>
+        <a:graphic>
+          <a:graphicData uri="http://schemas.openxmlformats.org/drawingml/2006/diagram">
+            <dgm:relIds xmlns:dgm="http://schemas.openxmlformats.org/drawingml/2006/diagram" xmlns:r="http://schemas.openxmlformats.org/officeDocument/2006/relationships" r:dm="rId2" r:lo="rId3" r:qs="rId4" r:cs="rId5"/>
+          </a:graphicData>
+        </a:graphic>
+      </p:graphicFrame>
+    </p:spTree>
+    <p:extLst>
+      <p:ext uri="{BB962C8B-B14F-4D97-AF65-F5344CB8AC3E}">
+        <p14:creationId xmlns:p14="http://schemas.microsoft.com/office/powerpoint/2010/main" val="3386868017"/>
+      </p:ext>
+    </p:extLst>
+  </p:cSld>
+  <p:clrMapOvr>
+    <a:masterClrMapping/>
+  </p:clrMapOvr>
+  <mc:AlternateContent xmlns:mc="http://schemas.openxmlformats.org/markup-compatibility/2006" xmlns:p14="http://schemas.microsoft.com/office/powerpoint/2010/main">
+    <mc:Choice Requires="p14">
+      <p:transition spd="slow" p14:dur="2000"/>
+    </mc:Choice>
+    <mc:Fallback xmlns="">
+      <p:transition spd="slow"/>
+    </mc:Fallback>
+  </mc:AlternateContent>
+  <p:timing>
+    <p:tnLst>
+      <p:par>
+        <p:cTn id="1" dur="indefinite" restart="never" nodeType="tmRoot"/>
+      </p:par>
+    </p:tnLst>
+  </p:timing>
+</p:sld>
+</file>
+
+<file path=ppt/slides/slide20.xml><?xml version="1.0" encoding="utf-8"?>
+<p:sld xmlns:a="http://schemas.openxmlformats.org/drawingml/2006/main" xmlns:r="http://schemas.openxmlformats.org/officeDocument/2006/relationships" xmlns:p="http://schemas.openxmlformats.org/presentationml/2006/main">
+  <p:cSld>
+    <p:spTree>
+      <p:nvGrpSpPr>
+        <p:cNvPr id="1" name=""/>
+        <p:cNvGrpSpPr/>
+        <p:nvPr/>
+      </p:nvGrpSpPr>
+      <p:grpSpPr>
+        <a:xfrm>
+          <a:off x="0" y="0"/>
+          <a:ext cx="0" cy="0"/>
+          <a:chOff x="0" y="0"/>
+          <a:chExt cx="0" cy="0"/>
+        </a:xfrm>
+      </p:grpSpPr>
+      <p:sp>
+        <p:nvSpPr>
+          <p:cNvPr id="2" name="Title 1"/>
+          <p:cNvSpPr>
+            <a:spLocks noGrp="1"/>
+          </p:cNvSpPr>
+          <p:nvPr>
+            <p:ph type="title"/>
+          </p:nvPr>
+        </p:nvSpPr>
+        <p:spPr/>
+        <p:txBody>
+          <a:bodyPr/>
+          <a:lstStyle/>
+          <a:p>
+            <a:r>
+              <a:rPr lang="bg-BG" dirty="0" smtClean="0"/>
+              <a:t>Вмъкване на елементи</a:t>
+            </a:r>
+            <a:endParaRPr lang="en-US" dirty="0"/>
+          </a:p>
+        </p:txBody>
+      </p:sp>
+      <p:sp>
+        <p:nvSpPr>
+          <p:cNvPr id="3" name="Content Placeholder 2"/>
+          <p:cNvSpPr>
+            <a:spLocks noGrp="1"/>
+          </p:cNvSpPr>
+          <p:nvPr>
+            <p:ph idx="1"/>
+          </p:nvPr>
+        </p:nvSpPr>
+        <p:spPr/>
+        <p:txBody>
+          <a:bodyPr/>
+          <a:lstStyle/>
+          <a:p>
+            <a:r>
+              <a:rPr lang="en-US" dirty="0" smtClean="0"/>
+              <a:t>DOM API</a:t>
+            </a:r>
+            <a:r>
+              <a:rPr lang="bg-BG" dirty="0" smtClean="0"/>
+              <a:t> позволява да се вмъкват елементи преди или след даден елемент</a:t>
+            </a:r>
+          </a:p>
+          <a:p>
+            <a:pPr lvl="1"/>
+            <a:r>
+              <a:rPr lang="en-US" i="1" dirty="0" err="1" smtClean="0">
+                <a:solidFill>
+                  <a:schemeClr val="accent6">
+                    <a:lumMod val="75000"/>
+                  </a:schemeClr>
+                </a:solidFill>
+              </a:rPr>
+              <a:t>appendChild</a:t>
+            </a:r>
+            <a:r>
+              <a:rPr lang="en-US" i="1" dirty="0" smtClean="0">
+                <a:solidFill>
+                  <a:schemeClr val="accent6">
+                    <a:lumMod val="75000"/>
+                  </a:schemeClr>
+                </a:solidFill>
+              </a:rPr>
+              <a:t>()</a:t>
+            </a:r>
+            <a:r>
+              <a:rPr lang="bg-BG" i="1" dirty="0" smtClean="0">
+                <a:solidFill>
+                  <a:schemeClr val="accent6">
+                    <a:lumMod val="75000"/>
+                  </a:schemeClr>
+                </a:solidFill>
+              </a:rPr>
+              <a:t> </a:t>
+            </a:r>
+            <a:r>
+              <a:rPr lang="bg-BG" dirty="0" smtClean="0"/>
+              <a:t>вмъква елемента винаги на края на  дадения елемент</a:t>
+            </a:r>
+          </a:p>
+          <a:p>
+            <a:pPr lvl="1"/>
+            <a:r>
+              <a:rPr lang="en-US" i="1" dirty="0" err="1" smtClean="0">
+                <a:solidFill>
+                  <a:schemeClr val="accent6">
+                    <a:lumMod val="75000"/>
+                  </a:schemeClr>
+                </a:solidFill>
+              </a:rPr>
+              <a:t>parent.insertBefore</a:t>
+            </a:r>
+            <a:r>
+              <a:rPr lang="en-US" i="1" dirty="0" smtClean="0">
+                <a:solidFill>
+                  <a:schemeClr val="accent6">
+                    <a:lumMod val="75000"/>
+                  </a:schemeClr>
+                </a:solidFill>
+              </a:rPr>
+              <a:t>(</a:t>
+            </a:r>
+            <a:r>
+              <a:rPr lang="en-US" i="1" dirty="0" err="1" smtClean="0">
+                <a:solidFill>
+                  <a:schemeClr val="accent6">
+                    <a:lumMod val="75000"/>
+                  </a:schemeClr>
+                </a:solidFill>
+              </a:rPr>
+              <a:t>newNode</a:t>
+            </a:r>
+            <a:r>
+              <a:rPr lang="en-US" i="1" dirty="0" smtClean="0">
+                <a:solidFill>
+                  <a:schemeClr val="accent6">
+                    <a:lumMod val="75000"/>
+                  </a:schemeClr>
+                </a:solidFill>
+              </a:rPr>
+              <a:t>, </a:t>
+            </a:r>
+            <a:r>
+              <a:rPr lang="en-US" i="1" dirty="0" err="1" smtClean="0">
+                <a:solidFill>
+                  <a:schemeClr val="accent6">
+                    <a:lumMod val="75000"/>
+                  </a:schemeClr>
+                </a:solidFill>
+              </a:rPr>
+              <a:t>specificElement</a:t>
+            </a:r>
+            <a:r>
+              <a:rPr lang="en-US" i="1" dirty="0" smtClean="0">
+                <a:solidFill>
+                  <a:schemeClr val="accent6">
+                    <a:lumMod val="75000"/>
+                  </a:schemeClr>
+                </a:solidFill>
+              </a:rPr>
+              <a:t>) </a:t>
+            </a:r>
+            <a:r>
+              <a:rPr lang="bg-BG" dirty="0" smtClean="0"/>
+              <a:t>вмъква нов елемент преди зададен конкретен елемент</a:t>
+            </a:r>
+            <a:endParaRPr lang="en-US" dirty="0"/>
+          </a:p>
+        </p:txBody>
+      </p:sp>
+    </p:spTree>
+    <p:extLst>
+      <p:ext uri="{BB962C8B-B14F-4D97-AF65-F5344CB8AC3E}">
+        <p14:creationId xmlns:p14="http://schemas.microsoft.com/office/powerpoint/2010/main" val="1350160892"/>
+      </p:ext>
+    </p:extLst>
+  </p:cSld>
+  <p:clrMapOvr>
+    <a:masterClrMapping/>
+  </p:clrMapOvr>
+  <mc:AlternateContent xmlns:mc="http://schemas.openxmlformats.org/markup-compatibility/2006" xmlns:p14="http://schemas.microsoft.com/office/powerpoint/2010/main">
+    <mc:Choice Requires="p14">
+      <p:transition spd="slow" p14:dur="2000"/>
+    </mc:Choice>
+    <mc:Fallback xmlns="">
+      <p:transition spd="slow"/>
+    </mc:Fallback>
+  </mc:AlternateContent>
+  <p:timing>
+    <p:tnLst>
+      <p:par>
+        <p:cTn id="1" dur="indefinite" restart="never" nodeType="tmRoot"/>
+      </p:par>
+    </p:tnLst>
+  </p:timing>
+</p:sld>
+</file>
+
+<file path=ppt/slides/slide21.xml><?xml version="1.0" encoding="utf-8"?>
+<p:sld xmlns:a="http://schemas.openxmlformats.org/drawingml/2006/main" xmlns:r="http://schemas.openxmlformats.org/officeDocument/2006/relationships" xmlns:p="http://schemas.openxmlformats.org/presentationml/2006/main">
+  <p:cSld>
+    <p:spTree>
+      <p:nvGrpSpPr>
+        <p:cNvPr id="1" name=""/>
+        <p:cNvGrpSpPr/>
+        <p:nvPr/>
+      </p:nvGrpSpPr>
+      <p:grpSpPr>
+        <a:xfrm>
+          <a:off x="0" y="0"/>
+          <a:ext cx="0" cy="0"/>
+          <a:chOff x="0" y="0"/>
+          <a:chExt cx="0" cy="0"/>
+        </a:xfrm>
+      </p:grpSpPr>
+      <p:sp>
+        <p:nvSpPr>
+          <p:cNvPr id="2" name="Title 1"/>
+          <p:cNvSpPr>
+            <a:spLocks noGrp="1"/>
+          </p:cNvSpPr>
+          <p:nvPr>
+            <p:ph type="title"/>
+          </p:nvPr>
+        </p:nvSpPr>
+        <p:spPr/>
+        <p:txBody>
+          <a:bodyPr/>
+          <a:lstStyle/>
+          <a:p>
+            <a:r>
+              <a:rPr lang="bg-BG" dirty="0" smtClean="0"/>
+              <a:t>Премахване на </a:t>
+            </a:r>
+            <a:r>
+              <a:rPr lang="en-US" dirty="0" smtClean="0"/>
+              <a:t>HTML </a:t>
+            </a:r>
+            <a:r>
+              <a:rPr lang="bg-BG" dirty="0" smtClean="0"/>
+              <a:t>елементи</a:t>
+            </a:r>
+            <a:endParaRPr lang="en-US" dirty="0"/>
+          </a:p>
+        </p:txBody>
+      </p:sp>
+      <p:sp>
+        <p:nvSpPr>
+          <p:cNvPr id="3" name="Content Placeholder 2"/>
+          <p:cNvSpPr>
+            <a:spLocks noGrp="1"/>
+          </p:cNvSpPr>
+          <p:nvPr>
+            <p:ph idx="1"/>
+          </p:nvPr>
+        </p:nvSpPr>
+        <p:spPr>
+          <a:xfrm>
+            <a:off x="1484310" y="1644073"/>
+            <a:ext cx="10018713" cy="4147127"/>
+          </a:xfrm>
+        </p:spPr>
+        <p:txBody>
+          <a:bodyPr/>
+          <a:lstStyle/>
+          <a:p>
+            <a:r>
+              <a:rPr lang="bg-BG" dirty="0" smtClean="0"/>
+              <a:t>Елементи могат да бъдат премахвани от </a:t>
+            </a:r>
+            <a:r>
+              <a:rPr lang="en-US" dirty="0" smtClean="0"/>
+              <a:t>DOM </a:t>
+            </a:r>
+            <a:r>
+              <a:rPr lang="bg-BG" dirty="0" smtClean="0"/>
+              <a:t>дървото</a:t>
+            </a:r>
+          </a:p>
+          <a:p>
+            <a:pPr lvl="1"/>
+            <a:r>
+              <a:rPr lang="en-US" i="1" dirty="0" err="1" smtClean="0">
+                <a:solidFill>
+                  <a:schemeClr val="accent6">
+                    <a:lumMod val="75000"/>
+                  </a:schemeClr>
+                </a:solidFill>
+              </a:rPr>
+              <a:t>element.removeChild</a:t>
+            </a:r>
+            <a:r>
+              <a:rPr lang="en-US" i="1" dirty="0" smtClean="0">
+                <a:solidFill>
+                  <a:schemeClr val="accent6">
+                    <a:lumMod val="75000"/>
+                  </a:schemeClr>
+                </a:solidFill>
+              </a:rPr>
+              <a:t>(</a:t>
+            </a:r>
+            <a:r>
+              <a:rPr lang="en-US" i="1" dirty="0" err="1" smtClean="0">
+                <a:solidFill>
+                  <a:schemeClr val="accent6">
+                    <a:lumMod val="75000"/>
+                  </a:schemeClr>
+                </a:solidFill>
+              </a:rPr>
+              <a:t>elementToRemove</a:t>
+            </a:r>
+            <a:r>
+              <a:rPr lang="en-US" i="1" dirty="0" smtClean="0">
+                <a:solidFill>
+                  <a:schemeClr val="accent6">
+                    <a:lumMod val="75000"/>
+                  </a:schemeClr>
+                </a:solidFill>
+              </a:rPr>
+              <a:t>)</a:t>
+            </a:r>
+            <a:endParaRPr lang="en-US" i="1" dirty="0">
+              <a:solidFill>
+                <a:schemeClr val="accent6">
+                  <a:lumMod val="75000"/>
+                </a:schemeClr>
+              </a:solidFill>
+            </a:endParaRPr>
+          </a:p>
+        </p:txBody>
+      </p:sp>
+      <p:sp>
+        <p:nvSpPr>
+          <p:cNvPr id="4" name="Text Placeholder 5"/>
+          <p:cNvSpPr txBox="1">
+            <a:spLocks/>
+          </p:cNvSpPr>
+          <p:nvPr/>
+        </p:nvSpPr>
+        <p:spPr>
+          <a:xfrm>
+            <a:off x="2388353" y="4276927"/>
+            <a:ext cx="8210625" cy="1754326"/>
+          </a:xfrm>
+          <a:prstGeom prst="rect">
+            <a:avLst/>
+          </a:prstGeom>
+          <a:ln/>
+        </p:spPr>
+        <p:style>
+          <a:lnRef idx="0">
+            <a:schemeClr val="accent1"/>
+          </a:lnRef>
+          <a:fillRef idx="3">
+            <a:schemeClr val="accent1"/>
+          </a:fillRef>
+          <a:effectRef idx="3">
+            <a:schemeClr val="accent1"/>
+          </a:effectRef>
+          <a:fontRef idx="minor">
+            <a:schemeClr val="lt1"/>
+          </a:fontRef>
+        </p:style>
+        <p:txBody>
+          <a:bodyPr wrap="square">
+            <a:spAutoFit/>
+          </a:bodyPr>
+          <a:lstStyle>
+            <a:lvl1pPr indent="0" fontAlgn="base">
+              <a:spcBef>
+                <a:spcPts val="0"/>
+              </a:spcBef>
+              <a:spcAft>
+                <a:spcPct val="0"/>
+              </a:spcAft>
+              <a:buClr>
+                <a:schemeClr val="accent5">
+                  <a:lumMod val="40000"/>
+                  <a:lumOff val="60000"/>
+                </a:schemeClr>
+              </a:buClr>
+              <a:buSzPct val="70000"/>
+              <a:buFont typeface="Wingdings 2" pitchFamily="18" charset="2"/>
+              <a:buNone/>
+              <a:defRPr lang="en-US" sz="2000" b="1" smtClean="0">
+                <a:solidFill>
+                  <a:srgbClr val="8CF4F2"/>
+                </a:solidFill>
+                <a:effectLst>
+                  <a:outerShdw blurRad="38100" dist="38100" dir="2700000" algn="tl">
+                    <a:srgbClr val="000000">
+                      <a:alpha val="43137"/>
+                    </a:srgbClr>
+                  </a:outerShdw>
+                </a:effectLst>
+                <a:latin typeface="Consolas" pitchFamily="49" charset="0"/>
+                <a:cs typeface="Consolas" pitchFamily="49" charset="0"/>
+              </a:defRPr>
+            </a:lvl1pPr>
+            <a:lvl2pPr marL="630238" indent="-273050" fontAlgn="base">
+              <a:spcBef>
+                <a:spcPct val="20000"/>
+              </a:spcBef>
+              <a:spcAft>
+                <a:spcPct val="0"/>
+              </a:spcAft>
+              <a:buClr>
+                <a:schemeClr val="accent2">
+                  <a:lumMod val="60000"/>
+                  <a:lumOff val="40000"/>
+                </a:schemeClr>
+              </a:buClr>
+              <a:buFont typeface="Wingdings 2" pitchFamily="18" charset="2"/>
+              <a:buChar char=""/>
+              <a:defRPr sz="3000" b="1">
+                <a:solidFill>
+                  <a:schemeClr val="tx1">
+                    <a:lumMod val="20000"/>
+                    <a:lumOff val="80000"/>
+                  </a:schemeClr>
+                </a:solidFill>
+                <a:effectLst>
+                  <a:outerShdw blurRad="38100" dist="38100" dir="2700000" algn="tl">
+                    <a:srgbClr val="000000">
+                      <a:alpha val="43137"/>
+                    </a:srgbClr>
+                  </a:outerShdw>
+                </a:effectLst>
+              </a:defRPr>
+            </a:lvl2pPr>
+            <a:lvl3pPr marL="922338" indent="-273050" fontAlgn="base">
+              <a:spcBef>
+                <a:spcPct val="20000"/>
+              </a:spcBef>
+              <a:spcAft>
+                <a:spcPct val="0"/>
+              </a:spcAft>
+              <a:buClr>
+                <a:schemeClr val="tx1">
+                  <a:lumMod val="50000"/>
+                </a:schemeClr>
+              </a:buClr>
+              <a:buFont typeface="Wingdings 2" pitchFamily="18" charset="2"/>
+              <a:buChar char=""/>
+              <a:defRPr sz="2800" b="1">
+                <a:solidFill>
+                  <a:schemeClr val="tx1">
+                    <a:lumMod val="20000"/>
+                    <a:lumOff val="80000"/>
+                  </a:schemeClr>
+                </a:solidFill>
+                <a:effectLst>
+                  <a:outerShdw blurRad="38100" dist="38100" dir="2700000" algn="tl">
+                    <a:srgbClr val="000000">
+                      <a:alpha val="43137"/>
+                    </a:srgbClr>
+                  </a:outerShdw>
+                </a:effectLst>
+              </a:defRPr>
+            </a:lvl3pPr>
+            <a:lvl4pPr marL="1187450" indent="-228600" fontAlgn="base">
+              <a:spcBef>
+                <a:spcPct val="20000"/>
+              </a:spcBef>
+              <a:spcAft>
+                <a:spcPct val="0"/>
+              </a:spcAft>
+              <a:buClr>
+                <a:srgbClr val="F8BD52"/>
+              </a:buClr>
+              <a:buFont typeface="Wingdings 2" pitchFamily="18" charset="2"/>
+              <a:buChar char=""/>
+              <a:defRPr sz="2600" b="1">
+                <a:solidFill>
+                  <a:schemeClr val="tx1">
+                    <a:lumMod val="20000"/>
+                    <a:lumOff val="80000"/>
+                  </a:schemeClr>
+                </a:solidFill>
+                <a:effectLst>
+                  <a:outerShdw blurRad="38100" dist="38100" dir="2700000" algn="tl">
+                    <a:srgbClr val="000000">
+                      <a:alpha val="43137"/>
+                    </a:srgbClr>
+                  </a:outerShdw>
+                </a:effectLst>
+              </a:defRPr>
+            </a:lvl4pPr>
+            <a:lvl5pPr marL="1425575" indent="-228600" fontAlgn="base">
+              <a:spcBef>
+                <a:spcPct val="20000"/>
+              </a:spcBef>
+              <a:spcAft>
+                <a:spcPct val="0"/>
+              </a:spcAft>
+              <a:buClr>
+                <a:srgbClr val="46A6BD"/>
+              </a:buClr>
+              <a:buFont typeface="Wingdings 2" pitchFamily="18" charset="2"/>
+              <a:buChar char=""/>
+              <a:defRPr sz="2400" b="1">
+                <a:solidFill>
+                  <a:schemeClr val="tx1">
+                    <a:lumMod val="20000"/>
+                    <a:lumOff val="80000"/>
+                  </a:schemeClr>
+                </a:solidFill>
+                <a:effectLst>
+                  <a:outerShdw blurRad="38100" dist="38100" dir="2700000" algn="tl">
+                    <a:srgbClr val="000000">
+                      <a:alpha val="43137"/>
+                    </a:srgbClr>
+                  </a:outerShdw>
+                </a:effectLst>
+              </a:defRPr>
+            </a:lvl5pPr>
+            <a:lvl6pPr marL="1673352" indent="-228600">
+              <a:spcBef>
+                <a:spcPct val="20000"/>
+              </a:spcBef>
+              <a:buClr>
+                <a:schemeClr val="accent6"/>
+              </a:buClr>
+              <a:buFont typeface="Wingdings 2"/>
+              <a:buChar char=""/>
+            </a:lvl6pPr>
+            <a:lvl7pPr marL="1911096" indent="-228600">
+              <a:spcBef>
+                <a:spcPct val="20000"/>
+              </a:spcBef>
+              <a:buClr>
+                <a:schemeClr val="tx2"/>
+              </a:buClr>
+              <a:buFont typeface="Wingdings 2"/>
+              <a:buChar char=""/>
+              <a:defRPr sz="1600"/>
+            </a:lvl7pPr>
+            <a:lvl8pPr marL="2121408" indent="-182880">
+              <a:spcBef>
+                <a:spcPct val="20000"/>
+              </a:spcBef>
+              <a:buClr>
+                <a:schemeClr val="tx2"/>
+              </a:buClr>
+              <a:buFont typeface="Wingdings 2"/>
+              <a:buChar char=""/>
+              <a:defRPr sz="1400"/>
+            </a:lvl8pPr>
+            <a:lvl9pPr marL="2322576" indent="-182880">
+              <a:spcBef>
+                <a:spcPct val="20000"/>
+              </a:spcBef>
+              <a:buClr>
+                <a:schemeClr val="tx2"/>
+              </a:buClr>
+              <a:buFont typeface="Wingdings 2"/>
+              <a:buChar char=""/>
+              <a:defRPr sz="1400"/>
+            </a:lvl9pPr>
+          </a:lstStyle>
+          <a:p>
+            <a:r>
+              <a:rPr lang="en-US" sz="1800" b="0" dirty="0" err="1">
+                <a:effectLst/>
+              </a:rPr>
+              <a:t>var</a:t>
+            </a:r>
+            <a:r>
+              <a:rPr lang="en-US" sz="1800" b="0" dirty="0">
+                <a:effectLst/>
+              </a:rPr>
+              <a:t> </a:t>
+            </a:r>
+            <a:r>
+              <a:rPr lang="en-US" sz="1800" b="0" dirty="0" smtClean="0">
+                <a:effectLst/>
+              </a:rPr>
+              <a:t>teams = </a:t>
+            </a:r>
+            <a:r>
+              <a:rPr lang="en-US" sz="1800" b="0" dirty="0" err="1">
+                <a:effectLst/>
+              </a:rPr>
+              <a:t>document.getElementsByTagName</a:t>
+            </a:r>
+            <a:r>
+              <a:rPr lang="en-US" sz="1800" b="0" dirty="0">
+                <a:effectLst/>
+              </a:rPr>
+              <a:t>("</a:t>
+            </a:r>
+            <a:r>
+              <a:rPr lang="en-US" sz="1800" b="0" dirty="0" err="1">
+                <a:effectLst/>
+              </a:rPr>
+              <a:t>ul</a:t>
+            </a:r>
+            <a:r>
+              <a:rPr lang="en-US" sz="1800" b="0" dirty="0">
+                <a:effectLst/>
+              </a:rPr>
+              <a:t>")[0]; </a:t>
+            </a:r>
+            <a:endParaRPr lang="en-US" sz="1800" b="0" dirty="0" smtClean="0">
+              <a:effectLst/>
+            </a:endParaRPr>
+          </a:p>
+          <a:p>
+            <a:r>
+              <a:rPr lang="en-US" sz="1800" b="0" dirty="0" err="1" smtClean="0">
+                <a:effectLst/>
+              </a:rPr>
+              <a:t>var</a:t>
+            </a:r>
+            <a:r>
+              <a:rPr lang="en-US" sz="1800" b="0" dirty="0" smtClean="0">
+                <a:effectLst/>
+              </a:rPr>
+              <a:t> team </a:t>
+            </a:r>
+            <a:r>
+              <a:rPr lang="en-US" sz="1800" b="0" dirty="0">
+                <a:effectLst/>
+              </a:rPr>
+              <a:t>= </a:t>
+            </a:r>
+            <a:r>
+              <a:rPr lang="en-US" sz="1800" b="0" dirty="0" err="1" smtClean="0">
+                <a:effectLst/>
+              </a:rPr>
+              <a:t>teams.getElementsByTagName</a:t>
+            </a:r>
+            <a:r>
+              <a:rPr lang="en-US" sz="1800" b="0" dirty="0" smtClean="0">
+                <a:effectLst/>
+              </a:rPr>
+              <a:t>("</a:t>
+            </a:r>
+            <a:r>
+              <a:rPr lang="en-US" sz="1800" b="0" dirty="0">
+                <a:effectLst/>
+              </a:rPr>
+              <a:t>li")[0]; </a:t>
+            </a:r>
+            <a:r>
+              <a:rPr lang="en-US" sz="1800" b="0" dirty="0" err="1" smtClean="0">
+                <a:effectLst/>
+              </a:rPr>
+              <a:t>teams.removeChild</a:t>
+            </a:r>
+            <a:r>
+              <a:rPr lang="en-US" sz="1800" b="0" dirty="0" smtClean="0">
+                <a:effectLst/>
+              </a:rPr>
+              <a:t>(trainer</a:t>
+            </a:r>
+            <a:r>
+              <a:rPr lang="en-US" sz="1800" b="0" dirty="0">
+                <a:effectLst/>
+              </a:rPr>
+              <a:t>); //remove a selected element </a:t>
+            </a:r>
+            <a:endParaRPr lang="en-US" sz="1800" b="0" dirty="0" smtClean="0">
+              <a:effectLst/>
+            </a:endParaRPr>
+          </a:p>
+          <a:p>
+            <a:endParaRPr lang="en-US" sz="1800" b="0" dirty="0" smtClean="0">
+              <a:effectLst/>
+            </a:endParaRPr>
+          </a:p>
+          <a:p>
+            <a:r>
+              <a:rPr lang="en-US" sz="1800" b="0" dirty="0" err="1" smtClean="0">
+                <a:effectLst/>
+              </a:rPr>
+              <a:t>var</a:t>
+            </a:r>
+            <a:r>
+              <a:rPr lang="en-US" sz="1800" b="0" dirty="0" smtClean="0">
+                <a:effectLst/>
+              </a:rPr>
+              <a:t> </a:t>
+            </a:r>
+            <a:r>
+              <a:rPr lang="en-US" sz="1800" b="0" dirty="0" err="1">
+                <a:effectLst/>
+              </a:rPr>
+              <a:t>selectedElement</a:t>
+            </a:r>
+            <a:r>
+              <a:rPr lang="en-US" sz="1800" b="0" dirty="0">
+                <a:effectLst/>
+              </a:rPr>
+              <a:t> = //select the element </a:t>
+            </a:r>
+            <a:r>
+              <a:rPr lang="en-US" sz="1800" b="0" dirty="0" smtClean="0">
+                <a:effectLst/>
+              </a:rPr>
+              <a:t>	</a:t>
+            </a:r>
+            <a:r>
+              <a:rPr lang="en-US" sz="1800" b="0" dirty="0" err="1" smtClean="0">
+                <a:effectLst/>
+              </a:rPr>
+              <a:t>selectedElement.parentNode.removeChild</a:t>
+            </a:r>
+            <a:r>
+              <a:rPr lang="en-US" sz="1800" b="0" dirty="0" smtClean="0">
+                <a:effectLst/>
+              </a:rPr>
+              <a:t>(</a:t>
+            </a:r>
+            <a:r>
+              <a:rPr lang="en-US" sz="1800" b="0" dirty="0" err="1" smtClean="0">
+                <a:effectLst/>
+              </a:rPr>
+              <a:t>selectedElement</a:t>
+            </a:r>
+            <a:r>
+              <a:rPr lang="en-US" sz="1800" b="0" dirty="0">
+                <a:effectLst/>
+              </a:rPr>
+              <a:t>);</a:t>
+            </a:r>
+            <a:endParaRPr lang="en-US" sz="1800" dirty="0"/>
+          </a:p>
+        </p:txBody>
+      </p:sp>
+    </p:spTree>
+    <p:extLst>
+      <p:ext uri="{BB962C8B-B14F-4D97-AF65-F5344CB8AC3E}">
+        <p14:creationId xmlns:p14="http://schemas.microsoft.com/office/powerpoint/2010/main" val="2030545622"/>
+      </p:ext>
+    </p:extLst>
+  </p:cSld>
+  <p:clrMapOvr>
+    <a:masterClrMapping/>
+  </p:clrMapOvr>
+  <mc:AlternateContent xmlns:mc="http://schemas.openxmlformats.org/markup-compatibility/2006" xmlns:p14="http://schemas.microsoft.com/office/powerpoint/2010/main">
+    <mc:Choice Requires="p14">
+      <p:transition spd="slow" p14:dur="2000"/>
+    </mc:Choice>
+    <mc:Fallback xmlns="">
+      <p:transition spd="slow"/>
+    </mc:Fallback>
+  </mc:AlternateContent>
+  <p:timing>
+    <p:tnLst>
+      <p:par>
+        <p:cTn id="1" dur="indefinite" restart="never" nodeType="tmRoot"/>
+      </p:par>
+    </p:tnLst>
+  </p:timing>
+</p:sld>
+</file>
+
+<file path=ppt/slides/slide22.xml><?xml version="1.0" encoding="utf-8"?>
+<p:sld xmlns:a="http://schemas.openxmlformats.org/drawingml/2006/main" xmlns:r="http://schemas.openxmlformats.org/officeDocument/2006/relationships" xmlns:p="http://schemas.openxmlformats.org/presentationml/2006/main">
+  <p:cSld>
+    <p:spTree>
+      <p:nvGrpSpPr>
+        <p:cNvPr id="1" name=""/>
+        <p:cNvGrpSpPr/>
+        <p:nvPr/>
+      </p:nvGrpSpPr>
+      <p:grpSpPr>
+        <a:xfrm>
+          <a:off x="0" y="0"/>
+          <a:ext cx="0" cy="0"/>
+          <a:chOff x="0" y="0"/>
+          <a:chExt cx="0" cy="0"/>
+        </a:xfrm>
+      </p:grpSpPr>
+      <p:sp>
+        <p:nvSpPr>
+          <p:cNvPr id="2" name="Title 1"/>
+          <p:cNvSpPr>
+            <a:spLocks noGrp="1"/>
+          </p:cNvSpPr>
+          <p:nvPr>
+            <p:ph type="title"/>
+          </p:nvPr>
+        </p:nvSpPr>
+        <p:spPr/>
+        <p:txBody>
+          <a:bodyPr/>
+          <a:lstStyle/>
+          <a:p>
+            <a:r>
+              <a:rPr lang="bg-BG" dirty="0" smtClean="0"/>
+              <a:t>Променяне на </a:t>
+            </a:r>
+            <a:r>
+              <a:rPr lang="en-US" dirty="0" smtClean="0"/>
+              <a:t>HTML</a:t>
+            </a:r>
+            <a:r>
+              <a:rPr lang="bg-BG" dirty="0" smtClean="0"/>
+              <a:t> елементи</a:t>
+            </a:r>
+            <a:endParaRPr lang="en-US" dirty="0"/>
+          </a:p>
+        </p:txBody>
+      </p:sp>
+      <p:sp>
+        <p:nvSpPr>
+          <p:cNvPr id="3" name="Content Placeholder 2"/>
+          <p:cNvSpPr>
+            <a:spLocks noGrp="1"/>
+          </p:cNvSpPr>
+          <p:nvPr>
+            <p:ph idx="1"/>
+          </p:nvPr>
+        </p:nvSpPr>
+        <p:spPr>
+          <a:xfrm>
+            <a:off x="1484310" y="2179783"/>
+            <a:ext cx="10018713" cy="3611418"/>
+          </a:xfrm>
+        </p:spPr>
+        <p:txBody>
+          <a:bodyPr/>
+          <a:lstStyle/>
+          <a:p>
+            <a:r>
+              <a:rPr lang="en-US" dirty="0" smtClean="0"/>
+              <a:t>HTML </a:t>
+            </a:r>
+            <a:r>
+              <a:rPr lang="bg-BG" dirty="0" smtClean="0"/>
+              <a:t>елементите могат да бъдат променяни динамично чрез </a:t>
+            </a:r>
+            <a:r>
+              <a:rPr lang="en-US" dirty="0" smtClean="0"/>
+              <a:t>JS</a:t>
+            </a:r>
+            <a:endParaRPr lang="bg-BG" dirty="0" smtClean="0"/>
+          </a:p>
+          <a:p>
+            <a:r>
+              <a:rPr lang="bg-BG" dirty="0" smtClean="0"/>
+              <a:t>Техните характеристики могат да бъдат достъпвани и променяни</a:t>
+            </a:r>
+          </a:p>
+          <a:p>
+            <a:pPr marL="0" indent="0">
+              <a:buNone/>
+            </a:pPr>
+            <a:endParaRPr lang="en-US" dirty="0"/>
+          </a:p>
+        </p:txBody>
+      </p:sp>
+      <p:sp>
+        <p:nvSpPr>
+          <p:cNvPr id="4" name="Text Placeholder 5"/>
+          <p:cNvSpPr txBox="1">
+            <a:spLocks/>
+          </p:cNvSpPr>
+          <p:nvPr/>
+        </p:nvSpPr>
+        <p:spPr>
+          <a:xfrm>
+            <a:off x="2388353" y="4276927"/>
+            <a:ext cx="8210625" cy="1754326"/>
+          </a:xfrm>
+          <a:prstGeom prst="rect">
+            <a:avLst/>
+          </a:prstGeom>
+          <a:ln/>
+        </p:spPr>
+        <p:style>
+          <a:lnRef idx="0">
+            <a:schemeClr val="accent1"/>
+          </a:lnRef>
+          <a:fillRef idx="3">
+            <a:schemeClr val="accent1"/>
+          </a:fillRef>
+          <a:effectRef idx="3">
+            <a:schemeClr val="accent1"/>
+          </a:effectRef>
+          <a:fontRef idx="minor">
+            <a:schemeClr val="lt1"/>
+          </a:fontRef>
+        </p:style>
+        <p:txBody>
+          <a:bodyPr wrap="square">
+            <a:spAutoFit/>
+          </a:bodyPr>
+          <a:lstStyle>
+            <a:lvl1pPr indent="0" fontAlgn="base">
+              <a:spcBef>
+                <a:spcPts val="0"/>
+              </a:spcBef>
+              <a:spcAft>
+                <a:spcPct val="0"/>
+              </a:spcAft>
+              <a:buClr>
+                <a:schemeClr val="accent5">
+                  <a:lumMod val="40000"/>
+                  <a:lumOff val="60000"/>
+                </a:schemeClr>
+              </a:buClr>
+              <a:buSzPct val="70000"/>
+              <a:buFont typeface="Wingdings 2" pitchFamily="18" charset="2"/>
+              <a:buNone/>
+              <a:defRPr lang="en-US" sz="2000" b="1" smtClean="0">
+                <a:solidFill>
+                  <a:srgbClr val="8CF4F2"/>
+                </a:solidFill>
+                <a:effectLst>
+                  <a:outerShdw blurRad="38100" dist="38100" dir="2700000" algn="tl">
+                    <a:srgbClr val="000000">
+                      <a:alpha val="43137"/>
+                    </a:srgbClr>
+                  </a:outerShdw>
+                </a:effectLst>
+                <a:latin typeface="Consolas" pitchFamily="49" charset="0"/>
+                <a:cs typeface="Consolas" pitchFamily="49" charset="0"/>
+              </a:defRPr>
+            </a:lvl1pPr>
+            <a:lvl2pPr marL="630238" indent="-273050" fontAlgn="base">
+              <a:spcBef>
+                <a:spcPct val="20000"/>
+              </a:spcBef>
+              <a:spcAft>
+                <a:spcPct val="0"/>
+              </a:spcAft>
+              <a:buClr>
+                <a:schemeClr val="accent2">
+                  <a:lumMod val="60000"/>
+                  <a:lumOff val="40000"/>
+                </a:schemeClr>
+              </a:buClr>
+              <a:buFont typeface="Wingdings 2" pitchFamily="18" charset="2"/>
+              <a:buChar char=""/>
+              <a:defRPr sz="3000" b="1">
+                <a:solidFill>
+                  <a:schemeClr val="tx1">
+                    <a:lumMod val="20000"/>
+                    <a:lumOff val="80000"/>
+                  </a:schemeClr>
+                </a:solidFill>
+                <a:effectLst>
+                  <a:outerShdw blurRad="38100" dist="38100" dir="2700000" algn="tl">
+                    <a:srgbClr val="000000">
+                      <a:alpha val="43137"/>
+                    </a:srgbClr>
+                  </a:outerShdw>
+                </a:effectLst>
+              </a:defRPr>
+            </a:lvl2pPr>
+            <a:lvl3pPr marL="922338" indent="-273050" fontAlgn="base">
+              <a:spcBef>
+                <a:spcPct val="20000"/>
+              </a:spcBef>
+              <a:spcAft>
+                <a:spcPct val="0"/>
+              </a:spcAft>
+              <a:buClr>
+                <a:schemeClr val="tx1">
+                  <a:lumMod val="50000"/>
+                </a:schemeClr>
+              </a:buClr>
+              <a:buFont typeface="Wingdings 2" pitchFamily="18" charset="2"/>
+              <a:buChar char=""/>
+              <a:defRPr sz="2800" b="1">
+                <a:solidFill>
+                  <a:schemeClr val="tx1">
+                    <a:lumMod val="20000"/>
+                    <a:lumOff val="80000"/>
+                  </a:schemeClr>
+                </a:solidFill>
+                <a:effectLst>
+                  <a:outerShdw blurRad="38100" dist="38100" dir="2700000" algn="tl">
+                    <a:srgbClr val="000000">
+                      <a:alpha val="43137"/>
+                    </a:srgbClr>
+                  </a:outerShdw>
+                </a:effectLst>
+              </a:defRPr>
+            </a:lvl3pPr>
+            <a:lvl4pPr marL="1187450" indent="-228600" fontAlgn="base">
+              <a:spcBef>
+                <a:spcPct val="20000"/>
+              </a:spcBef>
+              <a:spcAft>
+                <a:spcPct val="0"/>
+              </a:spcAft>
+              <a:buClr>
+                <a:srgbClr val="F8BD52"/>
+              </a:buClr>
+              <a:buFont typeface="Wingdings 2" pitchFamily="18" charset="2"/>
+              <a:buChar char=""/>
+              <a:defRPr sz="2600" b="1">
+                <a:solidFill>
+                  <a:schemeClr val="tx1">
+                    <a:lumMod val="20000"/>
+                    <a:lumOff val="80000"/>
+                  </a:schemeClr>
+                </a:solidFill>
+                <a:effectLst>
+                  <a:outerShdw blurRad="38100" dist="38100" dir="2700000" algn="tl">
+                    <a:srgbClr val="000000">
+                      <a:alpha val="43137"/>
+                    </a:srgbClr>
+                  </a:outerShdw>
+                </a:effectLst>
+              </a:defRPr>
+            </a:lvl4pPr>
+            <a:lvl5pPr marL="1425575" indent="-228600" fontAlgn="base">
+              <a:spcBef>
+                <a:spcPct val="20000"/>
+              </a:spcBef>
+              <a:spcAft>
+                <a:spcPct val="0"/>
+              </a:spcAft>
+              <a:buClr>
+                <a:srgbClr val="46A6BD"/>
+              </a:buClr>
+              <a:buFont typeface="Wingdings 2" pitchFamily="18" charset="2"/>
+              <a:buChar char=""/>
+              <a:defRPr sz="2400" b="1">
+                <a:solidFill>
+                  <a:schemeClr val="tx1">
+                    <a:lumMod val="20000"/>
+                    <a:lumOff val="80000"/>
+                  </a:schemeClr>
+                </a:solidFill>
+                <a:effectLst>
+                  <a:outerShdw blurRad="38100" dist="38100" dir="2700000" algn="tl">
+                    <a:srgbClr val="000000">
+                      <a:alpha val="43137"/>
+                    </a:srgbClr>
+                  </a:outerShdw>
+                </a:effectLst>
+              </a:defRPr>
+            </a:lvl5pPr>
+            <a:lvl6pPr marL="1673352" indent="-228600">
+              <a:spcBef>
+                <a:spcPct val="20000"/>
+              </a:spcBef>
+              <a:buClr>
+                <a:schemeClr val="accent6"/>
+              </a:buClr>
+              <a:buFont typeface="Wingdings 2"/>
+              <a:buChar char=""/>
+            </a:lvl6pPr>
+            <a:lvl7pPr marL="1911096" indent="-228600">
+              <a:spcBef>
+                <a:spcPct val="20000"/>
+              </a:spcBef>
+              <a:buClr>
+                <a:schemeClr val="tx2"/>
+              </a:buClr>
+              <a:buFont typeface="Wingdings 2"/>
+              <a:buChar char=""/>
+              <a:defRPr sz="1600"/>
+            </a:lvl7pPr>
+            <a:lvl8pPr marL="2121408" indent="-182880">
+              <a:spcBef>
+                <a:spcPct val="20000"/>
+              </a:spcBef>
+              <a:buClr>
+                <a:schemeClr val="tx2"/>
+              </a:buClr>
+              <a:buFont typeface="Wingdings 2"/>
+              <a:buChar char=""/>
+              <a:defRPr sz="1400"/>
+            </a:lvl8pPr>
+            <a:lvl9pPr marL="2322576" indent="-182880">
+              <a:spcBef>
+                <a:spcPct val="20000"/>
+              </a:spcBef>
+              <a:buClr>
+                <a:schemeClr val="tx2"/>
+              </a:buClr>
+              <a:buFont typeface="Wingdings 2"/>
+              <a:buChar char=""/>
+              <a:defRPr sz="1400"/>
+            </a:lvl9pPr>
+          </a:lstStyle>
+          <a:p>
+            <a:r>
+              <a:rPr lang="en-US" sz="1800" b="0" dirty="0" err="1">
+                <a:effectLst/>
+              </a:rPr>
+              <a:t>var</a:t>
+            </a:r>
+            <a:r>
+              <a:rPr lang="en-US" sz="1800" b="0" dirty="0">
+                <a:effectLst/>
+              </a:rPr>
+              <a:t> </a:t>
+            </a:r>
+            <a:r>
+              <a:rPr lang="en-US" sz="1800" b="0" dirty="0" smtClean="0">
+                <a:effectLst/>
+              </a:rPr>
+              <a:t>teams = </a:t>
+            </a:r>
+            <a:r>
+              <a:rPr lang="en-US" sz="1800" b="0" dirty="0" err="1">
+                <a:effectLst/>
+              </a:rPr>
+              <a:t>document.getElementsByTagName</a:t>
+            </a:r>
+            <a:r>
+              <a:rPr lang="en-US" sz="1800" b="0" dirty="0">
+                <a:effectLst/>
+              </a:rPr>
+              <a:t>("</a:t>
+            </a:r>
+            <a:r>
+              <a:rPr lang="en-US" sz="1800" b="0" dirty="0" err="1">
+                <a:effectLst/>
+              </a:rPr>
+              <a:t>ul</a:t>
+            </a:r>
+            <a:r>
+              <a:rPr lang="en-US" sz="1800" b="0" dirty="0">
+                <a:effectLst/>
+              </a:rPr>
+              <a:t>")[0]; </a:t>
+            </a:r>
+            <a:endParaRPr lang="en-US" sz="1800" b="0" dirty="0" smtClean="0">
+              <a:effectLst/>
+            </a:endParaRPr>
+          </a:p>
+          <a:p>
+            <a:r>
+              <a:rPr lang="en-US" sz="1800" b="0" dirty="0" err="1" smtClean="0">
+                <a:effectLst/>
+              </a:rPr>
+              <a:t>var</a:t>
+            </a:r>
+            <a:r>
+              <a:rPr lang="en-US" sz="1800" b="0" dirty="0" smtClean="0">
+                <a:effectLst/>
+              </a:rPr>
+              <a:t> team </a:t>
+            </a:r>
+            <a:r>
+              <a:rPr lang="en-US" sz="1800" b="0" dirty="0">
+                <a:effectLst/>
+              </a:rPr>
+              <a:t>= </a:t>
+            </a:r>
+            <a:r>
+              <a:rPr lang="en-US" sz="1800" b="0" dirty="0" err="1" smtClean="0">
+                <a:effectLst/>
+              </a:rPr>
+              <a:t>teams.getElementsByTagName</a:t>
+            </a:r>
+            <a:r>
+              <a:rPr lang="en-US" sz="1800" b="0" dirty="0" smtClean="0">
+                <a:effectLst/>
+              </a:rPr>
+              <a:t>("</a:t>
+            </a:r>
+            <a:r>
+              <a:rPr lang="en-US" sz="1800" b="0" dirty="0">
+                <a:effectLst/>
+              </a:rPr>
+              <a:t>li")[0]; </a:t>
+            </a:r>
+            <a:r>
+              <a:rPr lang="en-US" sz="1800" b="0" dirty="0" err="1" smtClean="0">
+                <a:effectLst/>
+              </a:rPr>
+              <a:t>teams.removeChild</a:t>
+            </a:r>
+            <a:r>
+              <a:rPr lang="en-US" sz="1800" b="0" dirty="0" smtClean="0">
+                <a:effectLst/>
+              </a:rPr>
+              <a:t>(trainer</a:t>
+            </a:r>
+            <a:r>
+              <a:rPr lang="en-US" sz="1800" b="0" dirty="0">
+                <a:effectLst/>
+              </a:rPr>
+              <a:t>); //remove a selected element </a:t>
+            </a:r>
+            <a:endParaRPr lang="en-US" sz="1800" b="0" dirty="0" smtClean="0">
+              <a:effectLst/>
+            </a:endParaRPr>
+          </a:p>
+          <a:p>
+            <a:endParaRPr lang="en-US" sz="1800" b="0" dirty="0" smtClean="0">
+              <a:effectLst/>
+            </a:endParaRPr>
+          </a:p>
+          <a:p>
+            <a:r>
+              <a:rPr lang="en-US" sz="1800" b="0" dirty="0" err="1" smtClean="0">
+                <a:effectLst/>
+              </a:rPr>
+              <a:t>var</a:t>
+            </a:r>
+            <a:r>
+              <a:rPr lang="en-US" sz="1800" b="0" dirty="0" smtClean="0">
+                <a:effectLst/>
+              </a:rPr>
+              <a:t> </a:t>
+            </a:r>
+            <a:r>
+              <a:rPr lang="en-US" sz="1800" b="0" dirty="0" err="1">
+                <a:effectLst/>
+              </a:rPr>
+              <a:t>selectedElement</a:t>
+            </a:r>
+            <a:r>
+              <a:rPr lang="en-US" sz="1800" b="0" dirty="0">
+                <a:effectLst/>
+              </a:rPr>
+              <a:t> = //select the element </a:t>
+            </a:r>
+            <a:r>
+              <a:rPr lang="en-US" sz="1800" b="0" dirty="0" smtClean="0">
+                <a:effectLst/>
+              </a:rPr>
+              <a:t>	</a:t>
+            </a:r>
+            <a:r>
+              <a:rPr lang="en-US" sz="1800" b="0" dirty="0" err="1" smtClean="0">
+                <a:effectLst/>
+              </a:rPr>
+              <a:t>selectedElement.parentNode.removeChild</a:t>
+            </a:r>
+            <a:r>
+              <a:rPr lang="en-US" sz="1800" b="0" dirty="0" smtClean="0">
+                <a:effectLst/>
+              </a:rPr>
+              <a:t>(</a:t>
+            </a:r>
+            <a:r>
+              <a:rPr lang="en-US" sz="1800" b="0" dirty="0" err="1" smtClean="0">
+                <a:effectLst/>
+              </a:rPr>
+              <a:t>selectedElement</a:t>
+            </a:r>
+            <a:r>
+              <a:rPr lang="en-US" sz="1800" b="0" dirty="0">
+                <a:effectLst/>
+              </a:rPr>
+              <a:t>);</a:t>
+            </a:r>
+            <a:endParaRPr lang="en-US" sz="1800" dirty="0"/>
+          </a:p>
+        </p:txBody>
+      </p:sp>
+    </p:spTree>
+    <p:extLst>
+      <p:ext uri="{BB962C8B-B14F-4D97-AF65-F5344CB8AC3E}">
+        <p14:creationId xmlns:p14="http://schemas.microsoft.com/office/powerpoint/2010/main" val="3076559918"/>
+      </p:ext>
+    </p:extLst>
+  </p:cSld>
+  <p:clrMapOvr>
+    <a:masterClrMapping/>
+  </p:clrMapOvr>
+  <mc:AlternateContent xmlns:mc="http://schemas.openxmlformats.org/markup-compatibility/2006" xmlns:p14="http://schemas.microsoft.com/office/powerpoint/2010/main">
+    <mc:Choice Requires="p14">
+      <p:transition spd="slow" p14:dur="2000"/>
+    </mc:Choice>
+    <mc:Fallback xmlns="">
+      <p:transition spd="slow"/>
+    </mc:Fallback>
+  </mc:AlternateContent>
+  <p:timing>
+    <p:tnLst>
+      <p:par>
+        <p:cTn id="1" dur="indefinite" restart="never" nodeType="tmRoot"/>
+      </p:par>
+    </p:tnLst>
+  </p:timing>
+</p:sld>
+</file>
+
+<file path=ppt/slides/slide23.xml><?xml version="1.0" encoding="utf-8"?>
+<p:sld xmlns:a="http://schemas.openxmlformats.org/drawingml/2006/main" xmlns:r="http://schemas.openxmlformats.org/officeDocument/2006/relationships" xmlns:p="http://schemas.openxmlformats.org/presentationml/2006/main">
+  <p:cSld>
+    <p:spTree>
+      <p:nvGrpSpPr>
+        <p:cNvPr id="1" name=""/>
+        <p:cNvGrpSpPr/>
+        <p:nvPr/>
+      </p:nvGrpSpPr>
+      <p:grpSpPr>
+        <a:xfrm>
+          <a:off x="0" y="0"/>
+          <a:ext cx="0" cy="0"/>
+          <a:chOff x="0" y="0"/>
+          <a:chExt cx="0" cy="0"/>
+        </a:xfrm>
+      </p:grpSpPr>
+      <p:sp>
+        <p:nvSpPr>
+          <p:cNvPr id="6" name="Title 5"/>
+          <p:cNvSpPr>
+            <a:spLocks noGrp="1"/>
+          </p:cNvSpPr>
+          <p:nvPr>
+            <p:ph type="title"/>
+          </p:nvPr>
+        </p:nvSpPr>
+        <p:spPr>
+          <a:xfrm>
+            <a:off x="1484311" y="166256"/>
+            <a:ext cx="10018713" cy="2272144"/>
+          </a:xfrm>
+        </p:spPr>
+        <p:txBody>
+          <a:bodyPr/>
+          <a:lstStyle/>
+          <a:p>
+            <a:r>
+              <a:rPr lang="bg-BG" dirty="0" smtClean="0"/>
+              <a:t>Вмъкване, премахване и промяна на </a:t>
+            </a:r>
+            <a:r>
+              <a:rPr lang="en-US" dirty="0" smtClean="0"/>
+              <a:t>HTML </a:t>
+            </a:r>
+            <a:r>
+              <a:rPr lang="bg-BG" dirty="0" smtClean="0"/>
+              <a:t>елементи</a:t>
+            </a:r>
+            <a:endParaRPr lang="en-US" i="1" dirty="0">
+              <a:solidFill>
+                <a:schemeClr val="accent6">
+                  <a:lumMod val="75000"/>
+                </a:schemeClr>
+              </a:solidFill>
+            </a:endParaRPr>
+          </a:p>
+        </p:txBody>
+      </p:sp>
+      <p:pic>
+        <p:nvPicPr>
+          <p:cNvPr id="7" name="Picture 6"/>
+          <p:cNvPicPr>
+            <a:picLocks noChangeAspect="1"/>
+          </p:cNvPicPr>
+          <p:nvPr/>
+        </p:nvPicPr>
+        <p:blipFill>
+          <a:blip r:embed="rId2">
+            <a:extLst>
+              <a:ext uri="{28A0092B-C50C-407E-A947-70E740481C1C}">
+                <a14:useLocalDpi xmlns:a14="http://schemas.microsoft.com/office/drawing/2010/main" val="0"/>
+              </a:ext>
+            </a:extLst>
+          </a:blip>
+          <a:stretch>
+            <a:fillRect/>
+          </a:stretch>
+        </p:blipFill>
+        <p:spPr>
+          <a:xfrm>
+            <a:off x="4112417" y="1943677"/>
+            <a:ext cx="4762500" cy="4762500"/>
+          </a:xfrm>
+          <a:prstGeom prst="rect">
+            <a:avLst/>
+          </a:prstGeom>
+        </p:spPr>
+      </p:pic>
+    </p:spTree>
+    <p:extLst>
+      <p:ext uri="{BB962C8B-B14F-4D97-AF65-F5344CB8AC3E}">
+        <p14:creationId xmlns:p14="http://schemas.microsoft.com/office/powerpoint/2010/main" val="2032507985"/>
+      </p:ext>
+    </p:extLst>
+  </p:cSld>
+  <p:clrMapOvr>
+    <a:masterClrMapping/>
+  </p:clrMapOvr>
+  <mc:AlternateContent xmlns:mc="http://schemas.openxmlformats.org/markup-compatibility/2006" xmlns:p14="http://schemas.microsoft.com/office/powerpoint/2010/main">
+    <mc:Choice Requires="p14">
+      <p:transition spd="slow" p14:dur="2000"/>
+    </mc:Choice>
+    <mc:Fallback xmlns="">
+      <p:transition spd="slow"/>
+    </mc:Fallback>
+  </mc:AlternateContent>
+  <p:timing>
+    <p:tnLst>
+      <p:par>
+        <p:cTn id="1" dur="indefinite" restart="never" nodeType="tmRoot"/>
+      </p:par>
+    </p:tnLst>
+  </p:timing>
+</p:sld>
+</file>
+
+<file path=ppt/slides/slide24.xml><?xml version="1.0" encoding="utf-8"?>
+<p:sld xmlns:a="http://schemas.openxmlformats.org/drawingml/2006/main" xmlns:r="http://schemas.openxmlformats.org/officeDocument/2006/relationships" xmlns:p="http://schemas.openxmlformats.org/presentationml/2006/main">
+  <p:cSld>
+    <p:spTree>
+      <p:nvGrpSpPr>
+        <p:cNvPr id="1" name=""/>
+        <p:cNvGrpSpPr/>
+        <p:nvPr/>
+      </p:nvGrpSpPr>
+      <p:grpSpPr>
+        <a:xfrm>
+          <a:off x="0" y="0"/>
+          <a:ext cx="0" cy="0"/>
+          <a:chOff x="0" y="0"/>
+          <a:chExt cx="0" cy="0"/>
+        </a:xfrm>
+      </p:grpSpPr>
+      <p:sp>
+        <p:nvSpPr>
+          <p:cNvPr id="2" name="Title 1"/>
+          <p:cNvSpPr>
+            <a:spLocks noGrp="1"/>
+          </p:cNvSpPr>
+          <p:nvPr>
+            <p:ph type="title"/>
+          </p:nvPr>
+        </p:nvSpPr>
+        <p:spPr/>
+        <p:txBody>
+          <a:bodyPr/>
+          <a:lstStyle/>
+          <a:p>
+            <a:r>
+              <a:rPr lang="en-US" dirty="0" smtClean="0"/>
+              <a:t>CSS</a:t>
+            </a:r>
+            <a:r>
+              <a:rPr lang="bg-BG" dirty="0"/>
+              <a:t> </a:t>
+            </a:r>
+            <a:r>
+              <a:rPr lang="bg-BG" dirty="0" smtClean="0"/>
+              <a:t>модификации с </a:t>
+            </a:r>
+            <a:r>
+              <a:rPr lang="en-US" dirty="0" smtClean="0"/>
+              <a:t>JS</a:t>
+            </a:r>
+            <a:endParaRPr lang="en-US" dirty="0"/>
+          </a:p>
+        </p:txBody>
+      </p:sp>
+      <p:sp>
+        <p:nvSpPr>
+          <p:cNvPr id="3" name="Content Placeholder 2"/>
+          <p:cNvSpPr>
+            <a:spLocks noGrp="1"/>
+          </p:cNvSpPr>
+          <p:nvPr>
+            <p:ph idx="1"/>
+          </p:nvPr>
+        </p:nvSpPr>
+        <p:spPr>
+          <a:xfrm>
+            <a:off x="1484310" y="2105891"/>
+            <a:ext cx="10018713" cy="2881745"/>
+          </a:xfrm>
+        </p:spPr>
+        <p:txBody>
+          <a:bodyPr/>
+          <a:lstStyle/>
+          <a:p>
+            <a:r>
+              <a:rPr lang="bg-BG" dirty="0" smtClean="0"/>
+              <a:t>Всеки </a:t>
+            </a:r>
+            <a:r>
+              <a:rPr lang="en-US" dirty="0" smtClean="0"/>
+              <a:t>HTML </a:t>
+            </a:r>
+            <a:r>
+              <a:rPr lang="bg-BG" dirty="0" smtClean="0"/>
+              <a:t>елемент има достъп до своя </a:t>
+            </a:r>
+            <a:r>
+              <a:rPr lang="en-US" i="1" dirty="0" smtClean="0">
+                <a:solidFill>
+                  <a:schemeClr val="accent6">
+                    <a:lumMod val="75000"/>
+                  </a:schemeClr>
+                </a:solidFill>
+              </a:rPr>
+              <a:t>style</a:t>
+            </a:r>
+            <a:r>
+              <a:rPr lang="en-US" dirty="0" smtClean="0"/>
+              <a:t> </a:t>
+            </a:r>
+            <a:r>
+              <a:rPr lang="bg-BG" dirty="0" smtClean="0"/>
+              <a:t>атрибут</a:t>
+            </a:r>
+          </a:p>
+          <a:p>
+            <a:r>
+              <a:rPr lang="bg-BG" dirty="0" smtClean="0"/>
+              <a:t>Стойността на </a:t>
+            </a:r>
+            <a:r>
+              <a:rPr lang="en-US" dirty="0" smtClean="0"/>
+              <a:t>style </a:t>
+            </a:r>
+            <a:r>
+              <a:rPr lang="bg-BG" dirty="0" smtClean="0"/>
+              <a:t>атрибута може да бъде презаписвана като се достъпват съответните </a:t>
+            </a:r>
+            <a:r>
+              <a:rPr lang="en-US" dirty="0" smtClean="0"/>
+              <a:t>CSS</a:t>
+            </a:r>
+            <a:r>
+              <a:rPr lang="bg-BG" dirty="0" smtClean="0"/>
+              <a:t> характериситики</a:t>
+            </a:r>
+          </a:p>
+          <a:p>
+            <a:r>
+              <a:rPr lang="bg-BG" i="1" dirty="0" smtClean="0">
+                <a:solidFill>
+                  <a:srgbClr val="FF0000"/>
+                </a:solidFill>
+              </a:rPr>
+              <a:t>Това прави т.нар. </a:t>
+            </a:r>
+            <a:r>
+              <a:rPr lang="en-US" i="1" dirty="0" smtClean="0">
+                <a:solidFill>
+                  <a:srgbClr val="FF0000"/>
+                </a:solidFill>
+              </a:rPr>
+              <a:t>Inline </a:t>
+            </a:r>
+            <a:r>
+              <a:rPr lang="bg-BG" i="1" dirty="0" smtClean="0">
+                <a:solidFill>
+                  <a:srgbClr val="FF0000"/>
+                </a:solidFill>
+              </a:rPr>
+              <a:t>стилове, които презаписват стиловете вложени в </a:t>
+            </a:r>
+            <a:r>
+              <a:rPr lang="en-US" i="1" dirty="0" smtClean="0">
+                <a:solidFill>
+                  <a:srgbClr val="FF0000"/>
+                </a:solidFill>
+              </a:rPr>
+              <a:t>CSS</a:t>
+            </a:r>
+            <a:r>
+              <a:rPr lang="bg-BG" i="1" dirty="0" smtClean="0">
+                <a:solidFill>
+                  <a:srgbClr val="FF0000"/>
+                </a:solidFill>
+              </a:rPr>
+              <a:t> файлове, затова трябва да се внимава</a:t>
+            </a:r>
+            <a:endParaRPr lang="en-US" i="1" dirty="0">
+              <a:solidFill>
+                <a:srgbClr val="FF0000"/>
+              </a:solidFill>
+            </a:endParaRPr>
+          </a:p>
+        </p:txBody>
+      </p:sp>
+      <p:sp>
+        <p:nvSpPr>
+          <p:cNvPr id="4" name="Text Placeholder 5"/>
+          <p:cNvSpPr txBox="1">
+            <a:spLocks/>
+          </p:cNvSpPr>
+          <p:nvPr/>
+        </p:nvSpPr>
+        <p:spPr>
+          <a:xfrm>
+            <a:off x="2388353" y="4858819"/>
+            <a:ext cx="8210625" cy="923330"/>
+          </a:xfrm>
+          <a:prstGeom prst="rect">
+            <a:avLst/>
+          </a:prstGeom>
+          <a:ln/>
+        </p:spPr>
+        <p:style>
+          <a:lnRef idx="0">
+            <a:schemeClr val="accent1"/>
+          </a:lnRef>
+          <a:fillRef idx="3">
+            <a:schemeClr val="accent1"/>
+          </a:fillRef>
+          <a:effectRef idx="3">
+            <a:schemeClr val="accent1"/>
+          </a:effectRef>
+          <a:fontRef idx="minor">
+            <a:schemeClr val="lt1"/>
+          </a:fontRef>
+        </p:style>
+        <p:txBody>
+          <a:bodyPr wrap="square">
+            <a:spAutoFit/>
+          </a:bodyPr>
+          <a:lstStyle>
+            <a:lvl1pPr indent="0" fontAlgn="base">
+              <a:spcBef>
+                <a:spcPts val="0"/>
+              </a:spcBef>
+              <a:spcAft>
+                <a:spcPct val="0"/>
+              </a:spcAft>
+              <a:buClr>
+                <a:schemeClr val="accent5">
+                  <a:lumMod val="40000"/>
+                  <a:lumOff val="60000"/>
+                </a:schemeClr>
+              </a:buClr>
+              <a:buSzPct val="70000"/>
+              <a:buFont typeface="Wingdings 2" pitchFamily="18" charset="2"/>
+              <a:buNone/>
+              <a:defRPr lang="en-US" sz="2000" b="1" smtClean="0">
+                <a:solidFill>
+                  <a:srgbClr val="8CF4F2"/>
+                </a:solidFill>
+                <a:effectLst>
+                  <a:outerShdw blurRad="38100" dist="38100" dir="2700000" algn="tl">
+                    <a:srgbClr val="000000">
+                      <a:alpha val="43137"/>
+                    </a:srgbClr>
+                  </a:outerShdw>
+                </a:effectLst>
+                <a:latin typeface="Consolas" pitchFamily="49" charset="0"/>
+                <a:cs typeface="Consolas" pitchFamily="49" charset="0"/>
+              </a:defRPr>
+            </a:lvl1pPr>
+            <a:lvl2pPr marL="630238" indent="-273050" fontAlgn="base">
+              <a:spcBef>
+                <a:spcPct val="20000"/>
+              </a:spcBef>
+              <a:spcAft>
+                <a:spcPct val="0"/>
+              </a:spcAft>
+              <a:buClr>
+                <a:schemeClr val="accent2">
+                  <a:lumMod val="60000"/>
+                  <a:lumOff val="40000"/>
+                </a:schemeClr>
+              </a:buClr>
+              <a:buFont typeface="Wingdings 2" pitchFamily="18" charset="2"/>
+              <a:buChar char=""/>
+              <a:defRPr sz="3000" b="1">
+                <a:solidFill>
+                  <a:schemeClr val="tx1">
+                    <a:lumMod val="20000"/>
+                    <a:lumOff val="80000"/>
+                  </a:schemeClr>
+                </a:solidFill>
+                <a:effectLst>
+                  <a:outerShdw blurRad="38100" dist="38100" dir="2700000" algn="tl">
+                    <a:srgbClr val="000000">
+                      <a:alpha val="43137"/>
+                    </a:srgbClr>
+                  </a:outerShdw>
+                </a:effectLst>
+              </a:defRPr>
+            </a:lvl2pPr>
+            <a:lvl3pPr marL="922338" indent="-273050" fontAlgn="base">
+              <a:spcBef>
+                <a:spcPct val="20000"/>
+              </a:spcBef>
+              <a:spcAft>
+                <a:spcPct val="0"/>
+              </a:spcAft>
+              <a:buClr>
+                <a:schemeClr val="tx1">
+                  <a:lumMod val="50000"/>
+                </a:schemeClr>
+              </a:buClr>
+              <a:buFont typeface="Wingdings 2" pitchFamily="18" charset="2"/>
+              <a:buChar char=""/>
+              <a:defRPr sz="2800" b="1">
+                <a:solidFill>
+                  <a:schemeClr val="tx1">
+                    <a:lumMod val="20000"/>
+                    <a:lumOff val="80000"/>
+                  </a:schemeClr>
+                </a:solidFill>
+                <a:effectLst>
+                  <a:outerShdw blurRad="38100" dist="38100" dir="2700000" algn="tl">
+                    <a:srgbClr val="000000">
+                      <a:alpha val="43137"/>
+                    </a:srgbClr>
+                  </a:outerShdw>
+                </a:effectLst>
+              </a:defRPr>
+            </a:lvl3pPr>
+            <a:lvl4pPr marL="1187450" indent="-228600" fontAlgn="base">
+              <a:spcBef>
+                <a:spcPct val="20000"/>
+              </a:spcBef>
+              <a:spcAft>
+                <a:spcPct val="0"/>
+              </a:spcAft>
+              <a:buClr>
+                <a:srgbClr val="F8BD52"/>
+              </a:buClr>
+              <a:buFont typeface="Wingdings 2" pitchFamily="18" charset="2"/>
+              <a:buChar char=""/>
+              <a:defRPr sz="2600" b="1">
+                <a:solidFill>
+                  <a:schemeClr val="tx1">
+                    <a:lumMod val="20000"/>
+                    <a:lumOff val="80000"/>
+                  </a:schemeClr>
+                </a:solidFill>
+                <a:effectLst>
+                  <a:outerShdw blurRad="38100" dist="38100" dir="2700000" algn="tl">
+                    <a:srgbClr val="000000">
+                      <a:alpha val="43137"/>
+                    </a:srgbClr>
+                  </a:outerShdw>
+                </a:effectLst>
+              </a:defRPr>
+            </a:lvl4pPr>
+            <a:lvl5pPr marL="1425575" indent="-228600" fontAlgn="base">
+              <a:spcBef>
+                <a:spcPct val="20000"/>
+              </a:spcBef>
+              <a:spcAft>
+                <a:spcPct val="0"/>
+              </a:spcAft>
+              <a:buClr>
+                <a:srgbClr val="46A6BD"/>
+              </a:buClr>
+              <a:buFont typeface="Wingdings 2" pitchFamily="18" charset="2"/>
+              <a:buChar char=""/>
+              <a:defRPr sz="2400" b="1">
+                <a:solidFill>
+                  <a:schemeClr val="tx1">
+                    <a:lumMod val="20000"/>
+                    <a:lumOff val="80000"/>
+                  </a:schemeClr>
+                </a:solidFill>
+                <a:effectLst>
+                  <a:outerShdw blurRad="38100" dist="38100" dir="2700000" algn="tl">
+                    <a:srgbClr val="000000">
+                      <a:alpha val="43137"/>
+                    </a:srgbClr>
+                  </a:outerShdw>
+                </a:effectLst>
+              </a:defRPr>
+            </a:lvl5pPr>
+            <a:lvl6pPr marL="1673352" indent="-228600">
+              <a:spcBef>
+                <a:spcPct val="20000"/>
+              </a:spcBef>
+              <a:buClr>
+                <a:schemeClr val="accent6"/>
+              </a:buClr>
+              <a:buFont typeface="Wingdings 2"/>
+              <a:buChar char=""/>
+            </a:lvl6pPr>
+            <a:lvl7pPr marL="1911096" indent="-228600">
+              <a:spcBef>
+                <a:spcPct val="20000"/>
+              </a:spcBef>
+              <a:buClr>
+                <a:schemeClr val="tx2"/>
+              </a:buClr>
+              <a:buFont typeface="Wingdings 2"/>
+              <a:buChar char=""/>
+              <a:defRPr sz="1600"/>
+            </a:lvl7pPr>
+            <a:lvl8pPr marL="2121408" indent="-182880">
+              <a:spcBef>
+                <a:spcPct val="20000"/>
+              </a:spcBef>
+              <a:buClr>
+                <a:schemeClr val="tx2"/>
+              </a:buClr>
+              <a:buFont typeface="Wingdings 2"/>
+              <a:buChar char=""/>
+              <a:defRPr sz="1400"/>
+            </a:lvl8pPr>
+            <a:lvl9pPr marL="2322576" indent="-182880">
+              <a:spcBef>
+                <a:spcPct val="20000"/>
+              </a:spcBef>
+              <a:buClr>
+                <a:schemeClr val="tx2"/>
+              </a:buClr>
+              <a:buFont typeface="Wingdings 2"/>
+              <a:buChar char=""/>
+              <a:defRPr sz="1400"/>
+            </a:lvl9pPr>
+          </a:lstStyle>
+          <a:p>
+            <a:r>
+              <a:rPr lang="en-US" sz="1800" b="0" dirty="0" err="1">
+                <a:effectLst/>
+              </a:rPr>
+              <a:t>var</a:t>
+            </a:r>
+            <a:r>
+              <a:rPr lang="en-US" sz="1800" b="0" dirty="0">
+                <a:effectLst/>
+              </a:rPr>
+              <a:t> div = </a:t>
+            </a:r>
+            <a:r>
+              <a:rPr lang="en-US" sz="1800" b="0" dirty="0" err="1">
+                <a:effectLst/>
+              </a:rPr>
+              <a:t>document.getElementById</a:t>
+            </a:r>
+            <a:r>
+              <a:rPr lang="en-US" sz="1800" b="0" dirty="0">
+                <a:effectLst/>
+              </a:rPr>
+              <a:t>("content"); </a:t>
+            </a:r>
+            <a:endParaRPr lang="bg-BG" sz="1800" b="0" dirty="0" smtClean="0">
+              <a:effectLst/>
+            </a:endParaRPr>
+          </a:p>
+          <a:p>
+            <a:r>
+              <a:rPr lang="en-US" sz="1800" b="0" dirty="0" err="1" smtClean="0">
+                <a:effectLst/>
+              </a:rPr>
+              <a:t>div.style.display</a:t>
+            </a:r>
+            <a:r>
+              <a:rPr lang="en-US" sz="1800" b="0" dirty="0" smtClean="0">
+                <a:effectLst/>
+              </a:rPr>
+              <a:t> </a:t>
+            </a:r>
+            <a:r>
+              <a:rPr lang="en-US" sz="1800" b="0" dirty="0">
+                <a:effectLst/>
+              </a:rPr>
+              <a:t>= "block"; </a:t>
+            </a:r>
+            <a:endParaRPr lang="bg-BG" sz="1800" b="0" dirty="0" smtClean="0">
+              <a:effectLst/>
+            </a:endParaRPr>
+          </a:p>
+          <a:p>
+            <a:r>
+              <a:rPr lang="en-US" sz="1800" b="0" dirty="0" err="1" smtClean="0">
+                <a:effectLst/>
+              </a:rPr>
+              <a:t>div.style.width</a:t>
+            </a:r>
+            <a:r>
+              <a:rPr lang="en-US" sz="1800" b="0" dirty="0" smtClean="0">
+                <a:effectLst/>
+              </a:rPr>
+              <a:t> </a:t>
+            </a:r>
+            <a:r>
+              <a:rPr lang="en-US" sz="1800" b="0" dirty="0">
+                <a:effectLst/>
+              </a:rPr>
+              <a:t>= "123px";</a:t>
+            </a:r>
+            <a:endParaRPr lang="en-US" sz="1800" dirty="0"/>
+          </a:p>
+        </p:txBody>
+      </p:sp>
+    </p:spTree>
+    <p:extLst>
+      <p:ext uri="{BB962C8B-B14F-4D97-AF65-F5344CB8AC3E}">
+        <p14:creationId xmlns:p14="http://schemas.microsoft.com/office/powerpoint/2010/main" val="4202513456"/>
+      </p:ext>
+    </p:extLst>
+  </p:cSld>
+  <p:clrMapOvr>
+    <a:masterClrMapping/>
+  </p:clrMapOvr>
+  <mc:AlternateContent xmlns:mc="http://schemas.openxmlformats.org/markup-compatibility/2006" xmlns:p14="http://schemas.microsoft.com/office/powerpoint/2010/main">
+    <mc:Choice Requires="p14">
+      <p:transition spd="slow" p14:dur="2000"/>
+    </mc:Choice>
+    <mc:Fallback xmlns="">
+      <p:transition spd="slow"/>
+    </mc:Fallback>
+  </mc:AlternateContent>
+  <p:timing>
+    <p:tnLst>
+      <p:par>
+        <p:cTn id="1" dur="indefinite" restart="never" nodeType="tmRoot"/>
+      </p:par>
+    </p:tnLst>
+  </p:timing>
+</p:sld>
+</file>
+
+<file path=ppt/slides/slide25.xml><?xml version="1.0" encoding="utf-8"?>
+<p:sld xmlns:a="http://schemas.openxmlformats.org/drawingml/2006/main" xmlns:r="http://schemas.openxmlformats.org/officeDocument/2006/relationships" xmlns:p="http://schemas.openxmlformats.org/presentationml/2006/main">
+  <p:cSld>
+    <p:spTree>
+      <p:nvGrpSpPr>
+        <p:cNvPr id="1" name=""/>
+        <p:cNvGrpSpPr/>
+        <p:nvPr/>
+      </p:nvGrpSpPr>
+      <p:grpSpPr>
+        <a:xfrm>
+          <a:off x="0" y="0"/>
+          <a:ext cx="0" cy="0"/>
+          <a:chOff x="0" y="0"/>
+          <a:chExt cx="0" cy="0"/>
+        </a:xfrm>
+      </p:grpSpPr>
+      <p:sp>
+        <p:nvSpPr>
+          <p:cNvPr id="6" name="Title 5"/>
+          <p:cNvSpPr>
+            <a:spLocks noGrp="1"/>
+          </p:cNvSpPr>
+          <p:nvPr>
+            <p:ph type="title"/>
+          </p:nvPr>
+        </p:nvSpPr>
+        <p:spPr>
+          <a:xfrm>
+            <a:off x="1484311" y="166256"/>
+            <a:ext cx="10018713" cy="2272144"/>
+          </a:xfrm>
+        </p:spPr>
+        <p:txBody>
+          <a:bodyPr/>
+          <a:lstStyle/>
+          <a:p>
+            <a:r>
+              <a:rPr lang="en-US" dirty="0"/>
+              <a:t>CSS</a:t>
+            </a:r>
+            <a:r>
+              <a:rPr lang="bg-BG" dirty="0"/>
+              <a:t> модификации с </a:t>
+            </a:r>
+            <a:r>
+              <a:rPr lang="en-US" dirty="0"/>
+              <a:t>JS</a:t>
+            </a:r>
+            <a:endParaRPr lang="en-US" i="1" dirty="0">
+              <a:solidFill>
+                <a:schemeClr val="accent6">
+                  <a:lumMod val="75000"/>
+                </a:schemeClr>
+              </a:solidFill>
+            </a:endParaRPr>
+          </a:p>
+        </p:txBody>
+      </p:sp>
+      <p:pic>
+        <p:nvPicPr>
+          <p:cNvPr id="7" name="Picture 6"/>
+          <p:cNvPicPr>
+            <a:picLocks noChangeAspect="1"/>
+          </p:cNvPicPr>
+          <p:nvPr/>
+        </p:nvPicPr>
+        <p:blipFill>
+          <a:blip r:embed="rId2">
+            <a:extLst>
+              <a:ext uri="{28A0092B-C50C-407E-A947-70E740481C1C}">
+                <a14:useLocalDpi xmlns:a14="http://schemas.microsoft.com/office/drawing/2010/main" val="0"/>
+              </a:ext>
+            </a:extLst>
+          </a:blip>
+          <a:stretch>
+            <a:fillRect/>
+          </a:stretch>
+        </p:blipFill>
+        <p:spPr>
+          <a:xfrm>
+            <a:off x="4112417" y="1943677"/>
+            <a:ext cx="4762500" cy="4762500"/>
+          </a:xfrm>
+          <a:prstGeom prst="rect">
+            <a:avLst/>
+          </a:prstGeom>
+        </p:spPr>
+      </p:pic>
+    </p:spTree>
+    <p:extLst>
+      <p:ext uri="{BB962C8B-B14F-4D97-AF65-F5344CB8AC3E}">
+        <p14:creationId xmlns:p14="http://schemas.microsoft.com/office/powerpoint/2010/main" val="2526830125"/>
+      </p:ext>
+    </p:extLst>
+  </p:cSld>
+  <p:clrMapOvr>
+    <a:masterClrMapping/>
+  </p:clrMapOvr>
+  <mc:AlternateContent xmlns:mc="http://schemas.openxmlformats.org/markup-compatibility/2006" xmlns:p14="http://schemas.microsoft.com/office/powerpoint/2010/main">
+    <mc:Choice Requires="p14">
+      <p:transition spd="slow" p14:dur="2000"/>
+    </mc:Choice>
+    <mc:Fallback xmlns="">
+      <p:transition spd="slow"/>
+    </mc:Fallback>
+  </mc:AlternateContent>
+  <p:timing>
+    <p:tnLst>
+      <p:par>
+        <p:cTn id="1" dur="indefinite" restart="never" nodeType="tmRoot"/>
+      </p:par>
+    </p:tnLst>
+  </p:timing>
+</p:sld>
+</file>
+
+<file path=ppt/slides/slide26.xml><?xml version="1.0" encoding="utf-8"?>
+<p:sld xmlns:a="http://schemas.openxmlformats.org/drawingml/2006/main" xmlns:r="http://schemas.openxmlformats.org/officeDocument/2006/relationships" xmlns:p="http://schemas.openxmlformats.org/presentationml/2006/main">
+  <p:cSld>
+    <p:spTree>
+      <p:nvGrpSpPr>
+        <p:cNvPr id="1" name=""/>
+        <p:cNvGrpSpPr/>
+        <p:nvPr/>
+      </p:nvGrpSpPr>
+      <p:grpSpPr>
+        <a:xfrm>
+          <a:off x="0" y="0"/>
+          <a:ext cx="0" cy="0"/>
+          <a:chOff x="0" y="0"/>
+          <a:chExt cx="0" cy="0"/>
+        </a:xfrm>
+      </p:grpSpPr>
       <p:pic>
         <p:nvPicPr>
           <p:cNvPr id="4" name="Content Placeholder 3"/>
@@ -13046,7 +16196,7 @@
 </p:sld>
 </file>
 
-<file path=ppt/slides/slide14.xml><?xml version="1.0" encoding="utf-8"?>
+<file path=ppt/slides/slide27.xml><?xml version="1.0" encoding="utf-8"?>
 <p:sld xmlns:a="http://schemas.openxmlformats.org/drawingml/2006/main" xmlns:r="http://schemas.openxmlformats.org/officeDocument/2006/relationships" xmlns:p="http://schemas.openxmlformats.org/presentationml/2006/main">
   <p:cSld>
     <p:spTree>
@@ -13181,203 +16331,6 @@
     <p:extLst>
       <p:ext uri="{BB962C8B-B14F-4D97-AF65-F5344CB8AC3E}">
         <p14:creationId xmlns:p14="http://schemas.microsoft.com/office/powerpoint/2010/main" val="2161688977"/>
-      </p:ext>
-    </p:extLst>
-  </p:cSld>
-  <p:clrMapOvr>
-    <a:masterClrMapping/>
-  </p:clrMapOvr>
-  <mc:AlternateContent xmlns:mc="http://schemas.openxmlformats.org/markup-compatibility/2006" xmlns:p14="http://schemas.microsoft.com/office/powerpoint/2010/main">
-    <mc:Choice Requires="p14">
-      <p:transition spd="slow" p14:dur="2000"/>
-    </mc:Choice>
-    <mc:Fallback xmlns="">
-      <p:transition spd="slow"/>
-    </mc:Fallback>
-  </mc:AlternateContent>
-  <p:timing>
-    <p:tnLst>
-      <p:par>
-        <p:cTn id="1" dur="indefinite" restart="never" nodeType="tmRoot"/>
-      </p:par>
-    </p:tnLst>
-  </p:timing>
-</p:sld>
-</file>
-
-<file path=ppt/slides/slide2.xml><?xml version="1.0" encoding="utf-8"?>
-<p:sld xmlns:a="http://schemas.openxmlformats.org/drawingml/2006/main" xmlns:r="http://schemas.openxmlformats.org/officeDocument/2006/relationships" xmlns:p="http://schemas.openxmlformats.org/presentationml/2006/main">
-  <p:cSld>
-    <p:spTree>
-      <p:nvGrpSpPr>
-        <p:cNvPr id="1" name=""/>
-        <p:cNvGrpSpPr/>
-        <p:nvPr/>
-      </p:nvGrpSpPr>
-      <p:grpSpPr>
-        <a:xfrm>
-          <a:off x="0" y="0"/>
-          <a:ext cx="0" cy="0"/>
-          <a:chOff x="0" y="0"/>
-          <a:chExt cx="0" cy="0"/>
-        </a:xfrm>
-      </p:grpSpPr>
-      <p:sp>
-        <p:nvSpPr>
-          <p:cNvPr id="2" name="Title 1"/>
-          <p:cNvSpPr>
-            <a:spLocks noGrp="1"/>
-          </p:cNvSpPr>
-          <p:nvPr>
-            <p:ph type="title"/>
-          </p:nvPr>
-        </p:nvSpPr>
-        <p:spPr/>
-        <p:txBody>
-          <a:bodyPr/>
-          <a:lstStyle/>
-          <a:p>
-            <a:r>
-              <a:rPr lang="bg-BG" dirty="0" smtClean="0"/>
-              <a:t>Какво е </a:t>
-            </a:r>
-            <a:r>
-              <a:rPr lang="en-US" dirty="0" smtClean="0"/>
-              <a:t>DOM</a:t>
-            </a:r>
-            <a:endParaRPr lang="en-US" dirty="0"/>
-          </a:p>
-        </p:txBody>
-      </p:sp>
-      <p:sp>
-        <p:nvSpPr>
-          <p:cNvPr id="3" name="Content Placeholder 2"/>
-          <p:cNvSpPr>
-            <a:spLocks noGrp="1"/>
-          </p:cNvSpPr>
-          <p:nvPr>
-            <p:ph sz="half" idx="1"/>
-          </p:nvPr>
-        </p:nvSpPr>
-        <p:spPr/>
-        <p:txBody>
-          <a:bodyPr/>
-          <a:lstStyle/>
-          <a:p>
-            <a:pPr algn="just"/>
-            <a:r>
-              <a:rPr lang="en-US" dirty="0" smtClean="0"/>
-              <a:t>DOM </a:t>
-            </a:r>
-            <a:r>
-              <a:rPr lang="bg-BG" dirty="0" smtClean="0"/>
-              <a:t>/</a:t>
-            </a:r>
-            <a:r>
-              <a:rPr lang="en-US" dirty="0" smtClean="0"/>
-              <a:t>document object model/ </a:t>
-            </a:r>
-            <a:r>
-              <a:rPr lang="bg-BG" dirty="0" smtClean="0"/>
-              <a:t>представлява дървовидна структура от елементите, които описват нашето съдържание /</a:t>
-            </a:r>
-            <a:r>
-              <a:rPr lang="en-US" dirty="0" smtClean="0"/>
-              <a:t>markup/</a:t>
-            </a:r>
-          </a:p>
-          <a:p>
-            <a:pPr algn="just"/>
-            <a:r>
-              <a:rPr lang="bg-BG" dirty="0" smtClean="0"/>
-              <a:t>Чрез </a:t>
-            </a:r>
-            <a:r>
-              <a:rPr lang="en-US" dirty="0" smtClean="0"/>
-              <a:t>DOM</a:t>
-            </a:r>
-            <a:r>
-              <a:rPr lang="bg-BG" dirty="0" smtClean="0"/>
-              <a:t> може да бъде достъпвано и променяно както съдържанието така и </a:t>
-            </a:r>
-            <a:r>
-              <a:rPr lang="en-US" dirty="0" smtClean="0"/>
-              <a:t>UI-a</a:t>
-            </a:r>
-          </a:p>
-          <a:p>
-            <a:pPr algn="just"/>
-            <a:r>
-              <a:rPr lang="en-US" dirty="0" smtClean="0"/>
-              <a:t>DOM </a:t>
-            </a:r>
-            <a:r>
-              <a:rPr lang="bg-BG" dirty="0" smtClean="0"/>
-              <a:t>е съвкупност от обекти,с които можем да манипулираме </a:t>
-            </a:r>
-            <a:r>
-              <a:rPr lang="en-US" dirty="0" smtClean="0"/>
-              <a:t>web</a:t>
-            </a:r>
-            <a:r>
-              <a:rPr lang="bg-BG" dirty="0" smtClean="0"/>
-              <a:t> страница</a:t>
-            </a:r>
-          </a:p>
-          <a:p>
-            <a:pPr algn="just"/>
-            <a:r>
-              <a:rPr lang="bg-BG" dirty="0" smtClean="0"/>
-              <a:t>Можем да използваме </a:t>
-            </a:r>
-            <a:r>
-              <a:rPr lang="en-US" dirty="0" smtClean="0"/>
-              <a:t>JS</a:t>
-            </a:r>
-            <a:r>
-              <a:rPr lang="bg-BG" dirty="0" smtClean="0"/>
-              <a:t>, за да достъпим </a:t>
-            </a:r>
-            <a:r>
-              <a:rPr lang="en-US" dirty="0" smtClean="0"/>
-              <a:t>DOM</a:t>
-            </a:r>
-            <a:r>
-              <a:rPr lang="bg-BG" dirty="0" smtClean="0"/>
-              <a:t>  обекта и да работим с него</a:t>
-            </a:r>
-          </a:p>
-        </p:txBody>
-      </p:sp>
-      <p:graphicFrame>
-        <p:nvGraphicFramePr>
-          <p:cNvPr id="5" name="Content Placeholder 4"/>
-          <p:cNvGraphicFramePr>
-            <a:graphicFrameLocks noGrp="1"/>
-          </p:cNvGraphicFramePr>
-          <p:nvPr>
-            <p:ph sz="half" idx="2"/>
-            <p:extLst>
-              <p:ext uri="{D42A27DB-BD31-4B8C-83A1-F6EECF244321}">
-                <p14:modId xmlns:p14="http://schemas.microsoft.com/office/powerpoint/2010/main" val="936937719"/>
-              </p:ext>
-            </p:extLst>
-          </p:nvPr>
-        </p:nvGraphicFramePr>
-        <p:xfrm>
-          <a:off x="6607175" y="2667000"/>
-          <a:ext cx="4895850" cy="3124200"/>
-        </p:xfrm>
-        <a:graphic>
-          <a:graphicData uri="http://schemas.openxmlformats.org/drawingml/2006/diagram">
-            <dgm:relIds xmlns:dgm="http://schemas.openxmlformats.org/drawingml/2006/diagram" xmlns:r="http://schemas.openxmlformats.org/officeDocument/2006/relationships" r:dm="rId2" r:lo="rId3" r:qs="rId4" r:cs="rId5"/>
-          </a:graphicData>
-        </a:graphic>
-      </p:graphicFrame>
-    </p:spTree>
-    <p:extLst>
-      <p:ext uri="{BB962C8B-B14F-4D97-AF65-F5344CB8AC3E}">
-        <p14:creationId xmlns:p14="http://schemas.microsoft.com/office/powerpoint/2010/main" val="3386868017"/>
       </p:ext>
     </p:extLst>
   </p:cSld>
@@ -16544,6 +19497,13 @@
       <p:transition spd="slow"/>
     </mc:Fallback>
   </mc:AlternateContent>
+  <p:timing>
+    <p:tnLst>
+      <p:par>
+        <p:cTn id="1" dur="indefinite" restart="never" nodeType="tmRoot"/>
+      </p:par>
+    </p:tnLst>
+  </p:timing>
 </p:sld>
 </file>
 

--- a/JS Fundamentals/9.DOM&CSS/DOM&CSS.pptx
+++ b/JS Fundamentals/9.DOM&CSS/DOM&CSS.pptx
@@ -5,10 +5,10 @@
     <p:sldMasterId id="2147484157" r:id="rId1"/>
   </p:sldMasterIdLst>
   <p:notesMasterIdLst>
-    <p:notesMasterId r:id="rId29"/>
+    <p:notesMasterId r:id="rId33"/>
   </p:notesMasterIdLst>
   <p:handoutMasterIdLst>
-    <p:handoutMasterId r:id="rId30"/>
+    <p:handoutMasterId r:id="rId34"/>
   </p:handoutMasterIdLst>
   <p:sldIdLst>
     <p:sldId id="256" r:id="rId2"/>
@@ -36,8 +36,12 @@
     <p:sldId id="369" r:id="rId24"/>
     <p:sldId id="370" r:id="rId25"/>
     <p:sldId id="371" r:id="rId26"/>
-    <p:sldId id="266" r:id="rId27"/>
-    <p:sldId id="278" r:id="rId28"/>
+    <p:sldId id="376" r:id="rId27"/>
+    <p:sldId id="372" r:id="rId28"/>
+    <p:sldId id="373" r:id="rId29"/>
+    <p:sldId id="375" r:id="rId30"/>
+    <p:sldId id="266" r:id="rId31"/>
+    <p:sldId id="278" r:id="rId32"/>
   </p:sldIdLst>
   <p:sldSz cx="12192000" cy="6858000"/>
   <p:notesSz cx="6858000" cy="9144000"/>
@@ -4368,7 +4372,7 @@
           <a:p>
             <a:fld id="{D10AF160-CD5A-4A77-96B0-C85B80371432}" type="datetimeFigureOut">
               <a:rPr lang="en-US" smtClean="0"/>
-              <a:t>18-May-16</a:t>
+              <a:t>19-May-16</a:t>
             </a:fld>
             <a:endParaRPr lang="en-US"/>
           </a:p>
@@ -4533,7 +4537,7 @@
           <a:p>
             <a:fld id="{F6A950C5-F15E-44EA-AF6A-22227443235C}" type="datetimeFigureOut">
               <a:rPr lang="en-US" smtClean="0"/>
-              <a:t>18-May-16</a:t>
+              <a:t>19-May-16</a:t>
             </a:fld>
             <a:endParaRPr lang="en-US"/>
           </a:p>
@@ -5306,7 +5310,7 @@
           <a:p>
             <a:fld id="{6F66794D-9D79-4AC5-96DA-597EA4BF2704}" type="datetimeFigureOut">
               <a:rPr lang="en-US" smtClean="0"/>
-              <a:t>18-May-16</a:t>
+              <a:t>19-May-16</a:t>
             </a:fld>
             <a:endParaRPr lang="en-US"/>
           </a:p>
@@ -5640,7 +5644,7 @@
           <a:p>
             <a:fld id="{6F66794D-9D79-4AC5-96DA-597EA4BF2704}" type="datetimeFigureOut">
               <a:rPr lang="en-US" smtClean="0"/>
-              <a:t>18-May-16</a:t>
+              <a:t>19-May-16</a:t>
             </a:fld>
             <a:endParaRPr lang="en-US"/>
           </a:p>
@@ -5896,7 +5900,7 @@
           <a:p>
             <a:fld id="{6F66794D-9D79-4AC5-96DA-597EA4BF2704}" type="datetimeFigureOut">
               <a:rPr lang="en-US" smtClean="0"/>
-              <a:t>18-May-16</a:t>
+              <a:t>19-May-16</a:t>
             </a:fld>
             <a:endParaRPr lang="en-US"/>
           </a:p>
@@ -6444,7 +6448,7 @@
           <a:p>
             <a:fld id="{6F66794D-9D79-4AC5-96DA-597EA4BF2704}" type="datetimeFigureOut">
               <a:rPr lang="en-US" smtClean="0"/>
-              <a:t>18-May-16</a:t>
+              <a:t>19-May-16</a:t>
             </a:fld>
             <a:endParaRPr lang="en-US"/>
           </a:p>
@@ -6700,7 +6704,7 @@
           <a:p>
             <a:fld id="{6F66794D-9D79-4AC5-96DA-597EA4BF2704}" type="datetimeFigureOut">
               <a:rPr lang="en-US" smtClean="0"/>
-              <a:t>18-May-16</a:t>
+              <a:t>19-May-16</a:t>
             </a:fld>
             <a:endParaRPr lang="en-US"/>
           </a:p>
@@ -7240,7 +7244,7 @@
           <a:p>
             <a:fld id="{6F66794D-9D79-4AC5-96DA-597EA4BF2704}" type="datetimeFigureOut">
               <a:rPr lang="en-US" smtClean="0"/>
-              <a:t>18-May-16</a:t>
+              <a:t>19-May-16</a:t>
             </a:fld>
             <a:endParaRPr lang="en-US"/>
           </a:p>
@@ -7545,7 +7549,7 @@
           <a:p>
             <a:fld id="{6F66794D-9D79-4AC5-96DA-597EA4BF2704}" type="datetimeFigureOut">
               <a:rPr lang="en-US" smtClean="0"/>
-              <a:t>18-May-16</a:t>
+              <a:t>19-May-16</a:t>
             </a:fld>
             <a:endParaRPr lang="en-US"/>
           </a:p>
@@ -7727,7 +7731,7 @@
           <a:p>
             <a:fld id="{6F66794D-9D79-4AC5-96DA-597EA4BF2704}" type="datetimeFigureOut">
               <a:rPr lang="en-US" smtClean="0"/>
-              <a:t>18-May-16</a:t>
+              <a:t>19-May-16</a:t>
             </a:fld>
             <a:endParaRPr lang="en-US"/>
           </a:p>
@@ -7915,7 +7919,7 @@
           <a:p>
             <a:fld id="{6F66794D-9D79-4AC5-96DA-597EA4BF2704}" type="datetimeFigureOut">
               <a:rPr lang="en-US" smtClean="0"/>
-              <a:t>18-May-16</a:t>
+              <a:t>19-May-16</a:t>
             </a:fld>
             <a:endParaRPr lang="en-US"/>
           </a:p>
@@ -8093,7 +8097,7 @@
           <a:p>
             <a:fld id="{6F66794D-9D79-4AC5-96DA-597EA4BF2704}" type="datetimeFigureOut">
               <a:rPr lang="en-US" smtClean="0"/>
-              <a:t>18-May-16</a:t>
+              <a:t>19-May-16</a:t>
             </a:fld>
             <a:endParaRPr lang="en-US"/>
           </a:p>
@@ -8382,7 +8386,7 @@
           <a:p>
             <a:fld id="{6F66794D-9D79-4AC5-96DA-597EA4BF2704}" type="datetimeFigureOut">
               <a:rPr lang="en-US" smtClean="0"/>
-              <a:t>18-May-16</a:t>
+              <a:t>19-May-16</a:t>
             </a:fld>
             <a:endParaRPr lang="en-US"/>
           </a:p>
@@ -8687,7 +8691,7 @@
           <a:p>
             <a:fld id="{6F66794D-9D79-4AC5-96DA-597EA4BF2704}" type="datetimeFigureOut">
               <a:rPr lang="en-US" smtClean="0"/>
-              <a:t>18-May-16</a:t>
+              <a:t>19-May-16</a:t>
             </a:fld>
             <a:endParaRPr lang="en-US"/>
           </a:p>
@@ -9167,7 +9171,7 @@
           <a:p>
             <a:fld id="{6F66794D-9D79-4AC5-96DA-597EA4BF2704}" type="datetimeFigureOut">
               <a:rPr lang="en-US" smtClean="0"/>
-              <a:t>18-May-16</a:t>
+              <a:t>19-May-16</a:t>
             </a:fld>
             <a:endParaRPr lang="en-US"/>
           </a:p>
@@ -9323,7 +9327,7 @@
           <a:p>
             <a:fld id="{6F66794D-9D79-4AC5-96DA-597EA4BF2704}" type="datetimeFigureOut">
               <a:rPr lang="en-US" smtClean="0"/>
-              <a:t>18-May-16</a:t>
+              <a:t>19-May-16</a:t>
             </a:fld>
             <a:endParaRPr lang="en-US"/>
           </a:p>
@@ -9426,7 +9430,7 @@
           <a:p>
             <a:fld id="{6F66794D-9D79-4AC5-96DA-597EA4BF2704}" type="datetimeFigureOut">
               <a:rPr lang="en-US" smtClean="0"/>
-              <a:t>18-May-16</a:t>
+              <a:t>19-May-16</a:t>
             </a:fld>
             <a:endParaRPr lang="en-US"/>
           </a:p>
@@ -9717,7 +9721,7 @@
           <a:p>
             <a:fld id="{6F66794D-9D79-4AC5-96DA-597EA4BF2704}" type="datetimeFigureOut">
               <a:rPr lang="en-US" smtClean="0"/>
-              <a:t>18-May-16</a:t>
+              <a:t>19-May-16</a:t>
             </a:fld>
             <a:endParaRPr lang="en-US"/>
           </a:p>
@@ -10016,7 +10020,7 @@
           <a:p>
             <a:fld id="{6F66794D-9D79-4AC5-96DA-597EA4BF2704}" type="datetimeFigureOut">
               <a:rPr lang="en-US" smtClean="0"/>
-              <a:t>18-May-16</a:t>
+              <a:t>19-May-16</a:t>
             </a:fld>
             <a:endParaRPr lang="en-US"/>
           </a:p>
@@ -10554,7 +10558,7 @@
           <a:p>
             <a:fld id="{6F66794D-9D79-4AC5-96DA-597EA4BF2704}" type="datetimeFigureOut">
               <a:rPr lang="en-US" smtClean="0"/>
-              <a:t>18-May-16</a:t>
+              <a:t>19-May-16</a:t>
             </a:fld>
             <a:endParaRPr lang="en-US"/>
           </a:p>
@@ -16139,6 +16143,1317 @@
           <a:chExt cx="0" cy="0"/>
         </a:xfrm>
       </p:grpSpPr>
+      <p:sp>
+        <p:nvSpPr>
+          <p:cNvPr id="2" name="Title 1"/>
+          <p:cNvSpPr>
+            <a:spLocks noGrp="1"/>
+          </p:cNvSpPr>
+          <p:nvPr>
+            <p:ph type="title"/>
+          </p:nvPr>
+        </p:nvSpPr>
+        <p:spPr/>
+        <p:txBody>
+          <a:bodyPr/>
+          <a:lstStyle/>
+          <a:p>
+            <a:r>
+              <a:rPr lang="ru-RU" dirty="0"/>
+              <a:t>Оптимизация и производителнност на операции върху </a:t>
+            </a:r>
+            <a:r>
+              <a:rPr lang="en-US" dirty="0"/>
+              <a:t>HTML </a:t>
+            </a:r>
+            <a:r>
+              <a:rPr lang="bg-BG" dirty="0"/>
+              <a:t>елементи</a:t>
+            </a:r>
+            <a:endParaRPr lang="en-US" dirty="0"/>
+          </a:p>
+        </p:txBody>
+      </p:sp>
+      <p:sp>
+        <p:nvSpPr>
+          <p:cNvPr id="3" name="Content Placeholder 2"/>
+          <p:cNvSpPr>
+            <a:spLocks noGrp="1"/>
+          </p:cNvSpPr>
+          <p:nvPr>
+            <p:ph idx="1"/>
+          </p:nvPr>
+        </p:nvSpPr>
+        <p:spPr>
+          <a:xfrm>
+            <a:off x="1484310" y="2666999"/>
+            <a:ext cx="10018713" cy="3632201"/>
+          </a:xfrm>
+        </p:spPr>
+        <p:txBody>
+          <a:bodyPr>
+            <a:normAutofit fontScale="85000" lnSpcReduction="20000"/>
+          </a:bodyPr>
+          <a:lstStyle/>
+          <a:p>
+            <a:r>
+              <a:rPr lang="bg-BG" dirty="0" smtClean="0"/>
+              <a:t>Създаването на </a:t>
+            </a:r>
+            <a:r>
+              <a:rPr lang="en-US" dirty="0" smtClean="0"/>
+              <a:t>DOM </a:t>
+            </a:r>
+            <a:r>
+              <a:rPr lang="bg-BG" dirty="0" smtClean="0"/>
+              <a:t>елементи е бавна операция</a:t>
+            </a:r>
+          </a:p>
+          <a:p>
+            <a:pPr lvl="1"/>
+            <a:r>
+              <a:rPr lang="bg-BG" dirty="0" smtClean="0"/>
+              <a:t>Създаваме елемент</a:t>
+            </a:r>
+          </a:p>
+          <a:p>
+            <a:pPr lvl="1"/>
+            <a:r>
+              <a:rPr lang="bg-BG" dirty="0" smtClean="0"/>
+              <a:t>Задаваме съдържание</a:t>
+            </a:r>
+          </a:p>
+          <a:p>
+            <a:pPr lvl="1"/>
+            <a:r>
+              <a:rPr lang="bg-BG" dirty="0" smtClean="0"/>
+              <a:t>Задаваме стилове</a:t>
+            </a:r>
+          </a:p>
+          <a:p>
+            <a:pPr lvl="1"/>
+            <a:r>
+              <a:rPr lang="bg-BG" dirty="0" smtClean="0"/>
+              <a:t>Задавме атрибути</a:t>
+            </a:r>
+          </a:p>
+          <a:p>
+            <a:r>
+              <a:rPr lang="bg-BG" dirty="0" smtClean="0"/>
+              <a:t>Ако трябва да създадем много елементи с обща структура и малко разлика това е проблем</a:t>
+            </a:r>
+          </a:p>
+          <a:p>
+            <a:pPr lvl="1"/>
+            <a:r>
+              <a:rPr lang="bg-BG" dirty="0" smtClean="0"/>
+              <a:t>Вместо всеки път да създаваме нов елемент, може да използваме </a:t>
+            </a:r>
+            <a:r>
+              <a:rPr lang="en-US" i="1" dirty="0" smtClean="0">
+                <a:solidFill>
+                  <a:schemeClr val="accent6">
+                    <a:lumMod val="75000"/>
+                  </a:schemeClr>
+                </a:solidFill>
+                <a:hlinkClick r:id="rId2"/>
+              </a:rPr>
+              <a:t>cloneNode(deep)</a:t>
+            </a:r>
+            <a:r>
+              <a:rPr lang="en-US" dirty="0" smtClean="0"/>
+              <a:t>, </a:t>
+            </a:r>
+            <a:r>
+              <a:rPr lang="bg-BG" dirty="0" smtClean="0"/>
+              <a:t>което ще ни направи дълбоко копие на елемента</a:t>
+            </a:r>
+            <a:endParaRPr lang="en-US" dirty="0" smtClean="0"/>
+          </a:p>
+          <a:p>
+            <a:pPr lvl="1"/>
+            <a:r>
+              <a:rPr lang="en-US" i="1" dirty="0" smtClean="0">
+                <a:solidFill>
+                  <a:schemeClr val="accent6">
+                    <a:lumMod val="75000"/>
+                  </a:schemeClr>
+                </a:solidFill>
+              </a:rPr>
+              <a:t>deep</a:t>
+            </a:r>
+            <a:r>
+              <a:rPr lang="en-US" dirty="0" smtClean="0">
+                <a:solidFill>
+                  <a:schemeClr val="accent6">
+                    <a:lumMod val="75000"/>
+                  </a:schemeClr>
+                </a:solidFill>
+              </a:rPr>
+              <a:t> </a:t>
+            </a:r>
+            <a:r>
+              <a:rPr lang="bg-BG" dirty="0" smtClean="0"/>
+              <a:t>може да бъде </a:t>
+            </a:r>
+            <a:r>
+              <a:rPr lang="en-US" i="1" dirty="0" smtClean="0">
+                <a:solidFill>
+                  <a:schemeClr val="accent6">
+                    <a:lumMod val="75000"/>
+                  </a:schemeClr>
+                </a:solidFill>
+              </a:rPr>
+              <a:t>true</a:t>
+            </a:r>
+            <a:r>
+              <a:rPr lang="en-US" dirty="0" smtClean="0">
+                <a:solidFill>
+                  <a:schemeClr val="accent6">
+                    <a:lumMod val="75000"/>
+                  </a:schemeClr>
+                </a:solidFill>
+              </a:rPr>
+              <a:t> </a:t>
+            </a:r>
+            <a:r>
+              <a:rPr lang="bg-BG" dirty="0" smtClean="0"/>
+              <a:t>или </a:t>
+            </a:r>
+            <a:r>
+              <a:rPr lang="en-US" i="1" dirty="0" smtClean="0">
+                <a:solidFill>
+                  <a:schemeClr val="accent6">
+                    <a:lumMod val="75000"/>
+                  </a:schemeClr>
+                </a:solidFill>
+              </a:rPr>
+              <a:t>false</a:t>
+            </a:r>
+            <a:r>
+              <a:rPr lang="en-US" dirty="0" smtClean="0"/>
+              <a:t>,</a:t>
+            </a:r>
+            <a:r>
+              <a:rPr lang="bg-BG" dirty="0" smtClean="0"/>
+              <a:t> като ако е </a:t>
+            </a:r>
+            <a:r>
+              <a:rPr lang="en-US" i="1" dirty="0" smtClean="0">
+                <a:solidFill>
+                  <a:schemeClr val="accent6">
+                    <a:lumMod val="75000"/>
+                  </a:schemeClr>
+                </a:solidFill>
+              </a:rPr>
+              <a:t>false</a:t>
+            </a:r>
+            <a:r>
+              <a:rPr lang="bg-BG" dirty="0" smtClean="0">
+                <a:solidFill>
+                  <a:schemeClr val="accent6">
+                    <a:lumMod val="75000"/>
+                  </a:schemeClr>
+                </a:solidFill>
+              </a:rPr>
+              <a:t> </a:t>
+            </a:r>
+            <a:r>
+              <a:rPr lang="bg-BG" dirty="0" smtClean="0"/>
+              <a:t>то децата /</a:t>
+            </a:r>
+            <a:r>
+              <a:rPr lang="en-US" dirty="0" smtClean="0"/>
+              <a:t>child nodes</a:t>
+            </a:r>
+            <a:r>
+              <a:rPr lang="bg-BG" dirty="0" smtClean="0"/>
+              <a:t>/ няма да бъдат копирани</a:t>
+            </a:r>
+          </a:p>
+          <a:p>
+            <a:pPr lvl="1"/>
+            <a:r>
+              <a:rPr lang="en-US" dirty="0" err="1">
+                <a:solidFill>
+                  <a:schemeClr val="accent6">
+                    <a:lumMod val="75000"/>
+                  </a:schemeClr>
+                </a:solidFill>
+              </a:rPr>
+              <a:t>var</a:t>
+            </a:r>
+            <a:r>
+              <a:rPr lang="en-US" dirty="0">
+                <a:solidFill>
+                  <a:schemeClr val="accent6">
+                    <a:lumMod val="75000"/>
+                  </a:schemeClr>
+                </a:solidFill>
+              </a:rPr>
+              <a:t> </a:t>
+            </a:r>
+            <a:r>
+              <a:rPr lang="en-US" dirty="0" err="1">
+                <a:solidFill>
+                  <a:schemeClr val="accent6">
+                    <a:lumMod val="75000"/>
+                  </a:schemeClr>
+                </a:solidFill>
+              </a:rPr>
+              <a:t>clonedNode</a:t>
+            </a:r>
+            <a:r>
+              <a:rPr lang="en-US" dirty="0">
+                <a:solidFill>
+                  <a:schemeClr val="accent6">
+                    <a:lumMod val="75000"/>
+                  </a:schemeClr>
+                </a:solidFill>
+              </a:rPr>
+              <a:t> = </a:t>
+            </a:r>
+            <a:r>
+              <a:rPr lang="en-US" dirty="0" err="1">
+                <a:solidFill>
+                  <a:schemeClr val="accent6">
+                    <a:lumMod val="75000"/>
+                  </a:schemeClr>
+                </a:solidFill>
+              </a:rPr>
+              <a:t>someElement.cloneNode</a:t>
+            </a:r>
+            <a:r>
+              <a:rPr lang="en-US" dirty="0">
+                <a:solidFill>
+                  <a:schemeClr val="accent6">
+                    <a:lumMod val="75000"/>
+                  </a:schemeClr>
+                </a:solidFill>
+              </a:rPr>
+              <a:t>(true</a:t>
+            </a:r>
+            <a:r>
+              <a:rPr lang="en-US" dirty="0" smtClean="0">
+                <a:solidFill>
+                  <a:schemeClr val="accent6">
+                    <a:lumMod val="75000"/>
+                  </a:schemeClr>
+                </a:solidFill>
+              </a:rPr>
+              <a:t>)</a:t>
+            </a:r>
+            <a:r>
+              <a:rPr lang="bg-BG" dirty="0" smtClean="0">
+                <a:solidFill>
+                  <a:schemeClr val="accent6">
+                    <a:lumMod val="75000"/>
+                  </a:schemeClr>
+                </a:solidFill>
+              </a:rPr>
+              <a:t>;</a:t>
+            </a:r>
+            <a:endParaRPr lang="en-US" b="1" dirty="0">
+              <a:solidFill>
+                <a:schemeClr val="accent6">
+                  <a:lumMod val="75000"/>
+                </a:schemeClr>
+              </a:solidFill>
+            </a:endParaRPr>
+          </a:p>
+        </p:txBody>
+      </p:sp>
+    </p:spTree>
+    <p:extLst>
+      <p:ext uri="{BB962C8B-B14F-4D97-AF65-F5344CB8AC3E}">
+        <p14:creationId xmlns:p14="http://schemas.microsoft.com/office/powerpoint/2010/main" val="1060955793"/>
+      </p:ext>
+    </p:extLst>
+  </p:cSld>
+  <p:clrMapOvr>
+    <a:masterClrMapping/>
+  </p:clrMapOvr>
+  <mc:AlternateContent xmlns:mc="http://schemas.openxmlformats.org/markup-compatibility/2006" xmlns:p14="http://schemas.microsoft.com/office/powerpoint/2010/main">
+    <mc:Choice Requires="p14">
+      <p:transition spd="slow" p14:dur="2000"/>
+    </mc:Choice>
+    <mc:Fallback xmlns="">
+      <p:transition spd="slow"/>
+    </mc:Fallback>
+  </mc:AlternateContent>
+</p:sld>
+</file>
+
+<file path=ppt/slides/slide27.xml><?xml version="1.0" encoding="utf-8"?>
+<p:sld xmlns:a="http://schemas.openxmlformats.org/drawingml/2006/main" xmlns:r="http://schemas.openxmlformats.org/officeDocument/2006/relationships" xmlns:p="http://schemas.openxmlformats.org/presentationml/2006/main">
+  <p:cSld>
+    <p:spTree>
+      <p:nvGrpSpPr>
+        <p:cNvPr id="1" name=""/>
+        <p:cNvGrpSpPr/>
+        <p:nvPr/>
+      </p:nvGrpSpPr>
+      <p:grpSpPr>
+        <a:xfrm>
+          <a:off x="0" y="0"/>
+          <a:ext cx="0" cy="0"/>
+          <a:chOff x="0" y="0"/>
+          <a:chExt cx="0" cy="0"/>
+        </a:xfrm>
+      </p:grpSpPr>
+      <p:sp>
+        <p:nvSpPr>
+          <p:cNvPr id="3" name="Title 2"/>
+          <p:cNvSpPr>
+            <a:spLocks noGrp="1"/>
+          </p:cNvSpPr>
+          <p:nvPr>
+            <p:ph type="title"/>
+          </p:nvPr>
+        </p:nvSpPr>
+        <p:spPr/>
+        <p:txBody>
+          <a:bodyPr/>
+          <a:lstStyle/>
+          <a:p>
+            <a:r>
+              <a:rPr lang="bg-BG" dirty="0"/>
+              <a:t>Оптимизация и производителнност на операции върху </a:t>
+            </a:r>
+            <a:r>
+              <a:rPr lang="en-US" dirty="0"/>
+              <a:t>HTML </a:t>
+            </a:r>
+            <a:r>
+              <a:rPr lang="bg-BG" dirty="0"/>
+              <a:t>елементи</a:t>
+            </a:r>
+            <a:endParaRPr lang="en-US" dirty="0"/>
+          </a:p>
+        </p:txBody>
+      </p:sp>
+      <p:sp>
+        <p:nvSpPr>
+          <p:cNvPr id="4" name="Content Placeholder 3"/>
+          <p:cNvSpPr>
+            <a:spLocks noGrp="1"/>
+          </p:cNvSpPr>
+          <p:nvPr>
+            <p:ph idx="1"/>
+          </p:nvPr>
+        </p:nvSpPr>
+        <p:spPr/>
+        <p:txBody>
+          <a:bodyPr>
+            <a:normAutofit lnSpcReduction="10000"/>
+          </a:bodyPr>
+          <a:lstStyle/>
+          <a:p>
+            <a:r>
+              <a:rPr lang="bg-BG" dirty="0" smtClean="0"/>
+              <a:t>Добавянето на елементи към </a:t>
+            </a:r>
+            <a:r>
+              <a:rPr lang="en-US" dirty="0" smtClean="0"/>
+              <a:t>DOM </a:t>
+            </a:r>
+            <a:r>
+              <a:rPr lang="bg-BG" dirty="0" smtClean="0"/>
+              <a:t>дървото е доста бавна операция</a:t>
+            </a:r>
+          </a:p>
+          <a:p>
+            <a:pPr lvl="1"/>
+            <a:r>
+              <a:rPr lang="bg-BG" dirty="0" smtClean="0"/>
+              <a:t>След всяко добавяне</a:t>
+            </a:r>
+            <a:r>
+              <a:rPr lang="en-US" dirty="0"/>
+              <a:t> </a:t>
+            </a:r>
+            <a:r>
+              <a:rPr lang="en-US" dirty="0" smtClean="0"/>
+              <a:t>DOM</a:t>
+            </a:r>
+            <a:r>
+              <a:rPr lang="bg-BG" dirty="0" smtClean="0"/>
+              <a:t> дървото се рендерира наново</a:t>
+            </a:r>
+          </a:p>
+          <a:p>
+            <a:pPr lvl="1"/>
+            <a:r>
+              <a:rPr lang="bg-BG" dirty="0" smtClean="0"/>
+              <a:t>Ако добавим много нови елементи директно към </a:t>
+            </a:r>
+            <a:r>
+              <a:rPr lang="en-US" dirty="0" smtClean="0"/>
+              <a:t>DOM </a:t>
+            </a:r>
+            <a:r>
+              <a:rPr lang="bg-BG" dirty="0" smtClean="0"/>
+              <a:t>дървото, то те ще се добавят 1 по  1 и след всеки ще се рендерира наново </a:t>
+            </a:r>
+            <a:r>
+              <a:rPr lang="en-US" dirty="0" smtClean="0"/>
+              <a:t>DOM </a:t>
+            </a:r>
+            <a:r>
+              <a:rPr lang="bg-BG" dirty="0" smtClean="0"/>
+              <a:t>дървото</a:t>
+            </a:r>
+          </a:p>
+          <a:p>
+            <a:r>
+              <a:rPr lang="bg-BG" dirty="0" smtClean="0"/>
+              <a:t>Можем да използваме </a:t>
+            </a:r>
+            <a:r>
+              <a:rPr lang="en-US" i="1" dirty="0" err="1" smtClean="0">
+                <a:solidFill>
+                  <a:schemeClr val="accent6">
+                    <a:lumMod val="75000"/>
+                  </a:schemeClr>
+                </a:solidFill>
+              </a:rPr>
+              <a:t>DocumentFragment</a:t>
+            </a:r>
+            <a:endParaRPr lang="bg-BG" i="1" dirty="0">
+              <a:solidFill>
+                <a:schemeClr val="accent6">
+                  <a:lumMod val="75000"/>
+                </a:schemeClr>
+              </a:solidFill>
+            </a:endParaRPr>
+          </a:p>
+          <a:p>
+            <a:pPr lvl="1"/>
+            <a:r>
+              <a:rPr lang="bg-BG" dirty="0" smtClean="0"/>
+              <a:t>Виртуален </a:t>
+            </a:r>
+            <a:r>
+              <a:rPr lang="en-US" dirty="0" smtClean="0"/>
+              <a:t>DOM </a:t>
+            </a:r>
+            <a:r>
+              <a:rPr lang="bg-BG" dirty="0" smtClean="0"/>
+              <a:t>ел</a:t>
+            </a:r>
+            <a:r>
+              <a:rPr lang="en-US" dirty="0" smtClean="0"/>
+              <a:t>e</a:t>
+            </a:r>
+            <a:r>
+              <a:rPr lang="bg-BG" dirty="0" smtClean="0"/>
+              <a:t>мент, без родител</a:t>
+            </a:r>
+          </a:p>
+          <a:p>
+            <a:pPr lvl="1"/>
+            <a:r>
+              <a:rPr lang="bg-BG" dirty="0" smtClean="0"/>
+              <a:t>Използва се за да бъдат прикрепени към всичики нови</a:t>
+            </a:r>
+            <a:r>
+              <a:rPr lang="en-US" dirty="0" smtClean="0"/>
+              <a:t> HTML </a:t>
+            </a:r>
+            <a:r>
+              <a:rPr lang="bg-BG" dirty="0" smtClean="0"/>
+              <a:t>елементи, които да се добавят към </a:t>
+            </a:r>
+            <a:r>
+              <a:rPr lang="en-US" dirty="0" smtClean="0"/>
+              <a:t>DOM </a:t>
+            </a:r>
+            <a:r>
+              <a:rPr lang="bg-BG" dirty="0" smtClean="0"/>
+              <a:t>дървото наведнъж чрез въпросния фрагмент</a:t>
+            </a:r>
+            <a:endParaRPr lang="en-US" dirty="0"/>
+          </a:p>
+        </p:txBody>
+      </p:sp>
+    </p:spTree>
+    <p:extLst>
+      <p:ext uri="{BB962C8B-B14F-4D97-AF65-F5344CB8AC3E}">
+        <p14:creationId xmlns:p14="http://schemas.microsoft.com/office/powerpoint/2010/main" val="1994924934"/>
+      </p:ext>
+    </p:extLst>
+  </p:cSld>
+  <p:clrMapOvr>
+    <a:masterClrMapping/>
+  </p:clrMapOvr>
+  <mc:AlternateContent xmlns:mc="http://schemas.openxmlformats.org/markup-compatibility/2006" xmlns:p14="http://schemas.microsoft.com/office/powerpoint/2010/main">
+    <mc:Choice Requires="p14">
+      <p:transition spd="slow" p14:dur="2000"/>
+    </mc:Choice>
+    <mc:Fallback xmlns="">
+      <p:transition spd="slow"/>
+    </mc:Fallback>
+  </mc:AlternateContent>
+</p:sld>
+</file>
+
+<file path=ppt/slides/slide28.xml><?xml version="1.0" encoding="utf-8"?>
+<p:sld xmlns:a="http://schemas.openxmlformats.org/drawingml/2006/main" xmlns:r="http://schemas.openxmlformats.org/officeDocument/2006/relationships" xmlns:p="http://schemas.openxmlformats.org/presentationml/2006/main">
+  <p:cSld>
+    <p:spTree>
+      <p:nvGrpSpPr>
+        <p:cNvPr id="1" name=""/>
+        <p:cNvGrpSpPr/>
+        <p:nvPr/>
+      </p:nvGrpSpPr>
+      <p:grpSpPr>
+        <a:xfrm>
+          <a:off x="0" y="0"/>
+          <a:ext cx="0" cy="0"/>
+          <a:chOff x="0" y="0"/>
+          <a:chExt cx="0" cy="0"/>
+        </a:xfrm>
+      </p:grpSpPr>
+      <p:sp>
+        <p:nvSpPr>
+          <p:cNvPr id="3" name="Title 2"/>
+          <p:cNvSpPr>
+            <a:spLocks noGrp="1"/>
+          </p:cNvSpPr>
+          <p:nvPr>
+            <p:ph type="title"/>
+          </p:nvPr>
+        </p:nvSpPr>
+        <p:spPr/>
+        <p:txBody>
+          <a:bodyPr/>
+          <a:lstStyle/>
+          <a:p>
+            <a:r>
+              <a:rPr lang="bg-BG" dirty="0" smtClean="0"/>
+              <a:t>Оптимизация и производителнност на операции върху </a:t>
+            </a:r>
+            <a:r>
+              <a:rPr lang="en-US" dirty="0" smtClean="0"/>
+              <a:t>HTML </a:t>
+            </a:r>
+            <a:r>
+              <a:rPr lang="bg-BG" dirty="0" smtClean="0"/>
+              <a:t>елементи</a:t>
+            </a:r>
+            <a:endParaRPr lang="en-US" dirty="0"/>
+          </a:p>
+        </p:txBody>
+      </p:sp>
+      <p:sp>
+        <p:nvSpPr>
+          <p:cNvPr id="4" name="Content Placeholder 3"/>
+          <p:cNvSpPr>
+            <a:spLocks noGrp="1"/>
+          </p:cNvSpPr>
+          <p:nvPr>
+            <p:ph idx="1"/>
+          </p:nvPr>
+        </p:nvSpPr>
+        <p:spPr/>
+        <p:txBody>
+          <a:bodyPr>
+            <a:normAutofit/>
+          </a:bodyPr>
+          <a:lstStyle/>
+          <a:p>
+            <a:r>
+              <a:rPr lang="bg-BG" dirty="0" smtClean="0"/>
+              <a:t>Добре е да се кешират </a:t>
+            </a:r>
+            <a:r>
+              <a:rPr lang="en-US" dirty="0" err="1" smtClean="0"/>
+              <a:t>NodeList</a:t>
+            </a:r>
+            <a:r>
+              <a:rPr lang="en-US" dirty="0" smtClean="0"/>
+              <a:t>-</a:t>
+            </a:r>
+            <a:r>
+              <a:rPr lang="bg-BG" dirty="0" smtClean="0"/>
+              <a:t>овете, които получаваме , когато използваме </a:t>
+            </a:r>
+            <a:r>
+              <a:rPr lang="en-US" i="1" dirty="0" err="1" smtClean="0">
+                <a:solidFill>
+                  <a:schemeClr val="accent6">
+                    <a:lumMod val="75000"/>
+                  </a:schemeClr>
+                </a:solidFill>
+              </a:rPr>
+              <a:t>getElementByXXX</a:t>
+            </a:r>
+            <a:r>
+              <a:rPr lang="en-US" i="1" dirty="0" smtClean="0">
+                <a:solidFill>
+                  <a:schemeClr val="accent6">
+                    <a:lumMod val="75000"/>
+                  </a:schemeClr>
+                </a:solidFill>
+              </a:rPr>
+              <a:t>() </a:t>
+            </a:r>
+            <a:r>
+              <a:rPr lang="bg-BG" dirty="0" smtClean="0"/>
+              <a:t>или </a:t>
+            </a:r>
+            <a:r>
+              <a:rPr lang="en-US" i="1" dirty="0" err="1" smtClean="0">
+                <a:solidFill>
+                  <a:schemeClr val="accent6">
+                    <a:lumMod val="75000"/>
+                  </a:schemeClr>
+                </a:solidFill>
+              </a:rPr>
+              <a:t>querySelector</a:t>
+            </a:r>
+            <a:r>
+              <a:rPr lang="en-US" i="1" dirty="0" smtClean="0">
+                <a:solidFill>
+                  <a:schemeClr val="accent6">
+                    <a:lumMod val="75000"/>
+                  </a:schemeClr>
+                </a:solidFill>
+              </a:rPr>
+              <a:t>()</a:t>
+            </a:r>
+          </a:p>
+          <a:p>
+            <a:pPr lvl="1"/>
+            <a:r>
+              <a:rPr lang="en-US" i="1" dirty="0" err="1">
+                <a:solidFill>
+                  <a:schemeClr val="accent6">
+                    <a:lumMod val="75000"/>
+                  </a:schemeClr>
+                </a:solidFill>
+              </a:rPr>
+              <a:t>var</a:t>
+            </a:r>
+            <a:r>
+              <a:rPr lang="en-US" i="1" dirty="0">
+                <a:solidFill>
+                  <a:schemeClr val="accent6">
+                    <a:lumMod val="75000"/>
+                  </a:schemeClr>
+                </a:solidFill>
+              </a:rPr>
+              <a:t> </a:t>
+            </a:r>
+            <a:r>
+              <a:rPr lang="en-US" i="1" dirty="0" err="1">
+                <a:solidFill>
+                  <a:schemeClr val="accent6">
+                    <a:lumMod val="75000"/>
+                  </a:schemeClr>
+                </a:solidFill>
+              </a:rPr>
+              <a:t>listItems</a:t>
+            </a:r>
+            <a:r>
+              <a:rPr lang="en-US" i="1" dirty="0">
+                <a:solidFill>
+                  <a:schemeClr val="accent6">
+                    <a:lumMod val="75000"/>
+                  </a:schemeClr>
+                </a:solidFill>
+              </a:rPr>
+              <a:t> = </a:t>
+            </a:r>
+            <a:r>
+              <a:rPr lang="en-US" i="1" dirty="0" err="1">
+                <a:solidFill>
+                  <a:schemeClr val="accent6">
+                    <a:lumMod val="75000"/>
+                  </a:schemeClr>
+                </a:solidFill>
+              </a:rPr>
+              <a:t>document.getElementsByClassName</a:t>
+            </a:r>
+            <a:r>
+              <a:rPr lang="en-US" i="1" dirty="0">
+                <a:solidFill>
+                  <a:schemeClr val="accent6">
+                    <a:lumMod val="75000"/>
+                  </a:schemeClr>
+                </a:solidFill>
+              </a:rPr>
+              <a:t>('list-item</a:t>
+            </a:r>
+            <a:r>
+              <a:rPr lang="en-US" i="1" dirty="0" smtClean="0">
+                <a:solidFill>
+                  <a:schemeClr val="accent6">
+                    <a:lumMod val="75000"/>
+                  </a:schemeClr>
+                </a:solidFill>
+              </a:rPr>
+              <a:t>');</a:t>
+            </a:r>
+          </a:p>
+          <a:p>
+            <a:pPr lvl="1"/>
+            <a:r>
+              <a:rPr lang="bg-BG" dirty="0" smtClean="0"/>
+              <a:t>Всички елементи с клас</a:t>
+            </a:r>
+            <a:r>
+              <a:rPr lang="en-US" dirty="0" smtClean="0"/>
+              <a:t> </a:t>
+            </a:r>
+            <a:r>
+              <a:rPr lang="en-US" b="1" dirty="0" smtClean="0"/>
+              <a:t>‘list-item’ </a:t>
+            </a:r>
+            <a:r>
+              <a:rPr lang="bg-BG" dirty="0" smtClean="0"/>
+              <a:t>към момента на изпълнение, ще бъдат кеширани в променливата </a:t>
+            </a:r>
+            <a:r>
+              <a:rPr lang="en-US" i="1" dirty="0" err="1" smtClean="0">
+                <a:solidFill>
+                  <a:schemeClr val="accent6">
+                    <a:lumMod val="75000"/>
+                  </a:schemeClr>
+                </a:solidFill>
+              </a:rPr>
+              <a:t>listItems</a:t>
+            </a:r>
+            <a:endParaRPr lang="en-US" i="1" dirty="0" smtClean="0">
+              <a:solidFill>
+                <a:schemeClr val="accent6">
+                  <a:lumMod val="75000"/>
+                </a:schemeClr>
+              </a:solidFill>
+            </a:endParaRPr>
+          </a:p>
+          <a:p>
+            <a:r>
+              <a:rPr lang="bg-BG" dirty="0" smtClean="0"/>
+              <a:t>Добре е елементите да бъдат търсени с по-общ селектор и да не се използват изключително специфични селектори</a:t>
+            </a:r>
+            <a:endParaRPr lang="en-US" dirty="0"/>
+          </a:p>
+        </p:txBody>
+      </p:sp>
+    </p:spTree>
+    <p:extLst>
+      <p:ext uri="{BB962C8B-B14F-4D97-AF65-F5344CB8AC3E}">
+        <p14:creationId xmlns:p14="http://schemas.microsoft.com/office/powerpoint/2010/main" val="2794775152"/>
+      </p:ext>
+    </p:extLst>
+  </p:cSld>
+  <p:clrMapOvr>
+    <a:masterClrMapping/>
+  </p:clrMapOvr>
+  <mc:AlternateContent xmlns:mc="http://schemas.openxmlformats.org/markup-compatibility/2006" xmlns:p14="http://schemas.microsoft.com/office/powerpoint/2010/main">
+    <mc:Choice Requires="p14">
+      <p:transition spd="slow" p14:dur="2000"/>
+    </mc:Choice>
+    <mc:Fallback xmlns="">
+      <p:transition spd="slow"/>
+    </mc:Fallback>
+  </mc:AlternateContent>
+</p:sld>
+</file>
+
+<file path=ppt/slides/slide29.xml><?xml version="1.0" encoding="utf-8"?>
+<p:sld xmlns:a="http://schemas.openxmlformats.org/drawingml/2006/main" xmlns:r="http://schemas.openxmlformats.org/officeDocument/2006/relationships" xmlns:p="http://schemas.openxmlformats.org/presentationml/2006/main">
+  <p:cSld>
+    <p:spTree>
+      <p:nvGrpSpPr>
+        <p:cNvPr id="1" name=""/>
+        <p:cNvGrpSpPr/>
+        <p:nvPr/>
+      </p:nvGrpSpPr>
+      <p:grpSpPr>
+        <a:xfrm>
+          <a:off x="0" y="0"/>
+          <a:ext cx="0" cy="0"/>
+          <a:chOff x="0" y="0"/>
+          <a:chExt cx="0" cy="0"/>
+        </a:xfrm>
+      </p:grpSpPr>
+      <p:sp>
+        <p:nvSpPr>
+          <p:cNvPr id="6" name="Title 5"/>
+          <p:cNvSpPr>
+            <a:spLocks noGrp="1"/>
+          </p:cNvSpPr>
+          <p:nvPr>
+            <p:ph type="title"/>
+          </p:nvPr>
+        </p:nvSpPr>
+        <p:spPr>
+          <a:xfrm>
+            <a:off x="1484311" y="166256"/>
+            <a:ext cx="10018713" cy="2272144"/>
+          </a:xfrm>
+        </p:spPr>
+        <p:txBody>
+          <a:bodyPr/>
+          <a:lstStyle/>
+          <a:p>
+            <a:r>
+              <a:rPr lang="bg-BG" dirty="0"/>
+              <a:t>Оптимизация и производителнност на операции върху </a:t>
+            </a:r>
+            <a:r>
+              <a:rPr lang="en-US" dirty="0"/>
+              <a:t>HTML </a:t>
+            </a:r>
+            <a:r>
+              <a:rPr lang="bg-BG" dirty="0"/>
+              <a:t>елементи</a:t>
+            </a:r>
+            <a:endParaRPr lang="en-US" i="1" dirty="0">
+              <a:solidFill>
+                <a:schemeClr val="accent6">
+                  <a:lumMod val="75000"/>
+                </a:schemeClr>
+              </a:solidFill>
+            </a:endParaRPr>
+          </a:p>
+        </p:txBody>
+      </p:sp>
+      <p:pic>
+        <p:nvPicPr>
+          <p:cNvPr id="7" name="Picture 6"/>
+          <p:cNvPicPr>
+            <a:picLocks noChangeAspect="1"/>
+          </p:cNvPicPr>
+          <p:nvPr/>
+        </p:nvPicPr>
+        <p:blipFill>
+          <a:blip r:embed="rId2">
+            <a:extLst>
+              <a:ext uri="{28A0092B-C50C-407E-A947-70E740481C1C}">
+                <a14:useLocalDpi xmlns:a14="http://schemas.microsoft.com/office/drawing/2010/main" val="0"/>
+              </a:ext>
+            </a:extLst>
+          </a:blip>
+          <a:stretch>
+            <a:fillRect/>
+          </a:stretch>
+        </p:blipFill>
+        <p:spPr>
+          <a:xfrm>
+            <a:off x="4112417" y="1943677"/>
+            <a:ext cx="4762500" cy="4762500"/>
+          </a:xfrm>
+          <a:prstGeom prst="rect">
+            <a:avLst/>
+          </a:prstGeom>
+        </p:spPr>
+      </p:pic>
+    </p:spTree>
+    <p:extLst>
+      <p:ext uri="{BB962C8B-B14F-4D97-AF65-F5344CB8AC3E}">
+        <p14:creationId xmlns:p14="http://schemas.microsoft.com/office/powerpoint/2010/main" val="2486749663"/>
+      </p:ext>
+    </p:extLst>
+  </p:cSld>
+  <p:clrMapOvr>
+    <a:masterClrMapping/>
+  </p:clrMapOvr>
+  <mc:AlternateContent xmlns:mc="http://schemas.openxmlformats.org/markup-compatibility/2006" xmlns:p14="http://schemas.microsoft.com/office/powerpoint/2010/main">
+    <mc:Choice Requires="p14">
+      <p:transition spd="slow" p14:dur="2000"/>
+    </mc:Choice>
+    <mc:Fallback xmlns="">
+      <p:transition spd="slow"/>
+    </mc:Fallback>
+  </mc:AlternateContent>
+  <p:timing>
+    <p:tnLst>
+      <p:par>
+        <p:cTn id="1" dur="indefinite" restart="never" nodeType="tmRoot"/>
+      </p:par>
+    </p:tnLst>
+  </p:timing>
+</p:sld>
+</file>
+
+<file path=ppt/slides/slide3.xml><?xml version="1.0" encoding="utf-8"?>
+<p:sld xmlns:a="http://schemas.openxmlformats.org/drawingml/2006/main" xmlns:r="http://schemas.openxmlformats.org/officeDocument/2006/relationships" xmlns:p="http://schemas.openxmlformats.org/presentationml/2006/main">
+  <p:cSld>
+    <p:spTree>
+      <p:nvGrpSpPr>
+        <p:cNvPr id="1" name=""/>
+        <p:cNvGrpSpPr/>
+        <p:nvPr/>
+      </p:nvGrpSpPr>
+      <p:grpSpPr>
+        <a:xfrm>
+          <a:off x="0" y="0"/>
+          <a:ext cx="0" cy="0"/>
+          <a:chOff x="0" y="0"/>
+          <a:chExt cx="0" cy="0"/>
+        </a:xfrm>
+      </p:grpSpPr>
+      <p:sp>
+        <p:nvSpPr>
+          <p:cNvPr id="2" name="Title 1"/>
+          <p:cNvSpPr>
+            <a:spLocks noGrp="1"/>
+          </p:cNvSpPr>
+          <p:nvPr>
+            <p:ph type="title"/>
+          </p:nvPr>
+        </p:nvSpPr>
+        <p:spPr/>
+        <p:txBody>
+          <a:bodyPr/>
+          <a:lstStyle/>
+          <a:p>
+            <a:r>
+              <a:rPr lang="en-US" dirty="0" smtClean="0"/>
+              <a:t>DOM </a:t>
+            </a:r>
+            <a:r>
+              <a:rPr lang="bg-BG" dirty="0" smtClean="0"/>
+              <a:t>обекти</a:t>
+            </a:r>
+            <a:endParaRPr lang="en-US" dirty="0"/>
+          </a:p>
+        </p:txBody>
+      </p:sp>
+      <p:sp>
+        <p:nvSpPr>
+          <p:cNvPr id="3" name="Content Placeholder 2"/>
+          <p:cNvSpPr>
+            <a:spLocks noGrp="1"/>
+          </p:cNvSpPr>
+          <p:nvPr>
+            <p:ph idx="1"/>
+          </p:nvPr>
+        </p:nvSpPr>
+        <p:spPr/>
+        <p:txBody>
+          <a:bodyPr>
+            <a:normAutofit fontScale="85000" lnSpcReduction="20000"/>
+          </a:bodyPr>
+          <a:lstStyle/>
+          <a:p>
+            <a:pPr algn="just"/>
+            <a:r>
+              <a:rPr lang="bg-BG" dirty="0" smtClean="0"/>
+              <a:t>Всеки </a:t>
+            </a:r>
+            <a:r>
+              <a:rPr lang="en-US" dirty="0" smtClean="0"/>
+              <a:t>HTML </a:t>
+            </a:r>
+            <a:r>
+              <a:rPr lang="bg-BG" dirty="0" smtClean="0"/>
+              <a:t>елемент има кореспондиращ</a:t>
+            </a:r>
+            <a:r>
+              <a:rPr lang="en-US" dirty="0" smtClean="0"/>
+              <a:t> </a:t>
+            </a:r>
+            <a:r>
+              <a:rPr lang="en-US" dirty="0"/>
+              <a:t>DOM </a:t>
+            </a:r>
+            <a:r>
+              <a:rPr lang="bg-BG" dirty="0" smtClean="0"/>
+              <a:t>обект</a:t>
+            </a:r>
+            <a:endParaRPr lang="en-US" dirty="0"/>
+          </a:p>
+          <a:p>
+            <a:pPr lvl="1" algn="just"/>
+            <a:r>
+              <a:rPr lang="en-US" i="1" dirty="0" err="1">
+                <a:solidFill>
+                  <a:schemeClr val="accent6">
+                    <a:lumMod val="75000"/>
+                  </a:schemeClr>
+                </a:solidFill>
+              </a:rPr>
+              <a:t>HTMLLIElement</a:t>
+            </a:r>
+            <a:r>
+              <a:rPr lang="en-US" dirty="0"/>
+              <a:t> represents </a:t>
+            </a:r>
+            <a:r>
+              <a:rPr lang="en-US" i="1" dirty="0">
+                <a:solidFill>
+                  <a:schemeClr val="accent6">
+                    <a:lumMod val="75000"/>
+                  </a:schemeClr>
+                </a:solidFill>
+              </a:rPr>
+              <a:t>&lt;li&gt;</a:t>
+            </a:r>
+          </a:p>
+          <a:p>
+            <a:pPr lvl="1" algn="just"/>
+            <a:r>
+              <a:rPr lang="en-US" i="1" dirty="0">
+                <a:solidFill>
+                  <a:schemeClr val="accent6">
+                    <a:lumMod val="75000"/>
+                  </a:schemeClr>
+                </a:solidFill>
+              </a:rPr>
+              <a:t>HTMLAudioElement</a:t>
+            </a:r>
+            <a:r>
+              <a:rPr lang="en-US" dirty="0"/>
+              <a:t> represents </a:t>
+            </a:r>
+            <a:r>
+              <a:rPr lang="en-US" i="1" dirty="0">
+                <a:solidFill>
+                  <a:schemeClr val="accent6">
+                    <a:lumMod val="75000"/>
+                  </a:schemeClr>
+                </a:solidFill>
+              </a:rPr>
+              <a:t>&lt;audio&gt;</a:t>
+            </a:r>
+          </a:p>
+          <a:p>
+            <a:pPr algn="just"/>
+            <a:r>
+              <a:rPr lang="bg-BG" dirty="0" smtClean="0"/>
+              <a:t>Всеки обект има съответните характеристики</a:t>
+            </a:r>
+            <a:endParaRPr lang="en-US" dirty="0"/>
+          </a:p>
+          <a:p>
+            <a:pPr lvl="1" algn="just"/>
+            <a:r>
+              <a:rPr lang="en-US" i="1" dirty="0">
+                <a:solidFill>
+                  <a:schemeClr val="accent6">
+                    <a:lumMod val="75000"/>
+                  </a:schemeClr>
+                </a:solidFill>
+              </a:rPr>
+              <a:t>HTMLAnchorElement</a:t>
+            </a:r>
+            <a:r>
+              <a:rPr lang="en-US" dirty="0">
+                <a:solidFill>
+                  <a:schemeClr val="accent6">
+                    <a:lumMod val="75000"/>
+                  </a:schemeClr>
+                </a:solidFill>
+              </a:rPr>
+              <a:t> </a:t>
+            </a:r>
+            <a:r>
+              <a:rPr lang="bg-BG" dirty="0" smtClean="0"/>
+              <a:t>има </a:t>
+            </a:r>
+            <a:r>
+              <a:rPr lang="en-US" i="1" dirty="0" smtClean="0">
+                <a:solidFill>
+                  <a:schemeClr val="accent6">
+                    <a:lumMod val="75000"/>
+                  </a:schemeClr>
+                </a:solidFill>
+              </a:rPr>
+              <a:t>href</a:t>
+            </a:r>
+            <a:r>
+              <a:rPr lang="en-US" dirty="0" smtClean="0">
+                <a:solidFill>
+                  <a:schemeClr val="accent6">
+                    <a:lumMod val="75000"/>
+                  </a:schemeClr>
+                </a:solidFill>
+              </a:rPr>
+              <a:t> </a:t>
+            </a:r>
+            <a:r>
+              <a:rPr lang="bg-BG" dirty="0"/>
+              <a:t>характеристика</a:t>
+            </a:r>
+            <a:endParaRPr lang="en-US" dirty="0"/>
+          </a:p>
+          <a:p>
+            <a:pPr lvl="1" algn="just"/>
+            <a:r>
+              <a:rPr lang="en-US" i="1" dirty="0">
+                <a:solidFill>
+                  <a:schemeClr val="accent6">
+                    <a:lumMod val="75000"/>
+                  </a:schemeClr>
+                </a:solidFill>
+              </a:rPr>
+              <a:t>HTMLImageElement</a:t>
+            </a:r>
+            <a:r>
+              <a:rPr lang="en-US" dirty="0">
+                <a:solidFill>
+                  <a:schemeClr val="accent6">
+                    <a:lumMod val="75000"/>
+                  </a:schemeClr>
+                </a:solidFill>
+              </a:rPr>
+              <a:t> </a:t>
+            </a:r>
+            <a:r>
+              <a:rPr lang="bg-BG" dirty="0" smtClean="0"/>
+              <a:t>има </a:t>
+            </a:r>
+            <a:r>
+              <a:rPr lang="en-US" i="1" dirty="0" smtClean="0">
+                <a:solidFill>
+                  <a:schemeClr val="accent6">
+                    <a:lumMod val="75000"/>
+                  </a:schemeClr>
+                </a:solidFill>
+              </a:rPr>
+              <a:t>src</a:t>
+            </a:r>
+            <a:r>
+              <a:rPr lang="en-US" dirty="0" smtClean="0">
+                <a:solidFill>
+                  <a:schemeClr val="accent6">
+                    <a:lumMod val="75000"/>
+                  </a:schemeClr>
+                </a:solidFill>
+              </a:rPr>
+              <a:t> </a:t>
+            </a:r>
+            <a:r>
+              <a:rPr lang="bg-BG" dirty="0"/>
+              <a:t>характеристика</a:t>
+            </a:r>
+            <a:endParaRPr lang="en-US" dirty="0"/>
+          </a:p>
+          <a:p>
+            <a:pPr algn="just"/>
+            <a:r>
+              <a:rPr lang="bg-BG" dirty="0" smtClean="0"/>
+              <a:t>Обектът </a:t>
+            </a:r>
+            <a:r>
+              <a:rPr lang="en-US" i="1" dirty="0" smtClean="0">
+                <a:solidFill>
+                  <a:schemeClr val="accent6">
+                    <a:lumMod val="75000"/>
+                  </a:schemeClr>
+                </a:solidFill>
+              </a:rPr>
+              <a:t>document</a:t>
+            </a:r>
+            <a:r>
+              <a:rPr lang="en-US" dirty="0" smtClean="0">
+                <a:solidFill>
+                  <a:schemeClr val="accent6">
+                    <a:lumMod val="75000"/>
+                  </a:schemeClr>
+                </a:solidFill>
+              </a:rPr>
+              <a:t> </a:t>
+            </a:r>
+            <a:r>
+              <a:rPr lang="bg-BG" dirty="0" smtClean="0"/>
+              <a:t>е специалиен обект</a:t>
+            </a:r>
+          </a:p>
+          <a:p>
+            <a:pPr lvl="1" algn="just"/>
+            <a:r>
+              <a:rPr lang="bg-BG" dirty="0" smtClean="0"/>
+              <a:t>Идва от браузъра</a:t>
+            </a:r>
+            <a:endParaRPr lang="en-US" dirty="0"/>
+          </a:p>
+          <a:p>
+            <a:pPr lvl="1" algn="just"/>
+            <a:r>
+              <a:rPr lang="bg-BG" dirty="0" smtClean="0"/>
+              <a:t>Входящата точка към </a:t>
+            </a:r>
+            <a:r>
+              <a:rPr lang="en-US" dirty="0" smtClean="0"/>
+              <a:t>DOM API</a:t>
+            </a:r>
+            <a:endParaRPr lang="bg-BG" dirty="0" smtClean="0"/>
+          </a:p>
+        </p:txBody>
+      </p:sp>
+      <p:pic>
+        <p:nvPicPr>
+          <p:cNvPr id="5" name="Picture 4"/>
+          <p:cNvPicPr>
+            <a:picLocks noChangeAspect="1"/>
+          </p:cNvPicPr>
+          <p:nvPr/>
+        </p:nvPicPr>
+        <p:blipFill>
+          <a:blip r:embed="rId2">
+            <a:extLst>
+              <a:ext uri="{28A0092B-C50C-407E-A947-70E740481C1C}">
+                <a14:useLocalDpi xmlns:a14="http://schemas.microsoft.com/office/drawing/2010/main" val="0"/>
+              </a:ext>
+            </a:extLst>
+          </a:blip>
+          <a:stretch>
+            <a:fillRect/>
+          </a:stretch>
+        </p:blipFill>
+        <p:spPr>
+          <a:xfrm>
+            <a:off x="6973455" y="3074555"/>
+            <a:ext cx="5218545" cy="3783445"/>
+          </a:xfrm>
+          <a:prstGeom prst="rect">
+            <a:avLst/>
+          </a:prstGeom>
+        </p:spPr>
+      </p:pic>
+    </p:spTree>
+    <p:extLst>
+      <p:ext uri="{BB962C8B-B14F-4D97-AF65-F5344CB8AC3E}">
+        <p14:creationId xmlns:p14="http://schemas.microsoft.com/office/powerpoint/2010/main" val="583396724"/>
+      </p:ext>
+    </p:extLst>
+  </p:cSld>
+  <p:clrMapOvr>
+    <a:masterClrMapping/>
+  </p:clrMapOvr>
+  <mc:AlternateContent xmlns:mc="http://schemas.openxmlformats.org/markup-compatibility/2006" xmlns:p14="http://schemas.microsoft.com/office/powerpoint/2010/main">
+    <mc:Choice Requires="p14">
+      <p:transition spd="slow" p14:dur="2000"/>
+    </mc:Choice>
+    <mc:Fallback xmlns="">
+      <p:transition spd="slow"/>
+    </mc:Fallback>
+  </mc:AlternateContent>
+</p:sld>
+</file>
+
+<file path=ppt/slides/slide30.xml><?xml version="1.0" encoding="utf-8"?>
+<p:sld xmlns:a="http://schemas.openxmlformats.org/drawingml/2006/main" xmlns:r="http://schemas.openxmlformats.org/officeDocument/2006/relationships" xmlns:p="http://schemas.openxmlformats.org/presentationml/2006/main">
+  <p:cSld>
+    <p:spTree>
+      <p:nvGrpSpPr>
+        <p:cNvPr id="1" name=""/>
+        <p:cNvGrpSpPr/>
+        <p:nvPr/>
+      </p:nvGrpSpPr>
+      <p:grpSpPr>
+        <a:xfrm>
+          <a:off x="0" y="0"/>
+          <a:ext cx="0" cy="0"/>
+          <a:chOff x="0" y="0"/>
+          <a:chExt cx="0" cy="0"/>
+        </a:xfrm>
+      </p:grpSpPr>
       <p:pic>
         <p:nvPicPr>
           <p:cNvPr id="4" name="Content Placeholder 3"/>
@@ -16196,7 +17511,7 @@
 </p:sld>
 </file>
 
-<file path=ppt/slides/slide27.xml><?xml version="1.0" encoding="utf-8"?>
+<file path=ppt/slides/slide31.xml><?xml version="1.0" encoding="utf-8"?>
 <p:sld xmlns:a="http://schemas.openxmlformats.org/drawingml/2006/main" xmlns:r="http://schemas.openxmlformats.org/officeDocument/2006/relationships" xmlns:p="http://schemas.openxmlformats.org/presentationml/2006/main">
   <p:cSld>
     <p:spTree>
@@ -16254,7 +17569,7 @@
         </p:spPr>
         <p:txBody>
           <a:bodyPr anchor="ctr" anchorCtr="0">
-            <a:normAutofit/>
+            <a:normAutofit lnSpcReduction="10000"/>
           </a:bodyPr>
           <a:lstStyle/>
           <a:p>
@@ -16272,36 +17587,141 @@
             </a:r>
             <a:r>
               <a:rPr lang="bg-BG" dirty="0" smtClean="0"/>
-              <a:t> ООП ориентиран код за  фирма</a:t>
+              <a:t> </a:t>
+            </a:r>
+            <a:r>
+              <a:rPr lang="bg-BG" dirty="0" smtClean="0"/>
+              <a:t>код, който по зададено </a:t>
+            </a:r>
+            <a:r>
+              <a:rPr lang="en-US" dirty="0" smtClean="0"/>
+              <a:t>ID</a:t>
+            </a:r>
+            <a:r>
+              <a:rPr lang="bg-BG" dirty="0" smtClean="0"/>
+              <a:t> на елемент да добавя </a:t>
+            </a:r>
+            <a:r>
+              <a:rPr lang="en-US" dirty="0" smtClean="0"/>
+              <a:t>&lt;div /&gt; </a:t>
+            </a:r>
+            <a:r>
+              <a:rPr lang="bg-BG" dirty="0" smtClean="0"/>
+              <a:t>елементи в него с произволно съдържание</a:t>
+            </a:r>
+          </a:p>
+          <a:p>
+            <a:pPr marL="457200" indent="-457200">
+              <a:buFont typeface="+mj-lt"/>
+              <a:buAutoNum type="arabicPeriod"/>
+            </a:pPr>
+            <a:r>
+              <a:rPr lang="bg-BG" dirty="0"/>
+              <a:t>Напишете </a:t>
+            </a:r>
+            <a:r>
+              <a:rPr lang="en-US" dirty="0"/>
+              <a:t>JS</a:t>
+            </a:r>
+            <a:r>
+              <a:rPr lang="bg-BG" dirty="0"/>
+              <a:t> </a:t>
+            </a:r>
+            <a:r>
+              <a:rPr lang="bg-BG" dirty="0" smtClean="0"/>
+              <a:t>функция, която приема като параметри </a:t>
+            </a:r>
+            <a:r>
+              <a:rPr lang="en-US" dirty="0" smtClean="0"/>
+              <a:t>ID</a:t>
+            </a:r>
+            <a:r>
+              <a:rPr lang="bg-BG" dirty="0" smtClean="0"/>
+              <a:t> на елемент и масив от имена. Към елемента със съответното </a:t>
+            </a:r>
+            <a:r>
+              <a:rPr lang="en-US" dirty="0" smtClean="0"/>
+              <a:t>id </a:t>
+            </a:r>
+            <a:r>
+              <a:rPr lang="bg-BG" dirty="0" smtClean="0"/>
+              <a:t>да се добави лист, в който са подредени въпросните имена</a:t>
             </a:r>
           </a:p>
           <a:p>
             <a:pPr lvl="1"/>
             <a:r>
               <a:rPr lang="bg-BG" dirty="0" smtClean="0"/>
-              <a:t>Фирмата има име и брой служители</a:t>
+              <a:t>Всеки </a:t>
+            </a:r>
+            <a:r>
+              <a:rPr lang="en-US" dirty="0" smtClean="0"/>
+              <a:t>li </a:t>
+            </a:r>
+            <a:r>
+              <a:rPr lang="bg-BG" dirty="0" smtClean="0"/>
+              <a:t>елемент да има стилове: цвят на текста, рамка, фон</a:t>
             </a:r>
           </a:p>
           <a:p>
             <a:pPr lvl="1"/>
             <a:r>
               <a:rPr lang="bg-BG" dirty="0" smtClean="0"/>
-              <a:t>Във фирмата могат да бъдат назначавани или уволнявани хора</a:t>
-            </a:r>
-          </a:p>
-          <a:p>
-            <a:pPr lvl="1"/>
+              <a:t>Всеки </a:t>
+            </a:r>
+            <a:r>
+              <a:rPr lang="en-US" dirty="0" smtClean="0"/>
+              <a:t>li</a:t>
+            </a:r>
             <a:r>
               <a:rPr lang="bg-BG" dirty="0" smtClean="0"/>
-              <a:t>Всеки служител има име, позиция и може да се представи</a:t>
-            </a:r>
-          </a:p>
-          <a:p>
-            <a:pPr lvl="1"/>
+              <a:t> елемент да има клас </a:t>
+            </a:r>
+            <a:r>
+              <a:rPr lang="en-US" dirty="0" smtClean="0"/>
+              <a:t>‘list-item’</a:t>
+            </a:r>
+          </a:p>
+          <a:p>
+            <a:pPr marL="457200" indent="-457200">
+              <a:buFont typeface="+mj-lt"/>
+              <a:buAutoNum type="arabicPeriod"/>
+            </a:pPr>
             <a:r>
               <a:rPr lang="bg-BG" dirty="0" smtClean="0"/>
-              <a:t>*Използвайте какъвто ООП подход намерите за добре и за удобен</a:t>
-            </a:r>
+              <a:t>Напишете </a:t>
+            </a:r>
+            <a:r>
+              <a:rPr lang="en-US" dirty="0" smtClean="0"/>
+              <a:t>JS </a:t>
+            </a:r>
+            <a:r>
+              <a:rPr lang="bg-BG" dirty="0" smtClean="0"/>
+              <a:t>фунцкия, която да взима всички </a:t>
+            </a:r>
+            <a:r>
+              <a:rPr lang="en-US" dirty="0" smtClean="0"/>
+              <a:t>&lt;div /&gt; </a:t>
+            </a:r>
+            <a:r>
+              <a:rPr lang="bg-BG" dirty="0" smtClean="0"/>
+              <a:t>елементи с даден клас и във всеки четен елемент да добавя по 1 още 1 &lt;</a:t>
+            </a:r>
+            <a:r>
+              <a:rPr lang="en-US" dirty="0" smtClean="0"/>
+              <a:t>div /&gt;</a:t>
+            </a:r>
+            <a:r>
+              <a:rPr lang="bg-BG" dirty="0" smtClean="0"/>
+              <a:t>  с произволно съдържание</a:t>
+            </a:r>
+            <a:endParaRPr lang="bg-BG" dirty="0"/>
+          </a:p>
+          <a:p>
+            <a:pPr marL="457200" indent="-457200">
+              <a:buFont typeface="+mj-lt"/>
+              <a:buAutoNum type="arabicPeriod"/>
+            </a:pPr>
             <a:endParaRPr lang="bg-BG" dirty="0"/>
           </a:p>
           <a:p>
@@ -16352,364 +17772,6 @@
       </p:par>
     </p:tnLst>
   </p:timing>
-</p:sld>
-</file>
-
-<file path=ppt/slides/slide3.xml><?xml version="1.0" encoding="utf-8"?>
-<p:sld xmlns:a="http://schemas.openxmlformats.org/drawingml/2006/main" xmlns:r="http://schemas.openxmlformats.org/officeDocument/2006/relationships" xmlns:p="http://schemas.openxmlformats.org/presentationml/2006/main">
-  <p:cSld>
-    <p:spTree>
-      <p:nvGrpSpPr>
-        <p:cNvPr id="1" name=""/>
-        <p:cNvGrpSpPr/>
-        <p:nvPr/>
-      </p:nvGrpSpPr>
-      <p:grpSpPr>
-        <a:xfrm>
-          <a:off x="0" y="0"/>
-          <a:ext cx="0" cy="0"/>
-          <a:chOff x="0" y="0"/>
-          <a:chExt cx="0" cy="0"/>
-        </a:xfrm>
-      </p:grpSpPr>
-      <p:sp>
-        <p:nvSpPr>
-          <p:cNvPr id="2" name="Title 1"/>
-          <p:cNvSpPr>
-            <a:spLocks noGrp="1"/>
-          </p:cNvSpPr>
-          <p:nvPr>
-            <p:ph type="title"/>
-          </p:nvPr>
-        </p:nvSpPr>
-        <p:spPr/>
-        <p:txBody>
-          <a:bodyPr/>
-          <a:lstStyle/>
-          <a:p>
-            <a:r>
-              <a:rPr lang="en-US" dirty="0" smtClean="0"/>
-              <a:t>DOM </a:t>
-            </a:r>
-            <a:r>
-              <a:rPr lang="bg-BG" dirty="0" smtClean="0"/>
-              <a:t>обекти</a:t>
-            </a:r>
-            <a:endParaRPr lang="en-US" dirty="0"/>
-          </a:p>
-        </p:txBody>
-      </p:sp>
-      <p:sp>
-        <p:nvSpPr>
-          <p:cNvPr id="3" name="Content Placeholder 2"/>
-          <p:cNvSpPr>
-            <a:spLocks noGrp="1"/>
-          </p:cNvSpPr>
-          <p:nvPr>
-            <p:ph idx="1"/>
-          </p:nvPr>
-        </p:nvSpPr>
-        <p:spPr/>
-        <p:txBody>
-          <a:bodyPr>
-            <a:normAutofit fontScale="85000" lnSpcReduction="20000"/>
-          </a:bodyPr>
-          <a:lstStyle/>
-          <a:p>
-            <a:pPr algn="just"/>
-            <a:r>
-              <a:rPr lang="bg-BG" dirty="0" smtClean="0"/>
-              <a:t>Всеки </a:t>
-            </a:r>
-            <a:r>
-              <a:rPr lang="en-US" dirty="0" smtClean="0"/>
-              <a:t>HTML </a:t>
-            </a:r>
-            <a:r>
-              <a:rPr lang="bg-BG" dirty="0" smtClean="0"/>
-              <a:t>елемент има кореспондиращ</a:t>
-            </a:r>
-            <a:r>
-              <a:rPr lang="en-US" dirty="0" smtClean="0"/>
-              <a:t> </a:t>
-            </a:r>
-            <a:r>
-              <a:rPr lang="en-US" dirty="0"/>
-              <a:t>DOM </a:t>
-            </a:r>
-            <a:r>
-              <a:rPr lang="bg-BG" dirty="0" smtClean="0"/>
-              <a:t>обект</a:t>
-            </a:r>
-            <a:endParaRPr lang="en-US" dirty="0"/>
-          </a:p>
-          <a:p>
-            <a:pPr lvl="1" algn="just"/>
-            <a:r>
-              <a:rPr lang="en-US" i="1" dirty="0" err="1">
-                <a:solidFill>
-                  <a:schemeClr val="accent6">
-                    <a:lumMod val="75000"/>
-                  </a:schemeClr>
-                </a:solidFill>
-              </a:rPr>
-              <a:t>HTMLLIElement</a:t>
-            </a:r>
-            <a:r>
-              <a:rPr lang="en-US" dirty="0"/>
-              <a:t> represents </a:t>
-            </a:r>
-            <a:r>
-              <a:rPr lang="en-US" i="1" dirty="0">
-                <a:solidFill>
-                  <a:schemeClr val="accent6">
-                    <a:lumMod val="75000"/>
-                  </a:schemeClr>
-                </a:solidFill>
-              </a:rPr>
-              <a:t>&lt;li&gt;</a:t>
-            </a:r>
-          </a:p>
-          <a:p>
-            <a:pPr lvl="1" algn="just"/>
-            <a:r>
-              <a:rPr lang="en-US" i="1" dirty="0">
-                <a:solidFill>
-                  <a:schemeClr val="accent6">
-                    <a:lumMod val="75000"/>
-                  </a:schemeClr>
-                </a:solidFill>
-              </a:rPr>
-              <a:t>HTMLAudioElement</a:t>
-            </a:r>
-            <a:r>
-              <a:rPr lang="en-US" dirty="0"/>
-              <a:t> represents </a:t>
-            </a:r>
-            <a:r>
-              <a:rPr lang="en-US" i="1" dirty="0">
-                <a:solidFill>
-                  <a:schemeClr val="accent6">
-                    <a:lumMod val="75000"/>
-                  </a:schemeClr>
-                </a:solidFill>
-              </a:rPr>
-              <a:t>&lt;audio&gt;</a:t>
-            </a:r>
-          </a:p>
-          <a:p>
-            <a:pPr algn="just"/>
-            <a:r>
-              <a:rPr lang="bg-BG" dirty="0" smtClean="0"/>
-              <a:t>Всеки обект има съответните характеристики</a:t>
-            </a:r>
-            <a:endParaRPr lang="en-US" dirty="0"/>
-          </a:p>
-          <a:p>
-            <a:pPr lvl="1" algn="just"/>
-            <a:r>
-              <a:rPr lang="en-US" i="1" dirty="0">
-                <a:solidFill>
-                  <a:schemeClr val="accent6">
-                    <a:lumMod val="75000"/>
-                  </a:schemeClr>
-                </a:solidFill>
-              </a:rPr>
-              <a:t>HTMLAnchorElement</a:t>
-            </a:r>
-            <a:r>
-              <a:rPr lang="en-US" dirty="0">
-                <a:solidFill>
-                  <a:schemeClr val="accent6">
-                    <a:lumMod val="75000"/>
-                  </a:schemeClr>
-                </a:solidFill>
-              </a:rPr>
-              <a:t> </a:t>
-            </a:r>
-            <a:r>
-              <a:rPr lang="bg-BG" dirty="0" smtClean="0"/>
-              <a:t>има </a:t>
-            </a:r>
-            <a:r>
-              <a:rPr lang="en-US" i="1" dirty="0" smtClean="0">
-                <a:solidFill>
-                  <a:schemeClr val="accent6">
-                    <a:lumMod val="75000"/>
-                  </a:schemeClr>
-                </a:solidFill>
-              </a:rPr>
-              <a:t>href</a:t>
-            </a:r>
-            <a:r>
-              <a:rPr lang="en-US" dirty="0" smtClean="0">
-                <a:solidFill>
-                  <a:schemeClr val="accent6">
-                    <a:lumMod val="75000"/>
-                  </a:schemeClr>
-                </a:solidFill>
-              </a:rPr>
-              <a:t> </a:t>
-            </a:r>
-            <a:r>
-              <a:rPr lang="bg-BG" dirty="0"/>
-              <a:t>характеристика</a:t>
-            </a:r>
-            <a:endParaRPr lang="en-US" dirty="0"/>
-          </a:p>
-          <a:p>
-            <a:pPr lvl="1" algn="just"/>
-            <a:r>
-              <a:rPr lang="en-US" i="1" dirty="0">
-                <a:solidFill>
-                  <a:schemeClr val="accent6">
-                    <a:lumMod val="75000"/>
-                  </a:schemeClr>
-                </a:solidFill>
-              </a:rPr>
-              <a:t>HTMLImageElement</a:t>
-            </a:r>
-            <a:r>
-              <a:rPr lang="en-US" dirty="0">
-                <a:solidFill>
-                  <a:schemeClr val="accent6">
-                    <a:lumMod val="75000"/>
-                  </a:schemeClr>
-                </a:solidFill>
-              </a:rPr>
-              <a:t> </a:t>
-            </a:r>
-            <a:r>
-              <a:rPr lang="bg-BG" dirty="0" smtClean="0"/>
-              <a:t>има </a:t>
-            </a:r>
-            <a:r>
-              <a:rPr lang="en-US" i="1" dirty="0" smtClean="0">
-                <a:solidFill>
-                  <a:schemeClr val="accent6">
-                    <a:lumMod val="75000"/>
-                  </a:schemeClr>
-                </a:solidFill>
-              </a:rPr>
-              <a:t>src</a:t>
-            </a:r>
-            <a:r>
-              <a:rPr lang="en-US" dirty="0" smtClean="0">
-                <a:solidFill>
-                  <a:schemeClr val="accent6">
-                    <a:lumMod val="75000"/>
-                  </a:schemeClr>
-                </a:solidFill>
-              </a:rPr>
-              <a:t> </a:t>
-            </a:r>
-            <a:r>
-              <a:rPr lang="bg-BG" dirty="0"/>
-              <a:t>характеристика</a:t>
-            </a:r>
-            <a:endParaRPr lang="en-US" dirty="0"/>
-          </a:p>
-          <a:p>
-            <a:pPr algn="just"/>
-            <a:r>
-              <a:rPr lang="bg-BG" dirty="0" smtClean="0"/>
-              <a:t>Обектът </a:t>
-            </a:r>
-            <a:r>
-              <a:rPr lang="en-US" i="1" dirty="0" smtClean="0">
-                <a:solidFill>
-                  <a:schemeClr val="accent6">
-                    <a:lumMod val="75000"/>
-                  </a:schemeClr>
-                </a:solidFill>
-              </a:rPr>
-              <a:t>document</a:t>
-            </a:r>
-            <a:r>
-              <a:rPr lang="en-US" dirty="0" smtClean="0">
-                <a:solidFill>
-                  <a:schemeClr val="accent6">
-                    <a:lumMod val="75000"/>
-                  </a:schemeClr>
-                </a:solidFill>
-              </a:rPr>
-              <a:t> </a:t>
-            </a:r>
-            <a:r>
-              <a:rPr lang="bg-BG" dirty="0" smtClean="0"/>
-              <a:t>е специалиен обект</a:t>
-            </a:r>
-          </a:p>
-          <a:p>
-            <a:pPr lvl="1" algn="just"/>
-            <a:r>
-              <a:rPr lang="bg-BG" dirty="0" smtClean="0"/>
-              <a:t>Идва от браузъра</a:t>
-            </a:r>
-            <a:endParaRPr lang="en-US" dirty="0"/>
-          </a:p>
-          <a:p>
-            <a:pPr lvl="1" algn="just"/>
-            <a:r>
-              <a:rPr lang="bg-BG" dirty="0" smtClean="0"/>
-              <a:t>Входящата точка към </a:t>
-            </a:r>
-            <a:r>
-              <a:rPr lang="en-US" dirty="0" smtClean="0"/>
-              <a:t>DOM API</a:t>
-            </a:r>
-            <a:endParaRPr lang="bg-BG" dirty="0" smtClean="0"/>
-          </a:p>
-        </p:txBody>
-      </p:sp>
-      <p:pic>
-        <p:nvPicPr>
-          <p:cNvPr id="5" name="Picture 4"/>
-          <p:cNvPicPr>
-            <a:picLocks noChangeAspect="1"/>
-          </p:cNvPicPr>
-          <p:nvPr/>
-        </p:nvPicPr>
-        <p:blipFill>
-          <a:blip r:embed="rId2">
-            <a:extLst>
-              <a:ext uri="{28A0092B-C50C-407E-A947-70E740481C1C}">
-                <a14:useLocalDpi xmlns:a14="http://schemas.microsoft.com/office/drawing/2010/main" val="0"/>
-              </a:ext>
-            </a:extLst>
-          </a:blip>
-          <a:stretch>
-            <a:fillRect/>
-          </a:stretch>
-        </p:blipFill>
-        <p:spPr>
-          <a:xfrm>
-            <a:off x="6973455" y="3074555"/>
-            <a:ext cx="5218545" cy="3783445"/>
-          </a:xfrm>
-          <a:prstGeom prst="rect">
-            <a:avLst/>
-          </a:prstGeom>
-        </p:spPr>
-      </p:pic>
-    </p:spTree>
-    <p:extLst>
-      <p:ext uri="{BB962C8B-B14F-4D97-AF65-F5344CB8AC3E}">
-        <p14:creationId xmlns:p14="http://schemas.microsoft.com/office/powerpoint/2010/main" val="583396724"/>
-      </p:ext>
-    </p:extLst>
-  </p:cSld>
-  <p:clrMapOvr>
-    <a:masterClrMapping/>
-  </p:clrMapOvr>
-  <mc:AlternateContent xmlns:mc="http://schemas.openxmlformats.org/markup-compatibility/2006" xmlns:p14="http://schemas.microsoft.com/office/powerpoint/2010/main">
-    <mc:Choice Requires="p14">
-      <p:transition spd="slow" p14:dur="2000"/>
-    </mc:Choice>
-    <mc:Fallback xmlns="">
-      <p:transition spd="slow"/>
-    </mc:Fallback>
-  </mc:AlternateContent>
 </p:sld>
 </file>
 

--- a/JS Fundamentals/9.DOM&CSS/DOM&CSS.pptx
+++ b/JS Fundamentals/9.DOM&CSS/DOM&CSS.pptx
@@ -2106,6 +2106,1432 @@
       <dsp:cNvGrpSpPr/>
     </dsp:nvGrpSpPr>
     <dsp:grpSpPr/>
+    <dsp:sp modelId="{AEA8BC4E-A54D-4965-9AC8-09D42686A32B}">
+      <dsp:nvSpPr>
+        <dsp:cNvPr id="0" name=""/>
+        <dsp:cNvSpPr/>
+      </dsp:nvSpPr>
+      <dsp:spPr>
+        <a:xfrm>
+          <a:off x="2631802" y="2560185"/>
+          <a:ext cx="91440" cy="349140"/>
+        </a:xfrm>
+        <a:custGeom>
+          <a:avLst/>
+          <a:gdLst/>
+          <a:ahLst/>
+          <a:cxnLst/>
+          <a:rect l="0" t="0" r="0" b="0"/>
+          <a:pathLst>
+            <a:path>
+              <a:moveTo>
+                <a:pt x="45720" y="0"/>
+              </a:moveTo>
+              <a:lnTo>
+                <a:pt x="45720" y="349140"/>
+              </a:lnTo>
+              <a:lnTo>
+                <a:pt x="125415" y="349140"/>
+              </a:lnTo>
+            </a:path>
+          </a:pathLst>
+        </a:custGeom>
+        <a:noFill/>
+        <a:ln w="15875" cap="rnd" cmpd="sng" algn="ctr">
+          <a:solidFill>
+            <a:schemeClr val="accent1">
+              <a:shade val="80000"/>
+              <a:hueOff val="0"/>
+              <a:satOff val="0"/>
+              <a:lumOff val="0"/>
+              <a:alphaOff val="0"/>
+            </a:schemeClr>
+          </a:solidFill>
+          <a:prstDash val="solid"/>
+        </a:ln>
+        <a:effectLst/>
+      </dsp:spPr>
+      <dsp:style>
+        <a:lnRef idx="2">
+          <a:scrgbClr r="0" g="0" b="0"/>
+        </a:lnRef>
+        <a:fillRef idx="0">
+          <a:scrgbClr r="0" g="0" b="0"/>
+        </a:fillRef>
+        <a:effectRef idx="0">
+          <a:scrgbClr r="0" g="0" b="0"/>
+        </a:effectRef>
+        <a:fontRef idx="minor"/>
+      </dsp:style>
+    </dsp:sp>
+    <dsp:sp modelId="{2D731E8B-3377-441E-B5C0-D91B17DFDDB1}">
+      <dsp:nvSpPr>
+        <dsp:cNvPr id="0" name=""/>
+        <dsp:cNvSpPr/>
+      </dsp:nvSpPr>
+      <dsp:spPr>
+        <a:xfrm>
+          <a:off x="2552107" y="2560185"/>
+          <a:ext cx="91440" cy="349140"/>
+        </a:xfrm>
+        <a:custGeom>
+          <a:avLst/>
+          <a:gdLst/>
+          <a:ahLst/>
+          <a:cxnLst/>
+          <a:rect l="0" t="0" r="0" b="0"/>
+          <a:pathLst>
+            <a:path>
+              <a:moveTo>
+                <a:pt x="125415" y="0"/>
+              </a:moveTo>
+              <a:lnTo>
+                <a:pt x="125415" y="349140"/>
+              </a:lnTo>
+              <a:lnTo>
+                <a:pt x="45720" y="349140"/>
+              </a:lnTo>
+            </a:path>
+          </a:pathLst>
+        </a:custGeom>
+        <a:noFill/>
+        <a:ln w="15875" cap="rnd" cmpd="sng" algn="ctr">
+          <a:solidFill>
+            <a:schemeClr val="accent1">
+              <a:shade val="80000"/>
+              <a:hueOff val="0"/>
+              <a:satOff val="0"/>
+              <a:lumOff val="0"/>
+              <a:alphaOff val="0"/>
+            </a:schemeClr>
+          </a:solidFill>
+          <a:prstDash val="solid"/>
+        </a:ln>
+        <a:effectLst/>
+      </dsp:spPr>
+      <dsp:style>
+        <a:lnRef idx="2">
+          <a:scrgbClr r="0" g="0" b="0"/>
+        </a:lnRef>
+        <a:fillRef idx="0">
+          <a:scrgbClr r="0" g="0" b="0"/>
+        </a:fillRef>
+        <a:effectRef idx="0">
+          <a:scrgbClr r="0" g="0" b="0"/>
+        </a:effectRef>
+        <a:fontRef idx="minor"/>
+      </dsp:style>
+    </dsp:sp>
+    <dsp:sp modelId="{51C19663-6DE7-4844-BD20-F60DCDEDECF6}">
+      <dsp:nvSpPr>
+        <dsp:cNvPr id="0" name=""/>
+        <dsp:cNvSpPr/>
+      </dsp:nvSpPr>
+      <dsp:spPr>
+        <a:xfrm>
+          <a:off x="3057022" y="2021295"/>
+          <a:ext cx="538890" cy="349140"/>
+        </a:xfrm>
+        <a:custGeom>
+          <a:avLst/>
+          <a:gdLst/>
+          <a:ahLst/>
+          <a:cxnLst/>
+          <a:rect l="0" t="0" r="0" b="0"/>
+          <a:pathLst>
+            <a:path>
+              <a:moveTo>
+                <a:pt x="538890" y="0"/>
+              </a:moveTo>
+              <a:lnTo>
+                <a:pt x="538890" y="349140"/>
+              </a:lnTo>
+              <a:lnTo>
+                <a:pt x="0" y="349140"/>
+              </a:lnTo>
+            </a:path>
+          </a:pathLst>
+        </a:custGeom>
+        <a:noFill/>
+        <a:ln w="15875" cap="rnd" cmpd="sng" algn="ctr">
+          <a:solidFill>
+            <a:schemeClr val="accent1">
+              <a:shade val="80000"/>
+              <a:hueOff val="0"/>
+              <a:satOff val="0"/>
+              <a:lumOff val="0"/>
+              <a:alphaOff val="0"/>
+            </a:schemeClr>
+          </a:solidFill>
+          <a:prstDash val="solid"/>
+        </a:ln>
+        <a:effectLst/>
+      </dsp:spPr>
+      <dsp:style>
+        <a:lnRef idx="2">
+          <a:scrgbClr r="0" g="0" b="0"/>
+        </a:lnRef>
+        <a:fillRef idx="0">
+          <a:scrgbClr r="0" g="0" b="0"/>
+        </a:fillRef>
+        <a:effectRef idx="0">
+          <a:scrgbClr r="0" g="0" b="0"/>
+        </a:effectRef>
+        <a:fontRef idx="minor"/>
+      </dsp:style>
+    </dsp:sp>
+    <dsp:sp modelId="{25C02BFE-C8A8-463C-A410-DC3CF0BF2589}">
+      <dsp:nvSpPr>
+        <dsp:cNvPr id="0" name=""/>
+        <dsp:cNvSpPr/>
+      </dsp:nvSpPr>
+      <dsp:spPr>
+        <a:xfrm>
+          <a:off x="3929692" y="943514"/>
+          <a:ext cx="91440" cy="888030"/>
+        </a:xfrm>
+        <a:custGeom>
+          <a:avLst/>
+          <a:gdLst/>
+          <a:ahLst/>
+          <a:cxnLst/>
+          <a:rect l="0" t="0" r="0" b="0"/>
+          <a:pathLst>
+            <a:path>
+              <a:moveTo>
+                <a:pt x="125415" y="0"/>
+              </a:moveTo>
+              <a:lnTo>
+                <a:pt x="125415" y="888030"/>
+              </a:lnTo>
+              <a:lnTo>
+                <a:pt x="45720" y="888030"/>
+              </a:lnTo>
+            </a:path>
+          </a:pathLst>
+        </a:custGeom>
+        <a:noFill/>
+        <a:ln w="15875" cap="rnd" cmpd="sng" algn="ctr">
+          <a:solidFill>
+            <a:schemeClr val="accent1">
+              <a:shade val="80000"/>
+              <a:hueOff val="0"/>
+              <a:satOff val="0"/>
+              <a:lumOff val="0"/>
+              <a:alphaOff val="0"/>
+            </a:schemeClr>
+          </a:solidFill>
+          <a:prstDash val="solid"/>
+        </a:ln>
+        <a:effectLst/>
+      </dsp:spPr>
+      <dsp:style>
+        <a:lnRef idx="2">
+          <a:scrgbClr r="0" g="0" b="0"/>
+        </a:lnRef>
+        <a:fillRef idx="0">
+          <a:scrgbClr r="0" g="0" b="0"/>
+        </a:fillRef>
+        <a:effectRef idx="0">
+          <a:scrgbClr r="0" g="0" b="0"/>
+        </a:effectRef>
+        <a:fontRef idx="minor"/>
+      </dsp:style>
+    </dsp:sp>
+    <dsp:sp modelId="{6913EDEB-049B-4293-A7E0-6ED98FF047AE}">
+      <dsp:nvSpPr>
+        <dsp:cNvPr id="0" name=""/>
+        <dsp:cNvSpPr/>
+      </dsp:nvSpPr>
+      <dsp:spPr>
+        <a:xfrm>
+          <a:off x="4009387" y="943514"/>
+          <a:ext cx="91440" cy="349140"/>
+        </a:xfrm>
+        <a:custGeom>
+          <a:avLst/>
+          <a:gdLst/>
+          <a:ahLst/>
+          <a:cxnLst/>
+          <a:rect l="0" t="0" r="0" b="0"/>
+          <a:pathLst>
+            <a:path>
+              <a:moveTo>
+                <a:pt x="45720" y="0"/>
+              </a:moveTo>
+              <a:lnTo>
+                <a:pt x="45720" y="349140"/>
+              </a:lnTo>
+              <a:lnTo>
+                <a:pt x="125415" y="349140"/>
+              </a:lnTo>
+            </a:path>
+          </a:pathLst>
+        </a:custGeom>
+        <a:noFill/>
+        <a:ln w="15875" cap="rnd" cmpd="sng" algn="ctr">
+          <a:solidFill>
+            <a:schemeClr val="accent1">
+              <a:shade val="80000"/>
+              <a:hueOff val="0"/>
+              <a:satOff val="0"/>
+              <a:lumOff val="0"/>
+              <a:alphaOff val="0"/>
+            </a:schemeClr>
+          </a:solidFill>
+          <a:prstDash val="solid"/>
+        </a:ln>
+        <a:effectLst/>
+      </dsp:spPr>
+      <dsp:style>
+        <a:lnRef idx="2">
+          <a:scrgbClr r="0" g="0" b="0"/>
+        </a:lnRef>
+        <a:fillRef idx="0">
+          <a:scrgbClr r="0" g="0" b="0"/>
+        </a:fillRef>
+        <a:effectRef idx="0">
+          <a:scrgbClr r="0" g="0" b="0"/>
+        </a:effectRef>
+        <a:fontRef idx="minor"/>
+      </dsp:style>
+    </dsp:sp>
+    <dsp:sp modelId="{880FCD53-0637-4FD6-8288-0C5595847207}">
+      <dsp:nvSpPr>
+        <dsp:cNvPr id="0" name=""/>
+        <dsp:cNvSpPr/>
+      </dsp:nvSpPr>
+      <dsp:spPr>
+        <a:xfrm>
+          <a:off x="2597827" y="943514"/>
+          <a:ext cx="1457280" cy="349140"/>
+        </a:xfrm>
+        <a:custGeom>
+          <a:avLst/>
+          <a:gdLst/>
+          <a:ahLst/>
+          <a:cxnLst/>
+          <a:rect l="0" t="0" r="0" b="0"/>
+          <a:pathLst>
+            <a:path>
+              <a:moveTo>
+                <a:pt x="1457280" y="0"/>
+              </a:moveTo>
+              <a:lnTo>
+                <a:pt x="1457280" y="349140"/>
+              </a:lnTo>
+              <a:lnTo>
+                <a:pt x="0" y="349140"/>
+              </a:lnTo>
+            </a:path>
+          </a:pathLst>
+        </a:custGeom>
+        <a:noFill/>
+        <a:ln w="15875" cap="rnd" cmpd="sng" algn="ctr">
+          <a:solidFill>
+            <a:schemeClr val="accent1">
+              <a:shade val="80000"/>
+              <a:hueOff val="0"/>
+              <a:satOff val="0"/>
+              <a:lumOff val="0"/>
+              <a:alphaOff val="0"/>
+            </a:schemeClr>
+          </a:solidFill>
+          <a:prstDash val="solid"/>
+        </a:ln>
+        <a:effectLst/>
+      </dsp:spPr>
+      <dsp:style>
+        <a:lnRef idx="2">
+          <a:scrgbClr r="0" g="0" b="0"/>
+        </a:lnRef>
+        <a:fillRef idx="0">
+          <a:scrgbClr r="0" g="0" b="0"/>
+        </a:fillRef>
+        <a:effectRef idx="0">
+          <a:scrgbClr r="0" g="0" b="0"/>
+        </a:effectRef>
+        <a:fontRef idx="minor"/>
+      </dsp:style>
+    </dsp:sp>
+    <dsp:sp modelId="{03E73AC7-FDA7-48D9-A333-51DED90D1927}">
+      <dsp:nvSpPr>
+        <dsp:cNvPr id="0" name=""/>
+        <dsp:cNvSpPr/>
+      </dsp:nvSpPr>
+      <dsp:spPr>
+        <a:xfrm>
+          <a:off x="1759132" y="404624"/>
+          <a:ext cx="1916475" cy="349140"/>
+        </a:xfrm>
+        <a:custGeom>
+          <a:avLst/>
+          <a:gdLst/>
+          <a:ahLst/>
+          <a:cxnLst/>
+          <a:rect l="0" t="0" r="0" b="0"/>
+          <a:pathLst>
+            <a:path>
+              <a:moveTo>
+                <a:pt x="0" y="0"/>
+              </a:moveTo>
+              <a:lnTo>
+                <a:pt x="0" y="349140"/>
+              </a:lnTo>
+              <a:lnTo>
+                <a:pt x="1916475" y="349140"/>
+              </a:lnTo>
+            </a:path>
+          </a:pathLst>
+        </a:custGeom>
+        <a:noFill/>
+        <a:ln w="15875" cap="rnd" cmpd="sng" algn="ctr">
+          <a:solidFill>
+            <a:schemeClr val="accent1">
+              <a:shade val="60000"/>
+              <a:hueOff val="0"/>
+              <a:satOff val="0"/>
+              <a:lumOff val="0"/>
+              <a:alphaOff val="0"/>
+            </a:schemeClr>
+          </a:solidFill>
+          <a:prstDash val="solid"/>
+        </a:ln>
+        <a:effectLst/>
+      </dsp:spPr>
+      <dsp:style>
+        <a:lnRef idx="2">
+          <a:scrgbClr r="0" g="0" b="0"/>
+        </a:lnRef>
+        <a:fillRef idx="0">
+          <a:scrgbClr r="0" g="0" b="0"/>
+        </a:fillRef>
+        <a:effectRef idx="0">
+          <a:scrgbClr r="0" g="0" b="0"/>
+        </a:effectRef>
+        <a:fontRef idx="minor"/>
+      </dsp:style>
+    </dsp:sp>
+    <dsp:sp modelId="{FCD05725-53A5-4BD4-A02D-20DE1CDFA140}">
+      <dsp:nvSpPr>
+        <dsp:cNvPr id="0" name=""/>
+        <dsp:cNvSpPr/>
+      </dsp:nvSpPr>
+      <dsp:spPr>
+        <a:xfrm>
+          <a:off x="795022" y="943514"/>
+          <a:ext cx="91440" cy="349140"/>
+        </a:xfrm>
+        <a:custGeom>
+          <a:avLst/>
+          <a:gdLst/>
+          <a:ahLst/>
+          <a:cxnLst/>
+          <a:rect l="0" t="0" r="0" b="0"/>
+          <a:pathLst>
+            <a:path>
+              <a:moveTo>
+                <a:pt x="45720" y="0"/>
+              </a:moveTo>
+              <a:lnTo>
+                <a:pt x="45720" y="349140"/>
+              </a:lnTo>
+              <a:lnTo>
+                <a:pt x="125415" y="349140"/>
+              </a:lnTo>
+            </a:path>
+          </a:pathLst>
+        </a:custGeom>
+        <a:noFill/>
+        <a:ln w="15875" cap="rnd" cmpd="sng" algn="ctr">
+          <a:solidFill>
+            <a:schemeClr val="accent1">
+              <a:shade val="80000"/>
+              <a:hueOff val="0"/>
+              <a:satOff val="0"/>
+              <a:lumOff val="0"/>
+              <a:alphaOff val="0"/>
+            </a:schemeClr>
+          </a:solidFill>
+          <a:prstDash val="solid"/>
+        </a:ln>
+        <a:effectLst/>
+      </dsp:spPr>
+      <dsp:style>
+        <a:lnRef idx="2">
+          <a:scrgbClr r="0" g="0" b="0"/>
+        </a:lnRef>
+        <a:fillRef idx="0">
+          <a:scrgbClr r="0" g="0" b="0"/>
+        </a:fillRef>
+        <a:effectRef idx="0">
+          <a:scrgbClr r="0" g="0" b="0"/>
+        </a:effectRef>
+        <a:fontRef idx="minor"/>
+      </dsp:style>
+    </dsp:sp>
+    <dsp:sp modelId="{C9538D54-269D-4989-8BD5-071F73FD396C}">
+      <dsp:nvSpPr>
+        <dsp:cNvPr id="0" name=""/>
+        <dsp:cNvSpPr/>
+      </dsp:nvSpPr>
+      <dsp:spPr>
+        <a:xfrm>
+          <a:off x="715327" y="943514"/>
+          <a:ext cx="91440" cy="349140"/>
+        </a:xfrm>
+        <a:custGeom>
+          <a:avLst/>
+          <a:gdLst/>
+          <a:ahLst/>
+          <a:cxnLst/>
+          <a:rect l="0" t="0" r="0" b="0"/>
+          <a:pathLst>
+            <a:path>
+              <a:moveTo>
+                <a:pt x="125415" y="0"/>
+              </a:moveTo>
+              <a:lnTo>
+                <a:pt x="125415" y="349140"/>
+              </a:lnTo>
+              <a:lnTo>
+                <a:pt x="45720" y="349140"/>
+              </a:lnTo>
+            </a:path>
+          </a:pathLst>
+        </a:custGeom>
+        <a:noFill/>
+        <a:ln w="15875" cap="rnd" cmpd="sng" algn="ctr">
+          <a:solidFill>
+            <a:schemeClr val="accent1">
+              <a:shade val="80000"/>
+              <a:hueOff val="0"/>
+              <a:satOff val="0"/>
+              <a:lumOff val="0"/>
+              <a:alphaOff val="0"/>
+            </a:schemeClr>
+          </a:solidFill>
+          <a:prstDash val="solid"/>
+        </a:ln>
+        <a:effectLst/>
+      </dsp:spPr>
+      <dsp:style>
+        <a:lnRef idx="2">
+          <a:scrgbClr r="0" g="0" b="0"/>
+        </a:lnRef>
+        <a:fillRef idx="0">
+          <a:scrgbClr r="0" g="0" b="0"/>
+        </a:fillRef>
+        <a:effectRef idx="0">
+          <a:scrgbClr r="0" g="0" b="0"/>
+        </a:effectRef>
+        <a:fontRef idx="minor"/>
+      </dsp:style>
+    </dsp:sp>
+    <dsp:sp modelId="{458F6228-54FF-4A4E-BF06-61B212B61E6D}">
+      <dsp:nvSpPr>
+        <dsp:cNvPr id="0" name=""/>
+        <dsp:cNvSpPr/>
+      </dsp:nvSpPr>
+      <dsp:spPr>
+        <a:xfrm>
+          <a:off x="1220242" y="404624"/>
+          <a:ext cx="538890" cy="349140"/>
+        </a:xfrm>
+        <a:custGeom>
+          <a:avLst/>
+          <a:gdLst/>
+          <a:ahLst/>
+          <a:cxnLst/>
+          <a:rect l="0" t="0" r="0" b="0"/>
+          <a:pathLst>
+            <a:path>
+              <a:moveTo>
+                <a:pt x="538890" y="0"/>
+              </a:moveTo>
+              <a:lnTo>
+                <a:pt x="538890" y="349140"/>
+              </a:lnTo>
+              <a:lnTo>
+                <a:pt x="0" y="349140"/>
+              </a:lnTo>
+            </a:path>
+          </a:pathLst>
+        </a:custGeom>
+        <a:noFill/>
+        <a:ln w="15875" cap="rnd" cmpd="sng" algn="ctr">
+          <a:solidFill>
+            <a:schemeClr val="accent1">
+              <a:shade val="60000"/>
+              <a:hueOff val="0"/>
+              <a:satOff val="0"/>
+              <a:lumOff val="0"/>
+              <a:alphaOff val="0"/>
+            </a:schemeClr>
+          </a:solidFill>
+          <a:prstDash val="solid"/>
+        </a:ln>
+        <a:effectLst/>
+      </dsp:spPr>
+      <dsp:style>
+        <a:lnRef idx="2">
+          <a:scrgbClr r="0" g="0" b="0"/>
+        </a:lnRef>
+        <a:fillRef idx="0">
+          <a:scrgbClr r="0" g="0" b="0"/>
+        </a:fillRef>
+        <a:effectRef idx="0">
+          <a:scrgbClr r="0" g="0" b="0"/>
+        </a:effectRef>
+        <a:fontRef idx="minor"/>
+      </dsp:style>
+    </dsp:sp>
+    <dsp:sp modelId="{8EE5202F-171E-4381-9471-83F0E71A7539}">
+      <dsp:nvSpPr>
+        <dsp:cNvPr id="0" name=""/>
+        <dsp:cNvSpPr/>
+      </dsp:nvSpPr>
+      <dsp:spPr>
+        <a:xfrm>
+          <a:off x="1379632" y="25124"/>
+          <a:ext cx="759000" cy="379500"/>
+        </a:xfrm>
+        <a:prstGeom prst="rect">
+          <a:avLst/>
+        </a:prstGeom>
+        <a:solidFill>
+          <a:schemeClr val="accent1">
+            <a:hueOff val="0"/>
+            <a:satOff val="0"/>
+            <a:lumOff val="0"/>
+            <a:alphaOff val="0"/>
+          </a:schemeClr>
+        </a:solidFill>
+        <a:ln w="15875" cap="rnd" cmpd="sng" algn="ctr">
+          <a:solidFill>
+            <a:schemeClr val="lt1">
+              <a:hueOff val="0"/>
+              <a:satOff val="0"/>
+              <a:lumOff val="0"/>
+              <a:alphaOff val="0"/>
+            </a:schemeClr>
+          </a:solidFill>
+          <a:prstDash val="solid"/>
+        </a:ln>
+        <a:effectLst/>
+      </dsp:spPr>
+      <dsp:style>
+        <a:lnRef idx="2">
+          <a:scrgbClr r="0" g="0" b="0"/>
+        </a:lnRef>
+        <a:fillRef idx="1">
+          <a:scrgbClr r="0" g="0" b="0"/>
+        </a:fillRef>
+        <a:effectRef idx="0">
+          <a:scrgbClr r="0" g="0" b="0"/>
+        </a:effectRef>
+        <a:fontRef idx="minor">
+          <a:schemeClr val="lt1"/>
+        </a:fontRef>
+      </dsp:style>
+      <dsp:txBody>
+        <a:bodyPr spcFirstLastPara="0" vert="horz" wrap="square" lIns="15240" tIns="15240" rIns="15240" bIns="15240" numCol="1" spcCol="1270" anchor="ctr" anchorCtr="0">
+          <a:noAutofit/>
+        </a:bodyPr>
+        <a:lstStyle/>
+        <a:p>
+          <a:pPr lvl="0" algn="ctr" defTabSz="1066800">
+            <a:lnSpc>
+              <a:spcPct val="90000"/>
+            </a:lnSpc>
+            <a:spcBef>
+              <a:spcPct val="0"/>
+            </a:spcBef>
+            <a:spcAft>
+              <a:spcPct val="35000"/>
+            </a:spcAft>
+          </a:pPr>
+          <a:r>
+            <a:rPr lang="en-US" sz="2400" kern="1200" dirty="0" smtClean="0"/>
+            <a:t>html</a:t>
+          </a:r>
+        </a:p>
+      </dsp:txBody>
+      <dsp:txXfrm>
+        <a:off x="1379632" y="25124"/>
+        <a:ext cx="759000" cy="379500"/>
+      </dsp:txXfrm>
+    </dsp:sp>
+    <dsp:sp modelId="{127A4EBF-DC88-4D79-8664-1EDAEC4750B1}">
+      <dsp:nvSpPr>
+        <dsp:cNvPr id="0" name=""/>
+        <dsp:cNvSpPr/>
+      </dsp:nvSpPr>
+      <dsp:spPr>
+        <a:xfrm>
+          <a:off x="461242" y="564014"/>
+          <a:ext cx="759000" cy="379500"/>
+        </a:xfrm>
+        <a:prstGeom prst="rect">
+          <a:avLst/>
+        </a:prstGeom>
+        <a:solidFill>
+          <a:schemeClr val="accent1">
+            <a:hueOff val="0"/>
+            <a:satOff val="0"/>
+            <a:lumOff val="0"/>
+            <a:alphaOff val="0"/>
+          </a:schemeClr>
+        </a:solidFill>
+        <a:ln w="15875" cap="rnd" cmpd="sng" algn="ctr">
+          <a:solidFill>
+            <a:schemeClr val="lt1">
+              <a:hueOff val="0"/>
+              <a:satOff val="0"/>
+              <a:lumOff val="0"/>
+              <a:alphaOff val="0"/>
+            </a:schemeClr>
+          </a:solidFill>
+          <a:prstDash val="solid"/>
+        </a:ln>
+        <a:effectLst/>
+      </dsp:spPr>
+      <dsp:style>
+        <a:lnRef idx="2">
+          <a:scrgbClr r="0" g="0" b="0"/>
+        </a:lnRef>
+        <a:fillRef idx="1">
+          <a:scrgbClr r="0" g="0" b="0"/>
+        </a:fillRef>
+        <a:effectRef idx="0">
+          <a:scrgbClr r="0" g="0" b="0"/>
+        </a:effectRef>
+        <a:fontRef idx="minor">
+          <a:schemeClr val="lt1"/>
+        </a:fontRef>
+      </dsp:style>
+      <dsp:txBody>
+        <a:bodyPr spcFirstLastPara="0" vert="horz" wrap="square" lIns="15240" tIns="15240" rIns="15240" bIns="15240" numCol="1" spcCol="1270" anchor="ctr" anchorCtr="0">
+          <a:noAutofit/>
+        </a:bodyPr>
+        <a:lstStyle/>
+        <a:p>
+          <a:pPr lvl="0" algn="ctr" defTabSz="1066800">
+            <a:lnSpc>
+              <a:spcPct val="90000"/>
+            </a:lnSpc>
+            <a:spcBef>
+              <a:spcPct val="0"/>
+            </a:spcBef>
+            <a:spcAft>
+              <a:spcPct val="35000"/>
+            </a:spcAft>
+          </a:pPr>
+          <a:r>
+            <a:rPr lang="en-US" sz="2400" kern="1200" dirty="0" smtClean="0"/>
+            <a:t>head</a:t>
+          </a:r>
+          <a:endParaRPr lang="en-US" sz="2400" kern="1200" dirty="0"/>
+        </a:p>
+      </dsp:txBody>
+      <dsp:txXfrm>
+        <a:off x="461242" y="564014"/>
+        <a:ext cx="759000" cy="379500"/>
+      </dsp:txXfrm>
+    </dsp:sp>
+    <dsp:sp modelId="{37F5BF35-2DF3-4FA1-BB43-3CE58A394C47}">
+      <dsp:nvSpPr>
+        <dsp:cNvPr id="0" name=""/>
+        <dsp:cNvSpPr/>
+      </dsp:nvSpPr>
+      <dsp:spPr>
+        <a:xfrm>
+          <a:off x="2046" y="1102904"/>
+          <a:ext cx="759000" cy="379500"/>
+        </a:xfrm>
+        <a:prstGeom prst="rect">
+          <a:avLst/>
+        </a:prstGeom>
+        <a:solidFill>
+          <a:schemeClr val="accent1">
+            <a:hueOff val="0"/>
+            <a:satOff val="0"/>
+            <a:lumOff val="0"/>
+            <a:alphaOff val="0"/>
+          </a:schemeClr>
+        </a:solidFill>
+        <a:ln w="15875" cap="rnd" cmpd="sng" algn="ctr">
+          <a:solidFill>
+            <a:schemeClr val="lt1">
+              <a:hueOff val="0"/>
+              <a:satOff val="0"/>
+              <a:lumOff val="0"/>
+              <a:alphaOff val="0"/>
+            </a:schemeClr>
+          </a:solidFill>
+          <a:prstDash val="solid"/>
+        </a:ln>
+        <a:effectLst/>
+      </dsp:spPr>
+      <dsp:style>
+        <a:lnRef idx="2">
+          <a:scrgbClr r="0" g="0" b="0"/>
+        </a:lnRef>
+        <a:fillRef idx="1">
+          <a:scrgbClr r="0" g="0" b="0"/>
+        </a:fillRef>
+        <a:effectRef idx="0">
+          <a:scrgbClr r="0" g="0" b="0"/>
+        </a:effectRef>
+        <a:fontRef idx="minor">
+          <a:schemeClr val="lt1"/>
+        </a:fontRef>
+      </dsp:style>
+      <dsp:txBody>
+        <a:bodyPr spcFirstLastPara="0" vert="horz" wrap="square" lIns="15240" tIns="15240" rIns="15240" bIns="15240" numCol="1" spcCol="1270" anchor="ctr" anchorCtr="0">
+          <a:noAutofit/>
+        </a:bodyPr>
+        <a:lstStyle/>
+        <a:p>
+          <a:pPr lvl="0" algn="ctr" defTabSz="1066800">
+            <a:lnSpc>
+              <a:spcPct val="90000"/>
+            </a:lnSpc>
+            <a:spcBef>
+              <a:spcPct val="0"/>
+            </a:spcBef>
+            <a:spcAft>
+              <a:spcPct val="35000"/>
+            </a:spcAft>
+          </a:pPr>
+          <a:r>
+            <a:rPr lang="en-US" sz="2400" kern="1200" dirty="0" smtClean="0"/>
+            <a:t>title</a:t>
+          </a:r>
+          <a:endParaRPr lang="en-US" sz="2400" kern="1200" dirty="0"/>
+        </a:p>
+      </dsp:txBody>
+      <dsp:txXfrm>
+        <a:off x="2046" y="1102904"/>
+        <a:ext cx="759000" cy="379500"/>
+      </dsp:txXfrm>
+    </dsp:sp>
+    <dsp:sp modelId="{6221CD2B-9452-451D-A9D4-E1CC117A4AAC}">
+      <dsp:nvSpPr>
+        <dsp:cNvPr id="0" name=""/>
+        <dsp:cNvSpPr/>
+      </dsp:nvSpPr>
+      <dsp:spPr>
+        <a:xfrm>
+          <a:off x="920437" y="1102904"/>
+          <a:ext cx="759000" cy="379500"/>
+        </a:xfrm>
+        <a:prstGeom prst="rect">
+          <a:avLst/>
+        </a:prstGeom>
+        <a:solidFill>
+          <a:schemeClr val="accent1">
+            <a:hueOff val="0"/>
+            <a:satOff val="0"/>
+            <a:lumOff val="0"/>
+            <a:alphaOff val="0"/>
+          </a:schemeClr>
+        </a:solidFill>
+        <a:ln w="15875" cap="rnd" cmpd="sng" algn="ctr">
+          <a:solidFill>
+            <a:schemeClr val="lt1">
+              <a:hueOff val="0"/>
+              <a:satOff val="0"/>
+              <a:lumOff val="0"/>
+              <a:alphaOff val="0"/>
+            </a:schemeClr>
+          </a:solidFill>
+          <a:prstDash val="solid"/>
+        </a:ln>
+        <a:effectLst/>
+      </dsp:spPr>
+      <dsp:style>
+        <a:lnRef idx="2">
+          <a:scrgbClr r="0" g="0" b="0"/>
+        </a:lnRef>
+        <a:fillRef idx="1">
+          <a:scrgbClr r="0" g="0" b="0"/>
+        </a:fillRef>
+        <a:effectRef idx="0">
+          <a:scrgbClr r="0" g="0" b="0"/>
+        </a:effectRef>
+        <a:fontRef idx="minor">
+          <a:schemeClr val="lt1"/>
+        </a:fontRef>
+      </dsp:style>
+      <dsp:txBody>
+        <a:bodyPr spcFirstLastPara="0" vert="horz" wrap="square" lIns="15240" tIns="15240" rIns="15240" bIns="15240" numCol="1" spcCol="1270" anchor="ctr" anchorCtr="0">
+          <a:noAutofit/>
+        </a:bodyPr>
+        <a:lstStyle/>
+        <a:p>
+          <a:pPr lvl="0" algn="ctr" defTabSz="1066800">
+            <a:lnSpc>
+              <a:spcPct val="90000"/>
+            </a:lnSpc>
+            <a:spcBef>
+              <a:spcPct val="0"/>
+            </a:spcBef>
+            <a:spcAft>
+              <a:spcPct val="35000"/>
+            </a:spcAft>
+          </a:pPr>
+          <a:r>
+            <a:rPr lang="en-US" sz="2400" kern="1200" dirty="0" smtClean="0"/>
+            <a:t>link</a:t>
+          </a:r>
+          <a:endParaRPr lang="en-US" sz="2400" kern="1200" dirty="0"/>
+        </a:p>
+      </dsp:txBody>
+      <dsp:txXfrm>
+        <a:off x="920437" y="1102904"/>
+        <a:ext cx="759000" cy="379500"/>
+      </dsp:txXfrm>
+    </dsp:sp>
+    <dsp:sp modelId="{571DA24D-CB8A-4E3E-92D0-BF64DFC7EA98}">
+      <dsp:nvSpPr>
+        <dsp:cNvPr id="0" name=""/>
+        <dsp:cNvSpPr/>
+      </dsp:nvSpPr>
+      <dsp:spPr>
+        <a:xfrm>
+          <a:off x="3675607" y="564014"/>
+          <a:ext cx="759000" cy="379500"/>
+        </a:xfrm>
+        <a:prstGeom prst="rect">
+          <a:avLst/>
+        </a:prstGeom>
+        <a:solidFill>
+          <a:schemeClr val="accent1">
+            <a:hueOff val="0"/>
+            <a:satOff val="0"/>
+            <a:lumOff val="0"/>
+            <a:alphaOff val="0"/>
+          </a:schemeClr>
+        </a:solidFill>
+        <a:ln w="15875" cap="rnd" cmpd="sng" algn="ctr">
+          <a:solidFill>
+            <a:schemeClr val="lt1">
+              <a:hueOff val="0"/>
+              <a:satOff val="0"/>
+              <a:lumOff val="0"/>
+              <a:alphaOff val="0"/>
+            </a:schemeClr>
+          </a:solidFill>
+          <a:prstDash val="solid"/>
+        </a:ln>
+        <a:effectLst/>
+      </dsp:spPr>
+      <dsp:style>
+        <a:lnRef idx="2">
+          <a:scrgbClr r="0" g="0" b="0"/>
+        </a:lnRef>
+        <a:fillRef idx="1">
+          <a:scrgbClr r="0" g="0" b="0"/>
+        </a:fillRef>
+        <a:effectRef idx="0">
+          <a:scrgbClr r="0" g="0" b="0"/>
+        </a:effectRef>
+        <a:fontRef idx="minor">
+          <a:schemeClr val="lt1"/>
+        </a:fontRef>
+      </dsp:style>
+      <dsp:txBody>
+        <a:bodyPr spcFirstLastPara="0" vert="horz" wrap="square" lIns="15240" tIns="15240" rIns="15240" bIns="15240" numCol="1" spcCol="1270" anchor="ctr" anchorCtr="0">
+          <a:noAutofit/>
+        </a:bodyPr>
+        <a:lstStyle/>
+        <a:p>
+          <a:pPr lvl="0" algn="ctr" defTabSz="1066800">
+            <a:lnSpc>
+              <a:spcPct val="90000"/>
+            </a:lnSpc>
+            <a:spcBef>
+              <a:spcPct val="0"/>
+            </a:spcBef>
+            <a:spcAft>
+              <a:spcPct val="35000"/>
+            </a:spcAft>
+          </a:pPr>
+          <a:r>
+            <a:rPr lang="en-US" sz="2400" kern="1200" dirty="0" smtClean="0"/>
+            <a:t>body</a:t>
+          </a:r>
+          <a:endParaRPr lang="en-US" sz="2400" kern="1200" dirty="0"/>
+        </a:p>
+      </dsp:txBody>
+      <dsp:txXfrm>
+        <a:off x="3675607" y="564014"/>
+        <a:ext cx="759000" cy="379500"/>
+      </dsp:txXfrm>
+    </dsp:sp>
+    <dsp:sp modelId="{E1523126-47D1-4BCB-B9E3-E15528F6043C}">
+      <dsp:nvSpPr>
+        <dsp:cNvPr id="0" name=""/>
+        <dsp:cNvSpPr/>
+      </dsp:nvSpPr>
+      <dsp:spPr>
+        <a:xfrm>
+          <a:off x="1838827" y="1102904"/>
+          <a:ext cx="759000" cy="379500"/>
+        </a:xfrm>
+        <a:prstGeom prst="rect">
+          <a:avLst/>
+        </a:prstGeom>
+        <a:solidFill>
+          <a:schemeClr val="accent1">
+            <a:hueOff val="0"/>
+            <a:satOff val="0"/>
+            <a:lumOff val="0"/>
+            <a:alphaOff val="0"/>
+          </a:schemeClr>
+        </a:solidFill>
+        <a:ln w="15875" cap="rnd" cmpd="sng" algn="ctr">
+          <a:solidFill>
+            <a:schemeClr val="lt1">
+              <a:hueOff val="0"/>
+              <a:satOff val="0"/>
+              <a:lumOff val="0"/>
+              <a:alphaOff val="0"/>
+            </a:schemeClr>
+          </a:solidFill>
+          <a:prstDash val="solid"/>
+        </a:ln>
+        <a:effectLst/>
+      </dsp:spPr>
+      <dsp:style>
+        <a:lnRef idx="2">
+          <a:scrgbClr r="0" g="0" b="0"/>
+        </a:lnRef>
+        <a:fillRef idx="1">
+          <a:scrgbClr r="0" g="0" b="0"/>
+        </a:fillRef>
+        <a:effectRef idx="0">
+          <a:scrgbClr r="0" g="0" b="0"/>
+        </a:effectRef>
+        <a:fontRef idx="minor">
+          <a:schemeClr val="lt1"/>
+        </a:fontRef>
+      </dsp:style>
+      <dsp:txBody>
+        <a:bodyPr spcFirstLastPara="0" vert="horz" wrap="square" lIns="15240" tIns="15240" rIns="15240" bIns="15240" numCol="1" spcCol="1270" anchor="ctr" anchorCtr="0">
+          <a:noAutofit/>
+        </a:bodyPr>
+        <a:lstStyle/>
+        <a:p>
+          <a:pPr lvl="0" algn="ctr" defTabSz="1066800">
+            <a:lnSpc>
+              <a:spcPct val="90000"/>
+            </a:lnSpc>
+            <a:spcBef>
+              <a:spcPct val="0"/>
+            </a:spcBef>
+            <a:spcAft>
+              <a:spcPct val="35000"/>
+            </a:spcAft>
+          </a:pPr>
+          <a:r>
+            <a:rPr lang="en-US" sz="2400" kern="1200" dirty="0" smtClean="0"/>
+            <a:t>div</a:t>
+          </a:r>
+          <a:endParaRPr lang="en-US" sz="2400" kern="1200" dirty="0"/>
+        </a:p>
+      </dsp:txBody>
+      <dsp:txXfrm>
+        <a:off x="1838827" y="1102904"/>
+        <a:ext cx="759000" cy="379500"/>
+      </dsp:txXfrm>
+    </dsp:sp>
+    <dsp:sp modelId="{3171F02D-87C0-430F-A798-D4224EDE384F}">
+      <dsp:nvSpPr>
+        <dsp:cNvPr id="0" name=""/>
+        <dsp:cNvSpPr/>
+      </dsp:nvSpPr>
+      <dsp:spPr>
+        <a:xfrm>
+          <a:off x="4134802" y="1102904"/>
+          <a:ext cx="759000" cy="379500"/>
+        </a:xfrm>
+        <a:prstGeom prst="rect">
+          <a:avLst/>
+        </a:prstGeom>
+        <a:solidFill>
+          <a:schemeClr val="accent1">
+            <a:hueOff val="0"/>
+            <a:satOff val="0"/>
+            <a:lumOff val="0"/>
+            <a:alphaOff val="0"/>
+          </a:schemeClr>
+        </a:solidFill>
+        <a:ln w="15875" cap="rnd" cmpd="sng" algn="ctr">
+          <a:solidFill>
+            <a:schemeClr val="lt1">
+              <a:hueOff val="0"/>
+              <a:satOff val="0"/>
+              <a:lumOff val="0"/>
+              <a:alphaOff val="0"/>
+            </a:schemeClr>
+          </a:solidFill>
+          <a:prstDash val="solid"/>
+        </a:ln>
+        <a:effectLst/>
+      </dsp:spPr>
+      <dsp:style>
+        <a:lnRef idx="2">
+          <a:scrgbClr r="0" g="0" b="0"/>
+        </a:lnRef>
+        <a:fillRef idx="1">
+          <a:scrgbClr r="0" g="0" b="0"/>
+        </a:fillRef>
+        <a:effectRef idx="0">
+          <a:scrgbClr r="0" g="0" b="0"/>
+        </a:effectRef>
+        <a:fontRef idx="minor">
+          <a:schemeClr val="lt1"/>
+        </a:fontRef>
+      </dsp:style>
+      <dsp:txBody>
+        <a:bodyPr spcFirstLastPara="0" vert="horz" wrap="square" lIns="15240" tIns="15240" rIns="15240" bIns="15240" numCol="1" spcCol="1270" anchor="ctr" anchorCtr="0">
+          <a:noAutofit/>
+        </a:bodyPr>
+        <a:lstStyle/>
+        <a:p>
+          <a:pPr lvl="0" algn="ctr" defTabSz="1066800">
+            <a:lnSpc>
+              <a:spcPct val="90000"/>
+            </a:lnSpc>
+            <a:spcBef>
+              <a:spcPct val="0"/>
+            </a:spcBef>
+            <a:spcAft>
+              <a:spcPct val="35000"/>
+            </a:spcAft>
+          </a:pPr>
+          <a:r>
+            <a:rPr lang="en-US" sz="2400" kern="1200" dirty="0" smtClean="0"/>
+            <a:t>p</a:t>
+          </a:r>
+          <a:endParaRPr lang="en-US" sz="2400" kern="1200" dirty="0"/>
+        </a:p>
+      </dsp:txBody>
+      <dsp:txXfrm>
+        <a:off x="4134802" y="1102904"/>
+        <a:ext cx="759000" cy="379500"/>
+      </dsp:txXfrm>
+    </dsp:sp>
+    <dsp:sp modelId="{DB4EAC3D-F29B-4572-BF41-8758393AE846}">
+      <dsp:nvSpPr>
+        <dsp:cNvPr id="0" name=""/>
+        <dsp:cNvSpPr/>
+      </dsp:nvSpPr>
+      <dsp:spPr>
+        <a:xfrm>
+          <a:off x="3216412" y="1641795"/>
+          <a:ext cx="759000" cy="379500"/>
+        </a:xfrm>
+        <a:prstGeom prst="rect">
+          <a:avLst/>
+        </a:prstGeom>
+        <a:solidFill>
+          <a:schemeClr val="accent1">
+            <a:hueOff val="0"/>
+            <a:satOff val="0"/>
+            <a:lumOff val="0"/>
+            <a:alphaOff val="0"/>
+          </a:schemeClr>
+        </a:solidFill>
+        <a:ln w="15875" cap="rnd" cmpd="sng" algn="ctr">
+          <a:solidFill>
+            <a:schemeClr val="lt1">
+              <a:hueOff val="0"/>
+              <a:satOff val="0"/>
+              <a:lumOff val="0"/>
+              <a:alphaOff val="0"/>
+            </a:schemeClr>
+          </a:solidFill>
+          <a:prstDash val="solid"/>
+        </a:ln>
+        <a:effectLst/>
+      </dsp:spPr>
+      <dsp:style>
+        <a:lnRef idx="2">
+          <a:scrgbClr r="0" g="0" b="0"/>
+        </a:lnRef>
+        <a:fillRef idx="1">
+          <a:scrgbClr r="0" g="0" b="0"/>
+        </a:fillRef>
+        <a:effectRef idx="0">
+          <a:scrgbClr r="0" g="0" b="0"/>
+        </a:effectRef>
+        <a:fontRef idx="minor">
+          <a:schemeClr val="lt1"/>
+        </a:fontRef>
+      </dsp:style>
+      <dsp:txBody>
+        <a:bodyPr spcFirstLastPara="0" vert="horz" wrap="square" lIns="15240" tIns="15240" rIns="15240" bIns="15240" numCol="1" spcCol="1270" anchor="ctr" anchorCtr="0">
+          <a:noAutofit/>
+        </a:bodyPr>
+        <a:lstStyle/>
+        <a:p>
+          <a:pPr lvl="0" algn="ctr" defTabSz="1066800">
+            <a:lnSpc>
+              <a:spcPct val="90000"/>
+            </a:lnSpc>
+            <a:spcBef>
+              <a:spcPct val="0"/>
+            </a:spcBef>
+            <a:spcAft>
+              <a:spcPct val="35000"/>
+            </a:spcAft>
+          </a:pPr>
+          <a:r>
+            <a:rPr lang="en-US" sz="2400" kern="1200" dirty="0" smtClean="0"/>
+            <a:t>table</a:t>
+          </a:r>
+          <a:endParaRPr lang="en-US" sz="2400" kern="1200" dirty="0"/>
+        </a:p>
+      </dsp:txBody>
+      <dsp:txXfrm>
+        <a:off x="3216412" y="1641795"/>
+        <a:ext cx="759000" cy="379500"/>
+      </dsp:txXfrm>
+    </dsp:sp>
+    <dsp:sp modelId="{1FE162B0-B155-4CD8-8967-4456231A8900}">
+      <dsp:nvSpPr>
+        <dsp:cNvPr id="0" name=""/>
+        <dsp:cNvSpPr/>
+      </dsp:nvSpPr>
+      <dsp:spPr>
+        <a:xfrm>
+          <a:off x="2298022" y="2180685"/>
+          <a:ext cx="759000" cy="379500"/>
+        </a:xfrm>
+        <a:prstGeom prst="rect">
+          <a:avLst/>
+        </a:prstGeom>
+        <a:solidFill>
+          <a:schemeClr val="accent1">
+            <a:hueOff val="0"/>
+            <a:satOff val="0"/>
+            <a:lumOff val="0"/>
+            <a:alphaOff val="0"/>
+          </a:schemeClr>
+        </a:solidFill>
+        <a:ln w="15875" cap="rnd" cmpd="sng" algn="ctr">
+          <a:solidFill>
+            <a:schemeClr val="lt1">
+              <a:hueOff val="0"/>
+              <a:satOff val="0"/>
+              <a:lumOff val="0"/>
+              <a:alphaOff val="0"/>
+            </a:schemeClr>
+          </a:solidFill>
+          <a:prstDash val="solid"/>
+        </a:ln>
+        <a:effectLst/>
+      </dsp:spPr>
+      <dsp:style>
+        <a:lnRef idx="2">
+          <a:scrgbClr r="0" g="0" b="0"/>
+        </a:lnRef>
+        <a:fillRef idx="1">
+          <a:scrgbClr r="0" g="0" b="0"/>
+        </a:fillRef>
+        <a:effectRef idx="0">
+          <a:scrgbClr r="0" g="0" b="0"/>
+        </a:effectRef>
+        <a:fontRef idx="minor">
+          <a:schemeClr val="lt1"/>
+        </a:fontRef>
+      </dsp:style>
+      <dsp:txBody>
+        <a:bodyPr spcFirstLastPara="0" vert="horz" wrap="square" lIns="15240" tIns="15240" rIns="15240" bIns="15240" numCol="1" spcCol="1270" anchor="ctr" anchorCtr="0">
+          <a:noAutofit/>
+        </a:bodyPr>
+        <a:lstStyle/>
+        <a:p>
+          <a:pPr lvl="0" algn="ctr" defTabSz="1066800">
+            <a:lnSpc>
+              <a:spcPct val="90000"/>
+            </a:lnSpc>
+            <a:spcBef>
+              <a:spcPct val="0"/>
+            </a:spcBef>
+            <a:spcAft>
+              <a:spcPct val="35000"/>
+            </a:spcAft>
+          </a:pPr>
+          <a:r>
+            <a:rPr lang="en-US" sz="2400" kern="1200" dirty="0" err="1" smtClean="0"/>
+            <a:t>tr</a:t>
+          </a:r>
+          <a:endParaRPr lang="en-US" sz="2400" kern="1200" dirty="0"/>
+        </a:p>
+      </dsp:txBody>
+      <dsp:txXfrm>
+        <a:off x="2298022" y="2180685"/>
+        <a:ext cx="759000" cy="379500"/>
+      </dsp:txXfrm>
+    </dsp:sp>
+    <dsp:sp modelId="{60160279-E65E-4CBB-9171-63734424D5DD}">
+      <dsp:nvSpPr>
+        <dsp:cNvPr id="0" name=""/>
+        <dsp:cNvSpPr/>
+      </dsp:nvSpPr>
+      <dsp:spPr>
+        <a:xfrm>
+          <a:off x="1838827" y="2719575"/>
+          <a:ext cx="759000" cy="379500"/>
+        </a:xfrm>
+        <a:prstGeom prst="rect">
+          <a:avLst/>
+        </a:prstGeom>
+        <a:solidFill>
+          <a:schemeClr val="accent1">
+            <a:hueOff val="0"/>
+            <a:satOff val="0"/>
+            <a:lumOff val="0"/>
+            <a:alphaOff val="0"/>
+          </a:schemeClr>
+        </a:solidFill>
+        <a:ln w="15875" cap="rnd" cmpd="sng" algn="ctr">
+          <a:solidFill>
+            <a:schemeClr val="lt1">
+              <a:hueOff val="0"/>
+              <a:satOff val="0"/>
+              <a:lumOff val="0"/>
+              <a:alphaOff val="0"/>
+            </a:schemeClr>
+          </a:solidFill>
+          <a:prstDash val="solid"/>
+        </a:ln>
+        <a:effectLst/>
+      </dsp:spPr>
+      <dsp:style>
+        <a:lnRef idx="2">
+          <a:scrgbClr r="0" g="0" b="0"/>
+        </a:lnRef>
+        <a:fillRef idx="1">
+          <a:scrgbClr r="0" g="0" b="0"/>
+        </a:fillRef>
+        <a:effectRef idx="0">
+          <a:scrgbClr r="0" g="0" b="0"/>
+        </a:effectRef>
+        <a:fontRef idx="minor">
+          <a:schemeClr val="lt1"/>
+        </a:fontRef>
+      </dsp:style>
+      <dsp:txBody>
+        <a:bodyPr spcFirstLastPara="0" vert="horz" wrap="square" lIns="15240" tIns="15240" rIns="15240" bIns="15240" numCol="1" spcCol="1270" anchor="ctr" anchorCtr="0">
+          <a:noAutofit/>
+        </a:bodyPr>
+        <a:lstStyle/>
+        <a:p>
+          <a:pPr lvl="0" algn="ctr" defTabSz="1066800">
+            <a:lnSpc>
+              <a:spcPct val="90000"/>
+            </a:lnSpc>
+            <a:spcBef>
+              <a:spcPct val="0"/>
+            </a:spcBef>
+            <a:spcAft>
+              <a:spcPct val="35000"/>
+            </a:spcAft>
+          </a:pPr>
+          <a:r>
+            <a:rPr lang="en-US" sz="2400" kern="1200" dirty="0" smtClean="0"/>
+            <a:t>td</a:t>
+          </a:r>
+          <a:endParaRPr lang="en-US" sz="2400" kern="1200" dirty="0"/>
+        </a:p>
+      </dsp:txBody>
+      <dsp:txXfrm>
+        <a:off x="1838827" y="2719575"/>
+        <a:ext cx="759000" cy="379500"/>
+      </dsp:txXfrm>
+    </dsp:sp>
+    <dsp:sp modelId="{916BCDFB-B60F-4D83-B52F-056320E42EEF}">
+      <dsp:nvSpPr>
+        <dsp:cNvPr id="0" name=""/>
+        <dsp:cNvSpPr/>
+      </dsp:nvSpPr>
+      <dsp:spPr>
+        <a:xfrm>
+          <a:off x="2757217" y="2719575"/>
+          <a:ext cx="759000" cy="379500"/>
+        </a:xfrm>
+        <a:prstGeom prst="rect">
+          <a:avLst/>
+        </a:prstGeom>
+        <a:solidFill>
+          <a:schemeClr val="accent1">
+            <a:hueOff val="0"/>
+            <a:satOff val="0"/>
+            <a:lumOff val="0"/>
+            <a:alphaOff val="0"/>
+          </a:schemeClr>
+        </a:solidFill>
+        <a:ln w="15875" cap="rnd" cmpd="sng" algn="ctr">
+          <a:solidFill>
+            <a:schemeClr val="lt1">
+              <a:hueOff val="0"/>
+              <a:satOff val="0"/>
+              <a:lumOff val="0"/>
+              <a:alphaOff val="0"/>
+            </a:schemeClr>
+          </a:solidFill>
+          <a:prstDash val="solid"/>
+        </a:ln>
+        <a:effectLst/>
+      </dsp:spPr>
+      <dsp:style>
+        <a:lnRef idx="2">
+          <a:scrgbClr r="0" g="0" b="0"/>
+        </a:lnRef>
+        <a:fillRef idx="1">
+          <a:scrgbClr r="0" g="0" b="0"/>
+        </a:fillRef>
+        <a:effectRef idx="0">
+          <a:scrgbClr r="0" g="0" b="0"/>
+        </a:effectRef>
+        <a:fontRef idx="minor">
+          <a:schemeClr val="lt1"/>
+        </a:fontRef>
+      </dsp:style>
+      <dsp:txBody>
+        <a:bodyPr spcFirstLastPara="0" vert="horz" wrap="square" lIns="15240" tIns="15240" rIns="15240" bIns="15240" numCol="1" spcCol="1270" anchor="ctr" anchorCtr="0">
+          <a:noAutofit/>
+        </a:bodyPr>
+        <a:lstStyle/>
+        <a:p>
+          <a:pPr lvl="0" algn="ctr" defTabSz="1066800">
+            <a:lnSpc>
+              <a:spcPct val="90000"/>
+            </a:lnSpc>
+            <a:spcBef>
+              <a:spcPct val="0"/>
+            </a:spcBef>
+            <a:spcAft>
+              <a:spcPct val="35000"/>
+            </a:spcAft>
+          </a:pPr>
+          <a:r>
+            <a:rPr lang="en-US" sz="2400" kern="1200" dirty="0" smtClean="0"/>
+            <a:t>td</a:t>
+          </a:r>
+          <a:endParaRPr lang="en-US" sz="2400" kern="1200" dirty="0"/>
+        </a:p>
+      </dsp:txBody>
+      <dsp:txXfrm>
+        <a:off x="2757217" y="2719575"/>
+        <a:ext cx="759000" cy="379500"/>
+      </dsp:txXfrm>
+    </dsp:sp>
   </dsp:spTree>
 </dsp:drawing>
 </file>
@@ -4372,7 +5798,7 @@
           <a:p>
             <a:fld id="{D10AF160-CD5A-4A77-96B0-C85B80371432}" type="datetimeFigureOut">
               <a:rPr lang="en-US" smtClean="0"/>
-              <a:t>19-May-16</a:t>
+              <a:t>30-May-17</a:t>
             </a:fld>
             <a:endParaRPr lang="en-US"/>
           </a:p>
@@ -4537,7 +5963,7 @@
           <a:p>
             <a:fld id="{F6A950C5-F15E-44EA-AF6A-22227443235C}" type="datetimeFigureOut">
               <a:rPr lang="en-US" smtClean="0"/>
-              <a:t>19-May-16</a:t>
+              <a:t>30-May-17</a:t>
             </a:fld>
             <a:endParaRPr lang="en-US"/>
           </a:p>
@@ -5310,7 +6736,7 @@
           <a:p>
             <a:fld id="{6F66794D-9D79-4AC5-96DA-597EA4BF2704}" type="datetimeFigureOut">
               <a:rPr lang="en-US" smtClean="0"/>
-              <a:t>19-May-16</a:t>
+              <a:t>30-May-17</a:t>
             </a:fld>
             <a:endParaRPr lang="en-US"/>
           </a:p>
@@ -5644,7 +7070,7 @@
           <a:p>
             <a:fld id="{6F66794D-9D79-4AC5-96DA-597EA4BF2704}" type="datetimeFigureOut">
               <a:rPr lang="en-US" smtClean="0"/>
-              <a:t>19-May-16</a:t>
+              <a:t>30-May-17</a:t>
             </a:fld>
             <a:endParaRPr lang="en-US"/>
           </a:p>
@@ -5900,7 +7326,7 @@
           <a:p>
             <a:fld id="{6F66794D-9D79-4AC5-96DA-597EA4BF2704}" type="datetimeFigureOut">
               <a:rPr lang="en-US" smtClean="0"/>
-              <a:t>19-May-16</a:t>
+              <a:t>30-May-17</a:t>
             </a:fld>
             <a:endParaRPr lang="en-US"/>
           </a:p>
@@ -6448,7 +7874,7 @@
           <a:p>
             <a:fld id="{6F66794D-9D79-4AC5-96DA-597EA4BF2704}" type="datetimeFigureOut">
               <a:rPr lang="en-US" smtClean="0"/>
-              <a:t>19-May-16</a:t>
+              <a:t>30-May-17</a:t>
             </a:fld>
             <a:endParaRPr lang="en-US"/>
           </a:p>
@@ -6704,7 +8130,7 @@
           <a:p>
             <a:fld id="{6F66794D-9D79-4AC5-96DA-597EA4BF2704}" type="datetimeFigureOut">
               <a:rPr lang="en-US" smtClean="0"/>
-              <a:t>19-May-16</a:t>
+              <a:t>30-May-17</a:t>
             </a:fld>
             <a:endParaRPr lang="en-US"/>
           </a:p>
@@ -7244,7 +8670,7 @@
           <a:p>
             <a:fld id="{6F66794D-9D79-4AC5-96DA-597EA4BF2704}" type="datetimeFigureOut">
               <a:rPr lang="en-US" smtClean="0"/>
-              <a:t>19-May-16</a:t>
+              <a:t>30-May-17</a:t>
             </a:fld>
             <a:endParaRPr lang="en-US"/>
           </a:p>
@@ -7549,7 +8975,7 @@
           <a:p>
             <a:fld id="{6F66794D-9D79-4AC5-96DA-597EA4BF2704}" type="datetimeFigureOut">
               <a:rPr lang="en-US" smtClean="0"/>
-              <a:t>19-May-16</a:t>
+              <a:t>30-May-17</a:t>
             </a:fld>
             <a:endParaRPr lang="en-US"/>
           </a:p>
@@ -7731,7 +9157,7 @@
           <a:p>
             <a:fld id="{6F66794D-9D79-4AC5-96DA-597EA4BF2704}" type="datetimeFigureOut">
               <a:rPr lang="en-US" smtClean="0"/>
-              <a:t>19-May-16</a:t>
+              <a:t>30-May-17</a:t>
             </a:fld>
             <a:endParaRPr lang="en-US"/>
           </a:p>
@@ -7919,7 +9345,7 @@
           <a:p>
             <a:fld id="{6F66794D-9D79-4AC5-96DA-597EA4BF2704}" type="datetimeFigureOut">
               <a:rPr lang="en-US" smtClean="0"/>
-              <a:t>19-May-16</a:t>
+              <a:t>30-May-17</a:t>
             </a:fld>
             <a:endParaRPr lang="en-US"/>
           </a:p>
@@ -8097,7 +9523,7 @@
           <a:p>
             <a:fld id="{6F66794D-9D79-4AC5-96DA-597EA4BF2704}" type="datetimeFigureOut">
               <a:rPr lang="en-US" smtClean="0"/>
-              <a:t>19-May-16</a:t>
+              <a:t>30-May-17</a:t>
             </a:fld>
             <a:endParaRPr lang="en-US"/>
           </a:p>
@@ -8386,7 +9812,7 @@
           <a:p>
             <a:fld id="{6F66794D-9D79-4AC5-96DA-597EA4BF2704}" type="datetimeFigureOut">
               <a:rPr lang="en-US" smtClean="0"/>
-              <a:t>19-May-16</a:t>
+              <a:t>30-May-17</a:t>
             </a:fld>
             <a:endParaRPr lang="en-US"/>
           </a:p>
@@ -8691,7 +10117,7 @@
           <a:p>
             <a:fld id="{6F66794D-9D79-4AC5-96DA-597EA4BF2704}" type="datetimeFigureOut">
               <a:rPr lang="en-US" smtClean="0"/>
-              <a:t>19-May-16</a:t>
+              <a:t>30-May-17</a:t>
             </a:fld>
             <a:endParaRPr lang="en-US"/>
           </a:p>
@@ -9171,7 +10597,7 @@
           <a:p>
             <a:fld id="{6F66794D-9D79-4AC5-96DA-597EA4BF2704}" type="datetimeFigureOut">
               <a:rPr lang="en-US" smtClean="0"/>
-              <a:t>19-May-16</a:t>
+              <a:t>30-May-17</a:t>
             </a:fld>
             <a:endParaRPr lang="en-US"/>
           </a:p>
@@ -9327,7 +10753,7 @@
           <a:p>
             <a:fld id="{6F66794D-9D79-4AC5-96DA-597EA4BF2704}" type="datetimeFigureOut">
               <a:rPr lang="en-US" smtClean="0"/>
-              <a:t>19-May-16</a:t>
+              <a:t>30-May-17</a:t>
             </a:fld>
             <a:endParaRPr lang="en-US"/>
           </a:p>
@@ -9430,7 +10856,7 @@
           <a:p>
             <a:fld id="{6F66794D-9D79-4AC5-96DA-597EA4BF2704}" type="datetimeFigureOut">
               <a:rPr lang="en-US" smtClean="0"/>
-              <a:t>19-May-16</a:t>
+              <a:t>30-May-17</a:t>
             </a:fld>
             <a:endParaRPr lang="en-US"/>
           </a:p>
@@ -9721,7 +11147,7 @@
           <a:p>
             <a:fld id="{6F66794D-9D79-4AC5-96DA-597EA4BF2704}" type="datetimeFigureOut">
               <a:rPr lang="en-US" smtClean="0"/>
-              <a:t>19-May-16</a:t>
+              <a:t>30-May-17</a:t>
             </a:fld>
             <a:endParaRPr lang="en-US"/>
           </a:p>
@@ -10020,7 +11446,7 @@
           <a:p>
             <a:fld id="{6F66794D-9D79-4AC5-96DA-597EA4BF2704}" type="datetimeFigureOut">
               <a:rPr lang="en-US" smtClean="0"/>
-              <a:t>19-May-16</a:t>
+              <a:t>30-May-17</a:t>
             </a:fld>
             <a:endParaRPr lang="en-US"/>
           </a:p>
@@ -10558,7 +11984,7 @@
           <a:p>
             <a:fld id="{6F66794D-9D79-4AC5-96DA-597EA4BF2704}" type="datetimeFigureOut">
               <a:rPr lang="en-US" smtClean="0"/>
-              <a:t>19-May-16</a:t>
+              <a:t>30-May-17</a:t>
             </a:fld>
             <a:endParaRPr lang="en-US"/>
           </a:p>
@@ -11897,6 +13323,13 @@
       <p:transition spd="slow"/>
     </mc:Fallback>
   </mc:AlternateContent>
+  <p:timing>
+    <p:tnLst>
+      <p:par>
+        <p:cTn id="1" dur="indefinite" restart="never" nodeType="tmRoot"/>
+      </p:par>
+    </p:tnLst>
+  </p:timing>
 </p:sld>
 </file>
 
@@ -14759,13 +16192,13 @@
               <a:rPr lang="en-US" sz="1800" b="0" dirty="0" smtClean="0">
                 <a:effectLst/>
               </a:rPr>
-              <a:t>(trainer</a:t>
+              <a:t>(team); </a:t>
             </a:r>
             <a:r>
               <a:rPr lang="en-US" sz="1800" b="0" dirty="0">
                 <a:effectLst/>
               </a:rPr>
-              <a:t>); //remove a selected element </a:t>
+              <a:t>//remove a selected element </a:t>
             </a:r>
             <a:endParaRPr lang="en-US" sz="1800" b="0" dirty="0" smtClean="0">
               <a:effectLst/>
@@ -16481,6 +17914,13 @@
       <p:transition spd="slow"/>
     </mc:Fallback>
   </mc:AlternateContent>
+  <p:timing>
+    <p:tnLst>
+      <p:par>
+        <p:cTn id="1" dur="indefinite" restart="never" nodeType="tmRoot"/>
+      </p:par>
+    </p:tnLst>
+  </p:timing>
 </p:sld>
 </file>
 
@@ -16694,6 +18134,13 @@
       <p:transition spd="slow"/>
     </mc:Fallback>
   </mc:AlternateContent>
+  <p:timing>
+    <p:tnLst>
+      <p:par>
+        <p:cTn id="1" dur="indefinite" restart="never" nodeType="tmRoot"/>
+      </p:par>
+    </p:tnLst>
+  </p:timing>
 </p:sld>
 </file>
 
@@ -16959,6 +18406,13 @@
       <p:transition spd="slow"/>
     </mc:Fallback>
   </mc:AlternateContent>
+  <p:timing>
+    <p:tnLst>
+      <p:par>
+        <p:cTn id="1" dur="indefinite" restart="never" nodeType="tmRoot"/>
+      </p:par>
+    </p:tnLst>
+  </p:timing>
 </p:sld>
 </file>
 
@@ -17434,6 +18888,13 @@
       <p:transition spd="slow"/>
     </mc:Fallback>
   </mc:AlternateContent>
+  <p:timing>
+    <p:tnLst>
+      <p:par>
+        <p:cTn id="1" dur="indefinite" restart="never" nodeType="tmRoot"/>
+      </p:par>
+    </p:tnLst>
+  </p:timing>
 </p:sld>
 </file>
 
@@ -17587,11 +19048,7 @@
             </a:r>
             <a:r>
               <a:rPr lang="bg-BG" dirty="0" smtClean="0"/>
-              <a:t> </a:t>
-            </a:r>
-            <a:r>
-              <a:rPr lang="bg-BG" dirty="0" smtClean="0"/>
-              <a:t>код, който по зададено </a:t>
+              <a:t> код, който по зададено </a:t>
             </a:r>
             <a:r>
               <a:rPr lang="en-US" dirty="0" smtClean="0"/>
@@ -18097,6 +19554,13 @@
       <p:transition spd="slow"/>
     </mc:Fallback>
   </mc:AlternateContent>
+  <p:timing>
+    <p:tnLst>
+      <p:par>
+        <p:cTn id="1" dur="indefinite" restart="never" nodeType="tmRoot"/>
+      </p:par>
+    </p:tnLst>
+  </p:timing>
 </p:sld>
 </file>
 
@@ -18352,6 +19816,13 @@
       <p:transition spd="slow"/>
     </mc:Fallback>
   </mc:AlternateContent>
+  <p:timing>
+    <p:tnLst>
+      <p:par>
+        <p:cTn id="1" dur="indefinite" restart="never" nodeType="tmRoot"/>
+      </p:par>
+    </p:tnLst>
+  </p:timing>
 </p:sld>
 </file>
 
@@ -18955,6 +20426,13 @@
       <p:transition spd="slow"/>
     </mc:Fallback>
   </mc:AlternateContent>
+  <p:timing>
+    <p:tnLst>
+      <p:par>
+        <p:cTn id="1" dur="indefinite" restart="never" nodeType="tmRoot"/>
+      </p:par>
+    </p:tnLst>
+  </p:timing>
 </p:sld>
 </file>
 
@@ -19496,6 +20974,13 @@
       <p:transition spd="slow"/>
     </mc:Fallback>
   </mc:AlternateContent>
+  <p:timing>
+    <p:tnLst>
+      <p:par>
+        <p:cTn id="1" dur="indefinite" restart="never" nodeType="tmRoot"/>
+      </p:par>
+    </p:tnLst>
+  </p:timing>
 </p:sld>
 </file>
 
@@ -20079,6 +21564,13 @@
       <p:transition spd="slow"/>
     </mc:Fallback>
   </mc:AlternateContent>
+  <p:timing>
+    <p:tnLst>
+      <p:par>
+        <p:cTn id="1" dur="indefinite" restart="never" nodeType="tmRoot"/>
+      </p:par>
+    </p:tnLst>
+  </p:timing>
 </p:sld>
 </file>
 
